--- a/RESTful-Api-Exp2/Slides/order的建立结构.pptx
+++ b/RESTful-Api-Exp2/Slides/order的建立结构.pptx
@@ -5,10 +5,7 @@
     <p:sldMasterId id="2147483831" r:id="rId1"/>
   </p:sldMasterIdLst>
   <p:sldIdLst>
-    <p:sldId id="256" r:id="rId2"/>
-    <p:sldId id="257" r:id="rId3"/>
-    <p:sldId id="272" r:id="rId4"/>
-    <p:sldId id="267" r:id="rId5"/>
+    <p:sldId id="272" r:id="rId2"/>
   </p:sldIdLst>
   <p:sldSz cx="12192000" cy="6858000"/>
   <p:notesSz cx="6858000" cy="9144000"/>
@@ -127,489 +124,48 @@
 <file path=ppt/changesInfos/changesInfo1.xml><?xml version="1.0" encoding="utf-8"?>
 <pc:chgInfo xmlns:a="http://schemas.openxmlformats.org/drawingml/2006/main" xmlns:r="http://schemas.openxmlformats.org/officeDocument/2006/relationships" xmlns:ac="http://schemas.microsoft.com/office/drawing/2013/main/command" xmlns:pc="http://schemas.microsoft.com/office/powerpoint/2013/main/command">
   <pc:docChgLst>
-    <pc:chgData name="Yang Xu" userId="2ef8d03b0d59ea36" providerId="LiveId" clId="{A02E9244-CA36-44B9-8DB0-65ABEB622C12}"/>
-    <pc:docChg chg="undo custSel addSld delSld modSld">
-      <pc:chgData name="Yang Xu" userId="2ef8d03b0d59ea36" providerId="LiveId" clId="{A02E9244-CA36-44B9-8DB0-65ABEB622C12}" dt="2020-01-18T05:39:43.582" v="674" actId="20577"/>
+    <pc:chgData name="Yang Xu" userId="2ef8d03b0d59ea36" providerId="LiveId" clId="{69649305-FBE2-4B27-8309-18E794EC8232}"/>
+    <pc:docChg chg="delSld modSld">
+      <pc:chgData name="Yang Xu" userId="2ef8d03b0d59ea36" providerId="LiveId" clId="{69649305-FBE2-4B27-8309-18E794EC8232}" dt="2019-12-15T01:52:35.839" v="10" actId="2696"/>
       <pc:docMkLst>
         <pc:docMk/>
       </pc:docMkLst>
       <pc:sldChg chg="modSp">
-        <pc:chgData name="Yang Xu" userId="2ef8d03b0d59ea36" providerId="LiveId" clId="{A02E9244-CA36-44B9-8DB0-65ABEB622C12}" dt="2020-01-18T05:24:48.676" v="34" actId="20577"/>
+        <pc:chgData name="Yang Xu" userId="2ef8d03b0d59ea36" providerId="LiveId" clId="{69649305-FBE2-4B27-8309-18E794EC8232}" dt="2019-12-15T01:52:31.830" v="7" actId="20577"/>
         <pc:sldMkLst>
           <pc:docMk/>
           <pc:sldMk cId="1232935249" sldId="257"/>
         </pc:sldMkLst>
         <pc:spChg chg="mod">
-          <ac:chgData name="Yang Xu" userId="2ef8d03b0d59ea36" providerId="LiveId" clId="{A02E9244-CA36-44B9-8DB0-65ABEB622C12}" dt="2020-01-18T05:24:48.676" v="34" actId="20577"/>
+          <ac:chgData name="Yang Xu" userId="2ef8d03b0d59ea36" providerId="LiveId" clId="{69649305-FBE2-4B27-8309-18E794EC8232}" dt="2019-12-15T01:52:31.830" v="7" actId="20577"/>
           <ac:spMkLst>
             <pc:docMk/>
             <pc:sldMk cId="1232935249" sldId="257"/>
             <ac:spMk id="2" creationId="{B4520B70-2A11-4C52-8CC0-6F63A2EF322F}"/>
-          </ac:spMkLst>
-        </pc:spChg>
-      </pc:sldChg>
-      <pc:sldChg chg="add del">
-        <pc:chgData name="Yang Xu" userId="2ef8d03b0d59ea36" providerId="LiveId" clId="{A02E9244-CA36-44B9-8DB0-65ABEB622C12}" dt="2020-01-18T05:25:28.127" v="37" actId="47"/>
-        <pc:sldMkLst>
-          <pc:docMk/>
-          <pc:sldMk cId="1631810544" sldId="268"/>
-        </pc:sldMkLst>
-      </pc:sldChg>
-      <pc:sldChg chg="modSp add">
-        <pc:chgData name="Yang Xu" userId="2ef8d03b0d59ea36" providerId="LiveId" clId="{A02E9244-CA36-44B9-8DB0-65ABEB622C12}" dt="2020-01-18T05:37:00.446" v="111" actId="20577"/>
-        <pc:sldMkLst>
-          <pc:docMk/>
-          <pc:sldMk cId="3406222671" sldId="268"/>
-        </pc:sldMkLst>
-        <pc:spChg chg="mod">
-          <ac:chgData name="Yang Xu" userId="2ef8d03b0d59ea36" providerId="LiveId" clId="{A02E9244-CA36-44B9-8DB0-65ABEB622C12}" dt="2020-01-18T05:36:19.392" v="44" actId="20577"/>
-          <ac:spMkLst>
-            <pc:docMk/>
-            <pc:sldMk cId="3406222671" sldId="268"/>
-            <ac:spMk id="2" creationId="{21909FC3-32D1-48A3-A09C-0FA647D2AEC5}"/>
-          </ac:spMkLst>
-        </pc:spChg>
-        <pc:spChg chg="mod">
-          <ac:chgData name="Yang Xu" userId="2ef8d03b0d59ea36" providerId="LiveId" clId="{A02E9244-CA36-44B9-8DB0-65ABEB622C12}" dt="2020-01-18T05:37:00.446" v="111" actId="20577"/>
-          <ac:spMkLst>
-            <pc:docMk/>
-            <pc:sldMk cId="3406222671" sldId="268"/>
-            <ac:spMk id="3" creationId="{2816C228-1E27-4F37-AD0B-BB54B4FF3AC5}"/>
-          </ac:spMkLst>
-        </pc:spChg>
-      </pc:sldChg>
-      <pc:sldChg chg="modSp add">
-        <pc:chgData name="Yang Xu" userId="2ef8d03b0d59ea36" providerId="LiveId" clId="{A02E9244-CA36-44B9-8DB0-65ABEB622C12}" dt="2020-01-18T05:37:40.358" v="221" actId="20577"/>
-        <pc:sldMkLst>
-          <pc:docMk/>
-          <pc:sldMk cId="3663397467" sldId="269"/>
-        </pc:sldMkLst>
-        <pc:spChg chg="mod">
-          <ac:chgData name="Yang Xu" userId="2ef8d03b0d59ea36" providerId="LiveId" clId="{A02E9244-CA36-44B9-8DB0-65ABEB622C12}" dt="2020-01-18T05:37:10.846" v="118" actId="20577"/>
-          <ac:spMkLst>
-            <pc:docMk/>
-            <pc:sldMk cId="3663397467" sldId="269"/>
-            <ac:spMk id="2" creationId="{B9DBAED7-40E8-4DA7-8AA1-49C7F478D3E6}"/>
-          </ac:spMkLst>
-        </pc:spChg>
-        <pc:spChg chg="mod">
-          <ac:chgData name="Yang Xu" userId="2ef8d03b0d59ea36" providerId="LiveId" clId="{A02E9244-CA36-44B9-8DB0-65ABEB622C12}" dt="2020-01-18T05:37:40.358" v="221" actId="20577"/>
-          <ac:spMkLst>
-            <pc:docMk/>
-            <pc:sldMk cId="3663397467" sldId="269"/>
-            <ac:spMk id="3" creationId="{77B98739-F56F-4E28-947B-F62CA3E1D9DE}"/>
-          </ac:spMkLst>
-        </pc:spChg>
-      </pc:sldChg>
-      <pc:sldChg chg="modSp add">
-        <pc:chgData name="Yang Xu" userId="2ef8d03b0d59ea36" providerId="LiveId" clId="{A02E9244-CA36-44B9-8DB0-65ABEB622C12}" dt="2020-01-18T05:39:43.582" v="674" actId="20577"/>
-        <pc:sldMkLst>
-          <pc:docMk/>
-          <pc:sldMk cId="4253050286" sldId="270"/>
-        </pc:sldMkLst>
-        <pc:spChg chg="mod">
-          <ac:chgData name="Yang Xu" userId="2ef8d03b0d59ea36" providerId="LiveId" clId="{A02E9244-CA36-44B9-8DB0-65ABEB622C12}" dt="2020-01-18T05:39:36.296" v="644" actId="21"/>
-          <ac:spMkLst>
-            <pc:docMk/>
-            <pc:sldMk cId="4253050286" sldId="270"/>
-            <ac:spMk id="2" creationId="{ABDA5082-45D5-4145-A79D-DC1C079CFFA2}"/>
-          </ac:spMkLst>
-        </pc:spChg>
-        <pc:spChg chg="mod">
-          <ac:chgData name="Yang Xu" userId="2ef8d03b0d59ea36" providerId="LiveId" clId="{A02E9244-CA36-44B9-8DB0-65ABEB622C12}" dt="2020-01-18T05:39:43.582" v="674" actId="20577"/>
-          <ac:spMkLst>
-            <pc:docMk/>
-            <pc:sldMk cId="4253050286" sldId="270"/>
-            <ac:spMk id="3" creationId="{1BA8E650-5598-46C0-B95E-416D657F6595}"/>
           </ac:spMkLst>
         </pc:spChg>
       </pc:sldChg>
     </pc:docChg>
   </pc:docChgLst>
   <pc:docChgLst>
-    <pc:chgData name="Yang Xu" userId="2ef8d03b0d59ea36" providerId="LiveId" clId="{59A46A65-F8E2-4CB7-8C2F-ECFB84828387}"/>
-    <pc:docChg chg="undo custSel addSld modSld">
-      <pc:chgData name="Yang Xu" userId="2ef8d03b0d59ea36" providerId="LiveId" clId="{59A46A65-F8E2-4CB7-8C2F-ECFB84828387}" dt="2020-01-12T06:05:07.799" v="478" actId="20577"/>
+    <pc:chgData name="Yang Xu" userId="2ef8d03b0d59ea36" providerId="LiveId" clId="{DEAE517B-9C0B-4664-AA22-A24F26A2A530}"/>
+    <pc:docChg chg="modSld">
+      <pc:chgData name="Yang Xu" userId="2ef8d03b0d59ea36" providerId="LiveId" clId="{DEAE517B-9C0B-4664-AA22-A24F26A2A530}" dt="2020-01-06T11:11:01.728" v="3" actId="20577"/>
       <pc:docMkLst>
         <pc:docMk/>
       </pc:docMkLst>
       <pc:sldChg chg="modSp">
-        <pc:chgData name="Yang Xu" userId="2ef8d03b0d59ea36" providerId="LiveId" clId="{59A46A65-F8E2-4CB7-8C2F-ECFB84828387}" dt="2020-01-12T05:21:52.754" v="26" actId="20577"/>
+        <pc:chgData name="Yang Xu" userId="2ef8d03b0d59ea36" providerId="LiveId" clId="{DEAE517B-9C0B-4664-AA22-A24F26A2A530}" dt="2020-01-06T11:11:01.728" v="3" actId="20577"/>
         <pc:sldMkLst>
           <pc:docMk/>
           <pc:sldMk cId="1232935249" sldId="257"/>
         </pc:sldMkLst>
         <pc:spChg chg="mod">
-          <ac:chgData name="Yang Xu" userId="2ef8d03b0d59ea36" providerId="LiveId" clId="{59A46A65-F8E2-4CB7-8C2F-ECFB84828387}" dt="2020-01-12T05:21:52.754" v="26" actId="20577"/>
+          <ac:chgData name="Yang Xu" userId="2ef8d03b0d59ea36" providerId="LiveId" clId="{DEAE517B-9C0B-4664-AA22-A24F26A2A530}" dt="2020-01-06T11:11:01.728" v="3" actId="20577"/>
           <ac:spMkLst>
             <pc:docMk/>
             <pc:sldMk cId="1232935249" sldId="257"/>
             <ac:spMk id="2" creationId="{B4520B70-2A11-4C52-8CC0-6F63A2EF322F}"/>
-          </ac:spMkLst>
-        </pc:spChg>
-      </pc:sldChg>
-      <pc:sldChg chg="modSp add">
-        <pc:chgData name="Yang Xu" userId="2ef8d03b0d59ea36" providerId="LiveId" clId="{59A46A65-F8E2-4CB7-8C2F-ECFB84828387}" dt="2020-01-12T05:44:50.794" v="115"/>
-        <pc:sldMkLst>
-          <pc:docMk/>
-          <pc:sldMk cId="2402576325" sldId="268"/>
-        </pc:sldMkLst>
-        <pc:spChg chg="mod">
-          <ac:chgData name="Yang Xu" userId="2ef8d03b0d59ea36" providerId="LiveId" clId="{59A46A65-F8E2-4CB7-8C2F-ECFB84828387}" dt="2020-01-12T05:44:50.794" v="115"/>
-          <ac:spMkLst>
-            <pc:docMk/>
-            <pc:sldMk cId="2402576325" sldId="268"/>
-            <ac:spMk id="2" creationId="{78A799B8-A526-4081-9684-AA05E700BF3E}"/>
-          </ac:spMkLst>
-        </pc:spChg>
-      </pc:sldChg>
-      <pc:sldChg chg="modSp add">
-        <pc:chgData name="Yang Xu" userId="2ef8d03b0d59ea36" providerId="LiveId" clId="{59A46A65-F8E2-4CB7-8C2F-ECFB84828387}" dt="2020-01-12T05:50:08.973" v="453" actId="20577"/>
-        <pc:sldMkLst>
-          <pc:docMk/>
-          <pc:sldMk cId="2240970012" sldId="269"/>
-        </pc:sldMkLst>
-        <pc:spChg chg="mod">
-          <ac:chgData name="Yang Xu" userId="2ef8d03b0d59ea36" providerId="LiveId" clId="{59A46A65-F8E2-4CB7-8C2F-ECFB84828387}" dt="2020-01-12T05:45:35.109" v="128" actId="20577"/>
-          <ac:spMkLst>
-            <pc:docMk/>
-            <pc:sldMk cId="2240970012" sldId="269"/>
-            <ac:spMk id="2" creationId="{AAB6B0A1-B21D-47BA-BAA1-018D56E76A0A}"/>
-          </ac:spMkLst>
-        </pc:spChg>
-        <pc:spChg chg="mod">
-          <ac:chgData name="Yang Xu" userId="2ef8d03b0d59ea36" providerId="LiveId" clId="{59A46A65-F8E2-4CB7-8C2F-ECFB84828387}" dt="2020-01-12T05:50:08.973" v="453" actId="20577"/>
-          <ac:spMkLst>
-            <pc:docMk/>
-            <pc:sldMk cId="2240970012" sldId="269"/>
-            <ac:spMk id="3" creationId="{4D180504-7814-4FE5-A5C5-EA3A247569C0}"/>
-          </ac:spMkLst>
-        </pc:spChg>
-      </pc:sldChg>
-      <pc:sldChg chg="modSp add">
-        <pc:chgData name="Yang Xu" userId="2ef8d03b0d59ea36" providerId="LiveId" clId="{59A46A65-F8E2-4CB7-8C2F-ECFB84828387}" dt="2020-01-12T06:05:07.799" v="478" actId="20577"/>
-        <pc:sldMkLst>
-          <pc:docMk/>
-          <pc:sldMk cId="4255453007" sldId="270"/>
-        </pc:sldMkLst>
-        <pc:spChg chg="mod">
-          <ac:chgData name="Yang Xu" userId="2ef8d03b0d59ea36" providerId="LiveId" clId="{59A46A65-F8E2-4CB7-8C2F-ECFB84828387}" dt="2020-01-12T06:05:07.799" v="478" actId="20577"/>
-          <ac:spMkLst>
-            <pc:docMk/>
-            <pc:sldMk cId="4255453007" sldId="270"/>
-            <ac:spMk id="2" creationId="{55DF7E47-6EEC-4FC5-8755-7053AE7D8AF0}"/>
-          </ac:spMkLst>
-        </pc:spChg>
-      </pc:sldChg>
-    </pc:docChg>
-  </pc:docChgLst>
-  <pc:docChgLst>
-    <pc:chgData name="Yang Xu" userId="2ef8d03b0d59ea36" providerId="LiveId" clId="{38F1FBB4-BB98-463C-B00F-D41B2A74CD91}"/>
-    <pc:docChg chg="undo custSel addSld delSld modSld">
-      <pc:chgData name="Yang Xu" userId="2ef8d03b0d59ea36" providerId="LiveId" clId="{38F1FBB4-BB98-463C-B00F-D41B2A74CD91}" dt="2020-01-18T12:39:40.347" v="384" actId="20577"/>
-      <pc:docMkLst>
-        <pc:docMk/>
-      </pc:docMkLst>
-      <pc:sldChg chg="modSp">
-        <pc:chgData name="Yang Xu" userId="2ef8d03b0d59ea36" providerId="LiveId" clId="{38F1FBB4-BB98-463C-B00F-D41B2A74CD91}" dt="2020-01-18T10:53:29.171" v="31" actId="20577"/>
-        <pc:sldMkLst>
-          <pc:docMk/>
-          <pc:sldMk cId="1232935249" sldId="257"/>
-        </pc:sldMkLst>
-        <pc:spChg chg="mod">
-          <ac:chgData name="Yang Xu" userId="2ef8d03b0d59ea36" providerId="LiveId" clId="{38F1FBB4-BB98-463C-B00F-D41B2A74CD91}" dt="2020-01-18T10:53:29.171" v="31" actId="20577"/>
-          <ac:spMkLst>
-            <pc:docMk/>
-            <pc:sldMk cId="1232935249" sldId="257"/>
-            <ac:spMk id="2" creationId="{B4520B70-2A11-4C52-8CC0-6F63A2EF322F}"/>
-          </ac:spMkLst>
-        </pc:spChg>
-      </pc:sldChg>
-      <pc:sldChg chg="modSp">
-        <pc:chgData name="Yang Xu" userId="2ef8d03b0d59ea36" providerId="LiveId" clId="{38F1FBB4-BB98-463C-B00F-D41B2A74CD91}" dt="2020-01-18T11:03:27.039" v="256" actId="20577"/>
-        <pc:sldMkLst>
-          <pc:docMk/>
-          <pc:sldMk cId="3406222671" sldId="268"/>
-        </pc:sldMkLst>
-        <pc:spChg chg="mod">
-          <ac:chgData name="Yang Xu" userId="2ef8d03b0d59ea36" providerId="LiveId" clId="{38F1FBB4-BB98-463C-B00F-D41B2A74CD91}" dt="2020-01-18T10:53:24.654" v="24" actId="20577"/>
-          <ac:spMkLst>
-            <pc:docMk/>
-            <pc:sldMk cId="3406222671" sldId="268"/>
-            <ac:spMk id="2" creationId="{21909FC3-32D1-48A3-A09C-0FA647D2AEC5}"/>
-          </ac:spMkLst>
-        </pc:spChg>
-        <pc:spChg chg="mod">
-          <ac:chgData name="Yang Xu" userId="2ef8d03b0d59ea36" providerId="LiveId" clId="{38F1FBB4-BB98-463C-B00F-D41B2A74CD91}" dt="2020-01-18T11:03:27.039" v="256" actId="20577"/>
-          <ac:spMkLst>
-            <pc:docMk/>
-            <pc:sldMk cId="3406222671" sldId="268"/>
-            <ac:spMk id="3" creationId="{2816C228-1E27-4F37-AD0B-BB54B4FF3AC5}"/>
-          </ac:spMkLst>
-        </pc:spChg>
-      </pc:sldChg>
-      <pc:sldChg chg="addSp delSp modSp add">
-        <pc:chgData name="Yang Xu" userId="2ef8d03b0d59ea36" providerId="LiveId" clId="{38F1FBB4-BB98-463C-B00F-D41B2A74CD91}" dt="2020-01-18T11:06:27.772" v="294" actId="1076"/>
-        <pc:sldMkLst>
-          <pc:docMk/>
-          <pc:sldMk cId="3530911700" sldId="269"/>
-        </pc:sldMkLst>
-        <pc:spChg chg="mod">
-          <ac:chgData name="Yang Xu" userId="2ef8d03b0d59ea36" providerId="LiveId" clId="{38F1FBB4-BB98-463C-B00F-D41B2A74CD91}" dt="2020-01-18T11:04:53.923" v="269" actId="20577"/>
-          <ac:spMkLst>
-            <pc:docMk/>
-            <pc:sldMk cId="3530911700" sldId="269"/>
-            <ac:spMk id="2" creationId="{F624B805-436A-4214-BD8C-E3BC9640D8FC}"/>
-          </ac:spMkLst>
-        </pc:spChg>
-        <pc:spChg chg="del">
-          <ac:chgData name="Yang Xu" userId="2ef8d03b0d59ea36" providerId="LiveId" clId="{38F1FBB4-BB98-463C-B00F-D41B2A74CD91}" dt="2020-01-18T11:04:55.502" v="270"/>
-          <ac:spMkLst>
-            <pc:docMk/>
-            <pc:sldMk cId="3530911700" sldId="269"/>
-            <ac:spMk id="3" creationId="{25FEE53A-C56F-4FCA-91CF-D2E3C56E2DED}"/>
-          </ac:spMkLst>
-        </pc:spChg>
-        <pc:picChg chg="add mod">
-          <ac:chgData name="Yang Xu" userId="2ef8d03b0d59ea36" providerId="LiveId" clId="{38F1FBB4-BB98-463C-B00F-D41B2A74CD91}" dt="2020-01-18T11:06:27.772" v="294" actId="1076"/>
-          <ac:picMkLst>
-            <pc:docMk/>
-            <pc:sldMk cId="3530911700" sldId="269"/>
-            <ac:picMk id="4" creationId="{E01F293C-8EE9-43D5-8751-090761D429BA}"/>
-          </ac:picMkLst>
-        </pc:picChg>
-        <pc:picChg chg="add mod">
-          <ac:chgData name="Yang Xu" userId="2ef8d03b0d59ea36" providerId="LiveId" clId="{38F1FBB4-BB98-463C-B00F-D41B2A74CD91}" dt="2020-01-18T11:06:26.426" v="293" actId="1076"/>
-          <ac:picMkLst>
-            <pc:docMk/>
-            <pc:sldMk cId="3530911700" sldId="269"/>
-            <ac:picMk id="5" creationId="{26C0152B-E622-4930-B632-E0E6FE09586A}"/>
-          </ac:picMkLst>
-        </pc:picChg>
-        <pc:picChg chg="add mod">
-          <ac:chgData name="Yang Xu" userId="2ef8d03b0d59ea36" providerId="LiveId" clId="{38F1FBB4-BB98-463C-B00F-D41B2A74CD91}" dt="2020-01-18T11:06:15.206" v="290" actId="1076"/>
-          <ac:picMkLst>
-            <pc:docMk/>
-            <pc:sldMk cId="3530911700" sldId="269"/>
-            <ac:picMk id="6" creationId="{F8E01092-5234-4A32-ABC5-E01DA82EBC0E}"/>
-          </ac:picMkLst>
-        </pc:picChg>
-      </pc:sldChg>
-      <pc:sldChg chg="del">
-        <pc:chgData name="Yang Xu" userId="2ef8d03b0d59ea36" providerId="LiveId" clId="{38F1FBB4-BB98-463C-B00F-D41B2A74CD91}" dt="2020-01-18T10:53:32.665" v="32" actId="47"/>
-        <pc:sldMkLst>
-          <pc:docMk/>
-          <pc:sldMk cId="3663397467" sldId="269"/>
-        </pc:sldMkLst>
-      </pc:sldChg>
-      <pc:sldChg chg="addSp delSp modSp add">
-        <pc:chgData name="Yang Xu" userId="2ef8d03b0d59ea36" providerId="LiveId" clId="{38F1FBB4-BB98-463C-B00F-D41B2A74CD91}" dt="2020-01-18T11:18:36.035" v="354" actId="1076"/>
-        <pc:sldMkLst>
-          <pc:docMk/>
-          <pc:sldMk cId="1780689539" sldId="270"/>
-        </pc:sldMkLst>
-        <pc:spChg chg="mod">
-          <ac:chgData name="Yang Xu" userId="2ef8d03b0d59ea36" providerId="LiveId" clId="{38F1FBB4-BB98-463C-B00F-D41B2A74CD91}" dt="2020-01-18T11:15:55.813" v="316" actId="20577"/>
-          <ac:spMkLst>
-            <pc:docMk/>
-            <pc:sldMk cId="1780689539" sldId="270"/>
-            <ac:spMk id="2" creationId="{121A9AAB-DAC2-4CC7-B0ED-E1B9EBA14BF1}"/>
-          </ac:spMkLst>
-        </pc:spChg>
-        <pc:spChg chg="del">
-          <ac:chgData name="Yang Xu" userId="2ef8d03b0d59ea36" providerId="LiveId" clId="{38F1FBB4-BB98-463C-B00F-D41B2A74CD91}" dt="2020-01-18T11:16:07.944" v="317"/>
-          <ac:spMkLst>
-            <pc:docMk/>
-            <pc:sldMk cId="1780689539" sldId="270"/>
-            <ac:spMk id="3" creationId="{6213B5D3-581C-47D2-BB40-67F563940882}"/>
-          </ac:spMkLst>
-        </pc:spChg>
-        <pc:spChg chg="add del mod">
-          <ac:chgData name="Yang Xu" userId="2ef8d03b0d59ea36" providerId="LiveId" clId="{38F1FBB4-BB98-463C-B00F-D41B2A74CD91}" dt="2020-01-18T11:16:50.412" v="327" actId="478"/>
-          <ac:spMkLst>
-            <pc:docMk/>
-            <pc:sldMk cId="1780689539" sldId="270"/>
-            <ac:spMk id="7" creationId="{79FD74DD-EE91-4AE5-B7AF-D0462C5909CA}"/>
-          </ac:spMkLst>
-        </pc:spChg>
-        <pc:picChg chg="add del mod">
-          <ac:chgData name="Yang Xu" userId="2ef8d03b0d59ea36" providerId="LiveId" clId="{38F1FBB4-BB98-463C-B00F-D41B2A74CD91}" dt="2020-01-18T11:16:22.234" v="321" actId="478"/>
-          <ac:picMkLst>
-            <pc:docMk/>
-            <pc:sldMk cId="1780689539" sldId="270"/>
-            <ac:picMk id="4" creationId="{B2999D46-D6D2-4CF9-86CC-DCB949672D88}"/>
-          </ac:picMkLst>
-        </pc:picChg>
-        <pc:picChg chg="add del mod">
-          <ac:chgData name="Yang Xu" userId="2ef8d03b0d59ea36" providerId="LiveId" clId="{38F1FBB4-BB98-463C-B00F-D41B2A74CD91}" dt="2020-01-18T11:16:51.366" v="328" actId="478"/>
-          <ac:picMkLst>
-            <pc:docMk/>
-            <pc:sldMk cId="1780689539" sldId="270"/>
-            <ac:picMk id="5" creationId="{1C0575F2-6ABE-48DB-86A3-92E0C1E34777}"/>
-          </ac:picMkLst>
-        </pc:picChg>
-        <pc:picChg chg="add del mod">
-          <ac:chgData name="Yang Xu" userId="2ef8d03b0d59ea36" providerId="LiveId" clId="{38F1FBB4-BB98-463C-B00F-D41B2A74CD91}" dt="2020-01-18T11:16:48.254" v="326" actId="478"/>
-          <ac:picMkLst>
-            <pc:docMk/>
-            <pc:sldMk cId="1780689539" sldId="270"/>
-            <ac:picMk id="8" creationId="{4FD22A9B-4CA6-4925-B776-140EEA99281F}"/>
-          </ac:picMkLst>
-        </pc:picChg>
-        <pc:picChg chg="add mod">
-          <ac:chgData name="Yang Xu" userId="2ef8d03b0d59ea36" providerId="LiveId" clId="{38F1FBB4-BB98-463C-B00F-D41B2A74CD91}" dt="2020-01-18T11:17:38.867" v="339" actId="1076"/>
-          <ac:picMkLst>
-            <pc:docMk/>
-            <pc:sldMk cId="1780689539" sldId="270"/>
-            <ac:picMk id="9" creationId="{90881243-39E0-4BC3-A399-269F6AF5E167}"/>
-          </ac:picMkLst>
-        </pc:picChg>
-        <pc:picChg chg="add mod">
-          <ac:chgData name="Yang Xu" userId="2ef8d03b0d59ea36" providerId="LiveId" clId="{38F1FBB4-BB98-463C-B00F-D41B2A74CD91}" dt="2020-01-18T11:18:30.758" v="351" actId="1076"/>
-          <ac:picMkLst>
-            <pc:docMk/>
-            <pc:sldMk cId="1780689539" sldId="270"/>
-            <ac:picMk id="10" creationId="{E4510098-1CEA-4E28-9E05-1C64A8D99D93}"/>
-          </ac:picMkLst>
-        </pc:picChg>
-        <pc:picChg chg="add mod">
-          <ac:chgData name="Yang Xu" userId="2ef8d03b0d59ea36" providerId="LiveId" clId="{38F1FBB4-BB98-463C-B00F-D41B2A74CD91}" dt="2020-01-18T11:18:30.758" v="351" actId="1076"/>
-          <ac:picMkLst>
-            <pc:docMk/>
-            <pc:sldMk cId="1780689539" sldId="270"/>
-            <ac:picMk id="11" creationId="{221369E8-51E4-4AFE-A291-55F888011AA1}"/>
-          </ac:picMkLst>
-        </pc:picChg>
-        <pc:picChg chg="add mod">
-          <ac:chgData name="Yang Xu" userId="2ef8d03b0d59ea36" providerId="LiveId" clId="{38F1FBB4-BB98-463C-B00F-D41B2A74CD91}" dt="2020-01-18T11:17:40.255" v="340" actId="1076"/>
-          <ac:picMkLst>
-            <pc:docMk/>
-            <pc:sldMk cId="1780689539" sldId="270"/>
-            <ac:picMk id="12" creationId="{6AA5B3F7-7136-448F-A60B-49DC0B6A2E34}"/>
-          </ac:picMkLst>
-        </pc:picChg>
-        <pc:picChg chg="add mod">
-          <ac:chgData name="Yang Xu" userId="2ef8d03b0d59ea36" providerId="LiveId" clId="{38F1FBB4-BB98-463C-B00F-D41B2A74CD91}" dt="2020-01-18T11:18:31.956" v="352" actId="1076"/>
-          <ac:picMkLst>
-            <pc:docMk/>
-            <pc:sldMk cId="1780689539" sldId="270"/>
-            <ac:picMk id="13" creationId="{9661D90E-E002-49D9-B0C8-539DBDDC7D2B}"/>
-          </ac:picMkLst>
-        </pc:picChg>
-        <pc:picChg chg="add mod">
-          <ac:chgData name="Yang Xu" userId="2ef8d03b0d59ea36" providerId="LiveId" clId="{38F1FBB4-BB98-463C-B00F-D41B2A74CD91}" dt="2020-01-18T11:18:36.035" v="354" actId="1076"/>
-          <ac:picMkLst>
-            <pc:docMk/>
-            <pc:sldMk cId="1780689539" sldId="270"/>
-            <ac:picMk id="14" creationId="{4172040D-9D0D-4EDA-B87B-E9EF0953C585}"/>
-          </ac:picMkLst>
-        </pc:picChg>
-        <pc:picChg chg="add mod">
-          <ac:chgData name="Yang Xu" userId="2ef8d03b0d59ea36" providerId="LiveId" clId="{38F1FBB4-BB98-463C-B00F-D41B2A74CD91}" dt="2020-01-18T11:18:34.098" v="353" actId="1076"/>
-          <ac:picMkLst>
-            <pc:docMk/>
-            <pc:sldMk cId="1780689539" sldId="270"/>
-            <ac:picMk id="15" creationId="{B9D170DC-64B6-4BFC-8E76-000F7BBA6FE6}"/>
-          </ac:picMkLst>
-        </pc:picChg>
-      </pc:sldChg>
-      <pc:sldChg chg="del">
-        <pc:chgData name="Yang Xu" userId="2ef8d03b0d59ea36" providerId="LiveId" clId="{38F1FBB4-BB98-463C-B00F-D41B2A74CD91}" dt="2020-01-18T10:53:32.665" v="32" actId="47"/>
-        <pc:sldMkLst>
-          <pc:docMk/>
-          <pc:sldMk cId="4253050286" sldId="270"/>
-        </pc:sldMkLst>
-      </pc:sldChg>
-      <pc:sldChg chg="modSp add">
-        <pc:chgData name="Yang Xu" userId="2ef8d03b0d59ea36" providerId="LiveId" clId="{38F1FBB4-BB98-463C-B00F-D41B2A74CD91}" dt="2020-01-18T12:39:40.347" v="384" actId="20577"/>
-        <pc:sldMkLst>
-          <pc:docMk/>
-          <pc:sldMk cId="1764946395" sldId="271"/>
-        </pc:sldMkLst>
-        <pc:spChg chg="mod">
-          <ac:chgData name="Yang Xu" userId="2ef8d03b0d59ea36" providerId="LiveId" clId="{38F1FBB4-BB98-463C-B00F-D41B2A74CD91}" dt="2020-01-18T12:39:40.347" v="384" actId="20577"/>
-          <ac:spMkLst>
-            <pc:docMk/>
-            <pc:sldMk cId="1764946395" sldId="271"/>
-            <ac:spMk id="2" creationId="{DDCC8217-FE8A-411A-AD0D-E586769E519E}"/>
-          </ac:spMkLst>
-        </pc:spChg>
-      </pc:sldChg>
-    </pc:docChg>
-  </pc:docChgLst>
-  <pc:docChgLst>
-    <pc:chgData name="Yang Xu" userId="2ef8d03b0d59ea36" providerId="LiveId" clId="{5F3C6FFF-511D-4B89-BB3B-94C74803A8BA}"/>
-    <pc:docChg chg="modSld">
-      <pc:chgData name="Yang Xu" userId="2ef8d03b0d59ea36" providerId="LiveId" clId="{5F3C6FFF-511D-4B89-BB3B-94C74803A8BA}" dt="2020-01-03T11:03:32.087" v="0" actId="20577"/>
-      <pc:docMkLst>
-        <pc:docMk/>
-      </pc:docMkLst>
-      <pc:sldChg chg="modSp">
-        <pc:chgData name="Yang Xu" userId="2ef8d03b0d59ea36" providerId="LiveId" clId="{5F3C6FFF-511D-4B89-BB3B-94C74803A8BA}" dt="2020-01-03T11:03:32.087" v="0" actId="20577"/>
-        <pc:sldMkLst>
-          <pc:docMk/>
-          <pc:sldMk cId="1232935249" sldId="257"/>
-        </pc:sldMkLst>
-        <pc:spChg chg="mod">
-          <ac:chgData name="Yang Xu" userId="2ef8d03b0d59ea36" providerId="LiveId" clId="{5F3C6FFF-511D-4B89-BB3B-94C74803A8BA}" dt="2020-01-03T11:03:32.087" v="0" actId="20577"/>
-          <ac:spMkLst>
-            <pc:docMk/>
-            <pc:sldMk cId="1232935249" sldId="257"/>
-            <ac:spMk id="2" creationId="{B4520B70-2A11-4C52-8CC0-6F63A2EF322F}"/>
-          </ac:spMkLst>
-        </pc:spChg>
-      </pc:sldChg>
-    </pc:docChg>
-  </pc:docChgLst>
-  <pc:docChgLst>
-    <pc:chgData name="Yang Xu" userId="2ef8d03b0d59ea36" providerId="LiveId" clId="{64BF03E8-7C98-4B9A-AE0D-2B5604A85F0C}"/>
-    <pc:docChg chg="custSel addSld modSld">
-      <pc:chgData name="Yang Xu" userId="2ef8d03b0d59ea36" providerId="LiveId" clId="{64BF03E8-7C98-4B9A-AE0D-2B5604A85F0C}" dt="2020-01-07T11:54:20.443" v="200" actId="20577"/>
-      <pc:docMkLst>
-        <pc:docMk/>
-      </pc:docMkLst>
-      <pc:sldChg chg="modSp">
-        <pc:chgData name="Yang Xu" userId="2ef8d03b0d59ea36" providerId="LiveId" clId="{64BF03E8-7C98-4B9A-AE0D-2B5604A85F0C}" dt="2020-01-07T11:22:09.101" v="101" actId="20577"/>
-        <pc:sldMkLst>
-          <pc:docMk/>
-          <pc:sldMk cId="1232935249" sldId="257"/>
-        </pc:sldMkLst>
-        <pc:spChg chg="mod">
-          <ac:chgData name="Yang Xu" userId="2ef8d03b0d59ea36" providerId="LiveId" clId="{64BF03E8-7C98-4B9A-AE0D-2B5604A85F0C}" dt="2020-01-07T11:22:09.101" v="101" actId="20577"/>
-          <ac:spMkLst>
-            <pc:docMk/>
-            <pc:sldMk cId="1232935249" sldId="257"/>
-            <ac:spMk id="2" creationId="{B4520B70-2A11-4C52-8CC0-6F63A2EF322F}"/>
-          </ac:spMkLst>
-        </pc:spChg>
-      </pc:sldChg>
-      <pc:sldChg chg="modSp add">
-        <pc:chgData name="Yang Xu" userId="2ef8d03b0d59ea36" providerId="LiveId" clId="{64BF03E8-7C98-4B9A-AE0D-2B5604A85F0C}" dt="2020-01-07T11:22:25.248" v="133" actId="20577"/>
-        <pc:sldMkLst>
-          <pc:docMk/>
-          <pc:sldMk cId="2494942929" sldId="268"/>
-        </pc:sldMkLst>
-        <pc:spChg chg="mod">
-          <ac:chgData name="Yang Xu" userId="2ef8d03b0d59ea36" providerId="LiveId" clId="{64BF03E8-7C98-4B9A-AE0D-2B5604A85F0C}" dt="2020-01-07T11:22:25.248" v="133" actId="20577"/>
-          <ac:spMkLst>
-            <pc:docMk/>
-            <pc:sldMk cId="2494942929" sldId="268"/>
-            <ac:spMk id="2" creationId="{1EF2ACAE-559C-4D32-A80F-31F0974B18B9}"/>
-          </ac:spMkLst>
-        </pc:spChg>
-      </pc:sldChg>
-      <pc:sldChg chg="modSp add">
-        <pc:chgData name="Yang Xu" userId="2ef8d03b0d59ea36" providerId="LiveId" clId="{64BF03E8-7C98-4B9A-AE0D-2B5604A85F0C}" dt="2020-01-07T11:54:20.443" v="200" actId="20577"/>
-        <pc:sldMkLst>
-          <pc:docMk/>
-          <pc:sldMk cId="3499997383" sldId="269"/>
-        </pc:sldMkLst>
-        <pc:spChg chg="mod">
-          <ac:chgData name="Yang Xu" userId="2ef8d03b0d59ea36" providerId="LiveId" clId="{64BF03E8-7C98-4B9A-AE0D-2B5604A85F0C}" dt="2020-01-07T11:54:20.443" v="200" actId="20577"/>
-          <ac:spMkLst>
-            <pc:docMk/>
-            <pc:sldMk cId="3499997383" sldId="269"/>
-            <ac:spMk id="2" creationId="{6421617E-C44E-47B5-8230-32BE2A32B3AD}"/>
           </ac:spMkLst>
         </pc:spChg>
       </pc:sldChg>
@@ -655,198 +211,249 @@
     </pc:docChg>
   </pc:docChgLst>
   <pc:docChgLst>
-    <pc:chgData name="Yang Xu" userId="2ef8d03b0d59ea36" providerId="LiveId" clId="{A43E1128-07B8-46EA-A93A-9551BDC54880}"/>
+    <pc:chgData name="Yang Xu" userId="2ef8d03b0d59ea36" providerId="LiveId" clId="{AB255F3D-B9F1-4411-A720-2B98EADF1C94}"/>
     <pc:docChg chg="undo custSel mod addSld modSld">
-      <pc:chgData name="Yang Xu" userId="2ef8d03b0d59ea36" providerId="LiveId" clId="{A43E1128-07B8-46EA-A93A-9551BDC54880}" dt="2019-12-01T12:20:38.100" v="458" actId="20577"/>
+      <pc:chgData name="Yang Xu" userId="2ef8d03b0d59ea36" providerId="LiveId" clId="{AB255F3D-B9F1-4411-A720-2B98EADF1C94}" dt="2020-01-03T23:32:32.378" v="81" actId="26606"/>
       <pc:docMkLst>
         <pc:docMk/>
       </pc:docMkLst>
-      <pc:sldChg chg="addSp modSp">
-        <pc:chgData name="Yang Xu" userId="2ef8d03b0d59ea36" providerId="LiveId" clId="{A43E1128-07B8-46EA-A93A-9551BDC54880}" dt="2019-12-01T12:04:34.762" v="94" actId="20577"/>
-        <pc:sldMkLst>
-          <pc:docMk/>
-          <pc:sldMk cId="3658131297" sldId="256"/>
-        </pc:sldMkLst>
-        <pc:spChg chg="mod">
-          <ac:chgData name="Yang Xu" userId="2ef8d03b0d59ea36" providerId="LiveId" clId="{A43E1128-07B8-46EA-A93A-9551BDC54880}" dt="2019-12-01T12:03:04.104" v="59" actId="20577"/>
-          <ac:spMkLst>
-            <pc:docMk/>
-            <pc:sldMk cId="3658131297" sldId="256"/>
-            <ac:spMk id="2" creationId="{003A01C2-B11E-4CC0-A4C6-16EAB38D7B58}"/>
-          </ac:spMkLst>
-        </pc:spChg>
-        <pc:spChg chg="mod">
-          <ac:chgData name="Yang Xu" userId="2ef8d03b0d59ea36" providerId="LiveId" clId="{A43E1128-07B8-46EA-A93A-9551BDC54880}" dt="2019-12-01T12:04:34.762" v="94" actId="20577"/>
-          <ac:spMkLst>
-            <pc:docMk/>
-            <pc:sldMk cId="3658131297" sldId="256"/>
-            <ac:spMk id="3" creationId="{40575951-5C1F-4B5C-8FC6-E1403B60445E}"/>
-          </ac:spMkLst>
-        </pc:spChg>
-        <pc:picChg chg="add mod">
-          <ac:chgData name="Yang Xu" userId="2ef8d03b0d59ea36" providerId="LiveId" clId="{A43E1128-07B8-46EA-A93A-9551BDC54880}" dt="2019-12-01T12:04:27.793" v="92" actId="1076"/>
-          <ac:picMkLst>
-            <pc:docMk/>
-            <pc:sldMk cId="3658131297" sldId="256"/>
-            <ac:picMk id="5" creationId="{B7C01389-E2C2-4840-89CA-63909206BD90}"/>
-          </ac:picMkLst>
-        </pc:picChg>
-        <pc:picChg chg="add mod">
-          <ac:chgData name="Yang Xu" userId="2ef8d03b0d59ea36" providerId="LiveId" clId="{A43E1128-07B8-46EA-A93A-9551BDC54880}" dt="2019-12-01T12:04:27.793" v="92" actId="1076"/>
-          <ac:picMkLst>
-            <pc:docMk/>
-            <pc:sldMk cId="3658131297" sldId="256"/>
-            <ac:picMk id="7" creationId="{C9FBF2F0-EF59-408B-95FF-C88CCA1A3F12}"/>
-          </ac:picMkLst>
-        </pc:picChg>
-      </pc:sldChg>
-      <pc:sldChg chg="modSp add">
-        <pc:chgData name="Yang Xu" userId="2ef8d03b0d59ea36" providerId="LiveId" clId="{A43E1128-07B8-46EA-A93A-9551BDC54880}" dt="2019-12-01T12:05:11.952" v="155" actId="20577"/>
+      <pc:sldChg chg="modSp">
+        <pc:chgData name="Yang Xu" userId="2ef8d03b0d59ea36" providerId="LiveId" clId="{AB255F3D-B9F1-4411-A720-2B98EADF1C94}" dt="2020-01-03T23:30:17.654" v="45" actId="6549"/>
         <pc:sldMkLst>
           <pc:docMk/>
           <pc:sldMk cId="1232935249" sldId="257"/>
         </pc:sldMkLst>
         <pc:spChg chg="mod">
-          <ac:chgData name="Yang Xu" userId="2ef8d03b0d59ea36" providerId="LiveId" clId="{A43E1128-07B8-46EA-A93A-9551BDC54880}" dt="2019-12-01T12:05:11.952" v="155" actId="20577"/>
+          <ac:chgData name="Yang Xu" userId="2ef8d03b0d59ea36" providerId="LiveId" clId="{AB255F3D-B9F1-4411-A720-2B98EADF1C94}" dt="2020-01-03T23:30:15.923" v="44" actId="20577"/>
           <ac:spMkLst>
             <pc:docMk/>
             <pc:sldMk cId="1232935249" sldId="257"/>
             <ac:spMk id="2" creationId="{B4520B70-2A11-4C52-8CC0-6F63A2EF322F}"/>
           </ac:spMkLst>
         </pc:spChg>
+        <pc:spChg chg="mod">
+          <ac:chgData name="Yang Xu" userId="2ef8d03b0d59ea36" providerId="LiveId" clId="{AB255F3D-B9F1-4411-A720-2B98EADF1C94}" dt="2020-01-03T23:30:17.654" v="45" actId="6549"/>
+          <ac:spMkLst>
+            <pc:docMk/>
+            <pc:sldMk cId="1232935249" sldId="257"/>
+            <ac:spMk id="3" creationId="{C3BAE5F0-36E7-4AA5-9FD3-F3CB959A2B69}"/>
+          </ac:spMkLst>
+        </pc:spChg>
       </pc:sldChg>
-      <pc:sldChg chg="addSp delSp modSp add">
-        <pc:chgData name="Yang Xu" userId="2ef8d03b0d59ea36" providerId="LiveId" clId="{A43E1128-07B8-46EA-A93A-9551BDC54880}" dt="2019-12-01T12:16:30.958" v="455" actId="113"/>
+      <pc:sldChg chg="addSp delSp modSp add mod setBg">
+        <pc:chgData name="Yang Xu" userId="2ef8d03b0d59ea36" providerId="LiveId" clId="{AB255F3D-B9F1-4411-A720-2B98EADF1C94}" dt="2020-01-03T23:32:32.378" v="81" actId="26606"/>
         <pc:sldMkLst>
           <pc:docMk/>
-          <pc:sldMk cId="3583624961" sldId="267"/>
+          <pc:sldMk cId="3681384204" sldId="268"/>
         </pc:sldMkLst>
         <pc:spChg chg="mod">
-          <ac:chgData name="Yang Xu" userId="2ef8d03b0d59ea36" providerId="LiveId" clId="{A43E1128-07B8-46EA-A93A-9551BDC54880}" dt="2019-12-01T12:15:58.979" v="417" actId="20577"/>
-          <ac:spMkLst>
-            <pc:docMk/>
-            <pc:sldMk cId="3583624961" sldId="267"/>
-            <ac:spMk id="2" creationId="{EE4558DA-7EC3-4DD4-9045-AB71369A5709}"/>
-          </ac:spMkLst>
-        </pc:spChg>
-        <pc:spChg chg="del">
-          <ac:chgData name="Yang Xu" userId="2ef8d03b0d59ea36" providerId="LiveId" clId="{A43E1128-07B8-46EA-A93A-9551BDC54880}" dt="2019-12-01T12:16:15.035" v="418" actId="931"/>
-          <ac:spMkLst>
-            <pc:docMk/>
-            <pc:sldMk cId="3583624961" sldId="267"/>
-            <ac:spMk id="3" creationId="{3AA432C9-D970-4492-A599-B88EBAE2385E}"/>
+          <ac:chgData name="Yang Xu" userId="2ef8d03b0d59ea36" providerId="LiveId" clId="{AB255F3D-B9F1-4411-A720-2B98EADF1C94}" dt="2020-01-03T23:31:13.679" v="78" actId="26606"/>
+          <ac:spMkLst>
+            <pc:docMk/>
+            <pc:sldMk cId="3681384204" sldId="268"/>
+            <ac:spMk id="2" creationId="{1ED88B71-1EDB-4CBE-B33D-292D783D7EE9}"/>
           </ac:spMkLst>
         </pc:spChg>
         <pc:spChg chg="mod">
-          <ac:chgData name="Yang Xu" userId="2ef8d03b0d59ea36" providerId="LiveId" clId="{A43E1128-07B8-46EA-A93A-9551BDC54880}" dt="2019-12-01T12:16:30.958" v="455" actId="113"/>
-          <ac:spMkLst>
-            <pc:docMk/>
-            <pc:sldMk cId="3583624961" sldId="267"/>
-            <ac:spMk id="4" creationId="{8E3010BD-2445-4080-A314-D04650863E19}"/>
-          </ac:spMkLst>
-        </pc:spChg>
-        <pc:picChg chg="add mod">
-          <ac:chgData name="Yang Xu" userId="2ef8d03b0d59ea36" providerId="LiveId" clId="{A43E1128-07B8-46EA-A93A-9551BDC54880}" dt="2019-12-01T12:16:15.035" v="418" actId="931"/>
+          <ac:chgData name="Yang Xu" userId="2ef8d03b0d59ea36" providerId="LiveId" clId="{AB255F3D-B9F1-4411-A720-2B98EADF1C94}" dt="2020-01-03T23:31:13.679" v="78" actId="26606"/>
+          <ac:spMkLst>
+            <pc:docMk/>
+            <pc:sldMk cId="3681384204" sldId="268"/>
+            <ac:spMk id="3" creationId="{37542511-64B6-4F5C-A4E5-0674CEB7AA19}"/>
+          </ac:spMkLst>
+        </pc:spChg>
+        <pc:spChg chg="add del">
+          <ac:chgData name="Yang Xu" userId="2ef8d03b0d59ea36" providerId="LiveId" clId="{AB255F3D-B9F1-4411-A720-2B98EADF1C94}" dt="2020-01-03T23:31:12.508" v="75" actId="26606"/>
+          <ac:spMkLst>
+            <pc:docMk/>
+            <pc:sldMk cId="3681384204" sldId="268"/>
+            <ac:spMk id="9" creationId="{A1698906-F123-49CB-B633-247AC48701BD}"/>
+          </ac:spMkLst>
+        </pc:spChg>
+        <pc:spChg chg="add del">
+          <ac:chgData name="Yang Xu" userId="2ef8d03b0d59ea36" providerId="LiveId" clId="{AB255F3D-B9F1-4411-A720-2B98EADF1C94}" dt="2020-01-03T23:31:12.508" v="75" actId="26606"/>
+          <ac:spMkLst>
+            <pc:docMk/>
+            <pc:sldMk cId="3681384204" sldId="268"/>
+            <ac:spMk id="13" creationId="{5D86D9DA-31E3-48ED-9F77-2D8B649BD4E0}"/>
+          </ac:spMkLst>
+        </pc:spChg>
+        <pc:spChg chg="add del">
+          <ac:chgData name="Yang Xu" userId="2ef8d03b0d59ea36" providerId="LiveId" clId="{AB255F3D-B9F1-4411-A720-2B98EADF1C94}" dt="2020-01-03T23:31:12.508" v="75" actId="26606"/>
+          <ac:spMkLst>
+            <pc:docMk/>
+            <pc:sldMk cId="3681384204" sldId="268"/>
+            <ac:spMk id="15" creationId="{04C6B320-AA89-4C19-89F7-71D46B26BA6B}"/>
+          </ac:spMkLst>
+        </pc:spChg>
+        <pc:spChg chg="add del">
+          <ac:chgData name="Yang Xu" userId="2ef8d03b0d59ea36" providerId="LiveId" clId="{AB255F3D-B9F1-4411-A720-2B98EADF1C94}" dt="2020-01-03T23:31:12.508" v="75" actId="26606"/>
+          <ac:spMkLst>
+            <pc:docMk/>
+            <pc:sldMk cId="3681384204" sldId="268"/>
+            <ac:spMk id="19" creationId="{645EE119-0AC6-45BA-AE5E-A86AFE1C74C0}"/>
+          </ac:spMkLst>
+        </pc:spChg>
+        <pc:spChg chg="add del">
+          <ac:chgData name="Yang Xu" userId="2ef8d03b0d59ea36" providerId="LiveId" clId="{AB255F3D-B9F1-4411-A720-2B98EADF1C94}" dt="2020-01-03T23:31:13.663" v="77" actId="26606"/>
+          <ac:spMkLst>
+            <pc:docMk/>
+            <pc:sldMk cId="3681384204" sldId="268"/>
+            <ac:spMk id="21" creationId="{1395ACAC-577D-4FAD-955D-280C3D104ADF}"/>
+          </ac:spMkLst>
+        </pc:spChg>
+        <pc:spChg chg="add del">
+          <ac:chgData name="Yang Xu" userId="2ef8d03b0d59ea36" providerId="LiveId" clId="{AB255F3D-B9F1-4411-A720-2B98EADF1C94}" dt="2020-01-03T23:31:13.663" v="77" actId="26606"/>
+          <ac:spMkLst>
+            <pc:docMk/>
+            <pc:sldMk cId="3681384204" sldId="268"/>
+            <ac:spMk id="23" creationId="{0AB11C2E-6CA2-4822-BF14-C1C9A6BC6CAA}"/>
+          </ac:spMkLst>
+        </pc:spChg>
+        <pc:spChg chg="add del">
+          <ac:chgData name="Yang Xu" userId="2ef8d03b0d59ea36" providerId="LiveId" clId="{AB255F3D-B9F1-4411-A720-2B98EADF1C94}" dt="2020-01-03T23:31:13.663" v="77" actId="26606"/>
+          <ac:spMkLst>
+            <pc:docMk/>
+            <pc:sldMk cId="3681384204" sldId="268"/>
+            <ac:spMk id="24" creationId="{38B3A2B2-7BBB-4E52-8C30-BE2A6F346B37}"/>
+          </ac:spMkLst>
+        </pc:spChg>
+        <pc:spChg chg="add del">
+          <ac:chgData name="Yang Xu" userId="2ef8d03b0d59ea36" providerId="LiveId" clId="{AB255F3D-B9F1-4411-A720-2B98EADF1C94}" dt="2020-01-03T23:31:13.663" v="77" actId="26606"/>
+          <ac:spMkLst>
+            <pc:docMk/>
+            <pc:sldMk cId="3681384204" sldId="268"/>
+            <ac:spMk id="26" creationId="{09D6A950-3339-40EB-8972-64F44542D3FF}"/>
+          </ac:spMkLst>
+        </pc:spChg>
+        <pc:spChg chg="add del">
+          <ac:chgData name="Yang Xu" userId="2ef8d03b0d59ea36" providerId="LiveId" clId="{AB255F3D-B9F1-4411-A720-2B98EADF1C94}" dt="2020-01-03T23:32:32.378" v="81" actId="26606"/>
+          <ac:spMkLst>
+            <pc:docMk/>
+            <pc:sldMk cId="3681384204" sldId="268"/>
+            <ac:spMk id="28" creationId="{6764E3F6-59F1-44FF-9EF2-8EF0BCA30B60}"/>
+          </ac:spMkLst>
+        </pc:spChg>
+        <pc:spChg chg="add del">
+          <ac:chgData name="Yang Xu" userId="2ef8d03b0d59ea36" providerId="LiveId" clId="{AB255F3D-B9F1-4411-A720-2B98EADF1C94}" dt="2020-01-03T23:32:32.378" v="81" actId="26606"/>
+          <ac:spMkLst>
+            <pc:docMk/>
+            <pc:sldMk cId="3681384204" sldId="268"/>
+            <ac:spMk id="30" creationId="{0743C7B8-BD05-4C16-9FC9-6B5C5BA3A043}"/>
+          </ac:spMkLst>
+        </pc:spChg>
+        <pc:spChg chg="add del">
+          <ac:chgData name="Yang Xu" userId="2ef8d03b0d59ea36" providerId="LiveId" clId="{AB255F3D-B9F1-4411-A720-2B98EADF1C94}" dt="2020-01-03T23:32:32.378" v="81" actId="26606"/>
+          <ac:spMkLst>
+            <pc:docMk/>
+            <pc:sldMk cId="3681384204" sldId="268"/>
+            <ac:spMk id="31" creationId="{E6B9B529-EAD6-442A-92A1-6A496B93297E}"/>
+          </ac:spMkLst>
+        </pc:spChg>
+        <pc:spChg chg="add">
+          <ac:chgData name="Yang Xu" userId="2ef8d03b0d59ea36" providerId="LiveId" clId="{AB255F3D-B9F1-4411-A720-2B98EADF1C94}" dt="2020-01-03T23:32:32.378" v="81" actId="26606"/>
+          <ac:spMkLst>
+            <pc:docMk/>
+            <pc:sldMk cId="3681384204" sldId="268"/>
+            <ac:spMk id="71" creationId="{6764E3F6-59F1-44FF-9EF2-8EF0BCA30B60}"/>
+          </ac:spMkLst>
+        </pc:spChg>
+        <pc:spChg chg="add">
+          <ac:chgData name="Yang Xu" userId="2ef8d03b0d59ea36" providerId="LiveId" clId="{AB255F3D-B9F1-4411-A720-2B98EADF1C94}" dt="2020-01-03T23:32:32.378" v="81" actId="26606"/>
+          <ac:spMkLst>
+            <pc:docMk/>
+            <pc:sldMk cId="3681384204" sldId="268"/>
+            <ac:spMk id="75" creationId="{0743C7B8-BD05-4C16-9FC9-6B5C5BA3A043}"/>
+          </ac:spMkLst>
+        </pc:spChg>
+        <pc:spChg chg="add">
+          <ac:chgData name="Yang Xu" userId="2ef8d03b0d59ea36" providerId="LiveId" clId="{AB255F3D-B9F1-4411-A720-2B98EADF1C94}" dt="2020-01-03T23:32:32.378" v="81" actId="26606"/>
+          <ac:spMkLst>
+            <pc:docMk/>
+            <pc:sldMk cId="3681384204" sldId="268"/>
+            <ac:spMk id="77" creationId="{E6B9B529-EAD6-442A-92A1-6A496B93297E}"/>
+          </ac:spMkLst>
+        </pc:spChg>
+        <pc:picChg chg="add del mod">
+          <ac:chgData name="Yang Xu" userId="2ef8d03b0d59ea36" providerId="LiveId" clId="{AB255F3D-B9F1-4411-A720-2B98EADF1C94}" dt="2020-01-03T23:32:29.277" v="79" actId="478"/>
           <ac:picMkLst>
             <pc:docMk/>
-            <pc:sldMk cId="3583624961" sldId="267"/>
-            <ac:picMk id="6" creationId="{C009A133-7DD5-4DB2-AB56-9CD2E6AEA5AD}"/>
+            <pc:sldMk cId="3681384204" sldId="268"/>
+            <ac:picMk id="4" creationId="{E15B7ABE-4FCD-4591-86C5-A806D558C25D}"/>
           </ac:picMkLst>
         </pc:picChg>
-      </pc:sldChg>
-    </pc:docChg>
-  </pc:docChgLst>
-  <pc:docChgLst>
-    <pc:chgData name="Yang Xu" userId="2ef8d03b0d59ea36" providerId="LiveId" clId="{EE46B6E2-E867-4C96-9EAC-05E8560437D6}"/>
-    <pc:docChg chg="addSld modSld">
-      <pc:chgData name="Yang Xu" userId="2ef8d03b0d59ea36" providerId="LiveId" clId="{EE46B6E2-E867-4C96-9EAC-05E8560437D6}" dt="2020-01-16T12:19:22.061" v="450" actId="20577"/>
-      <pc:docMkLst>
-        <pc:docMk/>
-      </pc:docMkLst>
-      <pc:sldChg chg="modSp">
-        <pc:chgData name="Yang Xu" userId="2ef8d03b0d59ea36" providerId="LiveId" clId="{EE46B6E2-E867-4C96-9EAC-05E8560437D6}" dt="2020-01-16T11:37:59.698" v="34" actId="20577"/>
-        <pc:sldMkLst>
-          <pc:docMk/>
-          <pc:sldMk cId="1232935249" sldId="257"/>
-        </pc:sldMkLst>
-        <pc:spChg chg="mod">
-          <ac:chgData name="Yang Xu" userId="2ef8d03b0d59ea36" providerId="LiveId" clId="{EE46B6E2-E867-4C96-9EAC-05E8560437D6}" dt="2020-01-16T11:37:59.698" v="34" actId="20577"/>
-          <ac:spMkLst>
-            <pc:docMk/>
-            <pc:sldMk cId="1232935249" sldId="257"/>
-            <ac:spMk id="2" creationId="{B4520B70-2A11-4C52-8CC0-6F63A2EF322F}"/>
-          </ac:spMkLst>
-        </pc:spChg>
-      </pc:sldChg>
-      <pc:sldChg chg="modSp add">
-        <pc:chgData name="Yang Xu" userId="2ef8d03b0d59ea36" providerId="LiveId" clId="{EE46B6E2-E867-4C96-9EAC-05E8560437D6}" dt="2020-01-16T11:57:08.565" v="251" actId="20577"/>
-        <pc:sldMkLst>
-          <pc:docMk/>
-          <pc:sldMk cId="1308118045" sldId="268"/>
-        </pc:sldMkLst>
-        <pc:spChg chg="mod">
-          <ac:chgData name="Yang Xu" userId="2ef8d03b0d59ea36" providerId="LiveId" clId="{EE46B6E2-E867-4C96-9EAC-05E8560437D6}" dt="2020-01-16T11:49:36.746" v="64" actId="20577"/>
-          <ac:spMkLst>
-            <pc:docMk/>
-            <pc:sldMk cId="1308118045" sldId="268"/>
-            <ac:spMk id="2" creationId="{0360DF8E-C4D2-45C1-8EFC-22307D4F7041}"/>
-          </ac:spMkLst>
-        </pc:spChg>
-        <pc:spChg chg="mod">
-          <ac:chgData name="Yang Xu" userId="2ef8d03b0d59ea36" providerId="LiveId" clId="{EE46B6E2-E867-4C96-9EAC-05E8560437D6}" dt="2020-01-16T11:57:08.565" v="251" actId="20577"/>
-          <ac:spMkLst>
-            <pc:docMk/>
-            <pc:sldMk cId="1308118045" sldId="268"/>
-            <ac:spMk id="3" creationId="{BBB54FF3-335F-41ED-A5DF-6FA109CF3C9C}"/>
-          </ac:spMkLst>
-        </pc:spChg>
-      </pc:sldChg>
-      <pc:sldChg chg="modSp add">
-        <pc:chgData name="Yang Xu" userId="2ef8d03b0d59ea36" providerId="LiveId" clId="{EE46B6E2-E867-4C96-9EAC-05E8560437D6}" dt="2020-01-16T12:19:22.061" v="450" actId="20577"/>
-        <pc:sldMkLst>
-          <pc:docMk/>
-          <pc:sldMk cId="3479922148" sldId="269"/>
-        </pc:sldMkLst>
-        <pc:spChg chg="mod">
-          <ac:chgData name="Yang Xu" userId="2ef8d03b0d59ea36" providerId="LiveId" clId="{EE46B6E2-E867-4C96-9EAC-05E8560437D6}" dt="2020-01-16T12:18:38.674" v="276" actId="20577"/>
-          <ac:spMkLst>
-            <pc:docMk/>
-            <pc:sldMk cId="3479922148" sldId="269"/>
-            <ac:spMk id="2" creationId="{276F4C61-27A8-41F4-A238-E03A2562F370}"/>
-          </ac:spMkLst>
-        </pc:spChg>
-        <pc:spChg chg="mod">
-          <ac:chgData name="Yang Xu" userId="2ef8d03b0d59ea36" providerId="LiveId" clId="{EE46B6E2-E867-4C96-9EAC-05E8560437D6}" dt="2020-01-16T12:19:22.061" v="450" actId="20577"/>
-          <ac:spMkLst>
-            <pc:docMk/>
-            <pc:sldMk cId="3479922148" sldId="269"/>
-            <ac:spMk id="3" creationId="{189FE985-47F2-4E02-A179-705BBA2F4DA9}"/>
-          </ac:spMkLst>
-        </pc:spChg>
-      </pc:sldChg>
-    </pc:docChg>
-  </pc:docChgLst>
-  <pc:docChgLst>
-    <pc:chgData name="Yang Xu" userId="2ef8d03b0d59ea36" providerId="LiveId" clId="{8BF9E0CB-7D6F-4404-B92D-C9C26C03E612}"/>
-    <pc:docChg chg="undo custSel mod addSld delSld modSld">
-      <pc:chgData name="Yang Xu" userId="2ef8d03b0d59ea36" providerId="LiveId" clId="{8BF9E0CB-7D6F-4404-B92D-C9C26C03E612}" dt="2019-12-09T11:36:44.620" v="226"/>
-      <pc:docMkLst>
-        <pc:docMk/>
-      </pc:docMkLst>
-      <pc:sldChg chg="modSp">
-        <pc:chgData name="Yang Xu" userId="2ef8d03b0d59ea36" providerId="LiveId" clId="{8BF9E0CB-7D6F-4404-B92D-C9C26C03E612}" dt="2019-12-09T11:28:46.343" v="12" actId="20577"/>
-        <pc:sldMkLst>
-          <pc:docMk/>
-          <pc:sldMk cId="1232935249" sldId="257"/>
-        </pc:sldMkLst>
-        <pc:spChg chg="mod">
-          <ac:chgData name="Yang Xu" userId="2ef8d03b0d59ea36" providerId="LiveId" clId="{8BF9E0CB-7D6F-4404-B92D-C9C26C03E612}" dt="2019-12-09T11:28:46.343" v="12" actId="20577"/>
-          <ac:spMkLst>
-            <pc:docMk/>
-            <pc:sldMk cId="1232935249" sldId="257"/>
-            <ac:spMk id="2" creationId="{B4520B70-2A11-4C52-8CC0-6F63A2EF322F}"/>
-          </ac:spMkLst>
-        </pc:spChg>
+        <pc:picChg chg="add del">
+          <ac:chgData name="Yang Xu" userId="2ef8d03b0d59ea36" providerId="LiveId" clId="{AB255F3D-B9F1-4411-A720-2B98EADF1C94}" dt="2020-01-03T23:31:12.508" v="75" actId="26606"/>
+          <ac:picMkLst>
+            <pc:docMk/>
+            <pc:sldMk cId="3681384204" sldId="268"/>
+            <ac:picMk id="11" creationId="{12AFB628-1D2A-4F5A-8E9E-2C8E917B59E8}"/>
+          </ac:picMkLst>
+        </pc:picChg>
+        <pc:picChg chg="add del">
+          <ac:chgData name="Yang Xu" userId="2ef8d03b0d59ea36" providerId="LiveId" clId="{AB255F3D-B9F1-4411-A720-2B98EADF1C94}" dt="2020-01-03T23:31:12.508" v="75" actId="26606"/>
+          <ac:picMkLst>
+            <pc:docMk/>
+            <pc:sldMk cId="3681384204" sldId="268"/>
+            <ac:picMk id="17" creationId="{4AC1383A-2DFB-422E-8FB2-1CABD96DDF9B}"/>
+          </ac:picMkLst>
+        </pc:picChg>
+        <pc:picChg chg="add del">
+          <ac:chgData name="Yang Xu" userId="2ef8d03b0d59ea36" providerId="LiveId" clId="{AB255F3D-B9F1-4411-A720-2B98EADF1C94}" dt="2020-01-03T23:31:13.663" v="77" actId="26606"/>
+          <ac:picMkLst>
+            <pc:docMk/>
+            <pc:sldMk cId="3681384204" sldId="268"/>
+            <ac:picMk id="22" creationId="{E228037F-2EF2-4A1A-8D1D-D08F2C98AD63}"/>
+          </ac:picMkLst>
+        </pc:picChg>
+        <pc:picChg chg="add del">
+          <ac:chgData name="Yang Xu" userId="2ef8d03b0d59ea36" providerId="LiveId" clId="{AB255F3D-B9F1-4411-A720-2B98EADF1C94}" dt="2020-01-03T23:31:13.663" v="77" actId="26606"/>
+          <ac:picMkLst>
+            <pc:docMk/>
+            <pc:sldMk cId="3681384204" sldId="268"/>
+            <ac:picMk id="25" creationId="{FFF756FE-278B-4106-BB2E-DB87CF02DFB5}"/>
+          </ac:picMkLst>
+        </pc:picChg>
+        <pc:picChg chg="add del">
+          <ac:chgData name="Yang Xu" userId="2ef8d03b0d59ea36" providerId="LiveId" clId="{AB255F3D-B9F1-4411-A720-2B98EADF1C94}" dt="2020-01-03T23:32:32.378" v="81" actId="26606"/>
+          <ac:picMkLst>
+            <pc:docMk/>
+            <pc:sldMk cId="3681384204" sldId="268"/>
+            <ac:picMk id="29" creationId="{8DF1CE84-BC06-4E42-A5D4-7B92E327FDF7}"/>
+          </ac:picMkLst>
+        </pc:picChg>
+        <pc:picChg chg="add del">
+          <ac:chgData name="Yang Xu" userId="2ef8d03b0d59ea36" providerId="LiveId" clId="{AB255F3D-B9F1-4411-A720-2B98EADF1C94}" dt="2020-01-03T23:32:32.378" v="81" actId="26606"/>
+          <ac:picMkLst>
+            <pc:docMk/>
+            <pc:sldMk cId="3681384204" sldId="268"/>
+            <ac:picMk id="32" creationId="{C0419FA5-A1B5-487F-92D4-03983819F9B9}"/>
+          </ac:picMkLst>
+        </pc:picChg>
+        <pc:picChg chg="add">
+          <ac:chgData name="Yang Xu" userId="2ef8d03b0d59ea36" providerId="LiveId" clId="{AB255F3D-B9F1-4411-A720-2B98EADF1C94}" dt="2020-01-03T23:32:32.378" v="81" actId="26606"/>
+          <ac:picMkLst>
+            <pc:docMk/>
+            <pc:sldMk cId="3681384204" sldId="268"/>
+            <ac:picMk id="73" creationId="{8DF1CE84-BC06-4E42-A5D4-7B92E327FDF7}"/>
+          </ac:picMkLst>
+        </pc:picChg>
+        <pc:picChg chg="add">
+          <ac:chgData name="Yang Xu" userId="2ef8d03b0d59ea36" providerId="LiveId" clId="{AB255F3D-B9F1-4411-A720-2B98EADF1C94}" dt="2020-01-03T23:32:32.378" v="81" actId="26606"/>
+          <ac:picMkLst>
+            <pc:docMk/>
+            <pc:sldMk cId="3681384204" sldId="268"/>
+            <ac:picMk id="79" creationId="{C0419FA5-A1B5-487F-92D4-03983819F9B9}"/>
+          </ac:picMkLst>
+        </pc:picChg>
+        <pc:picChg chg="add mod">
+          <ac:chgData name="Yang Xu" userId="2ef8d03b0d59ea36" providerId="LiveId" clId="{AB255F3D-B9F1-4411-A720-2B98EADF1C94}" dt="2020-01-03T23:32:32.378" v="81" actId="26606"/>
+          <ac:picMkLst>
+            <pc:docMk/>
+            <pc:sldMk cId="3681384204" sldId="268"/>
+            <ac:picMk id="1026" creationId="{56CC64FE-0F9A-48C3-984E-13F2F7D760B5}"/>
+          </ac:picMkLst>
+        </pc:picChg>
       </pc:sldChg>
     </pc:docChg>
   </pc:docChgLst>
@@ -875,76 +482,221 @@
     </pc:docChg>
   </pc:docChgLst>
   <pc:docChgLst>
-    <pc:chgData name="Yang Xu" userId="2ef8d03b0d59ea36" providerId="LiveId" clId="{8C86F01E-60D8-4E60-98C2-073A1AFEBD5E}"/>
-    <pc:docChg chg="delSld modSld">
-      <pc:chgData name="Yang Xu" userId="2ef8d03b0d59ea36" providerId="LiveId" clId="{8C86F01E-60D8-4E60-98C2-073A1AFEBD5E}" dt="2019-12-16T13:08:40.549" v="12" actId="2696"/>
+    <pc:chgData name="Yang Xu" userId="2ef8d03b0d59ea36" providerId="LiveId" clId="{6F20CE34-37C8-4768-BEB4-FCE1904816B5}"/>
+    <pc:docChg chg="custSel addSld modSld">
+      <pc:chgData name="Yang Xu" userId="2ef8d03b0d59ea36" providerId="LiveId" clId="{6F20CE34-37C8-4768-BEB4-FCE1904816B5}" dt="2020-01-21T10:25:32.094" v="1048" actId="20577"/>
       <pc:docMkLst>
         <pc:docMk/>
       </pc:docMkLst>
       <pc:sldChg chg="modSp">
-        <pc:chgData name="Yang Xu" userId="2ef8d03b0d59ea36" providerId="LiveId" clId="{8C86F01E-60D8-4E60-98C2-073A1AFEBD5E}" dt="2019-12-16T13:08:37.117" v="8" actId="20577"/>
+        <pc:chgData name="Yang Xu" userId="2ef8d03b0d59ea36" providerId="LiveId" clId="{6F20CE34-37C8-4768-BEB4-FCE1904816B5}" dt="2020-01-21T10:12:52.601" v="0" actId="20577"/>
         <pc:sldMkLst>
           <pc:docMk/>
           <pc:sldMk cId="1232935249" sldId="257"/>
         </pc:sldMkLst>
         <pc:spChg chg="mod">
-          <ac:chgData name="Yang Xu" userId="2ef8d03b0d59ea36" providerId="LiveId" clId="{8C86F01E-60D8-4E60-98C2-073A1AFEBD5E}" dt="2019-12-16T13:08:33.443" v="1" actId="20577"/>
+          <ac:chgData name="Yang Xu" userId="2ef8d03b0d59ea36" providerId="LiveId" clId="{6F20CE34-37C8-4768-BEB4-FCE1904816B5}" dt="2020-01-21T10:12:52.601" v="0" actId="20577"/>
           <ac:spMkLst>
             <pc:docMk/>
             <pc:sldMk cId="1232935249" sldId="257"/>
             <ac:spMk id="2" creationId="{B4520B70-2A11-4C52-8CC0-6F63A2EF322F}"/>
           </ac:spMkLst>
         </pc:spChg>
+      </pc:sldChg>
+      <pc:sldChg chg="modSp">
+        <pc:chgData name="Yang Xu" userId="2ef8d03b0d59ea36" providerId="LiveId" clId="{6F20CE34-37C8-4768-BEB4-FCE1904816B5}" dt="2020-01-21T10:17:15.409" v="168" actId="20577"/>
+        <pc:sldMkLst>
+          <pc:docMk/>
+          <pc:sldMk cId="2536527152" sldId="268"/>
+        </pc:sldMkLst>
         <pc:spChg chg="mod">
-          <ac:chgData name="Yang Xu" userId="2ef8d03b0d59ea36" providerId="LiveId" clId="{8C86F01E-60D8-4E60-98C2-073A1AFEBD5E}" dt="2019-12-16T13:08:37.117" v="8" actId="20577"/>
-          <ac:spMkLst>
-            <pc:docMk/>
-            <pc:sldMk cId="1232935249" sldId="257"/>
-            <ac:spMk id="3" creationId="{C3BAE5F0-36E7-4AA5-9FD3-F3CB959A2B69}"/>
+          <ac:chgData name="Yang Xu" userId="2ef8d03b0d59ea36" providerId="LiveId" clId="{6F20CE34-37C8-4768-BEB4-FCE1904816B5}" dt="2020-01-21T10:15:52.807" v="25" actId="20577"/>
+          <ac:spMkLst>
+            <pc:docMk/>
+            <pc:sldMk cId="2536527152" sldId="268"/>
+            <ac:spMk id="2" creationId="{193CF2DD-9DF4-4BDB-BB5B-6715935BE28E}"/>
+          </ac:spMkLst>
+        </pc:spChg>
+        <pc:spChg chg="mod">
+          <ac:chgData name="Yang Xu" userId="2ef8d03b0d59ea36" providerId="LiveId" clId="{6F20CE34-37C8-4768-BEB4-FCE1904816B5}" dt="2020-01-21T10:17:15.409" v="168" actId="20577"/>
+          <ac:spMkLst>
+            <pc:docMk/>
+            <pc:sldMk cId="2536527152" sldId="268"/>
+            <ac:spMk id="3" creationId="{DCDBFD4E-74B2-4C84-A43F-53AD664C1AAC}"/>
+          </ac:spMkLst>
+        </pc:spChg>
+      </pc:sldChg>
+      <pc:sldChg chg="modSp add">
+        <pc:chgData name="Yang Xu" userId="2ef8d03b0d59ea36" providerId="LiveId" clId="{6F20CE34-37C8-4768-BEB4-FCE1904816B5}" dt="2020-01-21T10:21:44.825" v="650" actId="20577"/>
+        <pc:sldMkLst>
+          <pc:docMk/>
+          <pc:sldMk cId="2189254947" sldId="269"/>
+        </pc:sldMkLst>
+        <pc:spChg chg="mod">
+          <ac:chgData name="Yang Xu" userId="2ef8d03b0d59ea36" providerId="LiveId" clId="{6F20CE34-37C8-4768-BEB4-FCE1904816B5}" dt="2020-01-21T10:17:32.131" v="195" actId="20577"/>
+          <ac:spMkLst>
+            <pc:docMk/>
+            <pc:sldMk cId="2189254947" sldId="269"/>
+            <ac:spMk id="2" creationId="{3900C06D-B5E9-46FC-A951-E70B010B2BFC}"/>
+          </ac:spMkLst>
+        </pc:spChg>
+        <pc:spChg chg="mod">
+          <ac:chgData name="Yang Xu" userId="2ef8d03b0d59ea36" providerId="LiveId" clId="{6F20CE34-37C8-4768-BEB4-FCE1904816B5}" dt="2020-01-21T10:21:44.825" v="650" actId="20577"/>
+          <ac:spMkLst>
+            <pc:docMk/>
+            <pc:sldMk cId="2189254947" sldId="269"/>
+            <ac:spMk id="3" creationId="{2D7F3E34-DF16-4577-8FF6-BEE544284D5E}"/>
+          </ac:spMkLst>
+        </pc:spChg>
+      </pc:sldChg>
+      <pc:sldChg chg="modSp add">
+        <pc:chgData name="Yang Xu" userId="2ef8d03b0d59ea36" providerId="LiveId" clId="{6F20CE34-37C8-4768-BEB4-FCE1904816B5}" dt="2020-01-21T10:23:29.933" v="845" actId="20577"/>
+        <pc:sldMkLst>
+          <pc:docMk/>
+          <pc:sldMk cId="231288346" sldId="270"/>
+        </pc:sldMkLst>
+        <pc:spChg chg="mod">
+          <ac:chgData name="Yang Xu" userId="2ef8d03b0d59ea36" providerId="LiveId" clId="{6F20CE34-37C8-4768-BEB4-FCE1904816B5}" dt="2020-01-21T10:22:17.781" v="652"/>
+          <ac:spMkLst>
+            <pc:docMk/>
+            <pc:sldMk cId="231288346" sldId="270"/>
+            <ac:spMk id="2" creationId="{732ED240-ECE8-4FBE-8F15-E8CA97D57A66}"/>
+          </ac:spMkLst>
+        </pc:spChg>
+        <pc:spChg chg="mod">
+          <ac:chgData name="Yang Xu" userId="2ef8d03b0d59ea36" providerId="LiveId" clId="{6F20CE34-37C8-4768-BEB4-FCE1904816B5}" dt="2020-01-21T10:23:29.933" v="845" actId="20577"/>
+          <ac:spMkLst>
+            <pc:docMk/>
+            <pc:sldMk cId="231288346" sldId="270"/>
+            <ac:spMk id="3" creationId="{716ADAD0-611D-4FDA-838D-FE0A61C6100A}"/>
+          </ac:spMkLst>
+        </pc:spChg>
+      </pc:sldChg>
+      <pc:sldChg chg="modSp add">
+        <pc:chgData name="Yang Xu" userId="2ef8d03b0d59ea36" providerId="LiveId" clId="{6F20CE34-37C8-4768-BEB4-FCE1904816B5}" dt="2020-01-21T10:25:32.094" v="1048" actId="20577"/>
+        <pc:sldMkLst>
+          <pc:docMk/>
+          <pc:sldMk cId="3916612026" sldId="271"/>
+        </pc:sldMkLst>
+        <pc:spChg chg="mod">
+          <ac:chgData name="Yang Xu" userId="2ef8d03b0d59ea36" providerId="LiveId" clId="{6F20CE34-37C8-4768-BEB4-FCE1904816B5}" dt="2020-01-21T10:24:31.399" v="907" actId="20577"/>
+          <ac:spMkLst>
+            <pc:docMk/>
+            <pc:sldMk cId="3916612026" sldId="271"/>
+            <ac:spMk id="2" creationId="{749456FA-586B-450F-85EE-0459F26FF7BD}"/>
+          </ac:spMkLst>
+        </pc:spChg>
+        <pc:spChg chg="mod">
+          <ac:chgData name="Yang Xu" userId="2ef8d03b0d59ea36" providerId="LiveId" clId="{6F20CE34-37C8-4768-BEB4-FCE1904816B5}" dt="2020-01-21T10:25:32.094" v="1048" actId="20577"/>
+          <ac:spMkLst>
+            <pc:docMk/>
+            <pc:sldMk cId="3916612026" sldId="271"/>
+            <ac:spMk id="3" creationId="{1DEE26EE-5FFF-4737-9E9D-E3B574E35F7A}"/>
           </ac:spMkLst>
         </pc:spChg>
       </pc:sldChg>
     </pc:docChg>
   </pc:docChgLst>
   <pc:docChgLst>
-    <pc:chgData name="Yang Xu" userId="2ef8d03b0d59ea36" providerId="LiveId" clId="{C1B02F8C-9A33-4ACF-BB1E-68498D9920FD}"/>
-    <pc:docChg chg="undo custSel addSld delSld modSld">
-      <pc:chgData name="Yang Xu" userId="2ef8d03b0d59ea36" providerId="LiveId" clId="{C1B02F8C-9A33-4ACF-BB1E-68498D9920FD}" dt="2019-12-06T12:19:21.026" v="149" actId="20577"/>
+    <pc:chgData name="Yang Xu" userId="2ef8d03b0d59ea36" providerId="LiveId" clId="{BF8C758E-A42C-41AA-B7A4-B0B3E15AB4CE}"/>
+    <pc:docChg chg="addSld delSld modSld">
+      <pc:chgData name="Yang Xu" userId="2ef8d03b0d59ea36" providerId="LiveId" clId="{BF8C758E-A42C-41AA-B7A4-B0B3E15AB4CE}" dt="2020-01-17T23:53:57.563" v="396" actId="20577"/>
       <pc:docMkLst>
         <pc:docMk/>
       </pc:docMkLst>
       <pc:sldChg chg="modSp">
-        <pc:chgData name="Yang Xu" userId="2ef8d03b0d59ea36" providerId="LiveId" clId="{C1B02F8C-9A33-4ACF-BB1E-68498D9920FD}" dt="2019-12-06T11:42:45.177" v="32" actId="20577"/>
+        <pc:chgData name="Yang Xu" userId="2ef8d03b0d59ea36" providerId="LiveId" clId="{BF8C758E-A42C-41AA-B7A4-B0B3E15AB4CE}" dt="2020-01-17T23:44:51.077" v="47" actId="20577"/>
         <pc:sldMkLst>
           <pc:docMk/>
           <pc:sldMk cId="1232935249" sldId="257"/>
         </pc:sldMkLst>
         <pc:spChg chg="mod">
-          <ac:chgData name="Yang Xu" userId="2ef8d03b0d59ea36" providerId="LiveId" clId="{C1B02F8C-9A33-4ACF-BB1E-68498D9920FD}" dt="2019-12-06T11:42:45.177" v="32" actId="20577"/>
+          <ac:chgData name="Yang Xu" userId="2ef8d03b0d59ea36" providerId="LiveId" clId="{BF8C758E-A42C-41AA-B7A4-B0B3E15AB4CE}" dt="2020-01-17T23:44:51.077" v="47" actId="20577"/>
           <ac:spMkLst>
             <pc:docMk/>
             <pc:sldMk cId="1232935249" sldId="257"/>
             <ac:spMk id="2" creationId="{B4520B70-2A11-4C52-8CC0-6F63A2EF322F}"/>
           </ac:spMkLst>
         </pc:spChg>
+      </pc:sldChg>
+      <pc:sldChg chg="del">
+        <pc:chgData name="Yang Xu" userId="2ef8d03b0d59ea36" providerId="LiveId" clId="{BF8C758E-A42C-41AA-B7A4-B0B3E15AB4CE}" dt="2020-01-17T23:44:57.693" v="48" actId="47"/>
+        <pc:sldMkLst>
+          <pc:docMk/>
+          <pc:sldMk cId="1308118045" sldId="268"/>
+        </pc:sldMkLst>
+      </pc:sldChg>
+      <pc:sldChg chg="modSp add">
+        <pc:chgData name="Yang Xu" userId="2ef8d03b0d59ea36" providerId="LiveId" clId="{BF8C758E-A42C-41AA-B7A4-B0B3E15AB4CE}" dt="2020-01-17T23:53:57.563" v="396" actId="20577"/>
+        <pc:sldMkLst>
+          <pc:docMk/>
+          <pc:sldMk cId="1631810544" sldId="268"/>
+        </pc:sldMkLst>
+        <pc:spChg chg="mod">
+          <ac:chgData name="Yang Xu" userId="2ef8d03b0d59ea36" providerId="LiveId" clId="{BF8C758E-A42C-41AA-B7A4-B0B3E15AB4CE}" dt="2020-01-17T23:53:57.563" v="396" actId="20577"/>
+          <ac:spMkLst>
+            <pc:docMk/>
+            <pc:sldMk cId="1631810544" sldId="268"/>
+            <ac:spMk id="2" creationId="{C8568C5C-DB22-49E9-A839-0682ACF06DFA}"/>
+          </ac:spMkLst>
+        </pc:spChg>
+        <pc:spChg chg="mod">
+          <ac:chgData name="Yang Xu" userId="2ef8d03b0d59ea36" providerId="LiveId" clId="{BF8C758E-A42C-41AA-B7A4-B0B3E15AB4CE}" dt="2020-01-17T23:47:15.323" v="259" actId="20577"/>
+          <ac:spMkLst>
+            <pc:docMk/>
+            <pc:sldMk cId="1631810544" sldId="268"/>
+            <ac:spMk id="3" creationId="{FD5F560A-C51A-41B0-A937-22AF9A39CFB2}"/>
+          </ac:spMkLst>
+        </pc:spChg>
+        <pc:spChg chg="mod">
+          <ac:chgData name="Yang Xu" userId="2ef8d03b0d59ea36" providerId="LiveId" clId="{BF8C758E-A42C-41AA-B7A4-B0B3E15AB4CE}" dt="2020-01-17T23:46:58.073" v="214" actId="20577"/>
+          <ac:spMkLst>
+            <pc:docMk/>
+            <pc:sldMk cId="1631810544" sldId="268"/>
+            <ac:spMk id="4" creationId="{B77E2C70-183D-4815-9E58-36E28538932B}"/>
+          </ac:spMkLst>
+        </pc:spChg>
+        <pc:spChg chg="mod">
+          <ac:chgData name="Yang Xu" userId="2ef8d03b0d59ea36" providerId="LiveId" clId="{BF8C758E-A42C-41AA-B7A4-B0B3E15AB4CE}" dt="2020-01-17T23:47:24.385" v="276" actId="20577"/>
+          <ac:spMkLst>
+            <pc:docMk/>
+            <pc:sldMk cId="1631810544" sldId="268"/>
+            <ac:spMk id="5" creationId="{8F1D2905-8EB3-4B54-94E1-F230A29DDCAA}"/>
+          </ac:spMkLst>
+        </pc:spChg>
+        <pc:spChg chg="mod">
+          <ac:chgData name="Yang Xu" userId="2ef8d03b0d59ea36" providerId="LiveId" clId="{BF8C758E-A42C-41AA-B7A4-B0B3E15AB4CE}" dt="2020-01-17T23:48:14.802" v="394" actId="20577"/>
+          <ac:spMkLst>
+            <pc:docMk/>
+            <pc:sldMk cId="1631810544" sldId="268"/>
+            <ac:spMk id="6" creationId="{C6677E22-BF0F-4B60-A748-E6EA69D8A2A7}"/>
+          </ac:spMkLst>
+        </pc:spChg>
+      </pc:sldChg>
+      <pc:sldChg chg="del">
+        <pc:chgData name="Yang Xu" userId="2ef8d03b0d59ea36" providerId="LiveId" clId="{BF8C758E-A42C-41AA-B7A4-B0B3E15AB4CE}" dt="2020-01-17T23:44:58.620" v="49" actId="47"/>
+        <pc:sldMkLst>
+          <pc:docMk/>
+          <pc:sldMk cId="3479922148" sldId="269"/>
+        </pc:sldMkLst>
       </pc:sldChg>
     </pc:docChg>
   </pc:docChgLst>
   <pc:docChgLst>
-    <pc:chgData name="Yang Xu" userId="2ef8d03b0d59ea36" providerId="LiveId" clId="{68B937E7-3C36-443C-B94D-12869CF3025E}"/>
-    <pc:docChg chg="delSld modSld">
-      <pc:chgData name="Yang Xu" userId="2ef8d03b0d59ea36" providerId="LiveId" clId="{68B937E7-3C36-443C-B94D-12869CF3025E}" dt="2020-01-18T13:16:16.412" v="24" actId="47"/>
+    <pc:chgData name="Yang Xu" userId="2ef8d03b0d59ea36" providerId="LiveId" clId="{0DEFA37D-DEEF-4856-883E-52ABFB85D5AB}"/>
+    <pc:docChg chg="addSld modSld">
+      <pc:chgData name="Yang Xu" userId="2ef8d03b0d59ea36" providerId="LiveId" clId="{0DEFA37D-DEEF-4856-883E-52ABFB85D5AB}" dt="2019-12-20T12:33:49.423" v="27" actId="20577"/>
       <pc:docMkLst>
         <pc:docMk/>
       </pc:docMkLst>
       <pc:sldChg chg="modSp">
-        <pc:chgData name="Yang Xu" userId="2ef8d03b0d59ea36" providerId="LiveId" clId="{68B937E7-3C36-443C-B94D-12869CF3025E}" dt="2020-01-18T13:16:11.002" v="23" actId="20577"/>
+        <pc:chgData name="Yang Xu" userId="2ef8d03b0d59ea36" providerId="LiveId" clId="{0DEFA37D-DEEF-4856-883E-52ABFB85D5AB}" dt="2019-12-20T12:32:53.144" v="11" actId="20577"/>
         <pc:sldMkLst>
           <pc:docMk/>
           <pc:sldMk cId="1232935249" sldId="257"/>
         </pc:sldMkLst>
         <pc:spChg chg="mod">
-          <ac:chgData name="Yang Xu" userId="2ef8d03b0d59ea36" providerId="LiveId" clId="{68B937E7-3C36-443C-B94D-12869CF3025E}" dt="2020-01-18T13:16:11.002" v="23" actId="20577"/>
+          <ac:chgData name="Yang Xu" userId="2ef8d03b0d59ea36" providerId="LiveId" clId="{0DEFA37D-DEEF-4856-883E-52ABFB85D5AB}" dt="2019-12-20T12:32:53.144" v="11" actId="20577"/>
           <ac:spMkLst>
             <pc:docMk/>
             <pc:sldMk cId="1232935249" sldId="257"/>
@@ -952,32 +704,154 @@
           </ac:spMkLst>
         </pc:spChg>
       </pc:sldChg>
-      <pc:sldChg chg="del">
-        <pc:chgData name="Yang Xu" userId="2ef8d03b0d59ea36" providerId="LiveId" clId="{68B937E7-3C36-443C-B94D-12869CF3025E}" dt="2020-01-18T13:16:16.412" v="24" actId="47"/>
+      <pc:sldChg chg="modSp add">
+        <pc:chgData name="Yang Xu" userId="2ef8d03b0d59ea36" providerId="LiveId" clId="{0DEFA37D-DEEF-4856-883E-52ABFB85D5AB}" dt="2019-12-20T12:33:49.423" v="27" actId="20577"/>
         <pc:sldMkLst>
           <pc:docMk/>
-          <pc:sldMk cId="3406222671" sldId="268"/>
+          <pc:sldMk cId="391821178" sldId="268"/>
+        </pc:sldMkLst>
+        <pc:spChg chg="mod">
+          <ac:chgData name="Yang Xu" userId="2ef8d03b0d59ea36" providerId="LiveId" clId="{0DEFA37D-DEEF-4856-883E-52ABFB85D5AB}" dt="2019-12-20T12:33:49.423" v="27" actId="20577"/>
+          <ac:spMkLst>
+            <pc:docMk/>
+            <pc:sldMk cId="391821178" sldId="268"/>
+            <ac:spMk id="2" creationId="{E5BE5CAD-F0DC-4BDC-9B45-3D49E5E1B7BF}"/>
+          </ac:spMkLst>
+        </pc:spChg>
+        <pc:spChg chg="mod">
+          <ac:chgData name="Yang Xu" userId="2ef8d03b0d59ea36" providerId="LiveId" clId="{0DEFA37D-DEEF-4856-883E-52ABFB85D5AB}" dt="2019-12-20T12:33:45.466" v="16" actId="20577"/>
+          <ac:spMkLst>
+            <pc:docMk/>
+            <pc:sldMk cId="391821178" sldId="268"/>
+            <ac:spMk id="3" creationId="{62C453E6-CCA4-46F5-9989-852FB84CFB5E}"/>
+          </ac:spMkLst>
+        </pc:spChg>
+      </pc:sldChg>
+    </pc:docChg>
+  </pc:docChgLst>
+  <pc:docChgLst>
+    <pc:chgData name="Yang Xu" userId="2ef8d03b0d59ea36" providerId="LiveId" clId="{22EA9AAC-E84C-4AE3-8432-AF9594ABE5DD}"/>
+    <pc:docChg chg="delSld modSld">
+      <pc:chgData name="Yang Xu" userId="2ef8d03b0d59ea36" providerId="LiveId" clId="{22EA9AAC-E84C-4AE3-8432-AF9594ABE5DD}" dt="2020-01-08T12:07:05.776" v="64" actId="20577"/>
+      <pc:docMkLst>
+        <pc:docMk/>
+      </pc:docMkLst>
+      <pc:sldChg chg="modSp">
+        <pc:chgData name="Yang Xu" userId="2ef8d03b0d59ea36" providerId="LiveId" clId="{22EA9AAC-E84C-4AE3-8432-AF9594ABE5DD}" dt="2020-01-08T12:07:05.776" v="64" actId="20577"/>
+        <pc:sldMkLst>
+          <pc:docMk/>
+          <pc:sldMk cId="1232935249" sldId="257"/>
+        </pc:sldMkLst>
+        <pc:spChg chg="mod">
+          <ac:chgData name="Yang Xu" userId="2ef8d03b0d59ea36" providerId="LiveId" clId="{22EA9AAC-E84C-4AE3-8432-AF9594ABE5DD}" dt="2020-01-08T12:07:05.776" v="64" actId="20577"/>
+          <ac:spMkLst>
+            <pc:docMk/>
+            <pc:sldMk cId="1232935249" sldId="257"/>
+            <ac:spMk id="2" creationId="{B4520B70-2A11-4C52-8CC0-6F63A2EF322F}"/>
+          </ac:spMkLst>
+        </pc:spChg>
+      </pc:sldChg>
+      <pc:sldChg chg="del">
+        <pc:chgData name="Yang Xu" userId="2ef8d03b0d59ea36" providerId="LiveId" clId="{22EA9AAC-E84C-4AE3-8432-AF9594ABE5DD}" dt="2020-01-08T12:05:50.725" v="1" actId="47"/>
+        <pc:sldMkLst>
+          <pc:docMk/>
+          <pc:sldMk cId="2494942929" sldId="268"/>
         </pc:sldMkLst>
       </pc:sldChg>
       <pc:sldChg chg="del">
-        <pc:chgData name="Yang Xu" userId="2ef8d03b0d59ea36" providerId="LiveId" clId="{68B937E7-3C36-443C-B94D-12869CF3025E}" dt="2020-01-18T13:16:16.412" v="24" actId="47"/>
+        <pc:chgData name="Yang Xu" userId="2ef8d03b0d59ea36" providerId="LiveId" clId="{22EA9AAC-E84C-4AE3-8432-AF9594ABE5DD}" dt="2020-01-08T12:05:50.725" v="1" actId="47"/>
         <pc:sldMkLst>
           <pc:docMk/>
-          <pc:sldMk cId="3530911700" sldId="269"/>
+          <pc:sldMk cId="3499997383" sldId="269"/>
+        </pc:sldMkLst>
+      </pc:sldChg>
+    </pc:docChg>
+  </pc:docChgLst>
+  <pc:docChgLst>
+    <pc:chgData name="Yang Xu" userId="2ef8d03b0d59ea36" providerId="LiveId" clId="{C93F70C4-EFFD-47B3-87CA-99D2B6C51ADB}"/>
+    <pc:docChg chg="addSld delSld modSld">
+      <pc:chgData name="Yang Xu" userId="2ef8d03b0d59ea36" providerId="LiveId" clId="{C93F70C4-EFFD-47B3-87CA-99D2B6C51ADB}" dt="2020-01-15T12:37:51.158" v="232" actId="20577"/>
+      <pc:docMkLst>
+        <pc:docMk/>
+      </pc:docMkLst>
+      <pc:sldChg chg="modSp">
+        <pc:chgData name="Yang Xu" userId="2ef8d03b0d59ea36" providerId="LiveId" clId="{C93F70C4-EFFD-47B3-87CA-99D2B6C51ADB}" dt="2020-01-15T12:29:01.584" v="19" actId="20577"/>
+        <pc:sldMkLst>
+          <pc:docMk/>
+          <pc:sldMk cId="1232935249" sldId="257"/>
+        </pc:sldMkLst>
+        <pc:spChg chg="mod">
+          <ac:chgData name="Yang Xu" userId="2ef8d03b0d59ea36" providerId="LiveId" clId="{C93F70C4-EFFD-47B3-87CA-99D2B6C51ADB}" dt="2020-01-15T12:29:01.584" v="19" actId="20577"/>
+          <ac:spMkLst>
+            <pc:docMk/>
+            <pc:sldMk cId="1232935249" sldId="257"/>
+            <ac:spMk id="2" creationId="{B4520B70-2A11-4C52-8CC0-6F63A2EF322F}"/>
+          </ac:spMkLst>
+        </pc:spChg>
+      </pc:sldChg>
+      <pc:sldChg chg="del">
+        <pc:chgData name="Yang Xu" userId="2ef8d03b0d59ea36" providerId="LiveId" clId="{C93F70C4-EFFD-47B3-87CA-99D2B6C51ADB}" dt="2020-01-15T12:29:05.955" v="20" actId="47"/>
+        <pc:sldMkLst>
+          <pc:docMk/>
+          <pc:sldMk cId="3271254871" sldId="268"/>
+        </pc:sldMkLst>
+      </pc:sldChg>
+      <pc:sldChg chg="modSp add">
+        <pc:chgData name="Yang Xu" userId="2ef8d03b0d59ea36" providerId="LiveId" clId="{C93F70C4-EFFD-47B3-87CA-99D2B6C51ADB}" dt="2020-01-15T12:37:51.158" v="232" actId="20577"/>
+        <pc:sldMkLst>
+          <pc:docMk/>
+          <pc:sldMk cId="3435951429" sldId="268"/>
+        </pc:sldMkLst>
+        <pc:spChg chg="mod">
+          <ac:chgData name="Yang Xu" userId="2ef8d03b0d59ea36" providerId="LiveId" clId="{C93F70C4-EFFD-47B3-87CA-99D2B6C51ADB}" dt="2020-01-15T12:36:53.972" v="44" actId="20577"/>
+          <ac:spMkLst>
+            <pc:docMk/>
+            <pc:sldMk cId="3435951429" sldId="268"/>
+            <ac:spMk id="2" creationId="{F2D850DA-17AB-46F2-85D5-223ABC596561}"/>
+          </ac:spMkLst>
+        </pc:spChg>
+        <pc:spChg chg="mod">
+          <ac:chgData name="Yang Xu" userId="2ef8d03b0d59ea36" providerId="LiveId" clId="{C93F70C4-EFFD-47B3-87CA-99D2B6C51ADB}" dt="2020-01-15T12:37:51.158" v="232" actId="20577"/>
+          <ac:spMkLst>
+            <pc:docMk/>
+            <pc:sldMk cId="3435951429" sldId="268"/>
+            <ac:spMk id="3" creationId="{EB80BE27-CC82-48EE-8E1E-36078D7AF89C}"/>
+          </ac:spMkLst>
+        </pc:spChg>
+      </pc:sldChg>
+      <pc:sldChg chg="del">
+        <pc:chgData name="Yang Xu" userId="2ef8d03b0d59ea36" providerId="LiveId" clId="{C93F70C4-EFFD-47B3-87CA-99D2B6C51ADB}" dt="2020-01-15T12:29:05.955" v="20" actId="47"/>
+        <pc:sldMkLst>
+          <pc:docMk/>
+          <pc:sldMk cId="1139190952" sldId="269"/>
         </pc:sldMkLst>
       </pc:sldChg>
       <pc:sldChg chg="del">
-        <pc:chgData name="Yang Xu" userId="2ef8d03b0d59ea36" providerId="LiveId" clId="{68B937E7-3C36-443C-B94D-12869CF3025E}" dt="2020-01-18T13:16:16.412" v="24" actId="47"/>
+        <pc:chgData name="Yang Xu" userId="2ef8d03b0d59ea36" providerId="LiveId" clId="{C93F70C4-EFFD-47B3-87CA-99D2B6C51ADB}" dt="2020-01-15T12:29:05.955" v="20" actId="47"/>
         <pc:sldMkLst>
           <pc:docMk/>
-          <pc:sldMk cId="1780689539" sldId="270"/>
+          <pc:sldMk cId="268738215" sldId="270"/>
         </pc:sldMkLst>
       </pc:sldChg>
       <pc:sldChg chg="del">
-        <pc:chgData name="Yang Xu" userId="2ef8d03b0d59ea36" providerId="LiveId" clId="{68B937E7-3C36-443C-B94D-12869CF3025E}" dt="2020-01-18T13:16:16.412" v="24" actId="47"/>
+        <pc:chgData name="Yang Xu" userId="2ef8d03b0d59ea36" providerId="LiveId" clId="{C93F70C4-EFFD-47B3-87CA-99D2B6C51ADB}" dt="2020-01-15T12:29:05.955" v="20" actId="47"/>
         <pc:sldMkLst>
           <pc:docMk/>
-          <pc:sldMk cId="1764946395" sldId="271"/>
+          <pc:sldMk cId="706351576" sldId="271"/>
+        </pc:sldMkLst>
+      </pc:sldChg>
+      <pc:sldChg chg="del">
+        <pc:chgData name="Yang Xu" userId="2ef8d03b0d59ea36" providerId="LiveId" clId="{C93F70C4-EFFD-47B3-87CA-99D2B6C51ADB}" dt="2020-01-15T12:29:05.955" v="20" actId="47"/>
+        <pc:sldMkLst>
+          <pc:docMk/>
+          <pc:sldMk cId="387369245" sldId="272"/>
+        </pc:sldMkLst>
+      </pc:sldChg>
+      <pc:sldChg chg="del">
+        <pc:chgData name="Yang Xu" userId="2ef8d03b0d59ea36" providerId="LiveId" clId="{C93F70C4-EFFD-47B3-87CA-99D2B6C51ADB}" dt="2020-01-15T12:29:05.955" v="20" actId="47"/>
+        <pc:sldMkLst>
+          <pc:docMk/>
+          <pc:sldMk cId="297724987" sldId="273"/>
         </pc:sldMkLst>
       </pc:sldChg>
     </pc:docChg>
@@ -1003,434 +877,6 @@
             <ac:spMk id="2" creationId="{B4520B70-2A11-4C52-8CC0-6F63A2EF322F}"/>
           </ac:spMkLst>
         </pc:spChg>
-      </pc:sldChg>
-    </pc:docChg>
-  </pc:docChgLst>
-  <pc:docChgLst>
-    <pc:chgData name="Yang Xu" userId="2ef8d03b0d59ea36" providerId="LiveId" clId="{26E08ECD-192B-45E7-81CA-45EB3B3E2F78}"/>
-    <pc:docChg chg="modSld">
-      <pc:chgData name="Yang Xu" userId="2ef8d03b0d59ea36" providerId="LiveId" clId="{26E08ECD-192B-45E7-81CA-45EB3B3E2F78}" dt="2019-12-17T11:39:41.177" v="17"/>
-      <pc:docMkLst>
-        <pc:docMk/>
-      </pc:docMkLst>
-      <pc:sldChg chg="modSp">
-        <pc:chgData name="Yang Xu" userId="2ef8d03b0d59ea36" providerId="LiveId" clId="{26E08ECD-192B-45E7-81CA-45EB3B3E2F78}" dt="2019-12-17T11:39:41.177" v="17"/>
-        <pc:sldMkLst>
-          <pc:docMk/>
-          <pc:sldMk cId="1232935249" sldId="257"/>
-        </pc:sldMkLst>
-        <pc:spChg chg="mod">
-          <ac:chgData name="Yang Xu" userId="2ef8d03b0d59ea36" providerId="LiveId" clId="{26E08ECD-192B-45E7-81CA-45EB3B3E2F78}" dt="2019-12-17T11:39:39.056" v="16" actId="20577"/>
-          <ac:spMkLst>
-            <pc:docMk/>
-            <pc:sldMk cId="1232935249" sldId="257"/>
-            <ac:spMk id="2" creationId="{B4520B70-2A11-4C52-8CC0-6F63A2EF322F}"/>
-          </ac:spMkLst>
-        </pc:spChg>
-        <pc:spChg chg="mod">
-          <ac:chgData name="Yang Xu" userId="2ef8d03b0d59ea36" providerId="LiveId" clId="{26E08ECD-192B-45E7-81CA-45EB3B3E2F78}" dt="2019-12-17T11:39:41.177" v="17"/>
-          <ac:spMkLst>
-            <pc:docMk/>
-            <pc:sldMk cId="1232935249" sldId="257"/>
-            <ac:spMk id="3" creationId="{C3BAE5F0-36E7-4AA5-9FD3-F3CB959A2B69}"/>
-          </ac:spMkLst>
-        </pc:spChg>
-      </pc:sldChg>
-    </pc:docChg>
-  </pc:docChgLst>
-  <pc:docChgLst>
-    <pc:chgData name="Yang Xu" userId="2ef8d03b0d59ea36" providerId="LiveId" clId="{C041E056-EE77-4499-97F6-873CE1570D1E}"/>
-    <pc:docChg chg="custSel addSld modSld">
-      <pc:chgData name="Yang Xu" userId="2ef8d03b0d59ea36" providerId="LiveId" clId="{C041E056-EE77-4499-97F6-873CE1570D1E}" dt="2019-12-15T01:38:04.296" v="137" actId="20577"/>
-      <pc:docMkLst>
-        <pc:docMk/>
-      </pc:docMkLst>
-      <pc:sldChg chg="modSp">
-        <pc:chgData name="Yang Xu" userId="2ef8d03b0d59ea36" providerId="LiveId" clId="{C041E056-EE77-4499-97F6-873CE1570D1E}" dt="2019-12-15T01:23:17.107" v="56" actId="20577"/>
-        <pc:sldMkLst>
-          <pc:docMk/>
-          <pc:sldMk cId="1232935249" sldId="257"/>
-        </pc:sldMkLst>
-        <pc:spChg chg="mod">
-          <ac:chgData name="Yang Xu" userId="2ef8d03b0d59ea36" providerId="LiveId" clId="{C041E056-EE77-4499-97F6-873CE1570D1E}" dt="2019-12-15T01:23:10.486" v="37" actId="20577"/>
-          <ac:spMkLst>
-            <pc:docMk/>
-            <pc:sldMk cId="1232935249" sldId="257"/>
-            <ac:spMk id="2" creationId="{B4520B70-2A11-4C52-8CC0-6F63A2EF322F}"/>
-          </ac:spMkLst>
-        </pc:spChg>
-        <pc:spChg chg="mod">
-          <ac:chgData name="Yang Xu" userId="2ef8d03b0d59ea36" providerId="LiveId" clId="{C041E056-EE77-4499-97F6-873CE1570D1E}" dt="2019-12-15T01:23:17.107" v="56" actId="20577"/>
-          <ac:spMkLst>
-            <pc:docMk/>
-            <pc:sldMk cId="1232935249" sldId="257"/>
-            <ac:spMk id="3" creationId="{C3BAE5F0-36E7-4AA5-9FD3-F3CB959A2B69}"/>
-          </ac:spMkLst>
-        </pc:spChg>
-      </pc:sldChg>
-    </pc:docChg>
-  </pc:docChgLst>
-  <pc:docChgLst>
-    <pc:chgData name="Yang Xu" userId="2ef8d03b0d59ea36" providerId="LiveId" clId="{AB255F3D-B9F1-4411-A720-2B98EADF1C94}"/>
-    <pc:docChg chg="undo custSel mod addSld modSld">
-      <pc:chgData name="Yang Xu" userId="2ef8d03b0d59ea36" providerId="LiveId" clId="{AB255F3D-B9F1-4411-A720-2B98EADF1C94}" dt="2020-01-03T23:32:32.378" v="81" actId="26606"/>
-      <pc:docMkLst>
-        <pc:docMk/>
-      </pc:docMkLst>
-      <pc:sldChg chg="modSp">
-        <pc:chgData name="Yang Xu" userId="2ef8d03b0d59ea36" providerId="LiveId" clId="{AB255F3D-B9F1-4411-A720-2B98EADF1C94}" dt="2020-01-03T23:30:17.654" v="45" actId="6549"/>
-        <pc:sldMkLst>
-          <pc:docMk/>
-          <pc:sldMk cId="1232935249" sldId="257"/>
-        </pc:sldMkLst>
-        <pc:spChg chg="mod">
-          <ac:chgData name="Yang Xu" userId="2ef8d03b0d59ea36" providerId="LiveId" clId="{AB255F3D-B9F1-4411-A720-2B98EADF1C94}" dt="2020-01-03T23:30:15.923" v="44" actId="20577"/>
-          <ac:spMkLst>
-            <pc:docMk/>
-            <pc:sldMk cId="1232935249" sldId="257"/>
-            <ac:spMk id="2" creationId="{B4520B70-2A11-4C52-8CC0-6F63A2EF322F}"/>
-          </ac:spMkLst>
-        </pc:spChg>
-        <pc:spChg chg="mod">
-          <ac:chgData name="Yang Xu" userId="2ef8d03b0d59ea36" providerId="LiveId" clId="{AB255F3D-B9F1-4411-A720-2B98EADF1C94}" dt="2020-01-03T23:30:17.654" v="45" actId="6549"/>
-          <ac:spMkLst>
-            <pc:docMk/>
-            <pc:sldMk cId="1232935249" sldId="257"/>
-            <ac:spMk id="3" creationId="{C3BAE5F0-36E7-4AA5-9FD3-F3CB959A2B69}"/>
-          </ac:spMkLst>
-        </pc:spChg>
-      </pc:sldChg>
-      <pc:sldChg chg="addSp delSp modSp add mod setBg">
-        <pc:chgData name="Yang Xu" userId="2ef8d03b0d59ea36" providerId="LiveId" clId="{AB255F3D-B9F1-4411-A720-2B98EADF1C94}" dt="2020-01-03T23:32:32.378" v="81" actId="26606"/>
-        <pc:sldMkLst>
-          <pc:docMk/>
-          <pc:sldMk cId="3681384204" sldId="268"/>
-        </pc:sldMkLst>
-        <pc:spChg chg="mod">
-          <ac:chgData name="Yang Xu" userId="2ef8d03b0d59ea36" providerId="LiveId" clId="{AB255F3D-B9F1-4411-A720-2B98EADF1C94}" dt="2020-01-03T23:31:13.679" v="78" actId="26606"/>
-          <ac:spMkLst>
-            <pc:docMk/>
-            <pc:sldMk cId="3681384204" sldId="268"/>
-            <ac:spMk id="2" creationId="{1ED88B71-1EDB-4CBE-B33D-292D783D7EE9}"/>
-          </ac:spMkLst>
-        </pc:spChg>
-        <pc:spChg chg="mod">
-          <ac:chgData name="Yang Xu" userId="2ef8d03b0d59ea36" providerId="LiveId" clId="{AB255F3D-B9F1-4411-A720-2B98EADF1C94}" dt="2020-01-03T23:31:13.679" v="78" actId="26606"/>
-          <ac:spMkLst>
-            <pc:docMk/>
-            <pc:sldMk cId="3681384204" sldId="268"/>
-            <ac:spMk id="3" creationId="{37542511-64B6-4F5C-A4E5-0674CEB7AA19}"/>
-          </ac:spMkLst>
-        </pc:spChg>
-        <pc:spChg chg="add del">
-          <ac:chgData name="Yang Xu" userId="2ef8d03b0d59ea36" providerId="LiveId" clId="{AB255F3D-B9F1-4411-A720-2B98EADF1C94}" dt="2020-01-03T23:31:12.508" v="75" actId="26606"/>
-          <ac:spMkLst>
-            <pc:docMk/>
-            <pc:sldMk cId="3681384204" sldId="268"/>
-            <ac:spMk id="9" creationId="{A1698906-F123-49CB-B633-247AC48701BD}"/>
-          </ac:spMkLst>
-        </pc:spChg>
-        <pc:spChg chg="add del">
-          <ac:chgData name="Yang Xu" userId="2ef8d03b0d59ea36" providerId="LiveId" clId="{AB255F3D-B9F1-4411-A720-2B98EADF1C94}" dt="2020-01-03T23:31:12.508" v="75" actId="26606"/>
-          <ac:spMkLst>
-            <pc:docMk/>
-            <pc:sldMk cId="3681384204" sldId="268"/>
-            <ac:spMk id="13" creationId="{5D86D9DA-31E3-48ED-9F77-2D8B649BD4E0}"/>
-          </ac:spMkLst>
-        </pc:spChg>
-        <pc:spChg chg="add del">
-          <ac:chgData name="Yang Xu" userId="2ef8d03b0d59ea36" providerId="LiveId" clId="{AB255F3D-B9F1-4411-A720-2B98EADF1C94}" dt="2020-01-03T23:31:12.508" v="75" actId="26606"/>
-          <ac:spMkLst>
-            <pc:docMk/>
-            <pc:sldMk cId="3681384204" sldId="268"/>
-            <ac:spMk id="15" creationId="{04C6B320-AA89-4C19-89F7-71D46B26BA6B}"/>
-          </ac:spMkLst>
-        </pc:spChg>
-        <pc:spChg chg="add del">
-          <ac:chgData name="Yang Xu" userId="2ef8d03b0d59ea36" providerId="LiveId" clId="{AB255F3D-B9F1-4411-A720-2B98EADF1C94}" dt="2020-01-03T23:31:12.508" v="75" actId="26606"/>
-          <ac:spMkLst>
-            <pc:docMk/>
-            <pc:sldMk cId="3681384204" sldId="268"/>
-            <ac:spMk id="19" creationId="{645EE119-0AC6-45BA-AE5E-A86AFE1C74C0}"/>
-          </ac:spMkLst>
-        </pc:spChg>
-        <pc:spChg chg="add del">
-          <ac:chgData name="Yang Xu" userId="2ef8d03b0d59ea36" providerId="LiveId" clId="{AB255F3D-B9F1-4411-A720-2B98EADF1C94}" dt="2020-01-03T23:31:13.663" v="77" actId="26606"/>
-          <ac:spMkLst>
-            <pc:docMk/>
-            <pc:sldMk cId="3681384204" sldId="268"/>
-            <ac:spMk id="21" creationId="{1395ACAC-577D-4FAD-955D-280C3D104ADF}"/>
-          </ac:spMkLst>
-        </pc:spChg>
-        <pc:spChg chg="add del">
-          <ac:chgData name="Yang Xu" userId="2ef8d03b0d59ea36" providerId="LiveId" clId="{AB255F3D-B9F1-4411-A720-2B98EADF1C94}" dt="2020-01-03T23:31:13.663" v="77" actId="26606"/>
-          <ac:spMkLst>
-            <pc:docMk/>
-            <pc:sldMk cId="3681384204" sldId="268"/>
-            <ac:spMk id="23" creationId="{0AB11C2E-6CA2-4822-BF14-C1C9A6BC6CAA}"/>
-          </ac:spMkLst>
-        </pc:spChg>
-        <pc:spChg chg="add del">
-          <ac:chgData name="Yang Xu" userId="2ef8d03b0d59ea36" providerId="LiveId" clId="{AB255F3D-B9F1-4411-A720-2B98EADF1C94}" dt="2020-01-03T23:31:13.663" v="77" actId="26606"/>
-          <ac:spMkLst>
-            <pc:docMk/>
-            <pc:sldMk cId="3681384204" sldId="268"/>
-            <ac:spMk id="24" creationId="{38B3A2B2-7BBB-4E52-8C30-BE2A6F346B37}"/>
-          </ac:spMkLst>
-        </pc:spChg>
-        <pc:spChg chg="add del">
-          <ac:chgData name="Yang Xu" userId="2ef8d03b0d59ea36" providerId="LiveId" clId="{AB255F3D-B9F1-4411-A720-2B98EADF1C94}" dt="2020-01-03T23:31:13.663" v="77" actId="26606"/>
-          <ac:spMkLst>
-            <pc:docMk/>
-            <pc:sldMk cId="3681384204" sldId="268"/>
-            <ac:spMk id="26" creationId="{09D6A950-3339-40EB-8972-64F44542D3FF}"/>
-          </ac:spMkLst>
-        </pc:spChg>
-        <pc:spChg chg="add del">
-          <ac:chgData name="Yang Xu" userId="2ef8d03b0d59ea36" providerId="LiveId" clId="{AB255F3D-B9F1-4411-A720-2B98EADF1C94}" dt="2020-01-03T23:32:32.378" v="81" actId="26606"/>
-          <ac:spMkLst>
-            <pc:docMk/>
-            <pc:sldMk cId="3681384204" sldId="268"/>
-            <ac:spMk id="28" creationId="{6764E3F6-59F1-44FF-9EF2-8EF0BCA30B60}"/>
-          </ac:spMkLst>
-        </pc:spChg>
-        <pc:spChg chg="add del">
-          <ac:chgData name="Yang Xu" userId="2ef8d03b0d59ea36" providerId="LiveId" clId="{AB255F3D-B9F1-4411-A720-2B98EADF1C94}" dt="2020-01-03T23:32:32.378" v="81" actId="26606"/>
-          <ac:spMkLst>
-            <pc:docMk/>
-            <pc:sldMk cId="3681384204" sldId="268"/>
-            <ac:spMk id="30" creationId="{0743C7B8-BD05-4C16-9FC9-6B5C5BA3A043}"/>
-          </ac:spMkLst>
-        </pc:spChg>
-        <pc:spChg chg="add del">
-          <ac:chgData name="Yang Xu" userId="2ef8d03b0d59ea36" providerId="LiveId" clId="{AB255F3D-B9F1-4411-A720-2B98EADF1C94}" dt="2020-01-03T23:32:32.378" v="81" actId="26606"/>
-          <ac:spMkLst>
-            <pc:docMk/>
-            <pc:sldMk cId="3681384204" sldId="268"/>
-            <ac:spMk id="31" creationId="{E6B9B529-EAD6-442A-92A1-6A496B93297E}"/>
-          </ac:spMkLst>
-        </pc:spChg>
-        <pc:spChg chg="add">
-          <ac:chgData name="Yang Xu" userId="2ef8d03b0d59ea36" providerId="LiveId" clId="{AB255F3D-B9F1-4411-A720-2B98EADF1C94}" dt="2020-01-03T23:32:32.378" v="81" actId="26606"/>
-          <ac:spMkLst>
-            <pc:docMk/>
-            <pc:sldMk cId="3681384204" sldId="268"/>
-            <ac:spMk id="71" creationId="{6764E3F6-59F1-44FF-9EF2-8EF0BCA30B60}"/>
-          </ac:spMkLst>
-        </pc:spChg>
-        <pc:spChg chg="add">
-          <ac:chgData name="Yang Xu" userId="2ef8d03b0d59ea36" providerId="LiveId" clId="{AB255F3D-B9F1-4411-A720-2B98EADF1C94}" dt="2020-01-03T23:32:32.378" v="81" actId="26606"/>
-          <ac:spMkLst>
-            <pc:docMk/>
-            <pc:sldMk cId="3681384204" sldId="268"/>
-            <ac:spMk id="75" creationId="{0743C7B8-BD05-4C16-9FC9-6B5C5BA3A043}"/>
-          </ac:spMkLst>
-        </pc:spChg>
-        <pc:spChg chg="add">
-          <ac:chgData name="Yang Xu" userId="2ef8d03b0d59ea36" providerId="LiveId" clId="{AB255F3D-B9F1-4411-A720-2B98EADF1C94}" dt="2020-01-03T23:32:32.378" v="81" actId="26606"/>
-          <ac:spMkLst>
-            <pc:docMk/>
-            <pc:sldMk cId="3681384204" sldId="268"/>
-            <ac:spMk id="77" creationId="{E6B9B529-EAD6-442A-92A1-6A496B93297E}"/>
-          </ac:spMkLst>
-        </pc:spChg>
-        <pc:picChg chg="add del mod">
-          <ac:chgData name="Yang Xu" userId="2ef8d03b0d59ea36" providerId="LiveId" clId="{AB255F3D-B9F1-4411-A720-2B98EADF1C94}" dt="2020-01-03T23:32:29.277" v="79" actId="478"/>
-          <ac:picMkLst>
-            <pc:docMk/>
-            <pc:sldMk cId="3681384204" sldId="268"/>
-            <ac:picMk id="4" creationId="{E15B7ABE-4FCD-4591-86C5-A806D558C25D}"/>
-          </ac:picMkLst>
-        </pc:picChg>
-        <pc:picChg chg="add del">
-          <ac:chgData name="Yang Xu" userId="2ef8d03b0d59ea36" providerId="LiveId" clId="{AB255F3D-B9F1-4411-A720-2B98EADF1C94}" dt="2020-01-03T23:31:12.508" v="75" actId="26606"/>
-          <ac:picMkLst>
-            <pc:docMk/>
-            <pc:sldMk cId="3681384204" sldId="268"/>
-            <ac:picMk id="11" creationId="{12AFB628-1D2A-4F5A-8E9E-2C8E917B59E8}"/>
-          </ac:picMkLst>
-        </pc:picChg>
-        <pc:picChg chg="add del">
-          <ac:chgData name="Yang Xu" userId="2ef8d03b0d59ea36" providerId="LiveId" clId="{AB255F3D-B9F1-4411-A720-2B98EADF1C94}" dt="2020-01-03T23:31:12.508" v="75" actId="26606"/>
-          <ac:picMkLst>
-            <pc:docMk/>
-            <pc:sldMk cId="3681384204" sldId="268"/>
-            <ac:picMk id="17" creationId="{4AC1383A-2DFB-422E-8FB2-1CABD96DDF9B}"/>
-          </ac:picMkLst>
-        </pc:picChg>
-        <pc:picChg chg="add del">
-          <ac:chgData name="Yang Xu" userId="2ef8d03b0d59ea36" providerId="LiveId" clId="{AB255F3D-B9F1-4411-A720-2B98EADF1C94}" dt="2020-01-03T23:31:13.663" v="77" actId="26606"/>
-          <ac:picMkLst>
-            <pc:docMk/>
-            <pc:sldMk cId="3681384204" sldId="268"/>
-            <ac:picMk id="22" creationId="{E228037F-2EF2-4A1A-8D1D-D08F2C98AD63}"/>
-          </ac:picMkLst>
-        </pc:picChg>
-        <pc:picChg chg="add del">
-          <ac:chgData name="Yang Xu" userId="2ef8d03b0d59ea36" providerId="LiveId" clId="{AB255F3D-B9F1-4411-A720-2B98EADF1C94}" dt="2020-01-03T23:31:13.663" v="77" actId="26606"/>
-          <ac:picMkLst>
-            <pc:docMk/>
-            <pc:sldMk cId="3681384204" sldId="268"/>
-            <ac:picMk id="25" creationId="{FFF756FE-278B-4106-BB2E-DB87CF02DFB5}"/>
-          </ac:picMkLst>
-        </pc:picChg>
-        <pc:picChg chg="add del">
-          <ac:chgData name="Yang Xu" userId="2ef8d03b0d59ea36" providerId="LiveId" clId="{AB255F3D-B9F1-4411-A720-2B98EADF1C94}" dt="2020-01-03T23:32:32.378" v="81" actId="26606"/>
-          <ac:picMkLst>
-            <pc:docMk/>
-            <pc:sldMk cId="3681384204" sldId="268"/>
-            <ac:picMk id="29" creationId="{8DF1CE84-BC06-4E42-A5D4-7B92E327FDF7}"/>
-          </ac:picMkLst>
-        </pc:picChg>
-        <pc:picChg chg="add del">
-          <ac:chgData name="Yang Xu" userId="2ef8d03b0d59ea36" providerId="LiveId" clId="{AB255F3D-B9F1-4411-A720-2B98EADF1C94}" dt="2020-01-03T23:32:32.378" v="81" actId="26606"/>
-          <ac:picMkLst>
-            <pc:docMk/>
-            <pc:sldMk cId="3681384204" sldId="268"/>
-            <ac:picMk id="32" creationId="{C0419FA5-A1B5-487F-92D4-03983819F9B9}"/>
-          </ac:picMkLst>
-        </pc:picChg>
-        <pc:picChg chg="add">
-          <ac:chgData name="Yang Xu" userId="2ef8d03b0d59ea36" providerId="LiveId" clId="{AB255F3D-B9F1-4411-A720-2B98EADF1C94}" dt="2020-01-03T23:32:32.378" v="81" actId="26606"/>
-          <ac:picMkLst>
-            <pc:docMk/>
-            <pc:sldMk cId="3681384204" sldId="268"/>
-            <ac:picMk id="73" creationId="{8DF1CE84-BC06-4E42-A5D4-7B92E327FDF7}"/>
-          </ac:picMkLst>
-        </pc:picChg>
-        <pc:picChg chg="add">
-          <ac:chgData name="Yang Xu" userId="2ef8d03b0d59ea36" providerId="LiveId" clId="{AB255F3D-B9F1-4411-A720-2B98EADF1C94}" dt="2020-01-03T23:32:32.378" v="81" actId="26606"/>
-          <ac:picMkLst>
-            <pc:docMk/>
-            <pc:sldMk cId="3681384204" sldId="268"/>
-            <ac:picMk id="79" creationId="{C0419FA5-A1B5-487F-92D4-03983819F9B9}"/>
-          </ac:picMkLst>
-        </pc:picChg>
-        <pc:picChg chg="add mod">
-          <ac:chgData name="Yang Xu" userId="2ef8d03b0d59ea36" providerId="LiveId" clId="{AB255F3D-B9F1-4411-A720-2B98EADF1C94}" dt="2020-01-03T23:32:32.378" v="81" actId="26606"/>
-          <ac:picMkLst>
-            <pc:docMk/>
-            <pc:sldMk cId="3681384204" sldId="268"/>
-            <ac:picMk id="1026" creationId="{56CC64FE-0F9A-48C3-984E-13F2F7D760B5}"/>
-          </ac:picMkLst>
-        </pc:picChg>
-      </pc:sldChg>
-    </pc:docChg>
-  </pc:docChgLst>
-  <pc:docChgLst>
-    <pc:chgData name="Yang Xu" userId="2ef8d03b0d59ea36" providerId="LiveId" clId="{103D143D-49C3-4567-ADE6-EA2F0763870D}"/>
-    <pc:docChg chg="custSel mod addSld modSld">
-      <pc:chgData name="Yang Xu" userId="2ef8d03b0d59ea36" providerId="LiveId" clId="{103D143D-49C3-4567-ADE6-EA2F0763870D}" dt="2019-12-16T12:56:52.167" v="158"/>
-      <pc:docMkLst>
-        <pc:docMk/>
-      </pc:docMkLst>
-      <pc:sldChg chg="modSp">
-        <pc:chgData name="Yang Xu" userId="2ef8d03b0d59ea36" providerId="LiveId" clId="{103D143D-49C3-4567-ADE6-EA2F0763870D}" dt="2019-12-16T12:54:24.259" v="45" actId="6549"/>
-        <pc:sldMkLst>
-          <pc:docMk/>
-          <pc:sldMk cId="1232935249" sldId="257"/>
-        </pc:sldMkLst>
-        <pc:spChg chg="mod">
-          <ac:chgData name="Yang Xu" userId="2ef8d03b0d59ea36" providerId="LiveId" clId="{103D143D-49C3-4567-ADE6-EA2F0763870D}" dt="2019-12-16T12:54:15.637" v="44" actId="20577"/>
-          <ac:spMkLst>
-            <pc:docMk/>
-            <pc:sldMk cId="1232935249" sldId="257"/>
-            <ac:spMk id="2" creationId="{B4520B70-2A11-4C52-8CC0-6F63A2EF322F}"/>
-          </ac:spMkLst>
-        </pc:spChg>
-        <pc:spChg chg="mod">
-          <ac:chgData name="Yang Xu" userId="2ef8d03b0d59ea36" providerId="LiveId" clId="{103D143D-49C3-4567-ADE6-EA2F0763870D}" dt="2019-12-16T12:54:24.259" v="45" actId="6549"/>
-          <ac:spMkLst>
-            <pc:docMk/>
-            <pc:sldMk cId="1232935249" sldId="257"/>
-            <ac:spMk id="3" creationId="{C3BAE5F0-36E7-4AA5-9FD3-F3CB959A2B69}"/>
-          </ac:spMkLst>
-        </pc:spChg>
-      </pc:sldChg>
-    </pc:docChg>
-  </pc:docChgLst>
-  <pc:docChgLst>
-    <pc:chgData name="Yang Xu" userId="2ef8d03b0d59ea36" providerId="LiveId" clId="{BF8C758E-A42C-41AA-B7A4-B0B3E15AB4CE}"/>
-    <pc:docChg chg="addSld delSld modSld">
-      <pc:chgData name="Yang Xu" userId="2ef8d03b0d59ea36" providerId="LiveId" clId="{BF8C758E-A42C-41AA-B7A4-B0B3E15AB4CE}" dt="2020-01-17T23:53:57.563" v="396" actId="20577"/>
-      <pc:docMkLst>
-        <pc:docMk/>
-      </pc:docMkLst>
-      <pc:sldChg chg="modSp">
-        <pc:chgData name="Yang Xu" userId="2ef8d03b0d59ea36" providerId="LiveId" clId="{BF8C758E-A42C-41AA-B7A4-B0B3E15AB4CE}" dt="2020-01-17T23:44:51.077" v="47" actId="20577"/>
-        <pc:sldMkLst>
-          <pc:docMk/>
-          <pc:sldMk cId="1232935249" sldId="257"/>
-        </pc:sldMkLst>
-        <pc:spChg chg="mod">
-          <ac:chgData name="Yang Xu" userId="2ef8d03b0d59ea36" providerId="LiveId" clId="{BF8C758E-A42C-41AA-B7A4-B0B3E15AB4CE}" dt="2020-01-17T23:44:51.077" v="47" actId="20577"/>
-          <ac:spMkLst>
-            <pc:docMk/>
-            <pc:sldMk cId="1232935249" sldId="257"/>
-            <ac:spMk id="2" creationId="{B4520B70-2A11-4C52-8CC0-6F63A2EF322F}"/>
-          </ac:spMkLst>
-        </pc:spChg>
-      </pc:sldChg>
-      <pc:sldChg chg="del">
-        <pc:chgData name="Yang Xu" userId="2ef8d03b0d59ea36" providerId="LiveId" clId="{BF8C758E-A42C-41AA-B7A4-B0B3E15AB4CE}" dt="2020-01-17T23:44:57.693" v="48" actId="47"/>
-        <pc:sldMkLst>
-          <pc:docMk/>
-          <pc:sldMk cId="1308118045" sldId="268"/>
-        </pc:sldMkLst>
-      </pc:sldChg>
-      <pc:sldChg chg="modSp add">
-        <pc:chgData name="Yang Xu" userId="2ef8d03b0d59ea36" providerId="LiveId" clId="{BF8C758E-A42C-41AA-B7A4-B0B3E15AB4CE}" dt="2020-01-17T23:53:57.563" v="396" actId="20577"/>
-        <pc:sldMkLst>
-          <pc:docMk/>
-          <pc:sldMk cId="1631810544" sldId="268"/>
-        </pc:sldMkLst>
-        <pc:spChg chg="mod">
-          <ac:chgData name="Yang Xu" userId="2ef8d03b0d59ea36" providerId="LiveId" clId="{BF8C758E-A42C-41AA-B7A4-B0B3E15AB4CE}" dt="2020-01-17T23:53:57.563" v="396" actId="20577"/>
-          <ac:spMkLst>
-            <pc:docMk/>
-            <pc:sldMk cId="1631810544" sldId="268"/>
-            <ac:spMk id="2" creationId="{C8568C5C-DB22-49E9-A839-0682ACF06DFA}"/>
-          </ac:spMkLst>
-        </pc:spChg>
-        <pc:spChg chg="mod">
-          <ac:chgData name="Yang Xu" userId="2ef8d03b0d59ea36" providerId="LiveId" clId="{BF8C758E-A42C-41AA-B7A4-B0B3E15AB4CE}" dt="2020-01-17T23:47:15.323" v="259" actId="20577"/>
-          <ac:spMkLst>
-            <pc:docMk/>
-            <pc:sldMk cId="1631810544" sldId="268"/>
-            <ac:spMk id="3" creationId="{FD5F560A-C51A-41B0-A937-22AF9A39CFB2}"/>
-          </ac:spMkLst>
-        </pc:spChg>
-        <pc:spChg chg="mod">
-          <ac:chgData name="Yang Xu" userId="2ef8d03b0d59ea36" providerId="LiveId" clId="{BF8C758E-A42C-41AA-B7A4-B0B3E15AB4CE}" dt="2020-01-17T23:46:58.073" v="214" actId="20577"/>
-          <ac:spMkLst>
-            <pc:docMk/>
-            <pc:sldMk cId="1631810544" sldId="268"/>
-            <ac:spMk id="4" creationId="{B77E2C70-183D-4815-9E58-36E28538932B}"/>
-          </ac:spMkLst>
-        </pc:spChg>
-        <pc:spChg chg="mod">
-          <ac:chgData name="Yang Xu" userId="2ef8d03b0d59ea36" providerId="LiveId" clId="{BF8C758E-A42C-41AA-B7A4-B0B3E15AB4CE}" dt="2020-01-17T23:47:24.385" v="276" actId="20577"/>
-          <ac:spMkLst>
-            <pc:docMk/>
-            <pc:sldMk cId="1631810544" sldId="268"/>
-            <ac:spMk id="5" creationId="{8F1D2905-8EB3-4B54-94E1-F230A29DDCAA}"/>
-          </ac:spMkLst>
-        </pc:spChg>
-        <pc:spChg chg="mod">
-          <ac:chgData name="Yang Xu" userId="2ef8d03b0d59ea36" providerId="LiveId" clId="{BF8C758E-A42C-41AA-B7A4-B0B3E15AB4CE}" dt="2020-01-17T23:48:14.802" v="394" actId="20577"/>
-          <ac:spMkLst>
-            <pc:docMk/>
-            <pc:sldMk cId="1631810544" sldId="268"/>
-            <ac:spMk id="6" creationId="{C6677E22-BF0F-4B60-A748-E6EA69D8A2A7}"/>
-          </ac:spMkLst>
-        </pc:spChg>
-      </pc:sldChg>
-      <pc:sldChg chg="del">
-        <pc:chgData name="Yang Xu" userId="2ef8d03b0d59ea36" providerId="LiveId" clId="{BF8C758E-A42C-41AA-B7A4-B0B3E15AB4CE}" dt="2020-01-17T23:44:58.620" v="49" actId="47"/>
-        <pc:sldMkLst>
-          <pc:docMk/>
-          <pc:sldMk cId="3479922148" sldId="269"/>
-        </pc:sldMkLst>
       </pc:sldChg>
     </pc:docChg>
   </pc:docChgLst>
@@ -1530,6 +976,232 @@
     </pc:docChg>
   </pc:docChgLst>
   <pc:docChgLst>
+    <pc:chgData name="Yang Xu" userId="2ef8d03b0d59ea36" providerId="LiveId" clId="{5F3C6FFF-511D-4B89-BB3B-94C74803A8BA}"/>
+    <pc:docChg chg="modSld">
+      <pc:chgData name="Yang Xu" userId="2ef8d03b0d59ea36" providerId="LiveId" clId="{5F3C6FFF-511D-4B89-BB3B-94C74803A8BA}" dt="2020-01-03T11:03:32.087" v="0" actId="20577"/>
+      <pc:docMkLst>
+        <pc:docMk/>
+      </pc:docMkLst>
+      <pc:sldChg chg="modSp">
+        <pc:chgData name="Yang Xu" userId="2ef8d03b0d59ea36" providerId="LiveId" clId="{5F3C6FFF-511D-4B89-BB3B-94C74803A8BA}" dt="2020-01-03T11:03:32.087" v="0" actId="20577"/>
+        <pc:sldMkLst>
+          <pc:docMk/>
+          <pc:sldMk cId="1232935249" sldId="257"/>
+        </pc:sldMkLst>
+        <pc:spChg chg="mod">
+          <ac:chgData name="Yang Xu" userId="2ef8d03b0d59ea36" providerId="LiveId" clId="{5F3C6FFF-511D-4B89-BB3B-94C74803A8BA}" dt="2020-01-03T11:03:32.087" v="0" actId="20577"/>
+          <ac:spMkLst>
+            <pc:docMk/>
+            <pc:sldMk cId="1232935249" sldId="257"/>
+            <ac:spMk id="2" creationId="{B4520B70-2A11-4C52-8CC0-6F63A2EF322F}"/>
+          </ac:spMkLst>
+        </pc:spChg>
+      </pc:sldChg>
+    </pc:docChg>
+  </pc:docChgLst>
+  <pc:docChgLst>
+    <pc:chgData name="Yang Xu" userId="2ef8d03b0d59ea36" providerId="LiveId" clId="{A43E1128-07B8-46EA-A93A-9551BDC54880}"/>
+    <pc:docChg chg="undo custSel mod addSld modSld">
+      <pc:chgData name="Yang Xu" userId="2ef8d03b0d59ea36" providerId="LiveId" clId="{A43E1128-07B8-46EA-A93A-9551BDC54880}" dt="2019-12-01T12:20:38.100" v="458" actId="20577"/>
+      <pc:docMkLst>
+        <pc:docMk/>
+      </pc:docMkLst>
+      <pc:sldChg chg="addSp modSp">
+        <pc:chgData name="Yang Xu" userId="2ef8d03b0d59ea36" providerId="LiveId" clId="{A43E1128-07B8-46EA-A93A-9551BDC54880}" dt="2019-12-01T12:04:34.762" v="94" actId="20577"/>
+        <pc:sldMkLst>
+          <pc:docMk/>
+          <pc:sldMk cId="3658131297" sldId="256"/>
+        </pc:sldMkLst>
+        <pc:spChg chg="mod">
+          <ac:chgData name="Yang Xu" userId="2ef8d03b0d59ea36" providerId="LiveId" clId="{A43E1128-07B8-46EA-A93A-9551BDC54880}" dt="2019-12-01T12:03:04.104" v="59" actId="20577"/>
+          <ac:spMkLst>
+            <pc:docMk/>
+            <pc:sldMk cId="3658131297" sldId="256"/>
+            <ac:spMk id="2" creationId="{003A01C2-B11E-4CC0-A4C6-16EAB38D7B58}"/>
+          </ac:spMkLst>
+        </pc:spChg>
+        <pc:spChg chg="mod">
+          <ac:chgData name="Yang Xu" userId="2ef8d03b0d59ea36" providerId="LiveId" clId="{A43E1128-07B8-46EA-A93A-9551BDC54880}" dt="2019-12-01T12:04:34.762" v="94" actId="20577"/>
+          <ac:spMkLst>
+            <pc:docMk/>
+            <pc:sldMk cId="3658131297" sldId="256"/>
+            <ac:spMk id="3" creationId="{40575951-5C1F-4B5C-8FC6-E1403B60445E}"/>
+          </ac:spMkLst>
+        </pc:spChg>
+        <pc:picChg chg="add mod">
+          <ac:chgData name="Yang Xu" userId="2ef8d03b0d59ea36" providerId="LiveId" clId="{A43E1128-07B8-46EA-A93A-9551BDC54880}" dt="2019-12-01T12:04:27.793" v="92" actId="1076"/>
+          <ac:picMkLst>
+            <pc:docMk/>
+            <pc:sldMk cId="3658131297" sldId="256"/>
+            <ac:picMk id="5" creationId="{B7C01389-E2C2-4840-89CA-63909206BD90}"/>
+          </ac:picMkLst>
+        </pc:picChg>
+        <pc:picChg chg="add mod">
+          <ac:chgData name="Yang Xu" userId="2ef8d03b0d59ea36" providerId="LiveId" clId="{A43E1128-07B8-46EA-A93A-9551BDC54880}" dt="2019-12-01T12:04:27.793" v="92" actId="1076"/>
+          <ac:picMkLst>
+            <pc:docMk/>
+            <pc:sldMk cId="3658131297" sldId="256"/>
+            <ac:picMk id="7" creationId="{C9FBF2F0-EF59-408B-95FF-C88CCA1A3F12}"/>
+          </ac:picMkLst>
+        </pc:picChg>
+      </pc:sldChg>
+      <pc:sldChg chg="modSp add">
+        <pc:chgData name="Yang Xu" userId="2ef8d03b0d59ea36" providerId="LiveId" clId="{A43E1128-07B8-46EA-A93A-9551BDC54880}" dt="2019-12-01T12:05:11.952" v="155" actId="20577"/>
+        <pc:sldMkLst>
+          <pc:docMk/>
+          <pc:sldMk cId="1232935249" sldId="257"/>
+        </pc:sldMkLst>
+        <pc:spChg chg="mod">
+          <ac:chgData name="Yang Xu" userId="2ef8d03b0d59ea36" providerId="LiveId" clId="{A43E1128-07B8-46EA-A93A-9551BDC54880}" dt="2019-12-01T12:05:11.952" v="155" actId="20577"/>
+          <ac:spMkLst>
+            <pc:docMk/>
+            <pc:sldMk cId="1232935249" sldId="257"/>
+            <ac:spMk id="2" creationId="{B4520B70-2A11-4C52-8CC0-6F63A2EF322F}"/>
+          </ac:spMkLst>
+        </pc:spChg>
+      </pc:sldChg>
+      <pc:sldChg chg="addSp delSp modSp add">
+        <pc:chgData name="Yang Xu" userId="2ef8d03b0d59ea36" providerId="LiveId" clId="{A43E1128-07B8-46EA-A93A-9551BDC54880}" dt="2019-12-01T12:16:30.958" v="455" actId="113"/>
+        <pc:sldMkLst>
+          <pc:docMk/>
+          <pc:sldMk cId="3583624961" sldId="267"/>
+        </pc:sldMkLst>
+        <pc:spChg chg="mod">
+          <ac:chgData name="Yang Xu" userId="2ef8d03b0d59ea36" providerId="LiveId" clId="{A43E1128-07B8-46EA-A93A-9551BDC54880}" dt="2019-12-01T12:15:58.979" v="417" actId="20577"/>
+          <ac:spMkLst>
+            <pc:docMk/>
+            <pc:sldMk cId="3583624961" sldId="267"/>
+            <ac:spMk id="2" creationId="{EE4558DA-7EC3-4DD4-9045-AB71369A5709}"/>
+          </ac:spMkLst>
+        </pc:spChg>
+        <pc:spChg chg="del">
+          <ac:chgData name="Yang Xu" userId="2ef8d03b0d59ea36" providerId="LiveId" clId="{A43E1128-07B8-46EA-A93A-9551BDC54880}" dt="2019-12-01T12:16:15.035" v="418" actId="931"/>
+          <ac:spMkLst>
+            <pc:docMk/>
+            <pc:sldMk cId="3583624961" sldId="267"/>
+            <ac:spMk id="3" creationId="{3AA432C9-D970-4492-A599-B88EBAE2385E}"/>
+          </ac:spMkLst>
+        </pc:spChg>
+        <pc:spChg chg="mod">
+          <ac:chgData name="Yang Xu" userId="2ef8d03b0d59ea36" providerId="LiveId" clId="{A43E1128-07B8-46EA-A93A-9551BDC54880}" dt="2019-12-01T12:16:30.958" v="455" actId="113"/>
+          <ac:spMkLst>
+            <pc:docMk/>
+            <pc:sldMk cId="3583624961" sldId="267"/>
+            <ac:spMk id="4" creationId="{8E3010BD-2445-4080-A314-D04650863E19}"/>
+          </ac:spMkLst>
+        </pc:spChg>
+        <pc:picChg chg="add mod">
+          <ac:chgData name="Yang Xu" userId="2ef8d03b0d59ea36" providerId="LiveId" clId="{A43E1128-07B8-46EA-A93A-9551BDC54880}" dt="2019-12-01T12:16:15.035" v="418" actId="931"/>
+          <ac:picMkLst>
+            <pc:docMk/>
+            <pc:sldMk cId="3583624961" sldId="267"/>
+            <ac:picMk id="6" creationId="{C009A133-7DD5-4DB2-AB56-9CD2E6AEA5AD}"/>
+          </ac:picMkLst>
+        </pc:picChg>
+      </pc:sldChg>
+    </pc:docChg>
+  </pc:docChgLst>
+  <pc:docChgLst>
+    <pc:chgData name="Yang Xu" userId="2ef8d03b0d59ea36" providerId="LiveId" clId="{A02E9244-CA36-44B9-8DB0-65ABEB622C12}"/>
+    <pc:docChg chg="undo custSel addSld delSld modSld">
+      <pc:chgData name="Yang Xu" userId="2ef8d03b0d59ea36" providerId="LiveId" clId="{A02E9244-CA36-44B9-8DB0-65ABEB622C12}" dt="2020-01-18T05:39:43.582" v="674" actId="20577"/>
+      <pc:docMkLst>
+        <pc:docMk/>
+      </pc:docMkLst>
+      <pc:sldChg chg="modSp">
+        <pc:chgData name="Yang Xu" userId="2ef8d03b0d59ea36" providerId="LiveId" clId="{A02E9244-CA36-44B9-8DB0-65ABEB622C12}" dt="2020-01-18T05:24:48.676" v="34" actId="20577"/>
+        <pc:sldMkLst>
+          <pc:docMk/>
+          <pc:sldMk cId="1232935249" sldId="257"/>
+        </pc:sldMkLst>
+        <pc:spChg chg="mod">
+          <ac:chgData name="Yang Xu" userId="2ef8d03b0d59ea36" providerId="LiveId" clId="{A02E9244-CA36-44B9-8DB0-65ABEB622C12}" dt="2020-01-18T05:24:48.676" v="34" actId="20577"/>
+          <ac:spMkLst>
+            <pc:docMk/>
+            <pc:sldMk cId="1232935249" sldId="257"/>
+            <ac:spMk id="2" creationId="{B4520B70-2A11-4C52-8CC0-6F63A2EF322F}"/>
+          </ac:spMkLst>
+        </pc:spChg>
+      </pc:sldChg>
+      <pc:sldChg chg="add del">
+        <pc:chgData name="Yang Xu" userId="2ef8d03b0d59ea36" providerId="LiveId" clId="{A02E9244-CA36-44B9-8DB0-65ABEB622C12}" dt="2020-01-18T05:25:28.127" v="37" actId="47"/>
+        <pc:sldMkLst>
+          <pc:docMk/>
+          <pc:sldMk cId="1631810544" sldId="268"/>
+        </pc:sldMkLst>
+      </pc:sldChg>
+      <pc:sldChg chg="modSp add">
+        <pc:chgData name="Yang Xu" userId="2ef8d03b0d59ea36" providerId="LiveId" clId="{A02E9244-CA36-44B9-8DB0-65ABEB622C12}" dt="2020-01-18T05:37:00.446" v="111" actId="20577"/>
+        <pc:sldMkLst>
+          <pc:docMk/>
+          <pc:sldMk cId="3406222671" sldId="268"/>
+        </pc:sldMkLst>
+        <pc:spChg chg="mod">
+          <ac:chgData name="Yang Xu" userId="2ef8d03b0d59ea36" providerId="LiveId" clId="{A02E9244-CA36-44B9-8DB0-65ABEB622C12}" dt="2020-01-18T05:36:19.392" v="44" actId="20577"/>
+          <ac:spMkLst>
+            <pc:docMk/>
+            <pc:sldMk cId="3406222671" sldId="268"/>
+            <ac:spMk id="2" creationId="{21909FC3-32D1-48A3-A09C-0FA647D2AEC5}"/>
+          </ac:spMkLst>
+        </pc:spChg>
+        <pc:spChg chg="mod">
+          <ac:chgData name="Yang Xu" userId="2ef8d03b0d59ea36" providerId="LiveId" clId="{A02E9244-CA36-44B9-8DB0-65ABEB622C12}" dt="2020-01-18T05:37:00.446" v="111" actId="20577"/>
+          <ac:spMkLst>
+            <pc:docMk/>
+            <pc:sldMk cId="3406222671" sldId="268"/>
+            <ac:spMk id="3" creationId="{2816C228-1E27-4F37-AD0B-BB54B4FF3AC5}"/>
+          </ac:spMkLst>
+        </pc:spChg>
+      </pc:sldChg>
+      <pc:sldChg chg="modSp add">
+        <pc:chgData name="Yang Xu" userId="2ef8d03b0d59ea36" providerId="LiveId" clId="{A02E9244-CA36-44B9-8DB0-65ABEB622C12}" dt="2020-01-18T05:37:40.358" v="221" actId="20577"/>
+        <pc:sldMkLst>
+          <pc:docMk/>
+          <pc:sldMk cId="3663397467" sldId="269"/>
+        </pc:sldMkLst>
+        <pc:spChg chg="mod">
+          <ac:chgData name="Yang Xu" userId="2ef8d03b0d59ea36" providerId="LiveId" clId="{A02E9244-CA36-44B9-8DB0-65ABEB622C12}" dt="2020-01-18T05:37:10.846" v="118" actId="20577"/>
+          <ac:spMkLst>
+            <pc:docMk/>
+            <pc:sldMk cId="3663397467" sldId="269"/>
+            <ac:spMk id="2" creationId="{B9DBAED7-40E8-4DA7-8AA1-49C7F478D3E6}"/>
+          </ac:spMkLst>
+        </pc:spChg>
+        <pc:spChg chg="mod">
+          <ac:chgData name="Yang Xu" userId="2ef8d03b0d59ea36" providerId="LiveId" clId="{A02E9244-CA36-44B9-8DB0-65ABEB622C12}" dt="2020-01-18T05:37:40.358" v="221" actId="20577"/>
+          <ac:spMkLst>
+            <pc:docMk/>
+            <pc:sldMk cId="3663397467" sldId="269"/>
+            <ac:spMk id="3" creationId="{77B98739-F56F-4E28-947B-F62CA3E1D9DE}"/>
+          </ac:spMkLst>
+        </pc:spChg>
+      </pc:sldChg>
+      <pc:sldChg chg="modSp add">
+        <pc:chgData name="Yang Xu" userId="2ef8d03b0d59ea36" providerId="LiveId" clId="{A02E9244-CA36-44B9-8DB0-65ABEB622C12}" dt="2020-01-18T05:39:43.582" v="674" actId="20577"/>
+        <pc:sldMkLst>
+          <pc:docMk/>
+          <pc:sldMk cId="4253050286" sldId="270"/>
+        </pc:sldMkLst>
+        <pc:spChg chg="mod">
+          <ac:chgData name="Yang Xu" userId="2ef8d03b0d59ea36" providerId="LiveId" clId="{A02E9244-CA36-44B9-8DB0-65ABEB622C12}" dt="2020-01-18T05:39:36.296" v="644" actId="21"/>
+          <ac:spMkLst>
+            <pc:docMk/>
+            <pc:sldMk cId="4253050286" sldId="270"/>
+            <ac:spMk id="2" creationId="{ABDA5082-45D5-4145-A79D-DC1C079CFFA2}"/>
+          </ac:spMkLst>
+        </pc:spChg>
+        <pc:spChg chg="mod">
+          <ac:chgData name="Yang Xu" userId="2ef8d03b0d59ea36" providerId="LiveId" clId="{A02E9244-CA36-44B9-8DB0-65ABEB622C12}" dt="2020-01-18T05:39:43.582" v="674" actId="20577"/>
+          <ac:spMkLst>
+            <pc:docMk/>
+            <pc:sldMk cId="4253050286" sldId="270"/>
+            <ac:spMk id="3" creationId="{1BA8E650-5598-46C0-B95E-416D657F6595}"/>
+          </ac:spMkLst>
+        </pc:spChg>
+      </pc:sldChg>
+    </pc:docChg>
+  </pc:docChgLst>
+  <pc:docChgLst>
     <pc:chgData name="Yang Xu" userId="2ef8d03b0d59ea36" providerId="LiveId" clId="{DEEC5985-8E24-4575-8274-B79BE8BA2F4C}"/>
     <pc:docChg chg="undo custSel mod addSld delSld modSld">
       <pc:chgData name="Yang Xu" userId="2ef8d03b0d59ea36" providerId="LiveId" clId="{DEEC5985-8E24-4575-8274-B79BE8BA2F4C}" dt="2020-01-14T11:58:44.854" v="200" actId="20577"/>
@@ -2523,1309 +2195,6 @@
             <pc:docMk/>
             <pc:sldMk cId="297724987" sldId="273"/>
             <ac:spMk id="3" creationId="{6CD3E5BF-355A-490F-97E4-6C0A4EBE3EB5}"/>
-          </ac:spMkLst>
-        </pc:spChg>
-      </pc:sldChg>
-    </pc:docChg>
-  </pc:docChgLst>
-  <pc:docChgLst>
-    <pc:chgData name="Yang Xu" userId="2ef8d03b0d59ea36" providerId="LiveId" clId="{A1F02554-5150-4473-845A-461F7ADDB281}"/>
-    <pc:docChg chg="modSld">
-      <pc:chgData name="Yang Xu" userId="2ef8d03b0d59ea36" providerId="LiveId" clId="{A1F02554-5150-4473-845A-461F7ADDB281}" dt="2019-12-18T12:41:54.423" v="21" actId="20577"/>
-      <pc:docMkLst>
-        <pc:docMk/>
-      </pc:docMkLst>
-      <pc:sldChg chg="modSp">
-        <pc:chgData name="Yang Xu" userId="2ef8d03b0d59ea36" providerId="LiveId" clId="{A1F02554-5150-4473-845A-461F7ADDB281}" dt="2019-12-18T12:41:54.423" v="21" actId="20577"/>
-        <pc:sldMkLst>
-          <pc:docMk/>
-          <pc:sldMk cId="1232935249" sldId="257"/>
-        </pc:sldMkLst>
-        <pc:spChg chg="mod">
-          <ac:chgData name="Yang Xu" userId="2ef8d03b0d59ea36" providerId="LiveId" clId="{A1F02554-5150-4473-845A-461F7ADDB281}" dt="2019-12-18T12:41:54.423" v="21" actId="20577"/>
-          <ac:spMkLst>
-            <pc:docMk/>
-            <pc:sldMk cId="1232935249" sldId="257"/>
-            <ac:spMk id="2" creationId="{B4520B70-2A11-4C52-8CC0-6F63A2EF322F}"/>
-          </ac:spMkLst>
-        </pc:spChg>
-      </pc:sldChg>
-    </pc:docChg>
-  </pc:docChgLst>
-  <pc:docChgLst>
-    <pc:chgData name="Yang Xu" userId="2ef8d03b0d59ea36" providerId="LiveId" clId="{F58B8604-07D0-49D2-B9E7-F6F3E68019F1}"/>
-    <pc:docChg chg="delSld modSld">
-      <pc:chgData name="Yang Xu" userId="2ef8d03b0d59ea36" providerId="LiveId" clId="{F58B8604-07D0-49D2-B9E7-F6F3E68019F1}" dt="2020-01-16T11:01:55.578" v="33" actId="6549"/>
-      <pc:docMkLst>
-        <pc:docMk/>
-      </pc:docMkLst>
-      <pc:sldChg chg="modSp">
-        <pc:chgData name="Yang Xu" userId="2ef8d03b0d59ea36" providerId="LiveId" clId="{F58B8604-07D0-49D2-B9E7-F6F3E68019F1}" dt="2020-01-16T11:01:55.578" v="33" actId="6549"/>
-        <pc:sldMkLst>
-          <pc:docMk/>
-          <pc:sldMk cId="1232935249" sldId="257"/>
-        </pc:sldMkLst>
-        <pc:spChg chg="mod">
-          <ac:chgData name="Yang Xu" userId="2ef8d03b0d59ea36" providerId="LiveId" clId="{F58B8604-07D0-49D2-B9E7-F6F3E68019F1}" dt="2020-01-16T11:01:41.082" v="31" actId="20577"/>
-          <ac:spMkLst>
-            <pc:docMk/>
-            <pc:sldMk cId="1232935249" sldId="257"/>
-            <ac:spMk id="2" creationId="{B4520B70-2A11-4C52-8CC0-6F63A2EF322F}"/>
-          </ac:spMkLst>
-        </pc:spChg>
-        <pc:spChg chg="mod">
-          <ac:chgData name="Yang Xu" userId="2ef8d03b0d59ea36" providerId="LiveId" clId="{F58B8604-07D0-49D2-B9E7-F6F3E68019F1}" dt="2020-01-16T11:01:55.578" v="33" actId="6549"/>
-          <ac:spMkLst>
-            <pc:docMk/>
-            <pc:sldMk cId="1232935249" sldId="257"/>
-            <ac:spMk id="3" creationId="{C3BAE5F0-36E7-4AA5-9FD3-F3CB959A2B69}"/>
-          </ac:spMkLst>
-        </pc:spChg>
-      </pc:sldChg>
-      <pc:sldChg chg="del">
-        <pc:chgData name="Yang Xu" userId="2ef8d03b0d59ea36" providerId="LiveId" clId="{F58B8604-07D0-49D2-B9E7-F6F3E68019F1}" dt="2020-01-16T11:01:50.794" v="32" actId="47"/>
-        <pc:sldMkLst>
-          <pc:docMk/>
-          <pc:sldMk cId="3435951429" sldId="268"/>
-        </pc:sldMkLst>
-      </pc:sldChg>
-    </pc:docChg>
-  </pc:docChgLst>
-  <pc:docChgLst>
-    <pc:chgData name="Yang Xu" userId="2ef8d03b0d59ea36" providerId="LiveId" clId="{BA46AAE0-4684-4C00-B2C3-B0D15247BA49}"/>
-    <pc:docChg chg="undo custSel mod addSld modSld">
-      <pc:chgData name="Yang Xu" userId="2ef8d03b0d59ea36" providerId="LiveId" clId="{BA46AAE0-4684-4C00-B2C3-B0D15247BA49}" dt="2020-01-01T10:27:50.441" v="200" actId="26606"/>
-      <pc:docMkLst>
-        <pc:docMk/>
-      </pc:docMkLst>
-      <pc:sldChg chg="modSp">
-        <pc:chgData name="Yang Xu" userId="2ef8d03b0d59ea36" providerId="LiveId" clId="{BA46AAE0-4684-4C00-B2C3-B0D15247BA49}" dt="2020-01-01T10:21:19.917" v="22" actId="20577"/>
-        <pc:sldMkLst>
-          <pc:docMk/>
-          <pc:sldMk cId="1232935249" sldId="257"/>
-        </pc:sldMkLst>
-        <pc:spChg chg="mod">
-          <ac:chgData name="Yang Xu" userId="2ef8d03b0d59ea36" providerId="LiveId" clId="{BA46AAE0-4684-4C00-B2C3-B0D15247BA49}" dt="2020-01-01T10:21:14.985" v="16" actId="20577"/>
-          <ac:spMkLst>
-            <pc:docMk/>
-            <pc:sldMk cId="1232935249" sldId="257"/>
-            <ac:spMk id="2" creationId="{B4520B70-2A11-4C52-8CC0-6F63A2EF322F}"/>
-          </ac:spMkLst>
-        </pc:spChg>
-        <pc:spChg chg="mod">
-          <ac:chgData name="Yang Xu" userId="2ef8d03b0d59ea36" providerId="LiveId" clId="{BA46AAE0-4684-4C00-B2C3-B0D15247BA49}" dt="2020-01-01T10:21:19.917" v="22" actId="20577"/>
-          <ac:spMkLst>
-            <pc:docMk/>
-            <pc:sldMk cId="1232935249" sldId="257"/>
-            <ac:spMk id="3" creationId="{C3BAE5F0-36E7-4AA5-9FD3-F3CB959A2B69}"/>
-          </ac:spMkLst>
-        </pc:spChg>
-      </pc:sldChg>
-      <pc:sldChg chg="modSp">
-        <pc:chgData name="Yang Xu" userId="2ef8d03b0d59ea36" providerId="LiveId" clId="{BA46AAE0-4684-4C00-B2C3-B0D15247BA49}" dt="2020-01-01T10:21:56.557" v="57"/>
-        <pc:sldMkLst>
-          <pc:docMk/>
-          <pc:sldMk cId="391821178" sldId="268"/>
-        </pc:sldMkLst>
-        <pc:spChg chg="mod">
-          <ac:chgData name="Yang Xu" userId="2ef8d03b0d59ea36" providerId="LiveId" clId="{BA46AAE0-4684-4C00-B2C3-B0D15247BA49}" dt="2020-01-01T10:21:36.083" v="56" actId="20577"/>
-          <ac:spMkLst>
-            <pc:docMk/>
-            <pc:sldMk cId="391821178" sldId="268"/>
-            <ac:spMk id="2" creationId="{E5BE5CAD-F0DC-4BDC-9B45-3D49E5E1B7BF}"/>
-          </ac:spMkLst>
-        </pc:spChg>
-        <pc:spChg chg="mod">
-          <ac:chgData name="Yang Xu" userId="2ef8d03b0d59ea36" providerId="LiveId" clId="{BA46AAE0-4684-4C00-B2C3-B0D15247BA49}" dt="2020-01-01T10:21:56.557" v="57"/>
-          <ac:spMkLst>
-            <pc:docMk/>
-            <pc:sldMk cId="391821178" sldId="268"/>
-            <ac:spMk id="3" creationId="{62C453E6-CCA4-46F5-9989-852FB84CFB5E}"/>
-          </ac:spMkLst>
-        </pc:spChg>
-      </pc:sldChg>
-      <pc:sldChg chg="addSp delSp modSp add mod setBg">
-        <pc:chgData name="Yang Xu" userId="2ef8d03b0d59ea36" providerId="LiveId" clId="{BA46AAE0-4684-4C00-B2C3-B0D15247BA49}" dt="2020-01-01T10:26:36.682" v="175" actId="26606"/>
-        <pc:sldMkLst>
-          <pc:docMk/>
-          <pc:sldMk cId="597123515" sldId="269"/>
-        </pc:sldMkLst>
-        <pc:spChg chg="mod">
-          <ac:chgData name="Yang Xu" userId="2ef8d03b0d59ea36" providerId="LiveId" clId="{BA46AAE0-4684-4C00-B2C3-B0D15247BA49}" dt="2020-01-01T10:26:36.682" v="175" actId="26606"/>
-          <ac:spMkLst>
-            <pc:docMk/>
-            <pc:sldMk cId="597123515" sldId="269"/>
-            <ac:spMk id="2" creationId="{F58EC2A7-E764-4D33-90A0-9AA43D1F42D6}"/>
-          </ac:spMkLst>
-        </pc:spChg>
-        <pc:spChg chg="add del mod">
-          <ac:chgData name="Yang Xu" userId="2ef8d03b0d59ea36" providerId="LiveId" clId="{BA46AAE0-4684-4C00-B2C3-B0D15247BA49}" dt="2020-01-01T10:26:36.682" v="175" actId="26606"/>
-          <ac:spMkLst>
-            <pc:docMk/>
-            <pc:sldMk cId="597123515" sldId="269"/>
-            <ac:spMk id="3" creationId="{0B654F30-E9CB-436B-BC85-304EE87DB500}"/>
-          </ac:spMkLst>
-        </pc:spChg>
-        <pc:spChg chg="add del">
-          <ac:chgData name="Yang Xu" userId="2ef8d03b0d59ea36" providerId="LiveId" clId="{BA46AAE0-4684-4C00-B2C3-B0D15247BA49}" dt="2020-01-01T10:26:33.501" v="172" actId="26606"/>
-          <ac:spMkLst>
-            <pc:docMk/>
-            <pc:sldMk cId="597123515" sldId="269"/>
-            <ac:spMk id="8" creationId="{4B0FA309-807F-4C17-98EF-A3BA7388E213}"/>
-          </ac:spMkLst>
-        </pc:spChg>
-        <pc:spChg chg="add del">
-          <ac:chgData name="Yang Xu" userId="2ef8d03b0d59ea36" providerId="LiveId" clId="{BA46AAE0-4684-4C00-B2C3-B0D15247BA49}" dt="2020-01-01T10:26:27.549" v="168" actId="26606"/>
-          <ac:spMkLst>
-            <pc:docMk/>
-            <pc:sldMk cId="597123515" sldId="269"/>
-            <ac:spMk id="10" creationId="{172FA20E-3EEC-4201-BE1D-0563AE403A5D}"/>
-          </ac:spMkLst>
-        </pc:spChg>
-        <pc:spChg chg="add del">
-          <ac:chgData name="Yang Xu" userId="2ef8d03b0d59ea36" providerId="LiveId" clId="{BA46AAE0-4684-4C00-B2C3-B0D15247BA49}" dt="2020-01-01T10:26:27.549" v="168" actId="26606"/>
-          <ac:spMkLst>
-            <pc:docMk/>
-            <pc:sldMk cId="597123515" sldId="269"/>
-            <ac:spMk id="14" creationId="{7AD29F78-0630-44F9-A0BE-D82D22910BEF}"/>
-          </ac:spMkLst>
-        </pc:spChg>
-        <pc:spChg chg="add del">
-          <ac:chgData name="Yang Xu" userId="2ef8d03b0d59ea36" providerId="LiveId" clId="{BA46AAE0-4684-4C00-B2C3-B0D15247BA49}" dt="2020-01-01T10:26:27.549" v="168" actId="26606"/>
-          <ac:spMkLst>
-            <pc:docMk/>
-            <pc:sldMk cId="597123515" sldId="269"/>
-            <ac:spMk id="18" creationId="{2708AD19-3EA5-4EC5-BF8C-37B0A4B1956E}"/>
-          </ac:spMkLst>
-        </pc:spChg>
-        <pc:spChg chg="add del">
-          <ac:chgData name="Yang Xu" userId="2ef8d03b0d59ea36" providerId="LiveId" clId="{BA46AAE0-4684-4C00-B2C3-B0D15247BA49}" dt="2020-01-01T10:26:29.568" v="170" actId="26606"/>
-          <ac:spMkLst>
-            <pc:docMk/>
-            <pc:sldMk cId="597123515" sldId="269"/>
-            <ac:spMk id="20" creationId="{59EEC9FF-AD43-4E2B-B9C3-9B7F5219FA7C}"/>
-          </ac:spMkLst>
-        </pc:spChg>
-        <pc:spChg chg="add del">
-          <ac:chgData name="Yang Xu" userId="2ef8d03b0d59ea36" providerId="LiveId" clId="{BA46AAE0-4684-4C00-B2C3-B0D15247BA49}" dt="2020-01-01T10:26:29.568" v="170" actId="26606"/>
-          <ac:spMkLst>
-            <pc:docMk/>
-            <pc:sldMk cId="597123515" sldId="269"/>
-            <ac:spMk id="22" creationId="{9238CDCD-9B1D-4D9D-9871-88382B66FB9B}"/>
-          </ac:spMkLst>
-        </pc:spChg>
-        <pc:spChg chg="add del">
-          <ac:chgData name="Yang Xu" userId="2ef8d03b0d59ea36" providerId="LiveId" clId="{BA46AAE0-4684-4C00-B2C3-B0D15247BA49}" dt="2020-01-01T10:26:29.568" v="170" actId="26606"/>
-          <ac:spMkLst>
-            <pc:docMk/>
-            <pc:sldMk cId="597123515" sldId="269"/>
-            <ac:spMk id="24" creationId="{498EBA8F-6C79-458B-8579-FDB7C8205BAB}"/>
-          </ac:spMkLst>
-        </pc:spChg>
-        <pc:spChg chg="add del">
-          <ac:chgData name="Yang Xu" userId="2ef8d03b0d59ea36" providerId="LiveId" clId="{BA46AAE0-4684-4C00-B2C3-B0D15247BA49}" dt="2020-01-01T10:26:33.501" v="172" actId="26606"/>
-          <ac:spMkLst>
-            <pc:docMk/>
-            <pc:sldMk cId="597123515" sldId="269"/>
-            <ac:spMk id="28" creationId="{C8FA1749-B91A-40E7-AD01-0B9C9C6AF74E}"/>
-          </ac:spMkLst>
-        </pc:spChg>
-        <pc:spChg chg="add del">
-          <ac:chgData name="Yang Xu" userId="2ef8d03b0d59ea36" providerId="LiveId" clId="{BA46AAE0-4684-4C00-B2C3-B0D15247BA49}" dt="2020-01-01T10:26:33.501" v="172" actId="26606"/>
-          <ac:spMkLst>
-            <pc:docMk/>
-            <pc:sldMk cId="597123515" sldId="269"/>
-            <ac:spMk id="30" creationId="{700676C8-6DE8-47DD-9A23-D42063A12E10}"/>
-          </ac:spMkLst>
-        </pc:spChg>
-        <pc:spChg chg="add del">
-          <ac:chgData name="Yang Xu" userId="2ef8d03b0d59ea36" providerId="LiveId" clId="{BA46AAE0-4684-4C00-B2C3-B0D15247BA49}" dt="2020-01-01T10:26:33.501" v="172" actId="26606"/>
-          <ac:spMkLst>
-            <pc:docMk/>
-            <pc:sldMk cId="597123515" sldId="269"/>
-            <ac:spMk id="31" creationId="{0B654F30-E9CB-436B-BC85-304EE87DB500}"/>
-          </ac:spMkLst>
-        </pc:spChg>
-        <pc:spChg chg="add del">
-          <ac:chgData name="Yang Xu" userId="2ef8d03b0d59ea36" providerId="LiveId" clId="{BA46AAE0-4684-4C00-B2C3-B0D15247BA49}" dt="2020-01-01T10:26:36.666" v="174" actId="26606"/>
-          <ac:spMkLst>
-            <pc:docMk/>
-            <pc:sldMk cId="597123515" sldId="269"/>
-            <ac:spMk id="33" creationId="{273E8A9A-DA4B-4F12-9331-219EBE5235D0}"/>
-          </ac:spMkLst>
-        </pc:spChg>
-        <pc:spChg chg="add del">
-          <ac:chgData name="Yang Xu" userId="2ef8d03b0d59ea36" providerId="LiveId" clId="{BA46AAE0-4684-4C00-B2C3-B0D15247BA49}" dt="2020-01-01T10:26:36.666" v="174" actId="26606"/>
-          <ac:spMkLst>
-            <pc:docMk/>
-            <pc:sldMk cId="597123515" sldId="269"/>
-            <ac:spMk id="35" creationId="{ADD673B7-F6B7-43EE-936B-D09F3A337A3E}"/>
-          </ac:spMkLst>
-        </pc:spChg>
-        <pc:spChg chg="add del">
-          <ac:chgData name="Yang Xu" userId="2ef8d03b0d59ea36" providerId="LiveId" clId="{BA46AAE0-4684-4C00-B2C3-B0D15247BA49}" dt="2020-01-01T10:26:36.666" v="174" actId="26606"/>
-          <ac:spMkLst>
-            <pc:docMk/>
-            <pc:sldMk cId="597123515" sldId="269"/>
-            <ac:spMk id="36" creationId="{0B654F30-E9CB-436B-BC85-304EE87DB500}"/>
-          </ac:spMkLst>
-        </pc:spChg>
-        <pc:spChg chg="add">
-          <ac:chgData name="Yang Xu" userId="2ef8d03b0d59ea36" providerId="LiveId" clId="{BA46AAE0-4684-4C00-B2C3-B0D15247BA49}" dt="2020-01-01T10:26:36.682" v="175" actId="26606"/>
-          <ac:spMkLst>
-            <pc:docMk/>
-            <pc:sldMk cId="597123515" sldId="269"/>
-            <ac:spMk id="38" creationId="{4B0FA309-807F-4C17-98EF-A3BA7388E213}"/>
-          </ac:spMkLst>
-        </pc:spChg>
-        <pc:spChg chg="add">
-          <ac:chgData name="Yang Xu" userId="2ef8d03b0d59ea36" providerId="LiveId" clId="{BA46AAE0-4684-4C00-B2C3-B0D15247BA49}" dt="2020-01-01T10:26:36.682" v="175" actId="26606"/>
-          <ac:spMkLst>
-            <pc:docMk/>
-            <pc:sldMk cId="597123515" sldId="269"/>
-            <ac:spMk id="40" creationId="{C8FA1749-B91A-40E7-AD01-0B9C9C6AF74E}"/>
-          </ac:spMkLst>
-        </pc:spChg>
-        <pc:spChg chg="add">
-          <ac:chgData name="Yang Xu" userId="2ef8d03b0d59ea36" providerId="LiveId" clId="{BA46AAE0-4684-4C00-B2C3-B0D15247BA49}" dt="2020-01-01T10:26:36.682" v="175" actId="26606"/>
-          <ac:spMkLst>
-            <pc:docMk/>
-            <pc:sldMk cId="597123515" sldId="269"/>
-            <ac:spMk id="42" creationId="{700676C8-6DE8-47DD-9A23-D42063A12E10}"/>
-          </ac:spMkLst>
-        </pc:spChg>
-        <pc:spChg chg="add">
-          <ac:chgData name="Yang Xu" userId="2ef8d03b0d59ea36" providerId="LiveId" clId="{BA46AAE0-4684-4C00-B2C3-B0D15247BA49}" dt="2020-01-01T10:26:36.682" v="175" actId="26606"/>
-          <ac:spMkLst>
-            <pc:docMk/>
-            <pc:sldMk cId="597123515" sldId="269"/>
-            <ac:spMk id="43" creationId="{0B654F30-E9CB-436B-BC85-304EE87DB500}"/>
-          </ac:spMkLst>
-        </pc:spChg>
-        <pc:graphicFrameChg chg="add del">
-          <ac:chgData name="Yang Xu" userId="2ef8d03b0d59ea36" providerId="LiveId" clId="{BA46AAE0-4684-4C00-B2C3-B0D15247BA49}" dt="2020-01-01T10:26:27.549" v="168" actId="26606"/>
-          <ac:graphicFrameMkLst>
-            <pc:docMk/>
-            <pc:sldMk cId="597123515" sldId="269"/>
-            <ac:graphicFrameMk id="5" creationId="{BBC0FF93-6A4C-4643-B93A-3690B82033C7}"/>
-          </ac:graphicFrameMkLst>
-        </pc:graphicFrameChg>
-        <pc:graphicFrameChg chg="add del">
-          <ac:chgData name="Yang Xu" userId="2ef8d03b0d59ea36" providerId="LiveId" clId="{BA46AAE0-4684-4C00-B2C3-B0D15247BA49}" dt="2020-01-01T10:26:29.568" v="170" actId="26606"/>
-          <ac:graphicFrameMkLst>
-            <pc:docMk/>
-            <pc:sldMk cId="597123515" sldId="269"/>
-            <ac:graphicFrameMk id="25" creationId="{BF8C1CF1-D74F-43DF-8BE9-EDC694FBA6F0}"/>
-          </ac:graphicFrameMkLst>
-        </pc:graphicFrameChg>
-        <pc:picChg chg="add del">
-          <ac:chgData name="Yang Xu" userId="2ef8d03b0d59ea36" providerId="LiveId" clId="{BA46AAE0-4684-4C00-B2C3-B0D15247BA49}" dt="2020-01-01T10:26:27.549" v="168" actId="26606"/>
-          <ac:picMkLst>
-            <pc:docMk/>
-            <pc:sldMk cId="597123515" sldId="269"/>
-            <ac:picMk id="12" creationId="{AED7C419-9BA1-4696-B356-43EFEF183057}"/>
-          </ac:picMkLst>
-        </pc:picChg>
-        <pc:picChg chg="add del">
-          <ac:chgData name="Yang Xu" userId="2ef8d03b0d59ea36" providerId="LiveId" clId="{BA46AAE0-4684-4C00-B2C3-B0D15247BA49}" dt="2020-01-01T10:26:27.549" v="168" actId="26606"/>
-          <ac:picMkLst>
-            <pc:docMk/>
-            <pc:sldMk cId="597123515" sldId="269"/>
-            <ac:picMk id="16" creationId="{E3E2E76B-5713-416F-9E1F-82EBA41BF4DA}"/>
-          </ac:picMkLst>
-        </pc:picChg>
-        <pc:picChg chg="add del">
-          <ac:chgData name="Yang Xu" userId="2ef8d03b0d59ea36" providerId="LiveId" clId="{BA46AAE0-4684-4C00-B2C3-B0D15247BA49}" dt="2020-01-01T10:26:29.568" v="170" actId="26606"/>
-          <ac:picMkLst>
-            <pc:docMk/>
-            <pc:sldMk cId="597123515" sldId="269"/>
-            <ac:picMk id="21" creationId="{CBC471B7-7693-4DAA-A88D-1C80616C2B77}"/>
-          </ac:picMkLst>
-        </pc:picChg>
-        <pc:picChg chg="add del">
-          <ac:chgData name="Yang Xu" userId="2ef8d03b0d59ea36" providerId="LiveId" clId="{BA46AAE0-4684-4C00-B2C3-B0D15247BA49}" dt="2020-01-01T10:26:29.568" v="170" actId="26606"/>
-          <ac:picMkLst>
-            <pc:docMk/>
-            <pc:sldMk cId="597123515" sldId="269"/>
-            <ac:picMk id="23" creationId="{8D63CDBA-845F-43E6-B4B3-6EE365669625}"/>
-          </ac:picMkLst>
-        </pc:picChg>
-        <pc:picChg chg="add del">
-          <ac:chgData name="Yang Xu" userId="2ef8d03b0d59ea36" providerId="LiveId" clId="{BA46AAE0-4684-4C00-B2C3-B0D15247BA49}" dt="2020-01-01T10:26:33.501" v="172" actId="26606"/>
-          <ac:picMkLst>
-            <pc:docMk/>
-            <pc:sldMk cId="597123515" sldId="269"/>
-            <ac:picMk id="27" creationId="{2642A87B-CAE9-4F8F-B293-28388E45D9EE}"/>
-          </ac:picMkLst>
-        </pc:picChg>
-        <pc:picChg chg="add del">
-          <ac:chgData name="Yang Xu" userId="2ef8d03b0d59ea36" providerId="LiveId" clId="{BA46AAE0-4684-4C00-B2C3-B0D15247BA49}" dt="2020-01-01T10:26:33.501" v="172" actId="26606"/>
-          <ac:picMkLst>
-            <pc:docMk/>
-            <pc:sldMk cId="597123515" sldId="269"/>
-            <ac:picMk id="29" creationId="{3B7A934F-FFF7-4353-83D3-4EF66E93EEF8}"/>
-          </ac:picMkLst>
-        </pc:picChg>
-        <pc:picChg chg="add del">
-          <ac:chgData name="Yang Xu" userId="2ef8d03b0d59ea36" providerId="LiveId" clId="{BA46AAE0-4684-4C00-B2C3-B0D15247BA49}" dt="2020-01-01T10:26:36.666" v="174" actId="26606"/>
-          <ac:picMkLst>
-            <pc:docMk/>
-            <pc:sldMk cId="597123515" sldId="269"/>
-            <ac:picMk id="34" creationId="{1C4DCE7A-0E46-404B-9E0D-E93DC7B2A861}"/>
-          </ac:picMkLst>
-        </pc:picChg>
-        <pc:picChg chg="add">
-          <ac:chgData name="Yang Xu" userId="2ef8d03b0d59ea36" providerId="LiveId" clId="{BA46AAE0-4684-4C00-B2C3-B0D15247BA49}" dt="2020-01-01T10:26:36.682" v="175" actId="26606"/>
-          <ac:picMkLst>
-            <pc:docMk/>
-            <pc:sldMk cId="597123515" sldId="269"/>
-            <ac:picMk id="39" creationId="{2642A87B-CAE9-4F8F-B293-28388E45D9EE}"/>
-          </ac:picMkLst>
-        </pc:picChg>
-        <pc:picChg chg="add">
-          <ac:chgData name="Yang Xu" userId="2ef8d03b0d59ea36" providerId="LiveId" clId="{BA46AAE0-4684-4C00-B2C3-B0D15247BA49}" dt="2020-01-01T10:26:36.682" v="175" actId="26606"/>
-          <ac:picMkLst>
-            <pc:docMk/>
-            <pc:sldMk cId="597123515" sldId="269"/>
-            <ac:picMk id="41" creationId="{3B7A934F-FFF7-4353-83D3-4EF66E93EEF8}"/>
-          </ac:picMkLst>
-        </pc:picChg>
-      </pc:sldChg>
-      <pc:sldChg chg="addSp delSp modSp add">
-        <pc:chgData name="Yang Xu" userId="2ef8d03b0d59ea36" providerId="LiveId" clId="{BA46AAE0-4684-4C00-B2C3-B0D15247BA49}" dt="2020-01-01T10:23:16.236" v="101" actId="1076"/>
-        <pc:sldMkLst>
-          <pc:docMk/>
-          <pc:sldMk cId="3394828480" sldId="270"/>
-        </pc:sldMkLst>
-        <pc:spChg chg="mod">
-          <ac:chgData name="Yang Xu" userId="2ef8d03b0d59ea36" providerId="LiveId" clId="{BA46AAE0-4684-4C00-B2C3-B0D15247BA49}" dt="2020-01-01T10:22:56.221" v="93" actId="20577"/>
-          <ac:spMkLst>
-            <pc:docMk/>
-            <pc:sldMk cId="3394828480" sldId="270"/>
-            <ac:spMk id="2" creationId="{D3CA39E9-D6F3-4674-AD6B-A05B4AC9ECD5}"/>
-          </ac:spMkLst>
-        </pc:spChg>
-        <pc:spChg chg="del">
-          <ac:chgData name="Yang Xu" userId="2ef8d03b0d59ea36" providerId="LiveId" clId="{BA46AAE0-4684-4C00-B2C3-B0D15247BA49}" dt="2020-01-01T10:22:57.457" v="94"/>
-          <ac:spMkLst>
-            <pc:docMk/>
-            <pc:sldMk cId="3394828480" sldId="270"/>
-            <ac:spMk id="3" creationId="{AEB782AD-BA82-4276-A0A0-D9BBC886F232}"/>
-          </ac:spMkLst>
-        </pc:spChg>
-        <pc:picChg chg="add mod">
-          <ac:chgData name="Yang Xu" userId="2ef8d03b0d59ea36" providerId="LiveId" clId="{BA46AAE0-4684-4C00-B2C3-B0D15247BA49}" dt="2020-01-01T10:23:16.236" v="101" actId="1076"/>
-          <ac:picMkLst>
-            <pc:docMk/>
-            <pc:sldMk cId="3394828480" sldId="270"/>
-            <ac:picMk id="1026" creationId="{A447901F-50FF-4547-8E05-9005F3CAF464}"/>
-          </ac:picMkLst>
-        </pc:picChg>
-        <pc:picChg chg="add mod">
-          <ac:chgData name="Yang Xu" userId="2ef8d03b0d59ea36" providerId="LiveId" clId="{BA46AAE0-4684-4C00-B2C3-B0D15247BA49}" dt="2020-01-01T10:23:16.236" v="101" actId="1076"/>
-          <ac:picMkLst>
-            <pc:docMk/>
-            <pc:sldMk cId="3394828480" sldId="270"/>
-            <ac:picMk id="1028" creationId="{4DA11AD5-7091-452E-96AB-240A01106ABF}"/>
-          </ac:picMkLst>
-        </pc:picChg>
-      </pc:sldChg>
-      <pc:sldChg chg="modSp add">
-        <pc:chgData name="Yang Xu" userId="2ef8d03b0d59ea36" providerId="LiveId" clId="{BA46AAE0-4684-4C00-B2C3-B0D15247BA49}" dt="2020-01-01T10:23:48.744" v="105"/>
-        <pc:sldMkLst>
-          <pc:docMk/>
-          <pc:sldMk cId="872404649" sldId="271"/>
-        </pc:sldMkLst>
-        <pc:spChg chg="mod">
-          <ac:chgData name="Yang Xu" userId="2ef8d03b0d59ea36" providerId="LiveId" clId="{BA46AAE0-4684-4C00-B2C3-B0D15247BA49}" dt="2020-01-01T10:23:32.112" v="103"/>
-          <ac:spMkLst>
-            <pc:docMk/>
-            <pc:sldMk cId="872404649" sldId="271"/>
-            <ac:spMk id="2" creationId="{801843E0-E5B2-48CD-A627-20AF5F599316}"/>
-          </ac:spMkLst>
-        </pc:spChg>
-        <pc:spChg chg="mod">
-          <ac:chgData name="Yang Xu" userId="2ef8d03b0d59ea36" providerId="LiveId" clId="{BA46AAE0-4684-4C00-B2C3-B0D15247BA49}" dt="2020-01-01T10:23:48.744" v="105"/>
-          <ac:spMkLst>
-            <pc:docMk/>
-            <pc:sldMk cId="872404649" sldId="271"/>
-            <ac:spMk id="3" creationId="{D1A05DAB-8C68-408B-8D89-1C7970FC2EEB}"/>
-          </ac:spMkLst>
-        </pc:spChg>
-      </pc:sldChg>
-      <pc:sldChg chg="addSp delSp modSp add mod setBg">
-        <pc:chgData name="Yang Xu" userId="2ef8d03b0d59ea36" providerId="LiveId" clId="{BA46AAE0-4684-4C00-B2C3-B0D15247BA49}" dt="2020-01-01T10:26:17.324" v="166" actId="26606"/>
-        <pc:sldMkLst>
-          <pc:docMk/>
-          <pc:sldMk cId="1205690591" sldId="272"/>
-        </pc:sldMkLst>
-        <pc:spChg chg="mod">
-          <ac:chgData name="Yang Xu" userId="2ef8d03b0d59ea36" providerId="LiveId" clId="{BA46AAE0-4684-4C00-B2C3-B0D15247BA49}" dt="2020-01-01T10:26:17.324" v="166" actId="26606"/>
-          <ac:spMkLst>
-            <pc:docMk/>
-            <pc:sldMk cId="1205690591" sldId="272"/>
-            <ac:spMk id="2" creationId="{14368C4A-B315-476C-80A0-FB161CC7FF56}"/>
-          </ac:spMkLst>
-        </pc:spChg>
-        <pc:spChg chg="add del mod">
-          <ac:chgData name="Yang Xu" userId="2ef8d03b0d59ea36" providerId="LiveId" clId="{BA46AAE0-4684-4C00-B2C3-B0D15247BA49}" dt="2020-01-01T10:26:17.324" v="166" actId="26606"/>
-          <ac:spMkLst>
-            <pc:docMk/>
-            <pc:sldMk cId="1205690591" sldId="272"/>
-            <ac:spMk id="3" creationId="{B412C165-D24D-4333-9C2A-BA1F29A84266}"/>
-          </ac:spMkLst>
-        </pc:spChg>
-        <pc:spChg chg="add del">
-          <ac:chgData name="Yang Xu" userId="2ef8d03b0d59ea36" providerId="LiveId" clId="{BA46AAE0-4684-4C00-B2C3-B0D15247BA49}" dt="2020-01-01T10:26:07.163" v="159" actId="26606"/>
-          <ac:spMkLst>
-            <pc:docMk/>
-            <pc:sldMk cId="1205690591" sldId="272"/>
-            <ac:spMk id="10" creationId="{172FA20E-3EEC-4201-BE1D-0563AE403A5D}"/>
-          </ac:spMkLst>
-        </pc:spChg>
-        <pc:spChg chg="add del">
-          <ac:chgData name="Yang Xu" userId="2ef8d03b0d59ea36" providerId="LiveId" clId="{BA46AAE0-4684-4C00-B2C3-B0D15247BA49}" dt="2020-01-01T10:26:07.163" v="159" actId="26606"/>
-          <ac:spMkLst>
-            <pc:docMk/>
-            <pc:sldMk cId="1205690591" sldId="272"/>
-            <ac:spMk id="14" creationId="{7AD29F78-0630-44F9-A0BE-D82D22910BEF}"/>
-          </ac:spMkLst>
-        </pc:spChg>
-        <pc:spChg chg="add del">
-          <ac:chgData name="Yang Xu" userId="2ef8d03b0d59ea36" providerId="LiveId" clId="{BA46AAE0-4684-4C00-B2C3-B0D15247BA49}" dt="2020-01-01T10:26:07.163" v="159" actId="26606"/>
-          <ac:spMkLst>
-            <pc:docMk/>
-            <pc:sldMk cId="1205690591" sldId="272"/>
-            <ac:spMk id="18" creationId="{2708AD19-3EA5-4EC5-BF8C-37B0A4B1956E}"/>
-          </ac:spMkLst>
-        </pc:spChg>
-        <pc:spChg chg="add del">
-          <ac:chgData name="Yang Xu" userId="2ef8d03b0d59ea36" providerId="LiveId" clId="{BA46AAE0-4684-4C00-B2C3-B0D15247BA49}" dt="2020-01-01T10:26:11.844" v="161" actId="26606"/>
-          <ac:spMkLst>
-            <pc:docMk/>
-            <pc:sldMk cId="1205690591" sldId="272"/>
-            <ac:spMk id="20" creationId="{172FA20E-3EEC-4201-BE1D-0563AE403A5D}"/>
-          </ac:spMkLst>
-        </pc:spChg>
-        <pc:spChg chg="add del">
-          <ac:chgData name="Yang Xu" userId="2ef8d03b0d59ea36" providerId="LiveId" clId="{BA46AAE0-4684-4C00-B2C3-B0D15247BA49}" dt="2020-01-01T10:26:11.844" v="161" actId="26606"/>
-          <ac:spMkLst>
-            <pc:docMk/>
-            <pc:sldMk cId="1205690591" sldId="272"/>
-            <ac:spMk id="22" creationId="{7AD29F78-0630-44F9-A0BE-D82D22910BEF}"/>
-          </ac:spMkLst>
-        </pc:spChg>
-        <pc:spChg chg="add del">
-          <ac:chgData name="Yang Xu" userId="2ef8d03b0d59ea36" providerId="LiveId" clId="{BA46AAE0-4684-4C00-B2C3-B0D15247BA49}" dt="2020-01-01T10:26:11.844" v="161" actId="26606"/>
-          <ac:spMkLst>
-            <pc:docMk/>
-            <pc:sldMk cId="1205690591" sldId="272"/>
-            <ac:spMk id="24" creationId="{2708AD19-3EA5-4EC5-BF8C-37B0A4B1956E}"/>
-          </ac:spMkLst>
-        </pc:spChg>
-        <pc:spChg chg="add del">
-          <ac:chgData name="Yang Xu" userId="2ef8d03b0d59ea36" providerId="LiveId" clId="{BA46AAE0-4684-4C00-B2C3-B0D15247BA49}" dt="2020-01-01T10:26:17.279" v="165" actId="26606"/>
-          <ac:spMkLst>
-            <pc:docMk/>
-            <pc:sldMk cId="1205690591" sldId="272"/>
-            <ac:spMk id="29" creationId="{172FA20E-3EEC-4201-BE1D-0563AE403A5D}"/>
-          </ac:spMkLst>
-        </pc:spChg>
-        <pc:spChg chg="add del">
-          <ac:chgData name="Yang Xu" userId="2ef8d03b0d59ea36" providerId="LiveId" clId="{BA46AAE0-4684-4C00-B2C3-B0D15247BA49}" dt="2020-01-01T10:26:17.279" v="165" actId="26606"/>
-          <ac:spMkLst>
-            <pc:docMk/>
-            <pc:sldMk cId="1205690591" sldId="272"/>
-            <ac:spMk id="31" creationId="{7AD29F78-0630-44F9-A0BE-D82D22910BEF}"/>
-          </ac:spMkLst>
-        </pc:spChg>
-        <pc:spChg chg="add del">
-          <ac:chgData name="Yang Xu" userId="2ef8d03b0d59ea36" providerId="LiveId" clId="{BA46AAE0-4684-4C00-B2C3-B0D15247BA49}" dt="2020-01-01T10:26:17.279" v="165" actId="26606"/>
-          <ac:spMkLst>
-            <pc:docMk/>
-            <pc:sldMk cId="1205690591" sldId="272"/>
-            <ac:spMk id="33" creationId="{2708AD19-3EA5-4EC5-BF8C-37B0A4B1956E}"/>
-          </ac:spMkLst>
-        </pc:spChg>
-        <pc:spChg chg="add">
-          <ac:chgData name="Yang Xu" userId="2ef8d03b0d59ea36" providerId="LiveId" clId="{BA46AAE0-4684-4C00-B2C3-B0D15247BA49}" dt="2020-01-01T10:26:17.324" v="166" actId="26606"/>
-          <ac:spMkLst>
-            <pc:docMk/>
-            <pc:sldMk cId="1205690591" sldId="272"/>
-            <ac:spMk id="36" creationId="{172FA20E-3EEC-4201-BE1D-0563AE403A5D}"/>
-          </ac:spMkLst>
-        </pc:spChg>
-        <pc:spChg chg="add">
-          <ac:chgData name="Yang Xu" userId="2ef8d03b0d59ea36" providerId="LiveId" clId="{BA46AAE0-4684-4C00-B2C3-B0D15247BA49}" dt="2020-01-01T10:26:17.324" v="166" actId="26606"/>
-          <ac:spMkLst>
-            <pc:docMk/>
-            <pc:sldMk cId="1205690591" sldId="272"/>
-            <ac:spMk id="38" creationId="{7AD29F78-0630-44F9-A0BE-D82D22910BEF}"/>
-          </ac:spMkLst>
-        </pc:spChg>
-        <pc:spChg chg="add">
-          <ac:chgData name="Yang Xu" userId="2ef8d03b0d59ea36" providerId="LiveId" clId="{BA46AAE0-4684-4C00-B2C3-B0D15247BA49}" dt="2020-01-01T10:26:17.324" v="166" actId="26606"/>
-          <ac:spMkLst>
-            <pc:docMk/>
-            <pc:sldMk cId="1205690591" sldId="272"/>
-            <ac:spMk id="40" creationId="{2708AD19-3EA5-4EC5-BF8C-37B0A4B1956E}"/>
-          </ac:spMkLst>
-        </pc:spChg>
-        <pc:graphicFrameChg chg="add del">
-          <ac:chgData name="Yang Xu" userId="2ef8d03b0d59ea36" providerId="LiveId" clId="{BA46AAE0-4684-4C00-B2C3-B0D15247BA49}" dt="2020-01-01T10:26:07.163" v="159" actId="26606"/>
-          <ac:graphicFrameMkLst>
-            <pc:docMk/>
-            <pc:sldMk cId="1205690591" sldId="272"/>
-            <ac:graphicFrameMk id="5" creationId="{82B29BBE-93E3-4B15-B2C3-80DDF7E36596}"/>
-          </ac:graphicFrameMkLst>
-        </pc:graphicFrameChg>
-        <pc:graphicFrameChg chg="add del">
-          <ac:chgData name="Yang Xu" userId="2ef8d03b0d59ea36" providerId="LiveId" clId="{BA46AAE0-4684-4C00-B2C3-B0D15247BA49}" dt="2020-01-01T10:26:11.844" v="161" actId="26606"/>
-          <ac:graphicFrameMkLst>
-            <pc:docMk/>
-            <pc:sldMk cId="1205690591" sldId="272"/>
-            <ac:graphicFrameMk id="25" creationId="{AFB43B5E-70A5-420E-B0F4-EF189BC1731F}"/>
-          </ac:graphicFrameMkLst>
-        </pc:graphicFrameChg>
-        <pc:graphicFrameChg chg="add del">
-          <ac:chgData name="Yang Xu" userId="2ef8d03b0d59ea36" providerId="LiveId" clId="{BA46AAE0-4684-4C00-B2C3-B0D15247BA49}" dt="2020-01-01T10:26:15.377" v="163" actId="26606"/>
-          <ac:graphicFrameMkLst>
-            <pc:docMk/>
-            <pc:sldMk cId="1205690591" sldId="272"/>
-            <ac:graphicFrameMk id="27" creationId="{456FB64F-987F-4A31-9BBA-A750E2049F7A}"/>
-          </ac:graphicFrameMkLst>
-        </pc:graphicFrameChg>
-        <pc:graphicFrameChg chg="add del">
-          <ac:chgData name="Yang Xu" userId="2ef8d03b0d59ea36" providerId="LiveId" clId="{BA46AAE0-4684-4C00-B2C3-B0D15247BA49}" dt="2020-01-01T10:26:17.279" v="165" actId="26606"/>
-          <ac:graphicFrameMkLst>
-            <pc:docMk/>
-            <pc:sldMk cId="1205690591" sldId="272"/>
-            <ac:graphicFrameMk id="34" creationId="{82B29BBE-93E3-4B15-B2C3-80DDF7E36596}"/>
-          </ac:graphicFrameMkLst>
-        </pc:graphicFrameChg>
-        <pc:graphicFrameChg chg="add">
-          <ac:chgData name="Yang Xu" userId="2ef8d03b0d59ea36" providerId="LiveId" clId="{BA46AAE0-4684-4C00-B2C3-B0D15247BA49}" dt="2020-01-01T10:26:17.324" v="166" actId="26606"/>
-          <ac:graphicFrameMkLst>
-            <pc:docMk/>
-            <pc:sldMk cId="1205690591" sldId="272"/>
-            <ac:graphicFrameMk id="41" creationId="{AFB43B5E-70A5-420E-B0F4-EF189BC1731F}"/>
-          </ac:graphicFrameMkLst>
-        </pc:graphicFrameChg>
-        <pc:picChg chg="add del">
-          <ac:chgData name="Yang Xu" userId="2ef8d03b0d59ea36" providerId="LiveId" clId="{BA46AAE0-4684-4C00-B2C3-B0D15247BA49}" dt="2020-01-01T10:26:07.163" v="159" actId="26606"/>
-          <ac:picMkLst>
-            <pc:docMk/>
-            <pc:sldMk cId="1205690591" sldId="272"/>
-            <ac:picMk id="12" creationId="{AED7C419-9BA1-4696-B356-43EFEF183057}"/>
-          </ac:picMkLst>
-        </pc:picChg>
-        <pc:picChg chg="add del">
-          <ac:chgData name="Yang Xu" userId="2ef8d03b0d59ea36" providerId="LiveId" clId="{BA46AAE0-4684-4C00-B2C3-B0D15247BA49}" dt="2020-01-01T10:26:07.163" v="159" actId="26606"/>
-          <ac:picMkLst>
-            <pc:docMk/>
-            <pc:sldMk cId="1205690591" sldId="272"/>
-            <ac:picMk id="16" creationId="{E3E2E76B-5713-416F-9E1F-82EBA41BF4DA}"/>
-          </ac:picMkLst>
-        </pc:picChg>
-        <pc:picChg chg="add del">
-          <ac:chgData name="Yang Xu" userId="2ef8d03b0d59ea36" providerId="LiveId" clId="{BA46AAE0-4684-4C00-B2C3-B0D15247BA49}" dt="2020-01-01T10:26:11.844" v="161" actId="26606"/>
-          <ac:picMkLst>
-            <pc:docMk/>
-            <pc:sldMk cId="1205690591" sldId="272"/>
-            <ac:picMk id="21" creationId="{AED7C419-9BA1-4696-B356-43EFEF183057}"/>
-          </ac:picMkLst>
-        </pc:picChg>
-        <pc:picChg chg="add del">
-          <ac:chgData name="Yang Xu" userId="2ef8d03b0d59ea36" providerId="LiveId" clId="{BA46AAE0-4684-4C00-B2C3-B0D15247BA49}" dt="2020-01-01T10:26:11.844" v="161" actId="26606"/>
-          <ac:picMkLst>
-            <pc:docMk/>
-            <pc:sldMk cId="1205690591" sldId="272"/>
-            <ac:picMk id="23" creationId="{E3E2E76B-5713-416F-9E1F-82EBA41BF4DA}"/>
-          </ac:picMkLst>
-        </pc:picChg>
-        <pc:picChg chg="add del">
-          <ac:chgData name="Yang Xu" userId="2ef8d03b0d59ea36" providerId="LiveId" clId="{BA46AAE0-4684-4C00-B2C3-B0D15247BA49}" dt="2020-01-01T10:26:17.279" v="165" actId="26606"/>
-          <ac:picMkLst>
-            <pc:docMk/>
-            <pc:sldMk cId="1205690591" sldId="272"/>
-            <ac:picMk id="30" creationId="{AED7C419-9BA1-4696-B356-43EFEF183057}"/>
-          </ac:picMkLst>
-        </pc:picChg>
-        <pc:picChg chg="add del">
-          <ac:chgData name="Yang Xu" userId="2ef8d03b0d59ea36" providerId="LiveId" clId="{BA46AAE0-4684-4C00-B2C3-B0D15247BA49}" dt="2020-01-01T10:26:17.279" v="165" actId="26606"/>
-          <ac:picMkLst>
-            <pc:docMk/>
-            <pc:sldMk cId="1205690591" sldId="272"/>
-            <ac:picMk id="32" creationId="{E3E2E76B-5713-416F-9E1F-82EBA41BF4DA}"/>
-          </ac:picMkLst>
-        </pc:picChg>
-        <pc:picChg chg="add">
-          <ac:chgData name="Yang Xu" userId="2ef8d03b0d59ea36" providerId="LiveId" clId="{BA46AAE0-4684-4C00-B2C3-B0D15247BA49}" dt="2020-01-01T10:26:17.324" v="166" actId="26606"/>
-          <ac:picMkLst>
-            <pc:docMk/>
-            <pc:sldMk cId="1205690591" sldId="272"/>
-            <ac:picMk id="37" creationId="{AED7C419-9BA1-4696-B356-43EFEF183057}"/>
-          </ac:picMkLst>
-        </pc:picChg>
-        <pc:picChg chg="add">
-          <ac:chgData name="Yang Xu" userId="2ef8d03b0d59ea36" providerId="LiveId" clId="{BA46AAE0-4684-4C00-B2C3-B0D15247BA49}" dt="2020-01-01T10:26:17.324" v="166" actId="26606"/>
-          <ac:picMkLst>
-            <pc:docMk/>
-            <pc:sldMk cId="1205690591" sldId="272"/>
-            <ac:picMk id="39" creationId="{E3E2E76B-5713-416F-9E1F-82EBA41BF4DA}"/>
-          </ac:picMkLst>
-        </pc:picChg>
-      </pc:sldChg>
-      <pc:sldChg chg="addSp delSp modSp add mod setBg">
-        <pc:chgData name="Yang Xu" userId="2ef8d03b0d59ea36" providerId="LiveId" clId="{BA46AAE0-4684-4C00-B2C3-B0D15247BA49}" dt="2020-01-01T10:27:00.647" v="179" actId="26606"/>
-        <pc:sldMkLst>
-          <pc:docMk/>
-          <pc:sldMk cId="3950686723" sldId="273"/>
-        </pc:sldMkLst>
-        <pc:spChg chg="mod">
-          <ac:chgData name="Yang Xu" userId="2ef8d03b0d59ea36" providerId="LiveId" clId="{BA46AAE0-4684-4C00-B2C3-B0D15247BA49}" dt="2020-01-01T10:27:00.647" v="179" actId="26606"/>
-          <ac:spMkLst>
-            <pc:docMk/>
-            <pc:sldMk cId="3950686723" sldId="273"/>
-            <ac:spMk id="2" creationId="{63C49EDB-5110-47B1-B699-DD1A2E346A97}"/>
-          </ac:spMkLst>
-        </pc:spChg>
-        <pc:spChg chg="mod">
-          <ac:chgData name="Yang Xu" userId="2ef8d03b0d59ea36" providerId="LiveId" clId="{BA46AAE0-4684-4C00-B2C3-B0D15247BA49}" dt="2020-01-01T10:27:00.647" v="179" actId="26606"/>
-          <ac:spMkLst>
-            <pc:docMk/>
-            <pc:sldMk cId="3950686723" sldId="273"/>
-            <ac:spMk id="3" creationId="{7607B445-0267-4C4A-BF23-CD33DC999E89}"/>
-          </ac:spMkLst>
-        </pc:spChg>
-        <pc:spChg chg="add del">
-          <ac:chgData name="Yang Xu" userId="2ef8d03b0d59ea36" providerId="LiveId" clId="{BA46AAE0-4684-4C00-B2C3-B0D15247BA49}" dt="2020-01-01T10:26:53.113" v="177" actId="26606"/>
-          <ac:spMkLst>
-            <pc:docMk/>
-            <pc:sldMk cId="3950686723" sldId="273"/>
-            <ac:spMk id="8" creationId="{273E8A9A-DA4B-4F12-9331-219EBE5235D0}"/>
-          </ac:spMkLst>
-        </pc:spChg>
-        <pc:spChg chg="add del">
-          <ac:chgData name="Yang Xu" userId="2ef8d03b0d59ea36" providerId="LiveId" clId="{BA46AAE0-4684-4C00-B2C3-B0D15247BA49}" dt="2020-01-01T10:26:53.113" v="177" actId="26606"/>
-          <ac:spMkLst>
-            <pc:docMk/>
-            <pc:sldMk cId="3950686723" sldId="273"/>
-            <ac:spMk id="12" creationId="{ADD673B7-F6B7-43EE-936B-D09F3A337A3E}"/>
-          </ac:spMkLst>
-        </pc:spChg>
-        <pc:spChg chg="add del">
-          <ac:chgData name="Yang Xu" userId="2ef8d03b0d59ea36" providerId="LiveId" clId="{BA46AAE0-4684-4C00-B2C3-B0D15247BA49}" dt="2020-01-01T10:27:00.647" v="179" actId="26606"/>
-          <ac:spMkLst>
-            <pc:docMk/>
-            <pc:sldMk cId="3950686723" sldId="273"/>
-            <ac:spMk id="15" creationId="{A106B9FE-7E5A-4047-B5D3-C3C24BD3E80E}"/>
-          </ac:spMkLst>
-        </pc:spChg>
-        <pc:spChg chg="add del">
-          <ac:chgData name="Yang Xu" userId="2ef8d03b0d59ea36" providerId="LiveId" clId="{BA46AAE0-4684-4C00-B2C3-B0D15247BA49}" dt="2020-01-01T10:27:00.647" v="179" actId="26606"/>
-          <ac:spMkLst>
-            <pc:docMk/>
-            <pc:sldMk cId="3950686723" sldId="273"/>
-            <ac:spMk id="16" creationId="{52A2FDCB-3B06-44F3-A0AA-2C056C3E512F}"/>
-          </ac:spMkLst>
-        </pc:spChg>
-        <pc:spChg chg="add del">
-          <ac:chgData name="Yang Xu" userId="2ef8d03b0d59ea36" providerId="LiveId" clId="{BA46AAE0-4684-4C00-B2C3-B0D15247BA49}" dt="2020-01-01T10:27:00.647" v="179" actId="26606"/>
-          <ac:spMkLst>
-            <pc:docMk/>
-            <pc:sldMk cId="3950686723" sldId="273"/>
-            <ac:spMk id="17" creationId="{B60EBA20-0A64-45D5-B937-FE93DCA01C7E}"/>
-          </ac:spMkLst>
-        </pc:spChg>
-        <pc:picChg chg="add del">
-          <ac:chgData name="Yang Xu" userId="2ef8d03b0d59ea36" providerId="LiveId" clId="{BA46AAE0-4684-4C00-B2C3-B0D15247BA49}" dt="2020-01-01T10:26:53.113" v="177" actId="26606"/>
-          <ac:picMkLst>
-            <pc:docMk/>
-            <pc:sldMk cId="3950686723" sldId="273"/>
-            <ac:picMk id="10" creationId="{1C4DCE7A-0E46-404B-9E0D-E93DC7B2A861}"/>
-          </ac:picMkLst>
-        </pc:picChg>
-        <pc:picChg chg="add del">
-          <ac:chgData name="Yang Xu" userId="2ef8d03b0d59ea36" providerId="LiveId" clId="{BA46AAE0-4684-4C00-B2C3-B0D15247BA49}" dt="2020-01-01T10:27:00.647" v="179" actId="26606"/>
-          <ac:picMkLst>
-            <pc:docMk/>
-            <pc:sldMk cId="3950686723" sldId="273"/>
-            <ac:picMk id="14" creationId="{98739700-980C-4F96-84CD-97157DFE86AE}"/>
-          </ac:picMkLst>
-        </pc:picChg>
-        <pc:picChg chg="add del">
-          <ac:chgData name="Yang Xu" userId="2ef8d03b0d59ea36" providerId="LiveId" clId="{BA46AAE0-4684-4C00-B2C3-B0D15247BA49}" dt="2020-01-01T10:27:00.647" v="179" actId="26606"/>
-          <ac:picMkLst>
-            <pc:docMk/>
-            <pc:sldMk cId="3950686723" sldId="273"/>
-            <ac:picMk id="18" creationId="{3EAD5E5B-543A-4690-8C75-BACF7FFB40ED}"/>
-          </ac:picMkLst>
-        </pc:picChg>
-      </pc:sldChg>
-      <pc:sldChg chg="modSp add">
-        <pc:chgData name="Yang Xu" userId="2ef8d03b0d59ea36" providerId="LiveId" clId="{BA46AAE0-4684-4C00-B2C3-B0D15247BA49}" dt="2020-01-01T10:25:09.484" v="149" actId="20577"/>
-        <pc:sldMkLst>
-          <pc:docMk/>
-          <pc:sldMk cId="3584058765" sldId="274"/>
-        </pc:sldMkLst>
-        <pc:spChg chg="mod">
-          <ac:chgData name="Yang Xu" userId="2ef8d03b0d59ea36" providerId="LiveId" clId="{BA46AAE0-4684-4C00-B2C3-B0D15247BA49}" dt="2020-01-01T10:24:57.239" v="145" actId="20577"/>
-          <ac:spMkLst>
-            <pc:docMk/>
-            <pc:sldMk cId="3584058765" sldId="274"/>
-            <ac:spMk id="2" creationId="{0FF21F43-234F-41D7-B943-C2B1B6E69D94}"/>
-          </ac:spMkLst>
-        </pc:spChg>
-        <pc:spChg chg="mod">
-          <ac:chgData name="Yang Xu" userId="2ef8d03b0d59ea36" providerId="LiveId" clId="{BA46AAE0-4684-4C00-B2C3-B0D15247BA49}" dt="2020-01-01T10:25:09.484" v="149" actId="20577"/>
-          <ac:spMkLst>
-            <pc:docMk/>
-            <pc:sldMk cId="3584058765" sldId="274"/>
-            <ac:spMk id="3" creationId="{188C65A6-3480-433E-80B3-34B068E20748}"/>
-          </ac:spMkLst>
-        </pc:spChg>
-      </pc:sldChg>
-      <pc:sldChg chg="addSp delSp modSp add mod setBg">
-        <pc:chgData name="Yang Xu" userId="2ef8d03b0d59ea36" providerId="LiveId" clId="{BA46AAE0-4684-4C00-B2C3-B0D15247BA49}" dt="2020-01-01T10:27:29.375" v="194" actId="26606"/>
-        <pc:sldMkLst>
-          <pc:docMk/>
-          <pc:sldMk cId="2622958319" sldId="275"/>
-        </pc:sldMkLst>
-        <pc:spChg chg="mod">
-          <ac:chgData name="Yang Xu" userId="2ef8d03b0d59ea36" providerId="LiveId" clId="{BA46AAE0-4684-4C00-B2C3-B0D15247BA49}" dt="2020-01-01T10:27:29.375" v="194" actId="26606"/>
-          <ac:spMkLst>
-            <pc:docMk/>
-            <pc:sldMk cId="2622958319" sldId="275"/>
-            <ac:spMk id="2" creationId="{74EE79B0-C629-4DD4-83C5-6EF818C7F262}"/>
-          </ac:spMkLst>
-        </pc:spChg>
-        <pc:spChg chg="add del mod">
-          <ac:chgData name="Yang Xu" userId="2ef8d03b0d59ea36" providerId="LiveId" clId="{BA46AAE0-4684-4C00-B2C3-B0D15247BA49}" dt="2020-01-01T10:25:50.856" v="157" actId="26606"/>
-          <ac:spMkLst>
-            <pc:docMk/>
-            <pc:sldMk cId="2622958319" sldId="275"/>
-            <ac:spMk id="3" creationId="{9524C428-5E39-4765-BEBB-943B7AAEF8E4}"/>
-          </ac:spMkLst>
-        </pc:spChg>
-        <pc:spChg chg="add del">
-          <ac:chgData name="Yang Xu" userId="2ef8d03b0d59ea36" providerId="LiveId" clId="{BA46AAE0-4684-4C00-B2C3-B0D15247BA49}" dt="2020-01-01T10:25:50.826" v="156" actId="26606"/>
-          <ac:spMkLst>
-            <pc:docMk/>
-            <pc:sldMk cId="2622958319" sldId="275"/>
-            <ac:spMk id="10" creationId="{172FA20E-3EEC-4201-BE1D-0563AE403A5D}"/>
-          </ac:spMkLst>
-        </pc:spChg>
-        <pc:spChg chg="add del">
-          <ac:chgData name="Yang Xu" userId="2ef8d03b0d59ea36" providerId="LiveId" clId="{BA46AAE0-4684-4C00-B2C3-B0D15247BA49}" dt="2020-01-01T10:25:50.826" v="156" actId="26606"/>
-          <ac:spMkLst>
-            <pc:docMk/>
-            <pc:sldMk cId="2622958319" sldId="275"/>
-            <ac:spMk id="14" creationId="{7AD29F78-0630-44F9-A0BE-D82D22910BEF}"/>
-          </ac:spMkLst>
-        </pc:spChg>
-        <pc:spChg chg="add del">
-          <ac:chgData name="Yang Xu" userId="2ef8d03b0d59ea36" providerId="LiveId" clId="{BA46AAE0-4684-4C00-B2C3-B0D15247BA49}" dt="2020-01-01T10:25:50.826" v="156" actId="26606"/>
-          <ac:spMkLst>
-            <pc:docMk/>
-            <pc:sldMk cId="2622958319" sldId="275"/>
-            <ac:spMk id="18" creationId="{2708AD19-3EA5-4EC5-BF8C-37B0A4B1956E}"/>
-          </ac:spMkLst>
-        </pc:spChg>
-        <pc:spChg chg="add del">
-          <ac:chgData name="Yang Xu" userId="2ef8d03b0d59ea36" providerId="LiveId" clId="{BA46AAE0-4684-4C00-B2C3-B0D15247BA49}" dt="2020-01-01T10:27:29.375" v="194" actId="26606"/>
-          <ac:spMkLst>
-            <pc:docMk/>
-            <pc:sldMk cId="2622958319" sldId="275"/>
-            <ac:spMk id="20" creationId="{172FA20E-3EEC-4201-BE1D-0563AE403A5D}"/>
-          </ac:spMkLst>
-        </pc:spChg>
-        <pc:spChg chg="add del">
-          <ac:chgData name="Yang Xu" userId="2ef8d03b0d59ea36" providerId="LiveId" clId="{BA46AAE0-4684-4C00-B2C3-B0D15247BA49}" dt="2020-01-01T10:27:29.375" v="194" actId="26606"/>
-          <ac:spMkLst>
-            <pc:docMk/>
-            <pc:sldMk cId="2622958319" sldId="275"/>
-            <ac:spMk id="22" creationId="{7AD29F78-0630-44F9-A0BE-D82D22910BEF}"/>
-          </ac:spMkLst>
-        </pc:spChg>
-        <pc:spChg chg="add del">
-          <ac:chgData name="Yang Xu" userId="2ef8d03b0d59ea36" providerId="LiveId" clId="{BA46AAE0-4684-4C00-B2C3-B0D15247BA49}" dt="2020-01-01T10:27:29.375" v="194" actId="26606"/>
-          <ac:spMkLst>
-            <pc:docMk/>
-            <pc:sldMk cId="2622958319" sldId="275"/>
-            <ac:spMk id="24" creationId="{2708AD19-3EA5-4EC5-BF8C-37B0A4B1956E}"/>
-          </ac:spMkLst>
-        </pc:spChg>
-        <pc:spChg chg="add del">
-          <ac:chgData name="Yang Xu" userId="2ef8d03b0d59ea36" providerId="LiveId" clId="{BA46AAE0-4684-4C00-B2C3-B0D15247BA49}" dt="2020-01-01T10:27:25.191" v="187" actId="26606"/>
-          <ac:spMkLst>
-            <pc:docMk/>
-            <pc:sldMk cId="2622958319" sldId="275"/>
-            <ac:spMk id="30" creationId="{37ED269F-93E0-4C45-A745-D08B6F8441E8}"/>
-          </ac:spMkLst>
-        </pc:spChg>
-        <pc:spChg chg="add del">
-          <ac:chgData name="Yang Xu" userId="2ef8d03b0d59ea36" providerId="LiveId" clId="{BA46AAE0-4684-4C00-B2C3-B0D15247BA49}" dt="2020-01-01T10:27:25.191" v="187" actId="26606"/>
-          <ac:spMkLst>
-            <pc:docMk/>
-            <pc:sldMk cId="2622958319" sldId="275"/>
-            <ac:spMk id="34" creationId="{AE8DF4CB-11C0-4C6C-859F-392DFE0FADDF}"/>
-          </ac:spMkLst>
-        </pc:spChg>
-        <pc:spChg chg="add del">
-          <ac:chgData name="Yang Xu" userId="2ef8d03b0d59ea36" providerId="LiveId" clId="{BA46AAE0-4684-4C00-B2C3-B0D15247BA49}" dt="2020-01-01T10:27:25.191" v="187" actId="26606"/>
-          <ac:spMkLst>
-            <pc:docMk/>
-            <pc:sldMk cId="2622958319" sldId="275"/>
-            <ac:spMk id="36" creationId="{6DEEA0FF-8A01-4333-AFF1-5F5BD4F2467A}"/>
-          </ac:spMkLst>
-        </pc:spChg>
-        <pc:spChg chg="add del">
-          <ac:chgData name="Yang Xu" userId="2ef8d03b0d59ea36" providerId="LiveId" clId="{BA46AAE0-4684-4C00-B2C3-B0D15247BA49}" dt="2020-01-01T10:27:25.191" v="187" actId="26606"/>
-          <ac:spMkLst>
-            <pc:docMk/>
-            <pc:sldMk cId="2622958319" sldId="275"/>
-            <ac:spMk id="38" creationId="{FE9FB890-56DB-4B95-85F1-94547CCE9F4B}"/>
-          </ac:spMkLst>
-        </pc:spChg>
-        <pc:spChg chg="add del">
-          <ac:chgData name="Yang Xu" userId="2ef8d03b0d59ea36" providerId="LiveId" clId="{BA46AAE0-4684-4C00-B2C3-B0D15247BA49}" dt="2020-01-01T10:27:27.357" v="189" actId="26606"/>
-          <ac:spMkLst>
-            <pc:docMk/>
-            <pc:sldMk cId="2622958319" sldId="275"/>
-            <ac:spMk id="44" creationId="{20FA4D46-3A36-47B8-9AEE-5EB0B6C5B065}"/>
-          </ac:spMkLst>
-        </pc:spChg>
-        <pc:spChg chg="add del">
-          <ac:chgData name="Yang Xu" userId="2ef8d03b0d59ea36" providerId="LiveId" clId="{BA46AAE0-4684-4C00-B2C3-B0D15247BA49}" dt="2020-01-01T10:27:27.357" v="189" actId="26606"/>
-          <ac:spMkLst>
-            <pc:docMk/>
-            <pc:sldMk cId="2622958319" sldId="275"/>
-            <ac:spMk id="46" creationId="{66FB55FF-BA3E-4F25-8362-D6E7B4E512CC}"/>
-          </ac:spMkLst>
-        </pc:spChg>
-        <pc:spChg chg="add del">
-          <ac:chgData name="Yang Xu" userId="2ef8d03b0d59ea36" providerId="LiveId" clId="{BA46AAE0-4684-4C00-B2C3-B0D15247BA49}" dt="2020-01-01T10:27:27.357" v="189" actId="26606"/>
-          <ac:spMkLst>
-            <pc:docMk/>
-            <pc:sldMk cId="2622958319" sldId="275"/>
-            <ac:spMk id="47" creationId="{C7CAB115-86ED-407E-B0B1-94A133EDDB9C}"/>
-          </ac:spMkLst>
-        </pc:spChg>
-        <pc:spChg chg="add del">
-          <ac:chgData name="Yang Xu" userId="2ef8d03b0d59ea36" providerId="LiveId" clId="{BA46AAE0-4684-4C00-B2C3-B0D15247BA49}" dt="2020-01-01T10:27:27.357" v="189" actId="26606"/>
-          <ac:spMkLst>
-            <pc:docMk/>
-            <pc:sldMk cId="2622958319" sldId="275"/>
-            <ac:spMk id="48" creationId="{E9F23E2C-07B6-4798-B147-6FC480F6C27D}"/>
-          </ac:spMkLst>
-        </pc:spChg>
-        <pc:spChg chg="add del">
-          <ac:chgData name="Yang Xu" userId="2ef8d03b0d59ea36" providerId="LiveId" clId="{BA46AAE0-4684-4C00-B2C3-B0D15247BA49}" dt="2020-01-01T10:27:27.357" v="189" actId="26606"/>
-          <ac:spMkLst>
-            <pc:docMk/>
-            <pc:sldMk cId="2622958319" sldId="275"/>
-            <ac:spMk id="49" creationId="{8D9AD062-264F-4D54-90CE-145B924CF918}"/>
-          </ac:spMkLst>
-        </pc:spChg>
-        <pc:spChg chg="add del">
-          <ac:chgData name="Yang Xu" userId="2ef8d03b0d59ea36" providerId="LiveId" clId="{BA46AAE0-4684-4C00-B2C3-B0D15247BA49}" dt="2020-01-01T10:27:27.357" v="189" actId="26606"/>
-          <ac:spMkLst>
-            <pc:docMk/>
-            <pc:sldMk cId="2622958319" sldId="275"/>
-            <ac:spMk id="50" creationId="{9C7D8F90-84C8-46ED-AECB-01C4D6295768}"/>
-          </ac:spMkLst>
-        </pc:spChg>
-        <pc:graphicFrameChg chg="add del">
-          <ac:chgData name="Yang Xu" userId="2ef8d03b0d59ea36" providerId="LiveId" clId="{BA46AAE0-4684-4C00-B2C3-B0D15247BA49}" dt="2020-01-01T10:25:50.826" v="156" actId="26606"/>
-          <ac:graphicFrameMkLst>
-            <pc:docMk/>
-            <pc:sldMk cId="2622958319" sldId="275"/>
-            <ac:graphicFrameMk id="5" creationId="{7C8072DC-404A-451C-A877-9339C8C8264D}"/>
-          </ac:graphicFrameMkLst>
-        </pc:graphicFrameChg>
-        <pc:graphicFrameChg chg="add mod modGraphic">
-          <ac:chgData name="Yang Xu" userId="2ef8d03b0d59ea36" providerId="LiveId" clId="{BA46AAE0-4684-4C00-B2C3-B0D15247BA49}" dt="2020-01-01T10:27:29.375" v="194" actId="26606"/>
-          <ac:graphicFrameMkLst>
-            <pc:docMk/>
-            <pc:sldMk cId="2622958319" sldId="275"/>
-            <ac:graphicFrameMk id="25" creationId="{30FE4A4F-29D0-4C99-AD4F-D31D9372C72E}"/>
-          </ac:graphicFrameMkLst>
-        </pc:graphicFrameChg>
-        <pc:picChg chg="add del">
-          <ac:chgData name="Yang Xu" userId="2ef8d03b0d59ea36" providerId="LiveId" clId="{BA46AAE0-4684-4C00-B2C3-B0D15247BA49}" dt="2020-01-01T10:25:50.826" v="156" actId="26606"/>
-          <ac:picMkLst>
-            <pc:docMk/>
-            <pc:sldMk cId="2622958319" sldId="275"/>
-            <ac:picMk id="12" creationId="{AED7C419-9BA1-4696-B356-43EFEF183057}"/>
-          </ac:picMkLst>
-        </pc:picChg>
-        <pc:picChg chg="add del">
-          <ac:chgData name="Yang Xu" userId="2ef8d03b0d59ea36" providerId="LiveId" clId="{BA46AAE0-4684-4C00-B2C3-B0D15247BA49}" dt="2020-01-01T10:25:50.826" v="156" actId="26606"/>
-          <ac:picMkLst>
-            <pc:docMk/>
-            <pc:sldMk cId="2622958319" sldId="275"/>
-            <ac:picMk id="16" creationId="{E3E2E76B-5713-416F-9E1F-82EBA41BF4DA}"/>
-          </ac:picMkLst>
-        </pc:picChg>
-        <pc:picChg chg="add del">
-          <ac:chgData name="Yang Xu" userId="2ef8d03b0d59ea36" providerId="LiveId" clId="{BA46AAE0-4684-4C00-B2C3-B0D15247BA49}" dt="2020-01-01T10:27:29.375" v="194" actId="26606"/>
-          <ac:picMkLst>
-            <pc:docMk/>
-            <pc:sldMk cId="2622958319" sldId="275"/>
-            <ac:picMk id="21" creationId="{AED7C419-9BA1-4696-B356-43EFEF183057}"/>
-          </ac:picMkLst>
-        </pc:picChg>
-        <pc:picChg chg="add del">
-          <ac:chgData name="Yang Xu" userId="2ef8d03b0d59ea36" providerId="LiveId" clId="{BA46AAE0-4684-4C00-B2C3-B0D15247BA49}" dt="2020-01-01T10:27:29.375" v="194" actId="26606"/>
-          <ac:picMkLst>
-            <pc:docMk/>
-            <pc:sldMk cId="2622958319" sldId="275"/>
-            <ac:picMk id="23" creationId="{E3E2E76B-5713-416F-9E1F-82EBA41BF4DA}"/>
-          </ac:picMkLst>
-        </pc:picChg>
-        <pc:picChg chg="add del">
-          <ac:chgData name="Yang Xu" userId="2ef8d03b0d59ea36" providerId="LiveId" clId="{BA46AAE0-4684-4C00-B2C3-B0D15247BA49}" dt="2020-01-01T10:27:25.191" v="187" actId="26606"/>
-          <ac:picMkLst>
-            <pc:docMk/>
-            <pc:sldMk cId="2622958319" sldId="275"/>
-            <ac:picMk id="32" creationId="{67DD37E5-BE6E-4E53-8EC2-6DC35A1974F3}"/>
-          </ac:picMkLst>
-        </pc:picChg>
-        <pc:picChg chg="add del">
-          <ac:chgData name="Yang Xu" userId="2ef8d03b0d59ea36" providerId="LiveId" clId="{BA46AAE0-4684-4C00-B2C3-B0D15247BA49}" dt="2020-01-01T10:27:25.191" v="187" actId="26606"/>
-          <ac:picMkLst>
-            <pc:docMk/>
-            <pc:sldMk cId="2622958319" sldId="275"/>
-            <ac:picMk id="40" creationId="{B67A1BC5-D4FF-4701-866E-103276E24880}"/>
-          </ac:picMkLst>
-        </pc:picChg>
-        <pc:picChg chg="add del">
-          <ac:chgData name="Yang Xu" userId="2ef8d03b0d59ea36" providerId="LiveId" clId="{BA46AAE0-4684-4C00-B2C3-B0D15247BA49}" dt="2020-01-01T10:27:25.191" v="187" actId="26606"/>
-          <ac:picMkLst>
-            <pc:docMk/>
-            <pc:sldMk cId="2622958319" sldId="275"/>
-            <ac:picMk id="42" creationId="{A15D7A4F-95FD-4688-8667-0BAC1AF33961}"/>
-          </ac:picMkLst>
-        </pc:picChg>
-        <pc:picChg chg="add del">
-          <ac:chgData name="Yang Xu" userId="2ef8d03b0d59ea36" providerId="LiveId" clId="{BA46AAE0-4684-4C00-B2C3-B0D15247BA49}" dt="2020-01-01T10:27:27.357" v="189" actId="26606"/>
-          <ac:picMkLst>
-            <pc:docMk/>
-            <pc:sldMk cId="2622958319" sldId="275"/>
-            <ac:picMk id="45" creationId="{983C8160-AABE-4F12-997A-C2D69F5B824E}"/>
-          </ac:picMkLst>
-        </pc:picChg>
-      </pc:sldChg>
-      <pc:sldChg chg="addSp delSp modSp add mod setBg">
-        <pc:chgData name="Yang Xu" userId="2ef8d03b0d59ea36" providerId="LiveId" clId="{BA46AAE0-4684-4C00-B2C3-B0D15247BA49}" dt="2020-01-01T10:27:50.441" v="200" actId="26606"/>
-        <pc:sldMkLst>
-          <pc:docMk/>
-          <pc:sldMk cId="2785584962" sldId="276"/>
-        </pc:sldMkLst>
-        <pc:spChg chg="mod">
-          <ac:chgData name="Yang Xu" userId="2ef8d03b0d59ea36" providerId="LiveId" clId="{BA46AAE0-4684-4C00-B2C3-B0D15247BA49}" dt="2020-01-01T10:27:50.441" v="200" actId="26606"/>
-          <ac:spMkLst>
-            <pc:docMk/>
-            <pc:sldMk cId="2785584962" sldId="276"/>
-            <ac:spMk id="2" creationId="{23399DFD-C3CB-4FB0-84A6-9181F0615368}"/>
-          </ac:spMkLst>
-        </pc:spChg>
-        <pc:spChg chg="add del mod">
-          <ac:chgData name="Yang Xu" userId="2ef8d03b0d59ea36" providerId="LiveId" clId="{BA46AAE0-4684-4C00-B2C3-B0D15247BA49}" dt="2020-01-01T10:27:50.441" v="200" actId="26606"/>
-          <ac:spMkLst>
-            <pc:docMk/>
-            <pc:sldMk cId="2785584962" sldId="276"/>
-            <ac:spMk id="3" creationId="{60C45019-F1A7-417B-B91B-8EA006508496}"/>
-          </ac:spMkLst>
-        </pc:spChg>
-        <pc:spChg chg="add del">
-          <ac:chgData name="Yang Xu" userId="2ef8d03b0d59ea36" providerId="LiveId" clId="{BA46AAE0-4684-4C00-B2C3-B0D15247BA49}" dt="2020-01-01T10:27:50.423" v="199" actId="26606"/>
-          <ac:spMkLst>
-            <pc:docMk/>
-            <pc:sldMk cId="2785584962" sldId="276"/>
-            <ac:spMk id="10" creationId="{172FA20E-3EEC-4201-BE1D-0563AE403A5D}"/>
-          </ac:spMkLst>
-        </pc:spChg>
-        <pc:spChg chg="add del">
-          <ac:chgData name="Yang Xu" userId="2ef8d03b0d59ea36" providerId="LiveId" clId="{BA46AAE0-4684-4C00-B2C3-B0D15247BA49}" dt="2020-01-01T10:27:50.423" v="199" actId="26606"/>
-          <ac:spMkLst>
-            <pc:docMk/>
-            <pc:sldMk cId="2785584962" sldId="276"/>
-            <ac:spMk id="14" creationId="{7AD29F78-0630-44F9-A0BE-D82D22910BEF}"/>
-          </ac:spMkLst>
-        </pc:spChg>
-        <pc:spChg chg="add del">
-          <ac:chgData name="Yang Xu" userId="2ef8d03b0d59ea36" providerId="LiveId" clId="{BA46AAE0-4684-4C00-B2C3-B0D15247BA49}" dt="2020-01-01T10:27:50.423" v="199" actId="26606"/>
-          <ac:spMkLst>
-            <pc:docMk/>
-            <pc:sldMk cId="2785584962" sldId="276"/>
-            <ac:spMk id="18" creationId="{2708AD19-3EA5-4EC5-BF8C-37B0A4B1956E}"/>
-          </ac:spMkLst>
-        </pc:spChg>
-        <pc:graphicFrameChg chg="add del">
-          <ac:chgData name="Yang Xu" userId="2ef8d03b0d59ea36" providerId="LiveId" clId="{BA46AAE0-4684-4C00-B2C3-B0D15247BA49}" dt="2020-01-01T10:27:50.423" v="199" actId="26606"/>
-          <ac:graphicFrameMkLst>
-            <pc:docMk/>
-            <pc:sldMk cId="2785584962" sldId="276"/>
-            <ac:graphicFrameMk id="5" creationId="{BF468BCA-5972-4456-BBCC-0F25567743B5}"/>
-          </ac:graphicFrameMkLst>
-        </pc:graphicFrameChg>
-        <pc:graphicFrameChg chg="add">
-          <ac:chgData name="Yang Xu" userId="2ef8d03b0d59ea36" providerId="LiveId" clId="{BA46AAE0-4684-4C00-B2C3-B0D15247BA49}" dt="2020-01-01T10:27:50.441" v="200" actId="26606"/>
-          <ac:graphicFrameMkLst>
-            <pc:docMk/>
-            <pc:sldMk cId="2785584962" sldId="276"/>
-            <ac:graphicFrameMk id="20" creationId="{DD366791-7138-47E8-8BB9-BE4A32C953CD}"/>
-          </ac:graphicFrameMkLst>
-        </pc:graphicFrameChg>
-        <pc:picChg chg="add del">
-          <ac:chgData name="Yang Xu" userId="2ef8d03b0d59ea36" providerId="LiveId" clId="{BA46AAE0-4684-4C00-B2C3-B0D15247BA49}" dt="2020-01-01T10:27:50.423" v="199" actId="26606"/>
-          <ac:picMkLst>
-            <pc:docMk/>
-            <pc:sldMk cId="2785584962" sldId="276"/>
-            <ac:picMk id="12" creationId="{AED7C419-9BA1-4696-B356-43EFEF183057}"/>
-          </ac:picMkLst>
-        </pc:picChg>
-        <pc:picChg chg="add del">
-          <ac:chgData name="Yang Xu" userId="2ef8d03b0d59ea36" providerId="LiveId" clId="{BA46AAE0-4684-4C00-B2C3-B0D15247BA49}" dt="2020-01-01T10:27:50.423" v="199" actId="26606"/>
-          <ac:picMkLst>
-            <pc:docMk/>
-            <pc:sldMk cId="2785584962" sldId="276"/>
-            <ac:picMk id="16" creationId="{E3E2E76B-5713-416F-9E1F-82EBA41BF4DA}"/>
-          </ac:picMkLst>
-        </pc:picChg>
-      </pc:sldChg>
-    </pc:docChg>
-  </pc:docChgLst>
-  <pc:docChgLst>
-    <pc:chgData name="Yang Xu" userId="2ef8d03b0d59ea36" providerId="LiveId" clId="{22EA9AAC-E84C-4AE3-8432-AF9594ABE5DD}"/>
-    <pc:docChg chg="delSld modSld">
-      <pc:chgData name="Yang Xu" userId="2ef8d03b0d59ea36" providerId="LiveId" clId="{22EA9AAC-E84C-4AE3-8432-AF9594ABE5DD}" dt="2020-01-08T12:07:05.776" v="64" actId="20577"/>
-      <pc:docMkLst>
-        <pc:docMk/>
-      </pc:docMkLst>
-      <pc:sldChg chg="modSp">
-        <pc:chgData name="Yang Xu" userId="2ef8d03b0d59ea36" providerId="LiveId" clId="{22EA9AAC-E84C-4AE3-8432-AF9594ABE5DD}" dt="2020-01-08T12:07:05.776" v="64" actId="20577"/>
-        <pc:sldMkLst>
-          <pc:docMk/>
-          <pc:sldMk cId="1232935249" sldId="257"/>
-        </pc:sldMkLst>
-        <pc:spChg chg="mod">
-          <ac:chgData name="Yang Xu" userId="2ef8d03b0d59ea36" providerId="LiveId" clId="{22EA9AAC-E84C-4AE3-8432-AF9594ABE5DD}" dt="2020-01-08T12:07:05.776" v="64" actId="20577"/>
-          <ac:spMkLst>
-            <pc:docMk/>
-            <pc:sldMk cId="1232935249" sldId="257"/>
-            <ac:spMk id="2" creationId="{B4520B70-2A11-4C52-8CC0-6F63A2EF322F}"/>
-          </ac:spMkLst>
-        </pc:spChg>
-      </pc:sldChg>
-      <pc:sldChg chg="del">
-        <pc:chgData name="Yang Xu" userId="2ef8d03b0d59ea36" providerId="LiveId" clId="{22EA9AAC-E84C-4AE3-8432-AF9594ABE5DD}" dt="2020-01-08T12:05:50.725" v="1" actId="47"/>
-        <pc:sldMkLst>
-          <pc:docMk/>
-          <pc:sldMk cId="2494942929" sldId="268"/>
-        </pc:sldMkLst>
-      </pc:sldChg>
-      <pc:sldChg chg="del">
-        <pc:chgData name="Yang Xu" userId="2ef8d03b0d59ea36" providerId="LiveId" clId="{22EA9AAC-E84C-4AE3-8432-AF9594ABE5DD}" dt="2020-01-08T12:05:50.725" v="1" actId="47"/>
-        <pc:sldMkLst>
-          <pc:docMk/>
-          <pc:sldMk cId="3499997383" sldId="269"/>
-        </pc:sldMkLst>
-      </pc:sldChg>
-    </pc:docChg>
-  </pc:docChgLst>
-  <pc:docChgLst>
-    <pc:chgData name="Yang Xu" userId="2ef8d03b0d59ea36" providerId="LiveId" clId="{DEAE517B-9C0B-4664-AA22-A24F26A2A530}"/>
-    <pc:docChg chg="modSld">
-      <pc:chgData name="Yang Xu" userId="2ef8d03b0d59ea36" providerId="LiveId" clId="{DEAE517B-9C0B-4664-AA22-A24F26A2A530}" dt="2020-01-06T11:11:01.728" v="3" actId="20577"/>
-      <pc:docMkLst>
-        <pc:docMk/>
-      </pc:docMkLst>
-      <pc:sldChg chg="modSp">
-        <pc:chgData name="Yang Xu" userId="2ef8d03b0d59ea36" providerId="LiveId" clId="{DEAE517B-9C0B-4664-AA22-A24F26A2A530}" dt="2020-01-06T11:11:01.728" v="3" actId="20577"/>
-        <pc:sldMkLst>
-          <pc:docMk/>
-          <pc:sldMk cId="1232935249" sldId="257"/>
-        </pc:sldMkLst>
-        <pc:spChg chg="mod">
-          <ac:chgData name="Yang Xu" userId="2ef8d03b0d59ea36" providerId="LiveId" clId="{DEAE517B-9C0B-4664-AA22-A24F26A2A530}" dt="2020-01-06T11:11:01.728" v="3" actId="20577"/>
-          <ac:spMkLst>
-            <pc:docMk/>
-            <pc:sldMk cId="1232935249" sldId="257"/>
-            <ac:spMk id="2" creationId="{B4520B70-2A11-4C52-8CC0-6F63A2EF322F}"/>
-          </ac:spMkLst>
-        </pc:spChg>
-      </pc:sldChg>
-    </pc:docChg>
-  </pc:docChgLst>
-  <pc:docChgLst>
-    <pc:chgData name="Yang Xu" userId="2ef8d03b0d59ea36" providerId="LiveId" clId="{D2D96C62-4FEB-4FF7-84C0-D5D8DF2F1F93}"/>
-    <pc:docChg chg="modSld">
-      <pc:chgData name="Yang Xu" userId="2ef8d03b0d59ea36" providerId="LiveId" clId="{D2D96C62-4FEB-4FF7-84C0-D5D8DF2F1F93}" dt="2019-12-17T12:02:25.493" v="12" actId="20577"/>
-      <pc:docMkLst>
-        <pc:docMk/>
-      </pc:docMkLst>
-      <pc:sldChg chg="modSp">
-        <pc:chgData name="Yang Xu" userId="2ef8d03b0d59ea36" providerId="LiveId" clId="{D2D96C62-4FEB-4FF7-84C0-D5D8DF2F1F93}" dt="2019-12-17T12:02:25.493" v="12" actId="20577"/>
-        <pc:sldMkLst>
-          <pc:docMk/>
-          <pc:sldMk cId="1232935249" sldId="257"/>
-        </pc:sldMkLst>
-        <pc:spChg chg="mod">
-          <ac:chgData name="Yang Xu" userId="2ef8d03b0d59ea36" providerId="LiveId" clId="{D2D96C62-4FEB-4FF7-84C0-D5D8DF2F1F93}" dt="2019-12-17T12:02:25.493" v="12" actId="20577"/>
-          <ac:spMkLst>
-            <pc:docMk/>
-            <pc:sldMk cId="1232935249" sldId="257"/>
-            <ac:spMk id="2" creationId="{B4520B70-2A11-4C52-8CC0-6F63A2EF322F}"/>
-          </ac:spMkLst>
-        </pc:spChg>
-      </pc:sldChg>
-    </pc:docChg>
-  </pc:docChgLst>
-  <pc:docChgLst>
-    <pc:chgData name="Yang Xu" userId="2ef8d03b0d59ea36" providerId="LiveId" clId="{83E961CE-FC83-40C8-9322-F61271C441C9}"/>
-    <pc:docChg chg="custSel addSld delSld modSld">
-      <pc:chgData name="Yang Xu" userId="2ef8d03b0d59ea36" providerId="LiveId" clId="{83E961CE-FC83-40C8-9322-F61271C441C9}" dt="2019-12-05T12:12:39.748" v="314" actId="20577"/>
-      <pc:docMkLst>
-        <pc:docMk/>
-      </pc:docMkLst>
-      <pc:sldChg chg="modSp">
-        <pc:chgData name="Yang Xu" userId="2ef8d03b0d59ea36" providerId="LiveId" clId="{83E961CE-FC83-40C8-9322-F61271C441C9}" dt="2019-12-05T11:57:39.172" v="26" actId="20577"/>
-        <pc:sldMkLst>
-          <pc:docMk/>
-          <pc:sldMk cId="1232935249" sldId="257"/>
-        </pc:sldMkLst>
-        <pc:spChg chg="mod">
-          <ac:chgData name="Yang Xu" userId="2ef8d03b0d59ea36" providerId="LiveId" clId="{83E961CE-FC83-40C8-9322-F61271C441C9}" dt="2019-12-05T11:57:39.172" v="26" actId="20577"/>
-          <ac:spMkLst>
-            <pc:docMk/>
-            <pc:sldMk cId="1232935249" sldId="257"/>
-            <ac:spMk id="2" creationId="{B4520B70-2A11-4C52-8CC0-6F63A2EF322F}"/>
-          </ac:spMkLst>
-        </pc:spChg>
-      </pc:sldChg>
-    </pc:docChg>
-  </pc:docChgLst>
-  <pc:docChgLst>
-    <pc:chgData name="Yang Xu" userId="2ef8d03b0d59ea36" providerId="LiveId" clId="{0DEFA37D-DEEF-4856-883E-52ABFB85D5AB}"/>
-    <pc:docChg chg="addSld modSld">
-      <pc:chgData name="Yang Xu" userId="2ef8d03b0d59ea36" providerId="LiveId" clId="{0DEFA37D-DEEF-4856-883E-52ABFB85D5AB}" dt="2019-12-20T12:33:49.423" v="27" actId="20577"/>
-      <pc:docMkLst>
-        <pc:docMk/>
-      </pc:docMkLst>
-      <pc:sldChg chg="modSp">
-        <pc:chgData name="Yang Xu" userId="2ef8d03b0d59ea36" providerId="LiveId" clId="{0DEFA37D-DEEF-4856-883E-52ABFB85D5AB}" dt="2019-12-20T12:32:53.144" v="11" actId="20577"/>
-        <pc:sldMkLst>
-          <pc:docMk/>
-          <pc:sldMk cId="1232935249" sldId="257"/>
-        </pc:sldMkLst>
-        <pc:spChg chg="mod">
-          <ac:chgData name="Yang Xu" userId="2ef8d03b0d59ea36" providerId="LiveId" clId="{0DEFA37D-DEEF-4856-883E-52ABFB85D5AB}" dt="2019-12-20T12:32:53.144" v="11" actId="20577"/>
-          <ac:spMkLst>
-            <pc:docMk/>
-            <pc:sldMk cId="1232935249" sldId="257"/>
-            <ac:spMk id="2" creationId="{B4520B70-2A11-4C52-8CC0-6F63A2EF322F}"/>
-          </ac:spMkLst>
-        </pc:spChg>
-      </pc:sldChg>
-      <pc:sldChg chg="modSp add">
-        <pc:chgData name="Yang Xu" userId="2ef8d03b0d59ea36" providerId="LiveId" clId="{0DEFA37D-DEEF-4856-883E-52ABFB85D5AB}" dt="2019-12-20T12:33:49.423" v="27" actId="20577"/>
-        <pc:sldMkLst>
-          <pc:docMk/>
-          <pc:sldMk cId="391821178" sldId="268"/>
-        </pc:sldMkLst>
-        <pc:spChg chg="mod">
-          <ac:chgData name="Yang Xu" userId="2ef8d03b0d59ea36" providerId="LiveId" clId="{0DEFA37D-DEEF-4856-883E-52ABFB85D5AB}" dt="2019-12-20T12:33:49.423" v="27" actId="20577"/>
-          <ac:spMkLst>
-            <pc:docMk/>
-            <pc:sldMk cId="391821178" sldId="268"/>
-            <ac:spMk id="2" creationId="{E5BE5CAD-F0DC-4BDC-9B45-3D49E5E1B7BF}"/>
-          </ac:spMkLst>
-        </pc:spChg>
-        <pc:spChg chg="mod">
-          <ac:chgData name="Yang Xu" userId="2ef8d03b0d59ea36" providerId="LiveId" clId="{0DEFA37D-DEEF-4856-883E-52ABFB85D5AB}" dt="2019-12-20T12:33:45.466" v="16" actId="20577"/>
-          <ac:spMkLst>
-            <pc:docMk/>
-            <pc:sldMk cId="391821178" sldId="268"/>
-            <ac:spMk id="3" creationId="{62C453E6-CCA4-46F5-9989-852FB84CFB5E}"/>
-          </ac:spMkLst>
-        </pc:spChg>
-      </pc:sldChg>
-    </pc:docChg>
-  </pc:docChgLst>
-  <pc:docChgLst>
-    <pc:chgData name="Yang Xu" userId="2ef8d03b0d59ea36" providerId="LiveId" clId="{29167FFA-0DF0-4792-8242-F7E886900458}"/>
-    <pc:docChg chg="delSld modSld">
-      <pc:chgData name="Yang Xu" userId="2ef8d03b0d59ea36" providerId="LiveId" clId="{29167FFA-0DF0-4792-8242-F7E886900458}" dt="2020-02-04T14:00:18.862" v="1" actId="47"/>
-      <pc:docMkLst>
-        <pc:docMk/>
-      </pc:docMkLst>
-      <pc:sldChg chg="modSp">
-        <pc:chgData name="Yang Xu" userId="2ef8d03b0d59ea36" providerId="LiveId" clId="{29167FFA-0DF0-4792-8242-F7E886900458}" dt="2020-02-04T14:00:15.733" v="0" actId="20577"/>
-        <pc:sldMkLst>
-          <pc:docMk/>
-          <pc:sldMk cId="1232935249" sldId="257"/>
-        </pc:sldMkLst>
-        <pc:spChg chg="mod">
-          <ac:chgData name="Yang Xu" userId="2ef8d03b0d59ea36" providerId="LiveId" clId="{29167FFA-0DF0-4792-8242-F7E886900458}" dt="2020-02-04T14:00:15.733" v="0" actId="20577"/>
-          <ac:spMkLst>
-            <pc:docMk/>
-            <pc:sldMk cId="1232935249" sldId="257"/>
-            <ac:spMk id="2" creationId="{B4520B70-2A11-4C52-8CC0-6F63A2EF322F}"/>
-          </ac:spMkLst>
-        </pc:spChg>
-      </pc:sldChg>
-      <pc:sldChg chg="del">
-        <pc:chgData name="Yang Xu" userId="2ef8d03b0d59ea36" providerId="LiveId" clId="{29167FFA-0DF0-4792-8242-F7E886900458}" dt="2020-02-04T14:00:18.862" v="1" actId="47"/>
-        <pc:sldMkLst>
-          <pc:docMk/>
-          <pc:sldMk cId="116335913" sldId="268"/>
-        </pc:sldMkLst>
-      </pc:sldChg>
-      <pc:sldChg chg="del">
-        <pc:chgData name="Yang Xu" userId="2ef8d03b0d59ea36" providerId="LiveId" clId="{29167FFA-0DF0-4792-8242-F7E886900458}" dt="2020-02-04T14:00:18.862" v="1" actId="47"/>
-        <pc:sldMkLst>
-          <pc:docMk/>
-          <pc:sldMk cId="4035383097" sldId="269"/>
-        </pc:sldMkLst>
-      </pc:sldChg>
-      <pc:sldChg chg="del">
-        <pc:chgData name="Yang Xu" userId="2ef8d03b0d59ea36" providerId="LiveId" clId="{29167FFA-0DF0-4792-8242-F7E886900458}" dt="2020-02-04T14:00:18.862" v="1" actId="47"/>
-        <pc:sldMkLst>
-          <pc:docMk/>
-          <pc:sldMk cId="2243483688" sldId="270"/>
-        </pc:sldMkLst>
-      </pc:sldChg>
-      <pc:sldChg chg="del">
-        <pc:chgData name="Yang Xu" userId="2ef8d03b0d59ea36" providerId="LiveId" clId="{29167FFA-0DF0-4792-8242-F7E886900458}" dt="2020-02-04T14:00:18.862" v="1" actId="47"/>
-        <pc:sldMkLst>
-          <pc:docMk/>
-          <pc:sldMk cId="1815455375" sldId="271"/>
-        </pc:sldMkLst>
-      </pc:sldChg>
-    </pc:docChg>
-  </pc:docChgLst>
-  <pc:docChgLst>
-    <pc:chgData name="Yang Xu" userId="2ef8d03b0d59ea36" providerId="LiveId" clId="{CBE321B9-F15B-4297-901A-0B6C3715832F}"/>
-    <pc:docChg chg="delSld modSld">
-      <pc:chgData name="Yang Xu" userId="2ef8d03b0d59ea36" providerId="LiveId" clId="{CBE321B9-F15B-4297-901A-0B6C3715832F}" dt="2019-12-11T11:10:45.050" v="17" actId="2696"/>
-      <pc:docMkLst>
-        <pc:docMk/>
-      </pc:docMkLst>
-      <pc:sldChg chg="modSp">
-        <pc:chgData name="Yang Xu" userId="2ef8d03b0d59ea36" providerId="LiveId" clId="{CBE321B9-F15B-4297-901A-0B6C3715832F}" dt="2019-12-11T11:10:40.472" v="7" actId="20577"/>
-        <pc:sldMkLst>
-          <pc:docMk/>
-          <pc:sldMk cId="1232935249" sldId="257"/>
-        </pc:sldMkLst>
-        <pc:spChg chg="mod">
-          <ac:chgData name="Yang Xu" userId="2ef8d03b0d59ea36" providerId="LiveId" clId="{CBE321B9-F15B-4297-901A-0B6C3715832F}" dt="2019-12-11T11:10:40.472" v="7" actId="20577"/>
-          <ac:spMkLst>
-            <pc:docMk/>
-            <pc:sldMk cId="1232935249" sldId="257"/>
-            <ac:spMk id="2" creationId="{B4520B70-2A11-4C52-8CC0-6F63A2EF322F}"/>
           </ac:spMkLst>
         </pc:spChg>
       </pc:sldChg>
@@ -3945,20 +2314,20 @@
     </pc:docChg>
   </pc:docChgLst>
   <pc:docChgLst>
-    <pc:chgData name="Yang Xu" userId="2ef8d03b0d59ea36" providerId="LiveId" clId="{C93F70C4-EFFD-47B3-87CA-99D2B6C51ADB}"/>
-    <pc:docChg chg="addSld delSld modSld">
-      <pc:chgData name="Yang Xu" userId="2ef8d03b0d59ea36" providerId="LiveId" clId="{C93F70C4-EFFD-47B3-87CA-99D2B6C51ADB}" dt="2020-01-15T12:37:51.158" v="232" actId="20577"/>
+    <pc:chgData name="Yang Xu" userId="2ef8d03b0d59ea36" providerId="LiveId" clId="{64BF03E8-7C98-4B9A-AE0D-2B5604A85F0C}"/>
+    <pc:docChg chg="custSel addSld modSld">
+      <pc:chgData name="Yang Xu" userId="2ef8d03b0d59ea36" providerId="LiveId" clId="{64BF03E8-7C98-4B9A-AE0D-2B5604A85F0C}" dt="2020-01-07T11:54:20.443" v="200" actId="20577"/>
       <pc:docMkLst>
         <pc:docMk/>
       </pc:docMkLst>
       <pc:sldChg chg="modSp">
-        <pc:chgData name="Yang Xu" userId="2ef8d03b0d59ea36" providerId="LiveId" clId="{C93F70C4-EFFD-47B3-87CA-99D2B6C51ADB}" dt="2020-01-15T12:29:01.584" v="19" actId="20577"/>
+        <pc:chgData name="Yang Xu" userId="2ef8d03b0d59ea36" providerId="LiveId" clId="{64BF03E8-7C98-4B9A-AE0D-2B5604A85F0C}" dt="2020-01-07T11:22:09.101" v="101" actId="20577"/>
         <pc:sldMkLst>
           <pc:docMk/>
           <pc:sldMk cId="1232935249" sldId="257"/>
         </pc:sldMkLst>
         <pc:spChg chg="mod">
-          <ac:chgData name="Yang Xu" userId="2ef8d03b0d59ea36" providerId="LiveId" clId="{C93F70C4-EFFD-47B3-87CA-99D2B6C51ADB}" dt="2020-01-15T12:29:01.584" v="19" actId="20577"/>
+          <ac:chgData name="Yang Xu" userId="2ef8d03b0d59ea36" providerId="LiveId" clId="{64BF03E8-7C98-4B9A-AE0D-2B5604A85F0C}" dt="2020-01-07T11:22:09.101" v="101" actId="20577"/>
           <ac:spMkLst>
             <pc:docMk/>
             <pc:sldMk cId="1232935249" sldId="257"/>
@@ -3966,208 +2335,57 @@
           </ac:spMkLst>
         </pc:spChg>
       </pc:sldChg>
-      <pc:sldChg chg="del">
-        <pc:chgData name="Yang Xu" userId="2ef8d03b0d59ea36" providerId="LiveId" clId="{C93F70C4-EFFD-47B3-87CA-99D2B6C51ADB}" dt="2020-01-15T12:29:05.955" v="20" actId="47"/>
+      <pc:sldChg chg="modSp add">
+        <pc:chgData name="Yang Xu" userId="2ef8d03b0d59ea36" providerId="LiveId" clId="{64BF03E8-7C98-4B9A-AE0D-2B5604A85F0C}" dt="2020-01-07T11:22:25.248" v="133" actId="20577"/>
         <pc:sldMkLst>
           <pc:docMk/>
-          <pc:sldMk cId="3271254871" sldId="268"/>
+          <pc:sldMk cId="2494942929" sldId="268"/>
         </pc:sldMkLst>
+        <pc:spChg chg="mod">
+          <ac:chgData name="Yang Xu" userId="2ef8d03b0d59ea36" providerId="LiveId" clId="{64BF03E8-7C98-4B9A-AE0D-2B5604A85F0C}" dt="2020-01-07T11:22:25.248" v="133" actId="20577"/>
+          <ac:spMkLst>
+            <pc:docMk/>
+            <pc:sldMk cId="2494942929" sldId="268"/>
+            <ac:spMk id="2" creationId="{1EF2ACAE-559C-4D32-A80F-31F0974B18B9}"/>
+          </ac:spMkLst>
+        </pc:spChg>
       </pc:sldChg>
       <pc:sldChg chg="modSp add">
-        <pc:chgData name="Yang Xu" userId="2ef8d03b0d59ea36" providerId="LiveId" clId="{C93F70C4-EFFD-47B3-87CA-99D2B6C51ADB}" dt="2020-01-15T12:37:51.158" v="232" actId="20577"/>
+        <pc:chgData name="Yang Xu" userId="2ef8d03b0d59ea36" providerId="LiveId" clId="{64BF03E8-7C98-4B9A-AE0D-2B5604A85F0C}" dt="2020-01-07T11:54:20.443" v="200" actId="20577"/>
         <pc:sldMkLst>
           <pc:docMk/>
-          <pc:sldMk cId="3435951429" sldId="268"/>
+          <pc:sldMk cId="3499997383" sldId="269"/>
         </pc:sldMkLst>
         <pc:spChg chg="mod">
-          <ac:chgData name="Yang Xu" userId="2ef8d03b0d59ea36" providerId="LiveId" clId="{C93F70C4-EFFD-47B3-87CA-99D2B6C51ADB}" dt="2020-01-15T12:36:53.972" v="44" actId="20577"/>
-          <ac:spMkLst>
-            <pc:docMk/>
-            <pc:sldMk cId="3435951429" sldId="268"/>
-            <ac:spMk id="2" creationId="{F2D850DA-17AB-46F2-85D5-223ABC596561}"/>
-          </ac:spMkLst>
-        </pc:spChg>
-        <pc:spChg chg="mod">
-          <ac:chgData name="Yang Xu" userId="2ef8d03b0d59ea36" providerId="LiveId" clId="{C93F70C4-EFFD-47B3-87CA-99D2B6C51ADB}" dt="2020-01-15T12:37:51.158" v="232" actId="20577"/>
-          <ac:spMkLst>
-            <pc:docMk/>
-            <pc:sldMk cId="3435951429" sldId="268"/>
-            <ac:spMk id="3" creationId="{EB80BE27-CC82-48EE-8E1E-36078D7AF89C}"/>
-          </ac:spMkLst>
-        </pc:spChg>
-      </pc:sldChg>
-      <pc:sldChg chg="del">
-        <pc:chgData name="Yang Xu" userId="2ef8d03b0d59ea36" providerId="LiveId" clId="{C93F70C4-EFFD-47B3-87CA-99D2B6C51ADB}" dt="2020-01-15T12:29:05.955" v="20" actId="47"/>
-        <pc:sldMkLst>
-          <pc:docMk/>
-          <pc:sldMk cId="1139190952" sldId="269"/>
-        </pc:sldMkLst>
-      </pc:sldChg>
-      <pc:sldChg chg="del">
-        <pc:chgData name="Yang Xu" userId="2ef8d03b0d59ea36" providerId="LiveId" clId="{C93F70C4-EFFD-47B3-87CA-99D2B6C51ADB}" dt="2020-01-15T12:29:05.955" v="20" actId="47"/>
-        <pc:sldMkLst>
-          <pc:docMk/>
-          <pc:sldMk cId="268738215" sldId="270"/>
-        </pc:sldMkLst>
-      </pc:sldChg>
-      <pc:sldChg chg="del">
-        <pc:chgData name="Yang Xu" userId="2ef8d03b0d59ea36" providerId="LiveId" clId="{C93F70C4-EFFD-47B3-87CA-99D2B6C51ADB}" dt="2020-01-15T12:29:05.955" v="20" actId="47"/>
-        <pc:sldMkLst>
-          <pc:docMk/>
-          <pc:sldMk cId="706351576" sldId="271"/>
-        </pc:sldMkLst>
-      </pc:sldChg>
-      <pc:sldChg chg="del">
-        <pc:chgData name="Yang Xu" userId="2ef8d03b0d59ea36" providerId="LiveId" clId="{C93F70C4-EFFD-47B3-87CA-99D2B6C51ADB}" dt="2020-01-15T12:29:05.955" v="20" actId="47"/>
-        <pc:sldMkLst>
-          <pc:docMk/>
-          <pc:sldMk cId="387369245" sldId="272"/>
-        </pc:sldMkLst>
-      </pc:sldChg>
-      <pc:sldChg chg="del">
-        <pc:chgData name="Yang Xu" userId="2ef8d03b0d59ea36" providerId="LiveId" clId="{C93F70C4-EFFD-47B3-87CA-99D2B6C51ADB}" dt="2020-01-15T12:29:05.955" v="20" actId="47"/>
-        <pc:sldMkLst>
-          <pc:docMk/>
-          <pc:sldMk cId="297724987" sldId="273"/>
-        </pc:sldMkLst>
+          <ac:chgData name="Yang Xu" userId="2ef8d03b0d59ea36" providerId="LiveId" clId="{64BF03E8-7C98-4B9A-AE0D-2B5604A85F0C}" dt="2020-01-07T11:54:20.443" v="200" actId="20577"/>
+          <ac:spMkLst>
+            <pc:docMk/>
+            <pc:sldMk cId="3499997383" sldId="269"/>
+            <ac:spMk id="2" creationId="{6421617E-C44E-47B5-8230-32BE2A32B3AD}"/>
+          </ac:spMkLst>
+        </pc:spChg>
       </pc:sldChg>
     </pc:docChg>
   </pc:docChgLst>
   <pc:docChgLst>
-    <pc:chgData name="Yang Xu" userId="2ef8d03b0d59ea36" providerId="LiveId" clId="{69649305-FBE2-4B27-8309-18E794EC8232}"/>
+    <pc:chgData name="Yang Xu" userId="2ef8d03b0d59ea36" providerId="LiveId" clId="{CBE321B9-F15B-4297-901A-0B6C3715832F}"/>
     <pc:docChg chg="delSld modSld">
-      <pc:chgData name="Yang Xu" userId="2ef8d03b0d59ea36" providerId="LiveId" clId="{69649305-FBE2-4B27-8309-18E794EC8232}" dt="2019-12-15T01:52:35.839" v="10" actId="2696"/>
+      <pc:chgData name="Yang Xu" userId="2ef8d03b0d59ea36" providerId="LiveId" clId="{CBE321B9-F15B-4297-901A-0B6C3715832F}" dt="2019-12-11T11:10:45.050" v="17" actId="2696"/>
       <pc:docMkLst>
         <pc:docMk/>
       </pc:docMkLst>
       <pc:sldChg chg="modSp">
-        <pc:chgData name="Yang Xu" userId="2ef8d03b0d59ea36" providerId="LiveId" clId="{69649305-FBE2-4B27-8309-18E794EC8232}" dt="2019-12-15T01:52:31.830" v="7" actId="20577"/>
+        <pc:chgData name="Yang Xu" userId="2ef8d03b0d59ea36" providerId="LiveId" clId="{CBE321B9-F15B-4297-901A-0B6C3715832F}" dt="2019-12-11T11:10:40.472" v="7" actId="20577"/>
         <pc:sldMkLst>
           <pc:docMk/>
           <pc:sldMk cId="1232935249" sldId="257"/>
         </pc:sldMkLst>
         <pc:spChg chg="mod">
-          <ac:chgData name="Yang Xu" userId="2ef8d03b0d59ea36" providerId="LiveId" clId="{69649305-FBE2-4B27-8309-18E794EC8232}" dt="2019-12-15T01:52:31.830" v="7" actId="20577"/>
+          <ac:chgData name="Yang Xu" userId="2ef8d03b0d59ea36" providerId="LiveId" clId="{CBE321B9-F15B-4297-901A-0B6C3715832F}" dt="2019-12-11T11:10:40.472" v="7" actId="20577"/>
           <ac:spMkLst>
             <pc:docMk/>
             <pc:sldMk cId="1232935249" sldId="257"/>
             <ac:spMk id="2" creationId="{B4520B70-2A11-4C52-8CC0-6F63A2EF322F}"/>
-          </ac:spMkLst>
-        </pc:spChg>
-      </pc:sldChg>
-    </pc:docChg>
-  </pc:docChgLst>
-  <pc:docChgLst>
-    <pc:chgData name="Yang Xu" userId="2ef8d03b0d59ea36" providerId="LiveId" clId="{6F20CE34-37C8-4768-BEB4-FCE1904816B5}"/>
-    <pc:docChg chg="custSel addSld modSld">
-      <pc:chgData name="Yang Xu" userId="2ef8d03b0d59ea36" providerId="LiveId" clId="{6F20CE34-37C8-4768-BEB4-FCE1904816B5}" dt="2020-01-21T10:25:32.094" v="1048" actId="20577"/>
-      <pc:docMkLst>
-        <pc:docMk/>
-      </pc:docMkLst>
-      <pc:sldChg chg="modSp">
-        <pc:chgData name="Yang Xu" userId="2ef8d03b0d59ea36" providerId="LiveId" clId="{6F20CE34-37C8-4768-BEB4-FCE1904816B5}" dt="2020-01-21T10:12:52.601" v="0" actId="20577"/>
-        <pc:sldMkLst>
-          <pc:docMk/>
-          <pc:sldMk cId="1232935249" sldId="257"/>
-        </pc:sldMkLst>
-        <pc:spChg chg="mod">
-          <ac:chgData name="Yang Xu" userId="2ef8d03b0d59ea36" providerId="LiveId" clId="{6F20CE34-37C8-4768-BEB4-FCE1904816B5}" dt="2020-01-21T10:12:52.601" v="0" actId="20577"/>
-          <ac:spMkLst>
-            <pc:docMk/>
-            <pc:sldMk cId="1232935249" sldId="257"/>
-            <ac:spMk id="2" creationId="{B4520B70-2A11-4C52-8CC0-6F63A2EF322F}"/>
-          </ac:spMkLst>
-        </pc:spChg>
-      </pc:sldChg>
-      <pc:sldChg chg="modSp">
-        <pc:chgData name="Yang Xu" userId="2ef8d03b0d59ea36" providerId="LiveId" clId="{6F20CE34-37C8-4768-BEB4-FCE1904816B5}" dt="2020-01-21T10:17:15.409" v="168" actId="20577"/>
-        <pc:sldMkLst>
-          <pc:docMk/>
-          <pc:sldMk cId="2536527152" sldId="268"/>
-        </pc:sldMkLst>
-        <pc:spChg chg="mod">
-          <ac:chgData name="Yang Xu" userId="2ef8d03b0d59ea36" providerId="LiveId" clId="{6F20CE34-37C8-4768-BEB4-FCE1904816B5}" dt="2020-01-21T10:15:52.807" v="25" actId="20577"/>
-          <ac:spMkLst>
-            <pc:docMk/>
-            <pc:sldMk cId="2536527152" sldId="268"/>
-            <ac:spMk id="2" creationId="{193CF2DD-9DF4-4BDB-BB5B-6715935BE28E}"/>
-          </ac:spMkLst>
-        </pc:spChg>
-        <pc:spChg chg="mod">
-          <ac:chgData name="Yang Xu" userId="2ef8d03b0d59ea36" providerId="LiveId" clId="{6F20CE34-37C8-4768-BEB4-FCE1904816B5}" dt="2020-01-21T10:17:15.409" v="168" actId="20577"/>
-          <ac:spMkLst>
-            <pc:docMk/>
-            <pc:sldMk cId="2536527152" sldId="268"/>
-            <ac:spMk id="3" creationId="{DCDBFD4E-74B2-4C84-A43F-53AD664C1AAC}"/>
-          </ac:spMkLst>
-        </pc:spChg>
-      </pc:sldChg>
-      <pc:sldChg chg="modSp add">
-        <pc:chgData name="Yang Xu" userId="2ef8d03b0d59ea36" providerId="LiveId" clId="{6F20CE34-37C8-4768-BEB4-FCE1904816B5}" dt="2020-01-21T10:21:44.825" v="650" actId="20577"/>
-        <pc:sldMkLst>
-          <pc:docMk/>
-          <pc:sldMk cId="2189254947" sldId="269"/>
-        </pc:sldMkLst>
-        <pc:spChg chg="mod">
-          <ac:chgData name="Yang Xu" userId="2ef8d03b0d59ea36" providerId="LiveId" clId="{6F20CE34-37C8-4768-BEB4-FCE1904816B5}" dt="2020-01-21T10:17:32.131" v="195" actId="20577"/>
-          <ac:spMkLst>
-            <pc:docMk/>
-            <pc:sldMk cId="2189254947" sldId="269"/>
-            <ac:spMk id="2" creationId="{3900C06D-B5E9-46FC-A951-E70B010B2BFC}"/>
-          </ac:spMkLst>
-        </pc:spChg>
-        <pc:spChg chg="mod">
-          <ac:chgData name="Yang Xu" userId="2ef8d03b0d59ea36" providerId="LiveId" clId="{6F20CE34-37C8-4768-BEB4-FCE1904816B5}" dt="2020-01-21T10:21:44.825" v="650" actId="20577"/>
-          <ac:spMkLst>
-            <pc:docMk/>
-            <pc:sldMk cId="2189254947" sldId="269"/>
-            <ac:spMk id="3" creationId="{2D7F3E34-DF16-4577-8FF6-BEE544284D5E}"/>
-          </ac:spMkLst>
-        </pc:spChg>
-      </pc:sldChg>
-      <pc:sldChg chg="modSp add">
-        <pc:chgData name="Yang Xu" userId="2ef8d03b0d59ea36" providerId="LiveId" clId="{6F20CE34-37C8-4768-BEB4-FCE1904816B5}" dt="2020-01-21T10:23:29.933" v="845" actId="20577"/>
-        <pc:sldMkLst>
-          <pc:docMk/>
-          <pc:sldMk cId="231288346" sldId="270"/>
-        </pc:sldMkLst>
-        <pc:spChg chg="mod">
-          <ac:chgData name="Yang Xu" userId="2ef8d03b0d59ea36" providerId="LiveId" clId="{6F20CE34-37C8-4768-BEB4-FCE1904816B5}" dt="2020-01-21T10:22:17.781" v="652"/>
-          <ac:spMkLst>
-            <pc:docMk/>
-            <pc:sldMk cId="231288346" sldId="270"/>
-            <ac:spMk id="2" creationId="{732ED240-ECE8-4FBE-8F15-E8CA97D57A66}"/>
-          </ac:spMkLst>
-        </pc:spChg>
-        <pc:spChg chg="mod">
-          <ac:chgData name="Yang Xu" userId="2ef8d03b0d59ea36" providerId="LiveId" clId="{6F20CE34-37C8-4768-BEB4-FCE1904816B5}" dt="2020-01-21T10:23:29.933" v="845" actId="20577"/>
-          <ac:spMkLst>
-            <pc:docMk/>
-            <pc:sldMk cId="231288346" sldId="270"/>
-            <ac:spMk id="3" creationId="{716ADAD0-611D-4FDA-838D-FE0A61C6100A}"/>
-          </ac:spMkLst>
-        </pc:spChg>
-      </pc:sldChg>
-      <pc:sldChg chg="modSp add">
-        <pc:chgData name="Yang Xu" userId="2ef8d03b0d59ea36" providerId="LiveId" clId="{6F20CE34-37C8-4768-BEB4-FCE1904816B5}" dt="2020-01-21T10:25:32.094" v="1048" actId="20577"/>
-        <pc:sldMkLst>
-          <pc:docMk/>
-          <pc:sldMk cId="3916612026" sldId="271"/>
-        </pc:sldMkLst>
-        <pc:spChg chg="mod">
-          <ac:chgData name="Yang Xu" userId="2ef8d03b0d59ea36" providerId="LiveId" clId="{6F20CE34-37C8-4768-BEB4-FCE1904816B5}" dt="2020-01-21T10:24:31.399" v="907" actId="20577"/>
-          <ac:spMkLst>
-            <pc:docMk/>
-            <pc:sldMk cId="3916612026" sldId="271"/>
-            <ac:spMk id="2" creationId="{749456FA-586B-450F-85EE-0459F26FF7BD}"/>
-          </ac:spMkLst>
-        </pc:spChg>
-        <pc:spChg chg="mod">
-          <ac:chgData name="Yang Xu" userId="2ef8d03b0d59ea36" providerId="LiveId" clId="{6F20CE34-37C8-4768-BEB4-FCE1904816B5}" dt="2020-01-21T10:25:32.094" v="1048" actId="20577"/>
-          <ac:spMkLst>
-            <pc:docMk/>
-            <pc:sldMk cId="3916612026" sldId="271"/>
-            <ac:spMk id="3" creationId="{1DEE26EE-5FFF-4737-9E9D-E3B574E35F7A}"/>
           </ac:spMkLst>
         </pc:spChg>
       </pc:sldChg>
@@ -4192,6 +2410,316 @@
             <pc:docMk/>
             <pc:sldMk cId="1232935249" sldId="257"/>
             <ac:spMk id="2" creationId="{B4520B70-2A11-4C52-8CC0-6F63A2EF322F}"/>
+          </ac:spMkLst>
+        </pc:spChg>
+      </pc:sldChg>
+    </pc:docChg>
+  </pc:docChgLst>
+  <pc:docChgLst>
+    <pc:chgData name="Yang Xu" userId="2ef8d03b0d59ea36" providerId="LiveId" clId="{C041E056-EE77-4499-97F6-873CE1570D1E}"/>
+    <pc:docChg chg="custSel addSld modSld">
+      <pc:chgData name="Yang Xu" userId="2ef8d03b0d59ea36" providerId="LiveId" clId="{C041E056-EE77-4499-97F6-873CE1570D1E}" dt="2019-12-15T01:38:04.296" v="137" actId="20577"/>
+      <pc:docMkLst>
+        <pc:docMk/>
+      </pc:docMkLst>
+      <pc:sldChg chg="modSp">
+        <pc:chgData name="Yang Xu" userId="2ef8d03b0d59ea36" providerId="LiveId" clId="{C041E056-EE77-4499-97F6-873CE1570D1E}" dt="2019-12-15T01:23:17.107" v="56" actId="20577"/>
+        <pc:sldMkLst>
+          <pc:docMk/>
+          <pc:sldMk cId="1232935249" sldId="257"/>
+        </pc:sldMkLst>
+        <pc:spChg chg="mod">
+          <ac:chgData name="Yang Xu" userId="2ef8d03b0d59ea36" providerId="LiveId" clId="{C041E056-EE77-4499-97F6-873CE1570D1E}" dt="2019-12-15T01:23:10.486" v="37" actId="20577"/>
+          <ac:spMkLst>
+            <pc:docMk/>
+            <pc:sldMk cId="1232935249" sldId="257"/>
+            <ac:spMk id="2" creationId="{B4520B70-2A11-4C52-8CC0-6F63A2EF322F}"/>
+          </ac:spMkLst>
+        </pc:spChg>
+        <pc:spChg chg="mod">
+          <ac:chgData name="Yang Xu" userId="2ef8d03b0d59ea36" providerId="LiveId" clId="{C041E056-EE77-4499-97F6-873CE1570D1E}" dt="2019-12-15T01:23:17.107" v="56" actId="20577"/>
+          <ac:spMkLst>
+            <pc:docMk/>
+            <pc:sldMk cId="1232935249" sldId="257"/>
+            <ac:spMk id="3" creationId="{C3BAE5F0-36E7-4AA5-9FD3-F3CB959A2B69}"/>
+          </ac:spMkLst>
+        </pc:spChg>
+      </pc:sldChg>
+    </pc:docChg>
+  </pc:docChgLst>
+  <pc:docChgLst>
+    <pc:chgData name="Yang Xu" userId="2ef8d03b0d59ea36" providerId="LiveId" clId="{83E961CE-FC83-40C8-9322-F61271C441C9}"/>
+    <pc:docChg chg="custSel addSld delSld modSld">
+      <pc:chgData name="Yang Xu" userId="2ef8d03b0d59ea36" providerId="LiveId" clId="{83E961CE-FC83-40C8-9322-F61271C441C9}" dt="2019-12-05T12:12:39.748" v="314" actId="20577"/>
+      <pc:docMkLst>
+        <pc:docMk/>
+      </pc:docMkLst>
+      <pc:sldChg chg="modSp">
+        <pc:chgData name="Yang Xu" userId="2ef8d03b0d59ea36" providerId="LiveId" clId="{83E961CE-FC83-40C8-9322-F61271C441C9}" dt="2019-12-05T11:57:39.172" v="26" actId="20577"/>
+        <pc:sldMkLst>
+          <pc:docMk/>
+          <pc:sldMk cId="1232935249" sldId="257"/>
+        </pc:sldMkLst>
+        <pc:spChg chg="mod">
+          <ac:chgData name="Yang Xu" userId="2ef8d03b0d59ea36" providerId="LiveId" clId="{83E961CE-FC83-40C8-9322-F61271C441C9}" dt="2019-12-05T11:57:39.172" v="26" actId="20577"/>
+          <ac:spMkLst>
+            <pc:docMk/>
+            <pc:sldMk cId="1232935249" sldId="257"/>
+            <ac:spMk id="2" creationId="{B4520B70-2A11-4C52-8CC0-6F63A2EF322F}"/>
+          </ac:spMkLst>
+        </pc:spChg>
+      </pc:sldChg>
+    </pc:docChg>
+  </pc:docChgLst>
+  <pc:docChgLst>
+    <pc:chgData name="Yang Xu" userId="2ef8d03b0d59ea36" providerId="LiveId" clId="{D2D96C62-4FEB-4FF7-84C0-D5D8DF2F1F93}"/>
+    <pc:docChg chg="modSld">
+      <pc:chgData name="Yang Xu" userId="2ef8d03b0d59ea36" providerId="LiveId" clId="{D2D96C62-4FEB-4FF7-84C0-D5D8DF2F1F93}" dt="2019-12-17T12:02:25.493" v="12" actId="20577"/>
+      <pc:docMkLst>
+        <pc:docMk/>
+      </pc:docMkLst>
+      <pc:sldChg chg="modSp">
+        <pc:chgData name="Yang Xu" userId="2ef8d03b0d59ea36" providerId="LiveId" clId="{D2D96C62-4FEB-4FF7-84C0-D5D8DF2F1F93}" dt="2019-12-17T12:02:25.493" v="12" actId="20577"/>
+        <pc:sldMkLst>
+          <pc:docMk/>
+          <pc:sldMk cId="1232935249" sldId="257"/>
+        </pc:sldMkLst>
+        <pc:spChg chg="mod">
+          <ac:chgData name="Yang Xu" userId="2ef8d03b0d59ea36" providerId="LiveId" clId="{D2D96C62-4FEB-4FF7-84C0-D5D8DF2F1F93}" dt="2019-12-17T12:02:25.493" v="12" actId="20577"/>
+          <ac:spMkLst>
+            <pc:docMk/>
+            <pc:sldMk cId="1232935249" sldId="257"/>
+            <ac:spMk id="2" creationId="{B4520B70-2A11-4C52-8CC0-6F63A2EF322F}"/>
+          </ac:spMkLst>
+        </pc:spChg>
+      </pc:sldChg>
+    </pc:docChg>
+  </pc:docChgLst>
+  <pc:docChgLst>
+    <pc:chgData name="Yang Xu" userId="2ef8d03b0d59ea36" providerId="LiveId" clId="{C1B02F8C-9A33-4ACF-BB1E-68498D9920FD}"/>
+    <pc:docChg chg="undo custSel addSld delSld modSld">
+      <pc:chgData name="Yang Xu" userId="2ef8d03b0d59ea36" providerId="LiveId" clId="{C1B02F8C-9A33-4ACF-BB1E-68498D9920FD}" dt="2019-12-06T12:19:21.026" v="149" actId="20577"/>
+      <pc:docMkLst>
+        <pc:docMk/>
+      </pc:docMkLst>
+      <pc:sldChg chg="modSp">
+        <pc:chgData name="Yang Xu" userId="2ef8d03b0d59ea36" providerId="LiveId" clId="{C1B02F8C-9A33-4ACF-BB1E-68498D9920FD}" dt="2019-12-06T11:42:45.177" v="32" actId="20577"/>
+        <pc:sldMkLst>
+          <pc:docMk/>
+          <pc:sldMk cId="1232935249" sldId="257"/>
+        </pc:sldMkLst>
+        <pc:spChg chg="mod">
+          <ac:chgData name="Yang Xu" userId="2ef8d03b0d59ea36" providerId="LiveId" clId="{C1B02F8C-9A33-4ACF-BB1E-68498D9920FD}" dt="2019-12-06T11:42:45.177" v="32" actId="20577"/>
+          <ac:spMkLst>
+            <pc:docMk/>
+            <pc:sldMk cId="1232935249" sldId="257"/>
+            <ac:spMk id="2" creationId="{B4520B70-2A11-4C52-8CC0-6F63A2EF322F}"/>
+          </ac:spMkLst>
+        </pc:spChg>
+      </pc:sldChg>
+    </pc:docChg>
+  </pc:docChgLst>
+  <pc:docChgLst>
+    <pc:chgData name="Yang Xu" userId="2ef8d03b0d59ea36" providerId="LiveId" clId="{29167FFA-0DF0-4792-8242-F7E886900458}"/>
+    <pc:docChg chg="delSld modSld">
+      <pc:chgData name="Yang Xu" userId="2ef8d03b0d59ea36" providerId="LiveId" clId="{29167FFA-0DF0-4792-8242-F7E886900458}" dt="2020-02-04T14:00:18.862" v="1" actId="47"/>
+      <pc:docMkLst>
+        <pc:docMk/>
+      </pc:docMkLst>
+      <pc:sldChg chg="modSp">
+        <pc:chgData name="Yang Xu" userId="2ef8d03b0d59ea36" providerId="LiveId" clId="{29167FFA-0DF0-4792-8242-F7E886900458}" dt="2020-02-04T14:00:15.733" v="0" actId="20577"/>
+        <pc:sldMkLst>
+          <pc:docMk/>
+          <pc:sldMk cId="1232935249" sldId="257"/>
+        </pc:sldMkLst>
+        <pc:spChg chg="mod">
+          <ac:chgData name="Yang Xu" userId="2ef8d03b0d59ea36" providerId="LiveId" clId="{29167FFA-0DF0-4792-8242-F7E886900458}" dt="2020-02-04T14:00:15.733" v="0" actId="20577"/>
+          <ac:spMkLst>
+            <pc:docMk/>
+            <pc:sldMk cId="1232935249" sldId="257"/>
+            <ac:spMk id="2" creationId="{B4520B70-2A11-4C52-8CC0-6F63A2EF322F}"/>
+          </ac:spMkLst>
+        </pc:spChg>
+      </pc:sldChg>
+      <pc:sldChg chg="del">
+        <pc:chgData name="Yang Xu" userId="2ef8d03b0d59ea36" providerId="LiveId" clId="{29167FFA-0DF0-4792-8242-F7E886900458}" dt="2020-02-04T14:00:18.862" v="1" actId="47"/>
+        <pc:sldMkLst>
+          <pc:docMk/>
+          <pc:sldMk cId="116335913" sldId="268"/>
+        </pc:sldMkLst>
+      </pc:sldChg>
+      <pc:sldChg chg="del">
+        <pc:chgData name="Yang Xu" userId="2ef8d03b0d59ea36" providerId="LiveId" clId="{29167FFA-0DF0-4792-8242-F7E886900458}" dt="2020-02-04T14:00:18.862" v="1" actId="47"/>
+        <pc:sldMkLst>
+          <pc:docMk/>
+          <pc:sldMk cId="4035383097" sldId="269"/>
+        </pc:sldMkLst>
+      </pc:sldChg>
+      <pc:sldChg chg="del">
+        <pc:chgData name="Yang Xu" userId="2ef8d03b0d59ea36" providerId="LiveId" clId="{29167FFA-0DF0-4792-8242-F7E886900458}" dt="2020-02-04T14:00:18.862" v="1" actId="47"/>
+        <pc:sldMkLst>
+          <pc:docMk/>
+          <pc:sldMk cId="2243483688" sldId="270"/>
+        </pc:sldMkLst>
+      </pc:sldChg>
+      <pc:sldChg chg="del">
+        <pc:chgData name="Yang Xu" userId="2ef8d03b0d59ea36" providerId="LiveId" clId="{29167FFA-0DF0-4792-8242-F7E886900458}" dt="2020-02-04T14:00:18.862" v="1" actId="47"/>
+        <pc:sldMkLst>
+          <pc:docMk/>
+          <pc:sldMk cId="1815455375" sldId="271"/>
+        </pc:sldMkLst>
+      </pc:sldChg>
+    </pc:docChg>
+  </pc:docChgLst>
+  <pc:docChgLst>
+    <pc:chgData name="Yang Xu" userId="2ef8d03b0d59ea36" providerId="LiveId" clId="{68B937E7-3C36-443C-B94D-12869CF3025E}"/>
+    <pc:docChg chg="delSld modSld">
+      <pc:chgData name="Yang Xu" userId="2ef8d03b0d59ea36" providerId="LiveId" clId="{68B937E7-3C36-443C-B94D-12869CF3025E}" dt="2020-01-18T13:16:16.412" v="24" actId="47"/>
+      <pc:docMkLst>
+        <pc:docMk/>
+      </pc:docMkLst>
+      <pc:sldChg chg="modSp">
+        <pc:chgData name="Yang Xu" userId="2ef8d03b0d59ea36" providerId="LiveId" clId="{68B937E7-3C36-443C-B94D-12869CF3025E}" dt="2020-01-18T13:16:11.002" v="23" actId="20577"/>
+        <pc:sldMkLst>
+          <pc:docMk/>
+          <pc:sldMk cId="1232935249" sldId="257"/>
+        </pc:sldMkLst>
+        <pc:spChg chg="mod">
+          <ac:chgData name="Yang Xu" userId="2ef8d03b0d59ea36" providerId="LiveId" clId="{68B937E7-3C36-443C-B94D-12869CF3025E}" dt="2020-01-18T13:16:11.002" v="23" actId="20577"/>
+          <ac:spMkLst>
+            <pc:docMk/>
+            <pc:sldMk cId="1232935249" sldId="257"/>
+            <ac:spMk id="2" creationId="{B4520B70-2A11-4C52-8CC0-6F63A2EF322F}"/>
+          </ac:spMkLst>
+        </pc:spChg>
+      </pc:sldChg>
+      <pc:sldChg chg="del">
+        <pc:chgData name="Yang Xu" userId="2ef8d03b0d59ea36" providerId="LiveId" clId="{68B937E7-3C36-443C-B94D-12869CF3025E}" dt="2020-01-18T13:16:16.412" v="24" actId="47"/>
+        <pc:sldMkLst>
+          <pc:docMk/>
+          <pc:sldMk cId="3406222671" sldId="268"/>
+        </pc:sldMkLst>
+      </pc:sldChg>
+      <pc:sldChg chg="del">
+        <pc:chgData name="Yang Xu" userId="2ef8d03b0d59ea36" providerId="LiveId" clId="{68B937E7-3C36-443C-B94D-12869CF3025E}" dt="2020-01-18T13:16:16.412" v="24" actId="47"/>
+        <pc:sldMkLst>
+          <pc:docMk/>
+          <pc:sldMk cId="3530911700" sldId="269"/>
+        </pc:sldMkLst>
+      </pc:sldChg>
+      <pc:sldChg chg="del">
+        <pc:chgData name="Yang Xu" userId="2ef8d03b0d59ea36" providerId="LiveId" clId="{68B937E7-3C36-443C-B94D-12869CF3025E}" dt="2020-01-18T13:16:16.412" v="24" actId="47"/>
+        <pc:sldMkLst>
+          <pc:docMk/>
+          <pc:sldMk cId="1780689539" sldId="270"/>
+        </pc:sldMkLst>
+      </pc:sldChg>
+      <pc:sldChg chg="del">
+        <pc:chgData name="Yang Xu" userId="2ef8d03b0d59ea36" providerId="LiveId" clId="{68B937E7-3C36-443C-B94D-12869CF3025E}" dt="2020-01-18T13:16:16.412" v="24" actId="47"/>
+        <pc:sldMkLst>
+          <pc:docMk/>
+          <pc:sldMk cId="1764946395" sldId="271"/>
+        </pc:sldMkLst>
+      </pc:sldChg>
+    </pc:docChg>
+  </pc:docChgLst>
+  <pc:docChgLst>
+    <pc:chgData name="Yang Xu" userId="2ef8d03b0d59ea36" providerId="LiveId" clId="{26E08ECD-192B-45E7-81CA-45EB3B3E2F78}"/>
+    <pc:docChg chg="modSld">
+      <pc:chgData name="Yang Xu" userId="2ef8d03b0d59ea36" providerId="LiveId" clId="{26E08ECD-192B-45E7-81CA-45EB3B3E2F78}" dt="2019-12-17T11:39:41.177" v="17"/>
+      <pc:docMkLst>
+        <pc:docMk/>
+      </pc:docMkLst>
+      <pc:sldChg chg="modSp">
+        <pc:chgData name="Yang Xu" userId="2ef8d03b0d59ea36" providerId="LiveId" clId="{26E08ECD-192B-45E7-81CA-45EB3B3E2F78}" dt="2019-12-17T11:39:41.177" v="17"/>
+        <pc:sldMkLst>
+          <pc:docMk/>
+          <pc:sldMk cId="1232935249" sldId="257"/>
+        </pc:sldMkLst>
+        <pc:spChg chg="mod">
+          <ac:chgData name="Yang Xu" userId="2ef8d03b0d59ea36" providerId="LiveId" clId="{26E08ECD-192B-45E7-81CA-45EB3B3E2F78}" dt="2019-12-17T11:39:39.056" v="16" actId="20577"/>
+          <ac:spMkLst>
+            <pc:docMk/>
+            <pc:sldMk cId="1232935249" sldId="257"/>
+            <ac:spMk id="2" creationId="{B4520B70-2A11-4C52-8CC0-6F63A2EF322F}"/>
+          </ac:spMkLst>
+        </pc:spChg>
+        <pc:spChg chg="mod">
+          <ac:chgData name="Yang Xu" userId="2ef8d03b0d59ea36" providerId="LiveId" clId="{26E08ECD-192B-45E7-81CA-45EB3B3E2F78}" dt="2019-12-17T11:39:41.177" v="17"/>
+          <ac:spMkLst>
+            <pc:docMk/>
+            <pc:sldMk cId="1232935249" sldId="257"/>
+            <ac:spMk id="3" creationId="{C3BAE5F0-36E7-4AA5-9FD3-F3CB959A2B69}"/>
+          </ac:spMkLst>
+        </pc:spChg>
+      </pc:sldChg>
+    </pc:docChg>
+  </pc:docChgLst>
+  <pc:docChgLst>
+    <pc:chgData name="Yang Xu" userId="2ef8d03b0d59ea36" providerId="LiveId" clId="{EE46B6E2-E867-4C96-9EAC-05E8560437D6}"/>
+    <pc:docChg chg="addSld modSld">
+      <pc:chgData name="Yang Xu" userId="2ef8d03b0d59ea36" providerId="LiveId" clId="{EE46B6E2-E867-4C96-9EAC-05E8560437D6}" dt="2020-01-16T12:19:22.061" v="450" actId="20577"/>
+      <pc:docMkLst>
+        <pc:docMk/>
+      </pc:docMkLst>
+      <pc:sldChg chg="modSp">
+        <pc:chgData name="Yang Xu" userId="2ef8d03b0d59ea36" providerId="LiveId" clId="{EE46B6E2-E867-4C96-9EAC-05E8560437D6}" dt="2020-01-16T11:37:59.698" v="34" actId="20577"/>
+        <pc:sldMkLst>
+          <pc:docMk/>
+          <pc:sldMk cId="1232935249" sldId="257"/>
+        </pc:sldMkLst>
+        <pc:spChg chg="mod">
+          <ac:chgData name="Yang Xu" userId="2ef8d03b0d59ea36" providerId="LiveId" clId="{EE46B6E2-E867-4C96-9EAC-05E8560437D6}" dt="2020-01-16T11:37:59.698" v="34" actId="20577"/>
+          <ac:spMkLst>
+            <pc:docMk/>
+            <pc:sldMk cId="1232935249" sldId="257"/>
+            <ac:spMk id="2" creationId="{B4520B70-2A11-4C52-8CC0-6F63A2EF322F}"/>
+          </ac:spMkLst>
+        </pc:spChg>
+      </pc:sldChg>
+      <pc:sldChg chg="modSp add">
+        <pc:chgData name="Yang Xu" userId="2ef8d03b0d59ea36" providerId="LiveId" clId="{EE46B6E2-E867-4C96-9EAC-05E8560437D6}" dt="2020-01-16T11:57:08.565" v="251" actId="20577"/>
+        <pc:sldMkLst>
+          <pc:docMk/>
+          <pc:sldMk cId="1308118045" sldId="268"/>
+        </pc:sldMkLst>
+        <pc:spChg chg="mod">
+          <ac:chgData name="Yang Xu" userId="2ef8d03b0d59ea36" providerId="LiveId" clId="{EE46B6E2-E867-4C96-9EAC-05E8560437D6}" dt="2020-01-16T11:49:36.746" v="64" actId="20577"/>
+          <ac:spMkLst>
+            <pc:docMk/>
+            <pc:sldMk cId="1308118045" sldId="268"/>
+            <ac:spMk id="2" creationId="{0360DF8E-C4D2-45C1-8EFC-22307D4F7041}"/>
+          </ac:spMkLst>
+        </pc:spChg>
+        <pc:spChg chg="mod">
+          <ac:chgData name="Yang Xu" userId="2ef8d03b0d59ea36" providerId="LiveId" clId="{EE46B6E2-E867-4C96-9EAC-05E8560437D6}" dt="2020-01-16T11:57:08.565" v="251" actId="20577"/>
+          <ac:spMkLst>
+            <pc:docMk/>
+            <pc:sldMk cId="1308118045" sldId="268"/>
+            <ac:spMk id="3" creationId="{BBB54FF3-335F-41ED-A5DF-6FA109CF3C9C}"/>
+          </ac:spMkLst>
+        </pc:spChg>
+      </pc:sldChg>
+      <pc:sldChg chg="modSp add">
+        <pc:chgData name="Yang Xu" userId="2ef8d03b0d59ea36" providerId="LiveId" clId="{EE46B6E2-E867-4C96-9EAC-05E8560437D6}" dt="2020-01-16T12:19:22.061" v="450" actId="20577"/>
+        <pc:sldMkLst>
+          <pc:docMk/>
+          <pc:sldMk cId="3479922148" sldId="269"/>
+        </pc:sldMkLst>
+        <pc:spChg chg="mod">
+          <ac:chgData name="Yang Xu" userId="2ef8d03b0d59ea36" providerId="LiveId" clId="{EE46B6E2-E867-4C96-9EAC-05E8560437D6}" dt="2020-01-16T12:18:38.674" v="276" actId="20577"/>
+          <ac:spMkLst>
+            <pc:docMk/>
+            <pc:sldMk cId="3479922148" sldId="269"/>
+            <ac:spMk id="2" creationId="{276F4C61-27A8-41F4-A238-E03A2562F370}"/>
+          </ac:spMkLst>
+        </pc:spChg>
+        <pc:spChg chg="mod">
+          <ac:chgData name="Yang Xu" userId="2ef8d03b0d59ea36" providerId="LiveId" clId="{EE46B6E2-E867-4C96-9EAC-05E8560437D6}" dt="2020-01-16T12:19:22.061" v="450" actId="20577"/>
+          <ac:spMkLst>
+            <pc:docMk/>
+            <pc:sldMk cId="3479922148" sldId="269"/>
+            <ac:spMk id="3" creationId="{189FE985-47F2-4E02-A179-705BBA2F4DA9}"/>
           </ac:spMkLst>
         </pc:spChg>
       </pc:sldChg>
@@ -4687,6 +3215,1475 @@
             <pc:docMk/>
             <pc:sldMk cId="4214042525" sldId="272"/>
             <ac:spMk id="3" creationId="{76884085-B28C-4913-87E1-DFE3EF26E132}"/>
+          </ac:spMkLst>
+        </pc:spChg>
+      </pc:sldChg>
+    </pc:docChg>
+  </pc:docChgLst>
+  <pc:docChgLst>
+    <pc:chgData name="Yang Xu" userId="2ef8d03b0d59ea36" providerId="LiveId" clId="{8C86F01E-60D8-4E60-98C2-073A1AFEBD5E}"/>
+    <pc:docChg chg="delSld modSld">
+      <pc:chgData name="Yang Xu" userId="2ef8d03b0d59ea36" providerId="LiveId" clId="{8C86F01E-60D8-4E60-98C2-073A1AFEBD5E}" dt="2019-12-16T13:08:40.549" v="12" actId="2696"/>
+      <pc:docMkLst>
+        <pc:docMk/>
+      </pc:docMkLst>
+      <pc:sldChg chg="modSp">
+        <pc:chgData name="Yang Xu" userId="2ef8d03b0d59ea36" providerId="LiveId" clId="{8C86F01E-60D8-4E60-98C2-073A1AFEBD5E}" dt="2019-12-16T13:08:37.117" v="8" actId="20577"/>
+        <pc:sldMkLst>
+          <pc:docMk/>
+          <pc:sldMk cId="1232935249" sldId="257"/>
+        </pc:sldMkLst>
+        <pc:spChg chg="mod">
+          <ac:chgData name="Yang Xu" userId="2ef8d03b0d59ea36" providerId="LiveId" clId="{8C86F01E-60D8-4E60-98C2-073A1AFEBD5E}" dt="2019-12-16T13:08:33.443" v="1" actId="20577"/>
+          <ac:spMkLst>
+            <pc:docMk/>
+            <pc:sldMk cId="1232935249" sldId="257"/>
+            <ac:spMk id="2" creationId="{B4520B70-2A11-4C52-8CC0-6F63A2EF322F}"/>
+          </ac:spMkLst>
+        </pc:spChg>
+        <pc:spChg chg="mod">
+          <ac:chgData name="Yang Xu" userId="2ef8d03b0d59ea36" providerId="LiveId" clId="{8C86F01E-60D8-4E60-98C2-073A1AFEBD5E}" dt="2019-12-16T13:08:37.117" v="8" actId="20577"/>
+          <ac:spMkLst>
+            <pc:docMk/>
+            <pc:sldMk cId="1232935249" sldId="257"/>
+            <ac:spMk id="3" creationId="{C3BAE5F0-36E7-4AA5-9FD3-F3CB959A2B69}"/>
+          </ac:spMkLst>
+        </pc:spChg>
+      </pc:sldChg>
+    </pc:docChg>
+  </pc:docChgLst>
+  <pc:docChgLst>
+    <pc:chgData name="Yang Xu" userId="2ef8d03b0d59ea36" providerId="LiveId" clId="{F58B8604-07D0-49D2-B9E7-F6F3E68019F1}"/>
+    <pc:docChg chg="delSld modSld">
+      <pc:chgData name="Yang Xu" userId="2ef8d03b0d59ea36" providerId="LiveId" clId="{F58B8604-07D0-49D2-B9E7-F6F3E68019F1}" dt="2020-01-16T11:01:55.578" v="33" actId="6549"/>
+      <pc:docMkLst>
+        <pc:docMk/>
+      </pc:docMkLst>
+      <pc:sldChg chg="modSp">
+        <pc:chgData name="Yang Xu" userId="2ef8d03b0d59ea36" providerId="LiveId" clId="{F58B8604-07D0-49D2-B9E7-F6F3E68019F1}" dt="2020-01-16T11:01:55.578" v="33" actId="6549"/>
+        <pc:sldMkLst>
+          <pc:docMk/>
+          <pc:sldMk cId="1232935249" sldId="257"/>
+        </pc:sldMkLst>
+        <pc:spChg chg="mod">
+          <ac:chgData name="Yang Xu" userId="2ef8d03b0d59ea36" providerId="LiveId" clId="{F58B8604-07D0-49D2-B9E7-F6F3E68019F1}" dt="2020-01-16T11:01:41.082" v="31" actId="20577"/>
+          <ac:spMkLst>
+            <pc:docMk/>
+            <pc:sldMk cId="1232935249" sldId="257"/>
+            <ac:spMk id="2" creationId="{B4520B70-2A11-4C52-8CC0-6F63A2EF322F}"/>
+          </ac:spMkLst>
+        </pc:spChg>
+        <pc:spChg chg="mod">
+          <ac:chgData name="Yang Xu" userId="2ef8d03b0d59ea36" providerId="LiveId" clId="{F58B8604-07D0-49D2-B9E7-F6F3E68019F1}" dt="2020-01-16T11:01:55.578" v="33" actId="6549"/>
+          <ac:spMkLst>
+            <pc:docMk/>
+            <pc:sldMk cId="1232935249" sldId="257"/>
+            <ac:spMk id="3" creationId="{C3BAE5F0-36E7-4AA5-9FD3-F3CB959A2B69}"/>
+          </ac:spMkLst>
+        </pc:spChg>
+      </pc:sldChg>
+      <pc:sldChg chg="del">
+        <pc:chgData name="Yang Xu" userId="2ef8d03b0d59ea36" providerId="LiveId" clId="{F58B8604-07D0-49D2-B9E7-F6F3E68019F1}" dt="2020-01-16T11:01:50.794" v="32" actId="47"/>
+        <pc:sldMkLst>
+          <pc:docMk/>
+          <pc:sldMk cId="3435951429" sldId="268"/>
+        </pc:sldMkLst>
+      </pc:sldChg>
+    </pc:docChg>
+  </pc:docChgLst>
+  <pc:docChgLst>
+    <pc:chgData name="Yang Xu" userId="2ef8d03b0d59ea36" providerId="LiveId" clId="{38F1FBB4-BB98-463C-B00F-D41B2A74CD91}"/>
+    <pc:docChg chg="undo custSel addSld delSld modSld">
+      <pc:chgData name="Yang Xu" userId="2ef8d03b0d59ea36" providerId="LiveId" clId="{38F1FBB4-BB98-463C-B00F-D41B2A74CD91}" dt="2020-01-18T12:39:40.347" v="384" actId="20577"/>
+      <pc:docMkLst>
+        <pc:docMk/>
+      </pc:docMkLst>
+      <pc:sldChg chg="modSp">
+        <pc:chgData name="Yang Xu" userId="2ef8d03b0d59ea36" providerId="LiveId" clId="{38F1FBB4-BB98-463C-B00F-D41B2A74CD91}" dt="2020-01-18T10:53:29.171" v="31" actId="20577"/>
+        <pc:sldMkLst>
+          <pc:docMk/>
+          <pc:sldMk cId="1232935249" sldId="257"/>
+        </pc:sldMkLst>
+        <pc:spChg chg="mod">
+          <ac:chgData name="Yang Xu" userId="2ef8d03b0d59ea36" providerId="LiveId" clId="{38F1FBB4-BB98-463C-B00F-D41B2A74CD91}" dt="2020-01-18T10:53:29.171" v="31" actId="20577"/>
+          <ac:spMkLst>
+            <pc:docMk/>
+            <pc:sldMk cId="1232935249" sldId="257"/>
+            <ac:spMk id="2" creationId="{B4520B70-2A11-4C52-8CC0-6F63A2EF322F}"/>
+          </ac:spMkLst>
+        </pc:spChg>
+      </pc:sldChg>
+      <pc:sldChg chg="modSp">
+        <pc:chgData name="Yang Xu" userId="2ef8d03b0d59ea36" providerId="LiveId" clId="{38F1FBB4-BB98-463C-B00F-D41B2A74CD91}" dt="2020-01-18T11:03:27.039" v="256" actId="20577"/>
+        <pc:sldMkLst>
+          <pc:docMk/>
+          <pc:sldMk cId="3406222671" sldId="268"/>
+        </pc:sldMkLst>
+        <pc:spChg chg="mod">
+          <ac:chgData name="Yang Xu" userId="2ef8d03b0d59ea36" providerId="LiveId" clId="{38F1FBB4-BB98-463C-B00F-D41B2A74CD91}" dt="2020-01-18T10:53:24.654" v="24" actId="20577"/>
+          <ac:spMkLst>
+            <pc:docMk/>
+            <pc:sldMk cId="3406222671" sldId="268"/>
+            <ac:spMk id="2" creationId="{21909FC3-32D1-48A3-A09C-0FA647D2AEC5}"/>
+          </ac:spMkLst>
+        </pc:spChg>
+        <pc:spChg chg="mod">
+          <ac:chgData name="Yang Xu" userId="2ef8d03b0d59ea36" providerId="LiveId" clId="{38F1FBB4-BB98-463C-B00F-D41B2A74CD91}" dt="2020-01-18T11:03:27.039" v="256" actId="20577"/>
+          <ac:spMkLst>
+            <pc:docMk/>
+            <pc:sldMk cId="3406222671" sldId="268"/>
+            <ac:spMk id="3" creationId="{2816C228-1E27-4F37-AD0B-BB54B4FF3AC5}"/>
+          </ac:spMkLst>
+        </pc:spChg>
+      </pc:sldChg>
+      <pc:sldChg chg="addSp delSp modSp add">
+        <pc:chgData name="Yang Xu" userId="2ef8d03b0d59ea36" providerId="LiveId" clId="{38F1FBB4-BB98-463C-B00F-D41B2A74CD91}" dt="2020-01-18T11:06:27.772" v="294" actId="1076"/>
+        <pc:sldMkLst>
+          <pc:docMk/>
+          <pc:sldMk cId="3530911700" sldId="269"/>
+        </pc:sldMkLst>
+        <pc:spChg chg="mod">
+          <ac:chgData name="Yang Xu" userId="2ef8d03b0d59ea36" providerId="LiveId" clId="{38F1FBB4-BB98-463C-B00F-D41B2A74CD91}" dt="2020-01-18T11:04:53.923" v="269" actId="20577"/>
+          <ac:spMkLst>
+            <pc:docMk/>
+            <pc:sldMk cId="3530911700" sldId="269"/>
+            <ac:spMk id="2" creationId="{F624B805-436A-4214-BD8C-E3BC9640D8FC}"/>
+          </ac:spMkLst>
+        </pc:spChg>
+        <pc:spChg chg="del">
+          <ac:chgData name="Yang Xu" userId="2ef8d03b0d59ea36" providerId="LiveId" clId="{38F1FBB4-BB98-463C-B00F-D41B2A74CD91}" dt="2020-01-18T11:04:55.502" v="270"/>
+          <ac:spMkLst>
+            <pc:docMk/>
+            <pc:sldMk cId="3530911700" sldId="269"/>
+            <ac:spMk id="3" creationId="{25FEE53A-C56F-4FCA-91CF-D2E3C56E2DED}"/>
+          </ac:spMkLst>
+        </pc:spChg>
+        <pc:picChg chg="add mod">
+          <ac:chgData name="Yang Xu" userId="2ef8d03b0d59ea36" providerId="LiveId" clId="{38F1FBB4-BB98-463C-B00F-D41B2A74CD91}" dt="2020-01-18T11:06:27.772" v="294" actId="1076"/>
+          <ac:picMkLst>
+            <pc:docMk/>
+            <pc:sldMk cId="3530911700" sldId="269"/>
+            <ac:picMk id="4" creationId="{E01F293C-8EE9-43D5-8751-090761D429BA}"/>
+          </ac:picMkLst>
+        </pc:picChg>
+        <pc:picChg chg="add mod">
+          <ac:chgData name="Yang Xu" userId="2ef8d03b0d59ea36" providerId="LiveId" clId="{38F1FBB4-BB98-463C-B00F-D41B2A74CD91}" dt="2020-01-18T11:06:26.426" v="293" actId="1076"/>
+          <ac:picMkLst>
+            <pc:docMk/>
+            <pc:sldMk cId="3530911700" sldId="269"/>
+            <ac:picMk id="5" creationId="{26C0152B-E622-4930-B632-E0E6FE09586A}"/>
+          </ac:picMkLst>
+        </pc:picChg>
+        <pc:picChg chg="add mod">
+          <ac:chgData name="Yang Xu" userId="2ef8d03b0d59ea36" providerId="LiveId" clId="{38F1FBB4-BB98-463C-B00F-D41B2A74CD91}" dt="2020-01-18T11:06:15.206" v="290" actId="1076"/>
+          <ac:picMkLst>
+            <pc:docMk/>
+            <pc:sldMk cId="3530911700" sldId="269"/>
+            <ac:picMk id="6" creationId="{F8E01092-5234-4A32-ABC5-E01DA82EBC0E}"/>
+          </ac:picMkLst>
+        </pc:picChg>
+      </pc:sldChg>
+      <pc:sldChg chg="del">
+        <pc:chgData name="Yang Xu" userId="2ef8d03b0d59ea36" providerId="LiveId" clId="{38F1FBB4-BB98-463C-B00F-D41B2A74CD91}" dt="2020-01-18T10:53:32.665" v="32" actId="47"/>
+        <pc:sldMkLst>
+          <pc:docMk/>
+          <pc:sldMk cId="3663397467" sldId="269"/>
+        </pc:sldMkLst>
+      </pc:sldChg>
+      <pc:sldChg chg="addSp delSp modSp add">
+        <pc:chgData name="Yang Xu" userId="2ef8d03b0d59ea36" providerId="LiveId" clId="{38F1FBB4-BB98-463C-B00F-D41B2A74CD91}" dt="2020-01-18T11:18:36.035" v="354" actId="1076"/>
+        <pc:sldMkLst>
+          <pc:docMk/>
+          <pc:sldMk cId="1780689539" sldId="270"/>
+        </pc:sldMkLst>
+        <pc:spChg chg="mod">
+          <ac:chgData name="Yang Xu" userId="2ef8d03b0d59ea36" providerId="LiveId" clId="{38F1FBB4-BB98-463C-B00F-D41B2A74CD91}" dt="2020-01-18T11:15:55.813" v="316" actId="20577"/>
+          <ac:spMkLst>
+            <pc:docMk/>
+            <pc:sldMk cId="1780689539" sldId="270"/>
+            <ac:spMk id="2" creationId="{121A9AAB-DAC2-4CC7-B0ED-E1B9EBA14BF1}"/>
+          </ac:spMkLst>
+        </pc:spChg>
+        <pc:spChg chg="del">
+          <ac:chgData name="Yang Xu" userId="2ef8d03b0d59ea36" providerId="LiveId" clId="{38F1FBB4-BB98-463C-B00F-D41B2A74CD91}" dt="2020-01-18T11:16:07.944" v="317"/>
+          <ac:spMkLst>
+            <pc:docMk/>
+            <pc:sldMk cId="1780689539" sldId="270"/>
+            <ac:spMk id="3" creationId="{6213B5D3-581C-47D2-BB40-67F563940882}"/>
+          </ac:spMkLst>
+        </pc:spChg>
+        <pc:spChg chg="add del mod">
+          <ac:chgData name="Yang Xu" userId="2ef8d03b0d59ea36" providerId="LiveId" clId="{38F1FBB4-BB98-463C-B00F-D41B2A74CD91}" dt="2020-01-18T11:16:50.412" v="327" actId="478"/>
+          <ac:spMkLst>
+            <pc:docMk/>
+            <pc:sldMk cId="1780689539" sldId="270"/>
+            <ac:spMk id="7" creationId="{79FD74DD-EE91-4AE5-B7AF-D0462C5909CA}"/>
+          </ac:spMkLst>
+        </pc:spChg>
+        <pc:picChg chg="add del mod">
+          <ac:chgData name="Yang Xu" userId="2ef8d03b0d59ea36" providerId="LiveId" clId="{38F1FBB4-BB98-463C-B00F-D41B2A74CD91}" dt="2020-01-18T11:16:22.234" v="321" actId="478"/>
+          <ac:picMkLst>
+            <pc:docMk/>
+            <pc:sldMk cId="1780689539" sldId="270"/>
+            <ac:picMk id="4" creationId="{B2999D46-D6D2-4CF9-86CC-DCB949672D88}"/>
+          </ac:picMkLst>
+        </pc:picChg>
+        <pc:picChg chg="add del mod">
+          <ac:chgData name="Yang Xu" userId="2ef8d03b0d59ea36" providerId="LiveId" clId="{38F1FBB4-BB98-463C-B00F-D41B2A74CD91}" dt="2020-01-18T11:16:51.366" v="328" actId="478"/>
+          <ac:picMkLst>
+            <pc:docMk/>
+            <pc:sldMk cId="1780689539" sldId="270"/>
+            <ac:picMk id="5" creationId="{1C0575F2-6ABE-48DB-86A3-92E0C1E34777}"/>
+          </ac:picMkLst>
+        </pc:picChg>
+        <pc:picChg chg="add del mod">
+          <ac:chgData name="Yang Xu" userId="2ef8d03b0d59ea36" providerId="LiveId" clId="{38F1FBB4-BB98-463C-B00F-D41B2A74CD91}" dt="2020-01-18T11:16:48.254" v="326" actId="478"/>
+          <ac:picMkLst>
+            <pc:docMk/>
+            <pc:sldMk cId="1780689539" sldId="270"/>
+            <ac:picMk id="8" creationId="{4FD22A9B-4CA6-4925-B776-140EEA99281F}"/>
+          </ac:picMkLst>
+        </pc:picChg>
+        <pc:picChg chg="add mod">
+          <ac:chgData name="Yang Xu" userId="2ef8d03b0d59ea36" providerId="LiveId" clId="{38F1FBB4-BB98-463C-B00F-D41B2A74CD91}" dt="2020-01-18T11:17:38.867" v="339" actId="1076"/>
+          <ac:picMkLst>
+            <pc:docMk/>
+            <pc:sldMk cId="1780689539" sldId="270"/>
+            <ac:picMk id="9" creationId="{90881243-39E0-4BC3-A399-269F6AF5E167}"/>
+          </ac:picMkLst>
+        </pc:picChg>
+        <pc:picChg chg="add mod">
+          <ac:chgData name="Yang Xu" userId="2ef8d03b0d59ea36" providerId="LiveId" clId="{38F1FBB4-BB98-463C-B00F-D41B2A74CD91}" dt="2020-01-18T11:18:30.758" v="351" actId="1076"/>
+          <ac:picMkLst>
+            <pc:docMk/>
+            <pc:sldMk cId="1780689539" sldId="270"/>
+            <ac:picMk id="10" creationId="{E4510098-1CEA-4E28-9E05-1C64A8D99D93}"/>
+          </ac:picMkLst>
+        </pc:picChg>
+        <pc:picChg chg="add mod">
+          <ac:chgData name="Yang Xu" userId="2ef8d03b0d59ea36" providerId="LiveId" clId="{38F1FBB4-BB98-463C-B00F-D41B2A74CD91}" dt="2020-01-18T11:18:30.758" v="351" actId="1076"/>
+          <ac:picMkLst>
+            <pc:docMk/>
+            <pc:sldMk cId="1780689539" sldId="270"/>
+            <ac:picMk id="11" creationId="{221369E8-51E4-4AFE-A291-55F888011AA1}"/>
+          </ac:picMkLst>
+        </pc:picChg>
+        <pc:picChg chg="add mod">
+          <ac:chgData name="Yang Xu" userId="2ef8d03b0d59ea36" providerId="LiveId" clId="{38F1FBB4-BB98-463C-B00F-D41B2A74CD91}" dt="2020-01-18T11:17:40.255" v="340" actId="1076"/>
+          <ac:picMkLst>
+            <pc:docMk/>
+            <pc:sldMk cId="1780689539" sldId="270"/>
+            <ac:picMk id="12" creationId="{6AA5B3F7-7136-448F-A60B-49DC0B6A2E34}"/>
+          </ac:picMkLst>
+        </pc:picChg>
+        <pc:picChg chg="add mod">
+          <ac:chgData name="Yang Xu" userId="2ef8d03b0d59ea36" providerId="LiveId" clId="{38F1FBB4-BB98-463C-B00F-D41B2A74CD91}" dt="2020-01-18T11:18:31.956" v="352" actId="1076"/>
+          <ac:picMkLst>
+            <pc:docMk/>
+            <pc:sldMk cId="1780689539" sldId="270"/>
+            <ac:picMk id="13" creationId="{9661D90E-E002-49D9-B0C8-539DBDDC7D2B}"/>
+          </ac:picMkLst>
+        </pc:picChg>
+        <pc:picChg chg="add mod">
+          <ac:chgData name="Yang Xu" userId="2ef8d03b0d59ea36" providerId="LiveId" clId="{38F1FBB4-BB98-463C-B00F-D41B2A74CD91}" dt="2020-01-18T11:18:36.035" v="354" actId="1076"/>
+          <ac:picMkLst>
+            <pc:docMk/>
+            <pc:sldMk cId="1780689539" sldId="270"/>
+            <ac:picMk id="14" creationId="{4172040D-9D0D-4EDA-B87B-E9EF0953C585}"/>
+          </ac:picMkLst>
+        </pc:picChg>
+        <pc:picChg chg="add mod">
+          <ac:chgData name="Yang Xu" userId="2ef8d03b0d59ea36" providerId="LiveId" clId="{38F1FBB4-BB98-463C-B00F-D41B2A74CD91}" dt="2020-01-18T11:18:34.098" v="353" actId="1076"/>
+          <ac:picMkLst>
+            <pc:docMk/>
+            <pc:sldMk cId="1780689539" sldId="270"/>
+            <ac:picMk id="15" creationId="{B9D170DC-64B6-4BFC-8E76-000F7BBA6FE6}"/>
+          </ac:picMkLst>
+        </pc:picChg>
+      </pc:sldChg>
+      <pc:sldChg chg="del">
+        <pc:chgData name="Yang Xu" userId="2ef8d03b0d59ea36" providerId="LiveId" clId="{38F1FBB4-BB98-463C-B00F-D41B2A74CD91}" dt="2020-01-18T10:53:32.665" v="32" actId="47"/>
+        <pc:sldMkLst>
+          <pc:docMk/>
+          <pc:sldMk cId="4253050286" sldId="270"/>
+        </pc:sldMkLst>
+      </pc:sldChg>
+      <pc:sldChg chg="modSp add">
+        <pc:chgData name="Yang Xu" userId="2ef8d03b0d59ea36" providerId="LiveId" clId="{38F1FBB4-BB98-463C-B00F-D41B2A74CD91}" dt="2020-01-18T12:39:40.347" v="384" actId="20577"/>
+        <pc:sldMkLst>
+          <pc:docMk/>
+          <pc:sldMk cId="1764946395" sldId="271"/>
+        </pc:sldMkLst>
+        <pc:spChg chg="mod">
+          <ac:chgData name="Yang Xu" userId="2ef8d03b0d59ea36" providerId="LiveId" clId="{38F1FBB4-BB98-463C-B00F-D41B2A74CD91}" dt="2020-01-18T12:39:40.347" v="384" actId="20577"/>
+          <ac:spMkLst>
+            <pc:docMk/>
+            <pc:sldMk cId="1764946395" sldId="271"/>
+            <ac:spMk id="2" creationId="{DDCC8217-FE8A-411A-AD0D-E586769E519E}"/>
+          </ac:spMkLst>
+        </pc:spChg>
+      </pc:sldChg>
+    </pc:docChg>
+  </pc:docChgLst>
+  <pc:docChgLst>
+    <pc:chgData name="Yang Xu" userId="2ef8d03b0d59ea36" providerId="LiveId" clId="{8BF9E0CB-7D6F-4404-B92D-C9C26C03E612}"/>
+    <pc:docChg chg="undo custSel mod addSld delSld modSld">
+      <pc:chgData name="Yang Xu" userId="2ef8d03b0d59ea36" providerId="LiveId" clId="{8BF9E0CB-7D6F-4404-B92D-C9C26C03E612}" dt="2019-12-09T11:36:44.620" v="226"/>
+      <pc:docMkLst>
+        <pc:docMk/>
+      </pc:docMkLst>
+      <pc:sldChg chg="modSp">
+        <pc:chgData name="Yang Xu" userId="2ef8d03b0d59ea36" providerId="LiveId" clId="{8BF9E0CB-7D6F-4404-B92D-C9C26C03E612}" dt="2019-12-09T11:28:46.343" v="12" actId="20577"/>
+        <pc:sldMkLst>
+          <pc:docMk/>
+          <pc:sldMk cId="1232935249" sldId="257"/>
+        </pc:sldMkLst>
+        <pc:spChg chg="mod">
+          <ac:chgData name="Yang Xu" userId="2ef8d03b0d59ea36" providerId="LiveId" clId="{8BF9E0CB-7D6F-4404-B92D-C9C26C03E612}" dt="2019-12-09T11:28:46.343" v="12" actId="20577"/>
+          <ac:spMkLst>
+            <pc:docMk/>
+            <pc:sldMk cId="1232935249" sldId="257"/>
+            <ac:spMk id="2" creationId="{B4520B70-2A11-4C52-8CC0-6F63A2EF322F}"/>
+          </ac:spMkLst>
+        </pc:spChg>
+      </pc:sldChg>
+    </pc:docChg>
+  </pc:docChgLst>
+  <pc:docChgLst>
+    <pc:chgData name="Yang Xu" userId="2ef8d03b0d59ea36" providerId="LiveId" clId="{BA46AAE0-4684-4C00-B2C3-B0D15247BA49}"/>
+    <pc:docChg chg="undo custSel mod addSld modSld">
+      <pc:chgData name="Yang Xu" userId="2ef8d03b0d59ea36" providerId="LiveId" clId="{BA46AAE0-4684-4C00-B2C3-B0D15247BA49}" dt="2020-01-01T10:27:50.441" v="200" actId="26606"/>
+      <pc:docMkLst>
+        <pc:docMk/>
+      </pc:docMkLst>
+      <pc:sldChg chg="modSp">
+        <pc:chgData name="Yang Xu" userId="2ef8d03b0d59ea36" providerId="LiveId" clId="{BA46AAE0-4684-4C00-B2C3-B0D15247BA49}" dt="2020-01-01T10:21:19.917" v="22" actId="20577"/>
+        <pc:sldMkLst>
+          <pc:docMk/>
+          <pc:sldMk cId="1232935249" sldId="257"/>
+        </pc:sldMkLst>
+        <pc:spChg chg="mod">
+          <ac:chgData name="Yang Xu" userId="2ef8d03b0d59ea36" providerId="LiveId" clId="{BA46AAE0-4684-4C00-B2C3-B0D15247BA49}" dt="2020-01-01T10:21:14.985" v="16" actId="20577"/>
+          <ac:spMkLst>
+            <pc:docMk/>
+            <pc:sldMk cId="1232935249" sldId="257"/>
+            <ac:spMk id="2" creationId="{B4520B70-2A11-4C52-8CC0-6F63A2EF322F}"/>
+          </ac:spMkLst>
+        </pc:spChg>
+        <pc:spChg chg="mod">
+          <ac:chgData name="Yang Xu" userId="2ef8d03b0d59ea36" providerId="LiveId" clId="{BA46AAE0-4684-4C00-B2C3-B0D15247BA49}" dt="2020-01-01T10:21:19.917" v="22" actId="20577"/>
+          <ac:spMkLst>
+            <pc:docMk/>
+            <pc:sldMk cId="1232935249" sldId="257"/>
+            <ac:spMk id="3" creationId="{C3BAE5F0-36E7-4AA5-9FD3-F3CB959A2B69}"/>
+          </ac:spMkLst>
+        </pc:spChg>
+      </pc:sldChg>
+      <pc:sldChg chg="modSp">
+        <pc:chgData name="Yang Xu" userId="2ef8d03b0d59ea36" providerId="LiveId" clId="{BA46AAE0-4684-4C00-B2C3-B0D15247BA49}" dt="2020-01-01T10:21:56.557" v="57"/>
+        <pc:sldMkLst>
+          <pc:docMk/>
+          <pc:sldMk cId="391821178" sldId="268"/>
+        </pc:sldMkLst>
+        <pc:spChg chg="mod">
+          <ac:chgData name="Yang Xu" userId="2ef8d03b0d59ea36" providerId="LiveId" clId="{BA46AAE0-4684-4C00-B2C3-B0D15247BA49}" dt="2020-01-01T10:21:36.083" v="56" actId="20577"/>
+          <ac:spMkLst>
+            <pc:docMk/>
+            <pc:sldMk cId="391821178" sldId="268"/>
+            <ac:spMk id="2" creationId="{E5BE5CAD-F0DC-4BDC-9B45-3D49E5E1B7BF}"/>
+          </ac:spMkLst>
+        </pc:spChg>
+        <pc:spChg chg="mod">
+          <ac:chgData name="Yang Xu" userId="2ef8d03b0d59ea36" providerId="LiveId" clId="{BA46AAE0-4684-4C00-B2C3-B0D15247BA49}" dt="2020-01-01T10:21:56.557" v="57"/>
+          <ac:spMkLst>
+            <pc:docMk/>
+            <pc:sldMk cId="391821178" sldId="268"/>
+            <ac:spMk id="3" creationId="{62C453E6-CCA4-46F5-9989-852FB84CFB5E}"/>
+          </ac:spMkLst>
+        </pc:spChg>
+      </pc:sldChg>
+      <pc:sldChg chg="addSp delSp modSp add mod setBg">
+        <pc:chgData name="Yang Xu" userId="2ef8d03b0d59ea36" providerId="LiveId" clId="{BA46AAE0-4684-4C00-B2C3-B0D15247BA49}" dt="2020-01-01T10:26:36.682" v="175" actId="26606"/>
+        <pc:sldMkLst>
+          <pc:docMk/>
+          <pc:sldMk cId="597123515" sldId="269"/>
+        </pc:sldMkLst>
+        <pc:spChg chg="mod">
+          <ac:chgData name="Yang Xu" userId="2ef8d03b0d59ea36" providerId="LiveId" clId="{BA46AAE0-4684-4C00-B2C3-B0D15247BA49}" dt="2020-01-01T10:26:36.682" v="175" actId="26606"/>
+          <ac:spMkLst>
+            <pc:docMk/>
+            <pc:sldMk cId="597123515" sldId="269"/>
+            <ac:spMk id="2" creationId="{F58EC2A7-E764-4D33-90A0-9AA43D1F42D6}"/>
+          </ac:spMkLst>
+        </pc:spChg>
+        <pc:spChg chg="add del mod">
+          <ac:chgData name="Yang Xu" userId="2ef8d03b0d59ea36" providerId="LiveId" clId="{BA46AAE0-4684-4C00-B2C3-B0D15247BA49}" dt="2020-01-01T10:26:36.682" v="175" actId="26606"/>
+          <ac:spMkLst>
+            <pc:docMk/>
+            <pc:sldMk cId="597123515" sldId="269"/>
+            <ac:spMk id="3" creationId="{0B654F30-E9CB-436B-BC85-304EE87DB500}"/>
+          </ac:spMkLst>
+        </pc:spChg>
+        <pc:spChg chg="add del">
+          <ac:chgData name="Yang Xu" userId="2ef8d03b0d59ea36" providerId="LiveId" clId="{BA46AAE0-4684-4C00-B2C3-B0D15247BA49}" dt="2020-01-01T10:26:33.501" v="172" actId="26606"/>
+          <ac:spMkLst>
+            <pc:docMk/>
+            <pc:sldMk cId="597123515" sldId="269"/>
+            <ac:spMk id="8" creationId="{4B0FA309-807F-4C17-98EF-A3BA7388E213}"/>
+          </ac:spMkLst>
+        </pc:spChg>
+        <pc:spChg chg="add del">
+          <ac:chgData name="Yang Xu" userId="2ef8d03b0d59ea36" providerId="LiveId" clId="{BA46AAE0-4684-4C00-B2C3-B0D15247BA49}" dt="2020-01-01T10:26:27.549" v="168" actId="26606"/>
+          <ac:spMkLst>
+            <pc:docMk/>
+            <pc:sldMk cId="597123515" sldId="269"/>
+            <ac:spMk id="10" creationId="{172FA20E-3EEC-4201-BE1D-0563AE403A5D}"/>
+          </ac:spMkLst>
+        </pc:spChg>
+        <pc:spChg chg="add del">
+          <ac:chgData name="Yang Xu" userId="2ef8d03b0d59ea36" providerId="LiveId" clId="{BA46AAE0-4684-4C00-B2C3-B0D15247BA49}" dt="2020-01-01T10:26:27.549" v="168" actId="26606"/>
+          <ac:spMkLst>
+            <pc:docMk/>
+            <pc:sldMk cId="597123515" sldId="269"/>
+            <ac:spMk id="14" creationId="{7AD29F78-0630-44F9-A0BE-D82D22910BEF}"/>
+          </ac:spMkLst>
+        </pc:spChg>
+        <pc:spChg chg="add del">
+          <ac:chgData name="Yang Xu" userId="2ef8d03b0d59ea36" providerId="LiveId" clId="{BA46AAE0-4684-4C00-B2C3-B0D15247BA49}" dt="2020-01-01T10:26:27.549" v="168" actId="26606"/>
+          <ac:spMkLst>
+            <pc:docMk/>
+            <pc:sldMk cId="597123515" sldId="269"/>
+            <ac:spMk id="18" creationId="{2708AD19-3EA5-4EC5-BF8C-37B0A4B1956E}"/>
+          </ac:spMkLst>
+        </pc:spChg>
+        <pc:spChg chg="add del">
+          <ac:chgData name="Yang Xu" userId="2ef8d03b0d59ea36" providerId="LiveId" clId="{BA46AAE0-4684-4C00-B2C3-B0D15247BA49}" dt="2020-01-01T10:26:29.568" v="170" actId="26606"/>
+          <ac:spMkLst>
+            <pc:docMk/>
+            <pc:sldMk cId="597123515" sldId="269"/>
+            <ac:spMk id="20" creationId="{59EEC9FF-AD43-4E2B-B9C3-9B7F5219FA7C}"/>
+          </ac:spMkLst>
+        </pc:spChg>
+        <pc:spChg chg="add del">
+          <ac:chgData name="Yang Xu" userId="2ef8d03b0d59ea36" providerId="LiveId" clId="{BA46AAE0-4684-4C00-B2C3-B0D15247BA49}" dt="2020-01-01T10:26:29.568" v="170" actId="26606"/>
+          <ac:spMkLst>
+            <pc:docMk/>
+            <pc:sldMk cId="597123515" sldId="269"/>
+            <ac:spMk id="22" creationId="{9238CDCD-9B1D-4D9D-9871-88382B66FB9B}"/>
+          </ac:spMkLst>
+        </pc:spChg>
+        <pc:spChg chg="add del">
+          <ac:chgData name="Yang Xu" userId="2ef8d03b0d59ea36" providerId="LiveId" clId="{BA46AAE0-4684-4C00-B2C3-B0D15247BA49}" dt="2020-01-01T10:26:29.568" v="170" actId="26606"/>
+          <ac:spMkLst>
+            <pc:docMk/>
+            <pc:sldMk cId="597123515" sldId="269"/>
+            <ac:spMk id="24" creationId="{498EBA8F-6C79-458B-8579-FDB7C8205BAB}"/>
+          </ac:spMkLst>
+        </pc:spChg>
+        <pc:spChg chg="add del">
+          <ac:chgData name="Yang Xu" userId="2ef8d03b0d59ea36" providerId="LiveId" clId="{BA46AAE0-4684-4C00-B2C3-B0D15247BA49}" dt="2020-01-01T10:26:33.501" v="172" actId="26606"/>
+          <ac:spMkLst>
+            <pc:docMk/>
+            <pc:sldMk cId="597123515" sldId="269"/>
+            <ac:spMk id="28" creationId="{C8FA1749-B91A-40E7-AD01-0B9C9C6AF74E}"/>
+          </ac:spMkLst>
+        </pc:spChg>
+        <pc:spChg chg="add del">
+          <ac:chgData name="Yang Xu" userId="2ef8d03b0d59ea36" providerId="LiveId" clId="{BA46AAE0-4684-4C00-B2C3-B0D15247BA49}" dt="2020-01-01T10:26:33.501" v="172" actId="26606"/>
+          <ac:spMkLst>
+            <pc:docMk/>
+            <pc:sldMk cId="597123515" sldId="269"/>
+            <ac:spMk id="30" creationId="{700676C8-6DE8-47DD-9A23-D42063A12E10}"/>
+          </ac:spMkLst>
+        </pc:spChg>
+        <pc:spChg chg="add del">
+          <ac:chgData name="Yang Xu" userId="2ef8d03b0d59ea36" providerId="LiveId" clId="{BA46AAE0-4684-4C00-B2C3-B0D15247BA49}" dt="2020-01-01T10:26:33.501" v="172" actId="26606"/>
+          <ac:spMkLst>
+            <pc:docMk/>
+            <pc:sldMk cId="597123515" sldId="269"/>
+            <ac:spMk id="31" creationId="{0B654F30-E9CB-436B-BC85-304EE87DB500}"/>
+          </ac:spMkLst>
+        </pc:spChg>
+        <pc:spChg chg="add del">
+          <ac:chgData name="Yang Xu" userId="2ef8d03b0d59ea36" providerId="LiveId" clId="{BA46AAE0-4684-4C00-B2C3-B0D15247BA49}" dt="2020-01-01T10:26:36.666" v="174" actId="26606"/>
+          <ac:spMkLst>
+            <pc:docMk/>
+            <pc:sldMk cId="597123515" sldId="269"/>
+            <ac:spMk id="33" creationId="{273E8A9A-DA4B-4F12-9331-219EBE5235D0}"/>
+          </ac:spMkLst>
+        </pc:spChg>
+        <pc:spChg chg="add del">
+          <ac:chgData name="Yang Xu" userId="2ef8d03b0d59ea36" providerId="LiveId" clId="{BA46AAE0-4684-4C00-B2C3-B0D15247BA49}" dt="2020-01-01T10:26:36.666" v="174" actId="26606"/>
+          <ac:spMkLst>
+            <pc:docMk/>
+            <pc:sldMk cId="597123515" sldId="269"/>
+            <ac:spMk id="35" creationId="{ADD673B7-F6B7-43EE-936B-D09F3A337A3E}"/>
+          </ac:spMkLst>
+        </pc:spChg>
+        <pc:spChg chg="add del">
+          <ac:chgData name="Yang Xu" userId="2ef8d03b0d59ea36" providerId="LiveId" clId="{BA46AAE0-4684-4C00-B2C3-B0D15247BA49}" dt="2020-01-01T10:26:36.666" v="174" actId="26606"/>
+          <ac:spMkLst>
+            <pc:docMk/>
+            <pc:sldMk cId="597123515" sldId="269"/>
+            <ac:spMk id="36" creationId="{0B654F30-E9CB-436B-BC85-304EE87DB500}"/>
+          </ac:spMkLst>
+        </pc:spChg>
+        <pc:spChg chg="add">
+          <ac:chgData name="Yang Xu" userId="2ef8d03b0d59ea36" providerId="LiveId" clId="{BA46AAE0-4684-4C00-B2C3-B0D15247BA49}" dt="2020-01-01T10:26:36.682" v="175" actId="26606"/>
+          <ac:spMkLst>
+            <pc:docMk/>
+            <pc:sldMk cId="597123515" sldId="269"/>
+            <ac:spMk id="38" creationId="{4B0FA309-807F-4C17-98EF-A3BA7388E213}"/>
+          </ac:spMkLst>
+        </pc:spChg>
+        <pc:spChg chg="add">
+          <ac:chgData name="Yang Xu" userId="2ef8d03b0d59ea36" providerId="LiveId" clId="{BA46AAE0-4684-4C00-B2C3-B0D15247BA49}" dt="2020-01-01T10:26:36.682" v="175" actId="26606"/>
+          <ac:spMkLst>
+            <pc:docMk/>
+            <pc:sldMk cId="597123515" sldId="269"/>
+            <ac:spMk id="40" creationId="{C8FA1749-B91A-40E7-AD01-0B9C9C6AF74E}"/>
+          </ac:spMkLst>
+        </pc:spChg>
+        <pc:spChg chg="add">
+          <ac:chgData name="Yang Xu" userId="2ef8d03b0d59ea36" providerId="LiveId" clId="{BA46AAE0-4684-4C00-B2C3-B0D15247BA49}" dt="2020-01-01T10:26:36.682" v="175" actId="26606"/>
+          <ac:spMkLst>
+            <pc:docMk/>
+            <pc:sldMk cId="597123515" sldId="269"/>
+            <ac:spMk id="42" creationId="{700676C8-6DE8-47DD-9A23-D42063A12E10}"/>
+          </ac:spMkLst>
+        </pc:spChg>
+        <pc:spChg chg="add">
+          <ac:chgData name="Yang Xu" userId="2ef8d03b0d59ea36" providerId="LiveId" clId="{BA46AAE0-4684-4C00-B2C3-B0D15247BA49}" dt="2020-01-01T10:26:36.682" v="175" actId="26606"/>
+          <ac:spMkLst>
+            <pc:docMk/>
+            <pc:sldMk cId="597123515" sldId="269"/>
+            <ac:spMk id="43" creationId="{0B654F30-E9CB-436B-BC85-304EE87DB500}"/>
+          </ac:spMkLst>
+        </pc:spChg>
+        <pc:graphicFrameChg chg="add del">
+          <ac:chgData name="Yang Xu" userId="2ef8d03b0d59ea36" providerId="LiveId" clId="{BA46AAE0-4684-4C00-B2C3-B0D15247BA49}" dt="2020-01-01T10:26:27.549" v="168" actId="26606"/>
+          <ac:graphicFrameMkLst>
+            <pc:docMk/>
+            <pc:sldMk cId="597123515" sldId="269"/>
+            <ac:graphicFrameMk id="5" creationId="{BBC0FF93-6A4C-4643-B93A-3690B82033C7}"/>
+          </ac:graphicFrameMkLst>
+        </pc:graphicFrameChg>
+        <pc:graphicFrameChg chg="add del">
+          <ac:chgData name="Yang Xu" userId="2ef8d03b0d59ea36" providerId="LiveId" clId="{BA46AAE0-4684-4C00-B2C3-B0D15247BA49}" dt="2020-01-01T10:26:29.568" v="170" actId="26606"/>
+          <ac:graphicFrameMkLst>
+            <pc:docMk/>
+            <pc:sldMk cId="597123515" sldId="269"/>
+            <ac:graphicFrameMk id="25" creationId="{BF8C1CF1-D74F-43DF-8BE9-EDC694FBA6F0}"/>
+          </ac:graphicFrameMkLst>
+        </pc:graphicFrameChg>
+        <pc:picChg chg="add del">
+          <ac:chgData name="Yang Xu" userId="2ef8d03b0d59ea36" providerId="LiveId" clId="{BA46AAE0-4684-4C00-B2C3-B0D15247BA49}" dt="2020-01-01T10:26:27.549" v="168" actId="26606"/>
+          <ac:picMkLst>
+            <pc:docMk/>
+            <pc:sldMk cId="597123515" sldId="269"/>
+            <ac:picMk id="12" creationId="{AED7C419-9BA1-4696-B356-43EFEF183057}"/>
+          </ac:picMkLst>
+        </pc:picChg>
+        <pc:picChg chg="add del">
+          <ac:chgData name="Yang Xu" userId="2ef8d03b0d59ea36" providerId="LiveId" clId="{BA46AAE0-4684-4C00-B2C3-B0D15247BA49}" dt="2020-01-01T10:26:27.549" v="168" actId="26606"/>
+          <ac:picMkLst>
+            <pc:docMk/>
+            <pc:sldMk cId="597123515" sldId="269"/>
+            <ac:picMk id="16" creationId="{E3E2E76B-5713-416F-9E1F-82EBA41BF4DA}"/>
+          </ac:picMkLst>
+        </pc:picChg>
+        <pc:picChg chg="add del">
+          <ac:chgData name="Yang Xu" userId="2ef8d03b0d59ea36" providerId="LiveId" clId="{BA46AAE0-4684-4C00-B2C3-B0D15247BA49}" dt="2020-01-01T10:26:29.568" v="170" actId="26606"/>
+          <ac:picMkLst>
+            <pc:docMk/>
+            <pc:sldMk cId="597123515" sldId="269"/>
+            <ac:picMk id="21" creationId="{CBC471B7-7693-4DAA-A88D-1C80616C2B77}"/>
+          </ac:picMkLst>
+        </pc:picChg>
+        <pc:picChg chg="add del">
+          <ac:chgData name="Yang Xu" userId="2ef8d03b0d59ea36" providerId="LiveId" clId="{BA46AAE0-4684-4C00-B2C3-B0D15247BA49}" dt="2020-01-01T10:26:29.568" v="170" actId="26606"/>
+          <ac:picMkLst>
+            <pc:docMk/>
+            <pc:sldMk cId="597123515" sldId="269"/>
+            <ac:picMk id="23" creationId="{8D63CDBA-845F-43E6-B4B3-6EE365669625}"/>
+          </ac:picMkLst>
+        </pc:picChg>
+        <pc:picChg chg="add del">
+          <ac:chgData name="Yang Xu" userId="2ef8d03b0d59ea36" providerId="LiveId" clId="{BA46AAE0-4684-4C00-B2C3-B0D15247BA49}" dt="2020-01-01T10:26:33.501" v="172" actId="26606"/>
+          <ac:picMkLst>
+            <pc:docMk/>
+            <pc:sldMk cId="597123515" sldId="269"/>
+            <ac:picMk id="27" creationId="{2642A87B-CAE9-4F8F-B293-28388E45D9EE}"/>
+          </ac:picMkLst>
+        </pc:picChg>
+        <pc:picChg chg="add del">
+          <ac:chgData name="Yang Xu" userId="2ef8d03b0d59ea36" providerId="LiveId" clId="{BA46AAE0-4684-4C00-B2C3-B0D15247BA49}" dt="2020-01-01T10:26:33.501" v="172" actId="26606"/>
+          <ac:picMkLst>
+            <pc:docMk/>
+            <pc:sldMk cId="597123515" sldId="269"/>
+            <ac:picMk id="29" creationId="{3B7A934F-FFF7-4353-83D3-4EF66E93EEF8}"/>
+          </ac:picMkLst>
+        </pc:picChg>
+        <pc:picChg chg="add del">
+          <ac:chgData name="Yang Xu" userId="2ef8d03b0d59ea36" providerId="LiveId" clId="{BA46AAE0-4684-4C00-B2C3-B0D15247BA49}" dt="2020-01-01T10:26:36.666" v="174" actId="26606"/>
+          <ac:picMkLst>
+            <pc:docMk/>
+            <pc:sldMk cId="597123515" sldId="269"/>
+            <ac:picMk id="34" creationId="{1C4DCE7A-0E46-404B-9E0D-E93DC7B2A861}"/>
+          </ac:picMkLst>
+        </pc:picChg>
+        <pc:picChg chg="add">
+          <ac:chgData name="Yang Xu" userId="2ef8d03b0d59ea36" providerId="LiveId" clId="{BA46AAE0-4684-4C00-B2C3-B0D15247BA49}" dt="2020-01-01T10:26:36.682" v="175" actId="26606"/>
+          <ac:picMkLst>
+            <pc:docMk/>
+            <pc:sldMk cId="597123515" sldId="269"/>
+            <ac:picMk id="39" creationId="{2642A87B-CAE9-4F8F-B293-28388E45D9EE}"/>
+          </ac:picMkLst>
+        </pc:picChg>
+        <pc:picChg chg="add">
+          <ac:chgData name="Yang Xu" userId="2ef8d03b0d59ea36" providerId="LiveId" clId="{BA46AAE0-4684-4C00-B2C3-B0D15247BA49}" dt="2020-01-01T10:26:36.682" v="175" actId="26606"/>
+          <ac:picMkLst>
+            <pc:docMk/>
+            <pc:sldMk cId="597123515" sldId="269"/>
+            <ac:picMk id="41" creationId="{3B7A934F-FFF7-4353-83D3-4EF66E93EEF8}"/>
+          </ac:picMkLst>
+        </pc:picChg>
+      </pc:sldChg>
+      <pc:sldChg chg="addSp delSp modSp add">
+        <pc:chgData name="Yang Xu" userId="2ef8d03b0d59ea36" providerId="LiveId" clId="{BA46AAE0-4684-4C00-B2C3-B0D15247BA49}" dt="2020-01-01T10:23:16.236" v="101" actId="1076"/>
+        <pc:sldMkLst>
+          <pc:docMk/>
+          <pc:sldMk cId="3394828480" sldId="270"/>
+        </pc:sldMkLst>
+        <pc:spChg chg="mod">
+          <ac:chgData name="Yang Xu" userId="2ef8d03b0d59ea36" providerId="LiveId" clId="{BA46AAE0-4684-4C00-B2C3-B0D15247BA49}" dt="2020-01-01T10:22:56.221" v="93" actId="20577"/>
+          <ac:spMkLst>
+            <pc:docMk/>
+            <pc:sldMk cId="3394828480" sldId="270"/>
+            <ac:spMk id="2" creationId="{D3CA39E9-D6F3-4674-AD6B-A05B4AC9ECD5}"/>
+          </ac:spMkLst>
+        </pc:spChg>
+        <pc:spChg chg="del">
+          <ac:chgData name="Yang Xu" userId="2ef8d03b0d59ea36" providerId="LiveId" clId="{BA46AAE0-4684-4C00-B2C3-B0D15247BA49}" dt="2020-01-01T10:22:57.457" v="94"/>
+          <ac:spMkLst>
+            <pc:docMk/>
+            <pc:sldMk cId="3394828480" sldId="270"/>
+            <ac:spMk id="3" creationId="{AEB782AD-BA82-4276-A0A0-D9BBC886F232}"/>
+          </ac:spMkLst>
+        </pc:spChg>
+        <pc:picChg chg="add mod">
+          <ac:chgData name="Yang Xu" userId="2ef8d03b0d59ea36" providerId="LiveId" clId="{BA46AAE0-4684-4C00-B2C3-B0D15247BA49}" dt="2020-01-01T10:23:16.236" v="101" actId="1076"/>
+          <ac:picMkLst>
+            <pc:docMk/>
+            <pc:sldMk cId="3394828480" sldId="270"/>
+            <ac:picMk id="1026" creationId="{A447901F-50FF-4547-8E05-9005F3CAF464}"/>
+          </ac:picMkLst>
+        </pc:picChg>
+        <pc:picChg chg="add mod">
+          <ac:chgData name="Yang Xu" userId="2ef8d03b0d59ea36" providerId="LiveId" clId="{BA46AAE0-4684-4C00-B2C3-B0D15247BA49}" dt="2020-01-01T10:23:16.236" v="101" actId="1076"/>
+          <ac:picMkLst>
+            <pc:docMk/>
+            <pc:sldMk cId="3394828480" sldId="270"/>
+            <ac:picMk id="1028" creationId="{4DA11AD5-7091-452E-96AB-240A01106ABF}"/>
+          </ac:picMkLst>
+        </pc:picChg>
+      </pc:sldChg>
+      <pc:sldChg chg="modSp add">
+        <pc:chgData name="Yang Xu" userId="2ef8d03b0d59ea36" providerId="LiveId" clId="{BA46AAE0-4684-4C00-B2C3-B0D15247BA49}" dt="2020-01-01T10:23:48.744" v="105"/>
+        <pc:sldMkLst>
+          <pc:docMk/>
+          <pc:sldMk cId="872404649" sldId="271"/>
+        </pc:sldMkLst>
+        <pc:spChg chg="mod">
+          <ac:chgData name="Yang Xu" userId="2ef8d03b0d59ea36" providerId="LiveId" clId="{BA46AAE0-4684-4C00-B2C3-B0D15247BA49}" dt="2020-01-01T10:23:32.112" v="103"/>
+          <ac:spMkLst>
+            <pc:docMk/>
+            <pc:sldMk cId="872404649" sldId="271"/>
+            <ac:spMk id="2" creationId="{801843E0-E5B2-48CD-A627-20AF5F599316}"/>
+          </ac:spMkLst>
+        </pc:spChg>
+        <pc:spChg chg="mod">
+          <ac:chgData name="Yang Xu" userId="2ef8d03b0d59ea36" providerId="LiveId" clId="{BA46AAE0-4684-4C00-B2C3-B0D15247BA49}" dt="2020-01-01T10:23:48.744" v="105"/>
+          <ac:spMkLst>
+            <pc:docMk/>
+            <pc:sldMk cId="872404649" sldId="271"/>
+            <ac:spMk id="3" creationId="{D1A05DAB-8C68-408B-8D89-1C7970FC2EEB}"/>
+          </ac:spMkLst>
+        </pc:spChg>
+      </pc:sldChg>
+      <pc:sldChg chg="addSp delSp modSp add mod setBg">
+        <pc:chgData name="Yang Xu" userId="2ef8d03b0d59ea36" providerId="LiveId" clId="{BA46AAE0-4684-4C00-B2C3-B0D15247BA49}" dt="2020-01-01T10:26:17.324" v="166" actId="26606"/>
+        <pc:sldMkLst>
+          <pc:docMk/>
+          <pc:sldMk cId="1205690591" sldId="272"/>
+        </pc:sldMkLst>
+        <pc:spChg chg="mod">
+          <ac:chgData name="Yang Xu" userId="2ef8d03b0d59ea36" providerId="LiveId" clId="{BA46AAE0-4684-4C00-B2C3-B0D15247BA49}" dt="2020-01-01T10:26:17.324" v="166" actId="26606"/>
+          <ac:spMkLst>
+            <pc:docMk/>
+            <pc:sldMk cId="1205690591" sldId="272"/>
+            <ac:spMk id="2" creationId="{14368C4A-B315-476C-80A0-FB161CC7FF56}"/>
+          </ac:spMkLst>
+        </pc:spChg>
+        <pc:spChg chg="add del mod">
+          <ac:chgData name="Yang Xu" userId="2ef8d03b0d59ea36" providerId="LiveId" clId="{BA46AAE0-4684-4C00-B2C3-B0D15247BA49}" dt="2020-01-01T10:26:17.324" v="166" actId="26606"/>
+          <ac:spMkLst>
+            <pc:docMk/>
+            <pc:sldMk cId="1205690591" sldId="272"/>
+            <ac:spMk id="3" creationId="{B412C165-D24D-4333-9C2A-BA1F29A84266}"/>
+          </ac:spMkLst>
+        </pc:spChg>
+        <pc:spChg chg="add del">
+          <ac:chgData name="Yang Xu" userId="2ef8d03b0d59ea36" providerId="LiveId" clId="{BA46AAE0-4684-4C00-B2C3-B0D15247BA49}" dt="2020-01-01T10:26:07.163" v="159" actId="26606"/>
+          <ac:spMkLst>
+            <pc:docMk/>
+            <pc:sldMk cId="1205690591" sldId="272"/>
+            <ac:spMk id="10" creationId="{172FA20E-3EEC-4201-BE1D-0563AE403A5D}"/>
+          </ac:spMkLst>
+        </pc:spChg>
+        <pc:spChg chg="add del">
+          <ac:chgData name="Yang Xu" userId="2ef8d03b0d59ea36" providerId="LiveId" clId="{BA46AAE0-4684-4C00-B2C3-B0D15247BA49}" dt="2020-01-01T10:26:07.163" v="159" actId="26606"/>
+          <ac:spMkLst>
+            <pc:docMk/>
+            <pc:sldMk cId="1205690591" sldId="272"/>
+            <ac:spMk id="14" creationId="{7AD29F78-0630-44F9-A0BE-D82D22910BEF}"/>
+          </ac:spMkLst>
+        </pc:spChg>
+        <pc:spChg chg="add del">
+          <ac:chgData name="Yang Xu" userId="2ef8d03b0d59ea36" providerId="LiveId" clId="{BA46AAE0-4684-4C00-B2C3-B0D15247BA49}" dt="2020-01-01T10:26:07.163" v="159" actId="26606"/>
+          <ac:spMkLst>
+            <pc:docMk/>
+            <pc:sldMk cId="1205690591" sldId="272"/>
+            <ac:spMk id="18" creationId="{2708AD19-3EA5-4EC5-BF8C-37B0A4B1956E}"/>
+          </ac:spMkLst>
+        </pc:spChg>
+        <pc:spChg chg="add del">
+          <ac:chgData name="Yang Xu" userId="2ef8d03b0d59ea36" providerId="LiveId" clId="{BA46AAE0-4684-4C00-B2C3-B0D15247BA49}" dt="2020-01-01T10:26:11.844" v="161" actId="26606"/>
+          <ac:spMkLst>
+            <pc:docMk/>
+            <pc:sldMk cId="1205690591" sldId="272"/>
+            <ac:spMk id="20" creationId="{172FA20E-3EEC-4201-BE1D-0563AE403A5D}"/>
+          </ac:spMkLst>
+        </pc:spChg>
+        <pc:spChg chg="add del">
+          <ac:chgData name="Yang Xu" userId="2ef8d03b0d59ea36" providerId="LiveId" clId="{BA46AAE0-4684-4C00-B2C3-B0D15247BA49}" dt="2020-01-01T10:26:11.844" v="161" actId="26606"/>
+          <ac:spMkLst>
+            <pc:docMk/>
+            <pc:sldMk cId="1205690591" sldId="272"/>
+            <ac:spMk id="22" creationId="{7AD29F78-0630-44F9-A0BE-D82D22910BEF}"/>
+          </ac:spMkLst>
+        </pc:spChg>
+        <pc:spChg chg="add del">
+          <ac:chgData name="Yang Xu" userId="2ef8d03b0d59ea36" providerId="LiveId" clId="{BA46AAE0-4684-4C00-B2C3-B0D15247BA49}" dt="2020-01-01T10:26:11.844" v="161" actId="26606"/>
+          <ac:spMkLst>
+            <pc:docMk/>
+            <pc:sldMk cId="1205690591" sldId="272"/>
+            <ac:spMk id="24" creationId="{2708AD19-3EA5-4EC5-BF8C-37B0A4B1956E}"/>
+          </ac:spMkLst>
+        </pc:spChg>
+        <pc:spChg chg="add del">
+          <ac:chgData name="Yang Xu" userId="2ef8d03b0d59ea36" providerId="LiveId" clId="{BA46AAE0-4684-4C00-B2C3-B0D15247BA49}" dt="2020-01-01T10:26:17.279" v="165" actId="26606"/>
+          <ac:spMkLst>
+            <pc:docMk/>
+            <pc:sldMk cId="1205690591" sldId="272"/>
+            <ac:spMk id="29" creationId="{172FA20E-3EEC-4201-BE1D-0563AE403A5D}"/>
+          </ac:spMkLst>
+        </pc:spChg>
+        <pc:spChg chg="add del">
+          <ac:chgData name="Yang Xu" userId="2ef8d03b0d59ea36" providerId="LiveId" clId="{BA46AAE0-4684-4C00-B2C3-B0D15247BA49}" dt="2020-01-01T10:26:17.279" v="165" actId="26606"/>
+          <ac:spMkLst>
+            <pc:docMk/>
+            <pc:sldMk cId="1205690591" sldId="272"/>
+            <ac:spMk id="31" creationId="{7AD29F78-0630-44F9-A0BE-D82D22910BEF}"/>
+          </ac:spMkLst>
+        </pc:spChg>
+        <pc:spChg chg="add del">
+          <ac:chgData name="Yang Xu" userId="2ef8d03b0d59ea36" providerId="LiveId" clId="{BA46AAE0-4684-4C00-B2C3-B0D15247BA49}" dt="2020-01-01T10:26:17.279" v="165" actId="26606"/>
+          <ac:spMkLst>
+            <pc:docMk/>
+            <pc:sldMk cId="1205690591" sldId="272"/>
+            <ac:spMk id="33" creationId="{2708AD19-3EA5-4EC5-BF8C-37B0A4B1956E}"/>
+          </ac:spMkLst>
+        </pc:spChg>
+        <pc:spChg chg="add">
+          <ac:chgData name="Yang Xu" userId="2ef8d03b0d59ea36" providerId="LiveId" clId="{BA46AAE0-4684-4C00-B2C3-B0D15247BA49}" dt="2020-01-01T10:26:17.324" v="166" actId="26606"/>
+          <ac:spMkLst>
+            <pc:docMk/>
+            <pc:sldMk cId="1205690591" sldId="272"/>
+            <ac:spMk id="36" creationId="{172FA20E-3EEC-4201-BE1D-0563AE403A5D}"/>
+          </ac:spMkLst>
+        </pc:spChg>
+        <pc:spChg chg="add">
+          <ac:chgData name="Yang Xu" userId="2ef8d03b0d59ea36" providerId="LiveId" clId="{BA46AAE0-4684-4C00-B2C3-B0D15247BA49}" dt="2020-01-01T10:26:17.324" v="166" actId="26606"/>
+          <ac:spMkLst>
+            <pc:docMk/>
+            <pc:sldMk cId="1205690591" sldId="272"/>
+            <ac:spMk id="38" creationId="{7AD29F78-0630-44F9-A0BE-D82D22910BEF}"/>
+          </ac:spMkLst>
+        </pc:spChg>
+        <pc:spChg chg="add">
+          <ac:chgData name="Yang Xu" userId="2ef8d03b0d59ea36" providerId="LiveId" clId="{BA46AAE0-4684-4C00-B2C3-B0D15247BA49}" dt="2020-01-01T10:26:17.324" v="166" actId="26606"/>
+          <ac:spMkLst>
+            <pc:docMk/>
+            <pc:sldMk cId="1205690591" sldId="272"/>
+            <ac:spMk id="40" creationId="{2708AD19-3EA5-4EC5-BF8C-37B0A4B1956E}"/>
+          </ac:spMkLst>
+        </pc:spChg>
+        <pc:graphicFrameChg chg="add del">
+          <ac:chgData name="Yang Xu" userId="2ef8d03b0d59ea36" providerId="LiveId" clId="{BA46AAE0-4684-4C00-B2C3-B0D15247BA49}" dt="2020-01-01T10:26:07.163" v="159" actId="26606"/>
+          <ac:graphicFrameMkLst>
+            <pc:docMk/>
+            <pc:sldMk cId="1205690591" sldId="272"/>
+            <ac:graphicFrameMk id="5" creationId="{82B29BBE-93E3-4B15-B2C3-80DDF7E36596}"/>
+          </ac:graphicFrameMkLst>
+        </pc:graphicFrameChg>
+        <pc:graphicFrameChg chg="add del">
+          <ac:chgData name="Yang Xu" userId="2ef8d03b0d59ea36" providerId="LiveId" clId="{BA46AAE0-4684-4C00-B2C3-B0D15247BA49}" dt="2020-01-01T10:26:11.844" v="161" actId="26606"/>
+          <ac:graphicFrameMkLst>
+            <pc:docMk/>
+            <pc:sldMk cId="1205690591" sldId="272"/>
+            <ac:graphicFrameMk id="25" creationId="{AFB43B5E-70A5-420E-B0F4-EF189BC1731F}"/>
+          </ac:graphicFrameMkLst>
+        </pc:graphicFrameChg>
+        <pc:graphicFrameChg chg="add del">
+          <ac:chgData name="Yang Xu" userId="2ef8d03b0d59ea36" providerId="LiveId" clId="{BA46AAE0-4684-4C00-B2C3-B0D15247BA49}" dt="2020-01-01T10:26:15.377" v="163" actId="26606"/>
+          <ac:graphicFrameMkLst>
+            <pc:docMk/>
+            <pc:sldMk cId="1205690591" sldId="272"/>
+            <ac:graphicFrameMk id="27" creationId="{456FB64F-987F-4A31-9BBA-A750E2049F7A}"/>
+          </ac:graphicFrameMkLst>
+        </pc:graphicFrameChg>
+        <pc:graphicFrameChg chg="add del">
+          <ac:chgData name="Yang Xu" userId="2ef8d03b0d59ea36" providerId="LiveId" clId="{BA46AAE0-4684-4C00-B2C3-B0D15247BA49}" dt="2020-01-01T10:26:17.279" v="165" actId="26606"/>
+          <ac:graphicFrameMkLst>
+            <pc:docMk/>
+            <pc:sldMk cId="1205690591" sldId="272"/>
+            <ac:graphicFrameMk id="34" creationId="{82B29BBE-93E3-4B15-B2C3-80DDF7E36596}"/>
+          </ac:graphicFrameMkLst>
+        </pc:graphicFrameChg>
+        <pc:graphicFrameChg chg="add">
+          <ac:chgData name="Yang Xu" userId="2ef8d03b0d59ea36" providerId="LiveId" clId="{BA46AAE0-4684-4C00-B2C3-B0D15247BA49}" dt="2020-01-01T10:26:17.324" v="166" actId="26606"/>
+          <ac:graphicFrameMkLst>
+            <pc:docMk/>
+            <pc:sldMk cId="1205690591" sldId="272"/>
+            <ac:graphicFrameMk id="41" creationId="{AFB43B5E-70A5-420E-B0F4-EF189BC1731F}"/>
+          </ac:graphicFrameMkLst>
+        </pc:graphicFrameChg>
+        <pc:picChg chg="add del">
+          <ac:chgData name="Yang Xu" userId="2ef8d03b0d59ea36" providerId="LiveId" clId="{BA46AAE0-4684-4C00-B2C3-B0D15247BA49}" dt="2020-01-01T10:26:07.163" v="159" actId="26606"/>
+          <ac:picMkLst>
+            <pc:docMk/>
+            <pc:sldMk cId="1205690591" sldId="272"/>
+            <ac:picMk id="12" creationId="{AED7C419-9BA1-4696-B356-43EFEF183057}"/>
+          </ac:picMkLst>
+        </pc:picChg>
+        <pc:picChg chg="add del">
+          <ac:chgData name="Yang Xu" userId="2ef8d03b0d59ea36" providerId="LiveId" clId="{BA46AAE0-4684-4C00-B2C3-B0D15247BA49}" dt="2020-01-01T10:26:07.163" v="159" actId="26606"/>
+          <ac:picMkLst>
+            <pc:docMk/>
+            <pc:sldMk cId="1205690591" sldId="272"/>
+            <ac:picMk id="16" creationId="{E3E2E76B-5713-416F-9E1F-82EBA41BF4DA}"/>
+          </ac:picMkLst>
+        </pc:picChg>
+        <pc:picChg chg="add del">
+          <ac:chgData name="Yang Xu" userId="2ef8d03b0d59ea36" providerId="LiveId" clId="{BA46AAE0-4684-4C00-B2C3-B0D15247BA49}" dt="2020-01-01T10:26:11.844" v="161" actId="26606"/>
+          <ac:picMkLst>
+            <pc:docMk/>
+            <pc:sldMk cId="1205690591" sldId="272"/>
+            <ac:picMk id="21" creationId="{AED7C419-9BA1-4696-B356-43EFEF183057}"/>
+          </ac:picMkLst>
+        </pc:picChg>
+        <pc:picChg chg="add del">
+          <ac:chgData name="Yang Xu" userId="2ef8d03b0d59ea36" providerId="LiveId" clId="{BA46AAE0-4684-4C00-B2C3-B0D15247BA49}" dt="2020-01-01T10:26:11.844" v="161" actId="26606"/>
+          <ac:picMkLst>
+            <pc:docMk/>
+            <pc:sldMk cId="1205690591" sldId="272"/>
+            <ac:picMk id="23" creationId="{E3E2E76B-5713-416F-9E1F-82EBA41BF4DA}"/>
+          </ac:picMkLst>
+        </pc:picChg>
+        <pc:picChg chg="add del">
+          <ac:chgData name="Yang Xu" userId="2ef8d03b0d59ea36" providerId="LiveId" clId="{BA46AAE0-4684-4C00-B2C3-B0D15247BA49}" dt="2020-01-01T10:26:17.279" v="165" actId="26606"/>
+          <ac:picMkLst>
+            <pc:docMk/>
+            <pc:sldMk cId="1205690591" sldId="272"/>
+            <ac:picMk id="30" creationId="{AED7C419-9BA1-4696-B356-43EFEF183057}"/>
+          </ac:picMkLst>
+        </pc:picChg>
+        <pc:picChg chg="add del">
+          <ac:chgData name="Yang Xu" userId="2ef8d03b0d59ea36" providerId="LiveId" clId="{BA46AAE0-4684-4C00-B2C3-B0D15247BA49}" dt="2020-01-01T10:26:17.279" v="165" actId="26606"/>
+          <ac:picMkLst>
+            <pc:docMk/>
+            <pc:sldMk cId="1205690591" sldId="272"/>
+            <ac:picMk id="32" creationId="{E3E2E76B-5713-416F-9E1F-82EBA41BF4DA}"/>
+          </ac:picMkLst>
+        </pc:picChg>
+        <pc:picChg chg="add">
+          <ac:chgData name="Yang Xu" userId="2ef8d03b0d59ea36" providerId="LiveId" clId="{BA46AAE0-4684-4C00-B2C3-B0D15247BA49}" dt="2020-01-01T10:26:17.324" v="166" actId="26606"/>
+          <ac:picMkLst>
+            <pc:docMk/>
+            <pc:sldMk cId="1205690591" sldId="272"/>
+            <ac:picMk id="37" creationId="{AED7C419-9BA1-4696-B356-43EFEF183057}"/>
+          </ac:picMkLst>
+        </pc:picChg>
+        <pc:picChg chg="add">
+          <ac:chgData name="Yang Xu" userId="2ef8d03b0d59ea36" providerId="LiveId" clId="{BA46AAE0-4684-4C00-B2C3-B0D15247BA49}" dt="2020-01-01T10:26:17.324" v="166" actId="26606"/>
+          <ac:picMkLst>
+            <pc:docMk/>
+            <pc:sldMk cId="1205690591" sldId="272"/>
+            <ac:picMk id="39" creationId="{E3E2E76B-5713-416F-9E1F-82EBA41BF4DA}"/>
+          </ac:picMkLst>
+        </pc:picChg>
+      </pc:sldChg>
+      <pc:sldChg chg="addSp delSp modSp add mod setBg">
+        <pc:chgData name="Yang Xu" userId="2ef8d03b0d59ea36" providerId="LiveId" clId="{BA46AAE0-4684-4C00-B2C3-B0D15247BA49}" dt="2020-01-01T10:27:00.647" v="179" actId="26606"/>
+        <pc:sldMkLst>
+          <pc:docMk/>
+          <pc:sldMk cId="3950686723" sldId="273"/>
+        </pc:sldMkLst>
+        <pc:spChg chg="mod">
+          <ac:chgData name="Yang Xu" userId="2ef8d03b0d59ea36" providerId="LiveId" clId="{BA46AAE0-4684-4C00-B2C3-B0D15247BA49}" dt="2020-01-01T10:27:00.647" v="179" actId="26606"/>
+          <ac:spMkLst>
+            <pc:docMk/>
+            <pc:sldMk cId="3950686723" sldId="273"/>
+            <ac:spMk id="2" creationId="{63C49EDB-5110-47B1-B699-DD1A2E346A97}"/>
+          </ac:spMkLst>
+        </pc:spChg>
+        <pc:spChg chg="mod">
+          <ac:chgData name="Yang Xu" userId="2ef8d03b0d59ea36" providerId="LiveId" clId="{BA46AAE0-4684-4C00-B2C3-B0D15247BA49}" dt="2020-01-01T10:27:00.647" v="179" actId="26606"/>
+          <ac:spMkLst>
+            <pc:docMk/>
+            <pc:sldMk cId="3950686723" sldId="273"/>
+            <ac:spMk id="3" creationId="{7607B445-0267-4C4A-BF23-CD33DC999E89}"/>
+          </ac:spMkLst>
+        </pc:spChg>
+        <pc:spChg chg="add del">
+          <ac:chgData name="Yang Xu" userId="2ef8d03b0d59ea36" providerId="LiveId" clId="{BA46AAE0-4684-4C00-B2C3-B0D15247BA49}" dt="2020-01-01T10:26:53.113" v="177" actId="26606"/>
+          <ac:spMkLst>
+            <pc:docMk/>
+            <pc:sldMk cId="3950686723" sldId="273"/>
+            <ac:spMk id="8" creationId="{273E8A9A-DA4B-4F12-9331-219EBE5235D0}"/>
+          </ac:spMkLst>
+        </pc:spChg>
+        <pc:spChg chg="add del">
+          <ac:chgData name="Yang Xu" userId="2ef8d03b0d59ea36" providerId="LiveId" clId="{BA46AAE0-4684-4C00-B2C3-B0D15247BA49}" dt="2020-01-01T10:26:53.113" v="177" actId="26606"/>
+          <ac:spMkLst>
+            <pc:docMk/>
+            <pc:sldMk cId="3950686723" sldId="273"/>
+            <ac:spMk id="12" creationId="{ADD673B7-F6B7-43EE-936B-D09F3A337A3E}"/>
+          </ac:spMkLst>
+        </pc:spChg>
+        <pc:spChg chg="add del">
+          <ac:chgData name="Yang Xu" userId="2ef8d03b0d59ea36" providerId="LiveId" clId="{BA46AAE0-4684-4C00-B2C3-B0D15247BA49}" dt="2020-01-01T10:27:00.647" v="179" actId="26606"/>
+          <ac:spMkLst>
+            <pc:docMk/>
+            <pc:sldMk cId="3950686723" sldId="273"/>
+            <ac:spMk id="15" creationId="{A106B9FE-7E5A-4047-B5D3-C3C24BD3E80E}"/>
+          </ac:spMkLst>
+        </pc:spChg>
+        <pc:spChg chg="add del">
+          <ac:chgData name="Yang Xu" userId="2ef8d03b0d59ea36" providerId="LiveId" clId="{BA46AAE0-4684-4C00-B2C3-B0D15247BA49}" dt="2020-01-01T10:27:00.647" v="179" actId="26606"/>
+          <ac:spMkLst>
+            <pc:docMk/>
+            <pc:sldMk cId="3950686723" sldId="273"/>
+            <ac:spMk id="16" creationId="{52A2FDCB-3B06-44F3-A0AA-2C056C3E512F}"/>
+          </ac:spMkLst>
+        </pc:spChg>
+        <pc:spChg chg="add del">
+          <ac:chgData name="Yang Xu" userId="2ef8d03b0d59ea36" providerId="LiveId" clId="{BA46AAE0-4684-4C00-B2C3-B0D15247BA49}" dt="2020-01-01T10:27:00.647" v="179" actId="26606"/>
+          <ac:spMkLst>
+            <pc:docMk/>
+            <pc:sldMk cId="3950686723" sldId="273"/>
+            <ac:spMk id="17" creationId="{B60EBA20-0A64-45D5-B937-FE93DCA01C7E}"/>
+          </ac:spMkLst>
+        </pc:spChg>
+        <pc:picChg chg="add del">
+          <ac:chgData name="Yang Xu" userId="2ef8d03b0d59ea36" providerId="LiveId" clId="{BA46AAE0-4684-4C00-B2C3-B0D15247BA49}" dt="2020-01-01T10:26:53.113" v="177" actId="26606"/>
+          <ac:picMkLst>
+            <pc:docMk/>
+            <pc:sldMk cId="3950686723" sldId="273"/>
+            <ac:picMk id="10" creationId="{1C4DCE7A-0E46-404B-9E0D-E93DC7B2A861}"/>
+          </ac:picMkLst>
+        </pc:picChg>
+        <pc:picChg chg="add del">
+          <ac:chgData name="Yang Xu" userId="2ef8d03b0d59ea36" providerId="LiveId" clId="{BA46AAE0-4684-4C00-B2C3-B0D15247BA49}" dt="2020-01-01T10:27:00.647" v="179" actId="26606"/>
+          <ac:picMkLst>
+            <pc:docMk/>
+            <pc:sldMk cId="3950686723" sldId="273"/>
+            <ac:picMk id="14" creationId="{98739700-980C-4F96-84CD-97157DFE86AE}"/>
+          </ac:picMkLst>
+        </pc:picChg>
+        <pc:picChg chg="add del">
+          <ac:chgData name="Yang Xu" userId="2ef8d03b0d59ea36" providerId="LiveId" clId="{BA46AAE0-4684-4C00-B2C3-B0D15247BA49}" dt="2020-01-01T10:27:00.647" v="179" actId="26606"/>
+          <ac:picMkLst>
+            <pc:docMk/>
+            <pc:sldMk cId="3950686723" sldId="273"/>
+            <ac:picMk id="18" creationId="{3EAD5E5B-543A-4690-8C75-BACF7FFB40ED}"/>
+          </ac:picMkLst>
+        </pc:picChg>
+      </pc:sldChg>
+      <pc:sldChg chg="modSp add">
+        <pc:chgData name="Yang Xu" userId="2ef8d03b0d59ea36" providerId="LiveId" clId="{BA46AAE0-4684-4C00-B2C3-B0D15247BA49}" dt="2020-01-01T10:25:09.484" v="149" actId="20577"/>
+        <pc:sldMkLst>
+          <pc:docMk/>
+          <pc:sldMk cId="3584058765" sldId="274"/>
+        </pc:sldMkLst>
+        <pc:spChg chg="mod">
+          <ac:chgData name="Yang Xu" userId="2ef8d03b0d59ea36" providerId="LiveId" clId="{BA46AAE0-4684-4C00-B2C3-B0D15247BA49}" dt="2020-01-01T10:24:57.239" v="145" actId="20577"/>
+          <ac:spMkLst>
+            <pc:docMk/>
+            <pc:sldMk cId="3584058765" sldId="274"/>
+            <ac:spMk id="2" creationId="{0FF21F43-234F-41D7-B943-C2B1B6E69D94}"/>
+          </ac:spMkLst>
+        </pc:spChg>
+        <pc:spChg chg="mod">
+          <ac:chgData name="Yang Xu" userId="2ef8d03b0d59ea36" providerId="LiveId" clId="{BA46AAE0-4684-4C00-B2C3-B0D15247BA49}" dt="2020-01-01T10:25:09.484" v="149" actId="20577"/>
+          <ac:spMkLst>
+            <pc:docMk/>
+            <pc:sldMk cId="3584058765" sldId="274"/>
+            <ac:spMk id="3" creationId="{188C65A6-3480-433E-80B3-34B068E20748}"/>
+          </ac:spMkLst>
+        </pc:spChg>
+      </pc:sldChg>
+      <pc:sldChg chg="addSp delSp modSp add mod setBg">
+        <pc:chgData name="Yang Xu" userId="2ef8d03b0d59ea36" providerId="LiveId" clId="{BA46AAE0-4684-4C00-B2C3-B0D15247BA49}" dt="2020-01-01T10:27:29.375" v="194" actId="26606"/>
+        <pc:sldMkLst>
+          <pc:docMk/>
+          <pc:sldMk cId="2622958319" sldId="275"/>
+        </pc:sldMkLst>
+        <pc:spChg chg="mod">
+          <ac:chgData name="Yang Xu" userId="2ef8d03b0d59ea36" providerId="LiveId" clId="{BA46AAE0-4684-4C00-B2C3-B0D15247BA49}" dt="2020-01-01T10:27:29.375" v="194" actId="26606"/>
+          <ac:spMkLst>
+            <pc:docMk/>
+            <pc:sldMk cId="2622958319" sldId="275"/>
+            <ac:spMk id="2" creationId="{74EE79B0-C629-4DD4-83C5-6EF818C7F262}"/>
+          </ac:spMkLst>
+        </pc:spChg>
+        <pc:spChg chg="add del mod">
+          <ac:chgData name="Yang Xu" userId="2ef8d03b0d59ea36" providerId="LiveId" clId="{BA46AAE0-4684-4C00-B2C3-B0D15247BA49}" dt="2020-01-01T10:25:50.856" v="157" actId="26606"/>
+          <ac:spMkLst>
+            <pc:docMk/>
+            <pc:sldMk cId="2622958319" sldId="275"/>
+            <ac:spMk id="3" creationId="{9524C428-5E39-4765-BEBB-943B7AAEF8E4}"/>
+          </ac:spMkLst>
+        </pc:spChg>
+        <pc:spChg chg="add del">
+          <ac:chgData name="Yang Xu" userId="2ef8d03b0d59ea36" providerId="LiveId" clId="{BA46AAE0-4684-4C00-B2C3-B0D15247BA49}" dt="2020-01-01T10:25:50.826" v="156" actId="26606"/>
+          <ac:spMkLst>
+            <pc:docMk/>
+            <pc:sldMk cId="2622958319" sldId="275"/>
+            <ac:spMk id="10" creationId="{172FA20E-3EEC-4201-BE1D-0563AE403A5D}"/>
+          </ac:spMkLst>
+        </pc:spChg>
+        <pc:spChg chg="add del">
+          <ac:chgData name="Yang Xu" userId="2ef8d03b0d59ea36" providerId="LiveId" clId="{BA46AAE0-4684-4C00-B2C3-B0D15247BA49}" dt="2020-01-01T10:25:50.826" v="156" actId="26606"/>
+          <ac:spMkLst>
+            <pc:docMk/>
+            <pc:sldMk cId="2622958319" sldId="275"/>
+            <ac:spMk id="14" creationId="{7AD29F78-0630-44F9-A0BE-D82D22910BEF}"/>
+          </ac:spMkLst>
+        </pc:spChg>
+        <pc:spChg chg="add del">
+          <ac:chgData name="Yang Xu" userId="2ef8d03b0d59ea36" providerId="LiveId" clId="{BA46AAE0-4684-4C00-B2C3-B0D15247BA49}" dt="2020-01-01T10:25:50.826" v="156" actId="26606"/>
+          <ac:spMkLst>
+            <pc:docMk/>
+            <pc:sldMk cId="2622958319" sldId="275"/>
+            <ac:spMk id="18" creationId="{2708AD19-3EA5-4EC5-BF8C-37B0A4B1956E}"/>
+          </ac:spMkLst>
+        </pc:spChg>
+        <pc:spChg chg="add del">
+          <ac:chgData name="Yang Xu" userId="2ef8d03b0d59ea36" providerId="LiveId" clId="{BA46AAE0-4684-4C00-B2C3-B0D15247BA49}" dt="2020-01-01T10:27:29.375" v="194" actId="26606"/>
+          <ac:spMkLst>
+            <pc:docMk/>
+            <pc:sldMk cId="2622958319" sldId="275"/>
+            <ac:spMk id="20" creationId="{172FA20E-3EEC-4201-BE1D-0563AE403A5D}"/>
+          </ac:spMkLst>
+        </pc:spChg>
+        <pc:spChg chg="add del">
+          <ac:chgData name="Yang Xu" userId="2ef8d03b0d59ea36" providerId="LiveId" clId="{BA46AAE0-4684-4C00-B2C3-B0D15247BA49}" dt="2020-01-01T10:27:29.375" v="194" actId="26606"/>
+          <ac:spMkLst>
+            <pc:docMk/>
+            <pc:sldMk cId="2622958319" sldId="275"/>
+            <ac:spMk id="22" creationId="{7AD29F78-0630-44F9-A0BE-D82D22910BEF}"/>
+          </ac:spMkLst>
+        </pc:spChg>
+        <pc:spChg chg="add del">
+          <ac:chgData name="Yang Xu" userId="2ef8d03b0d59ea36" providerId="LiveId" clId="{BA46AAE0-4684-4C00-B2C3-B0D15247BA49}" dt="2020-01-01T10:27:29.375" v="194" actId="26606"/>
+          <ac:spMkLst>
+            <pc:docMk/>
+            <pc:sldMk cId="2622958319" sldId="275"/>
+            <ac:spMk id="24" creationId="{2708AD19-3EA5-4EC5-BF8C-37B0A4B1956E}"/>
+          </ac:spMkLst>
+        </pc:spChg>
+        <pc:spChg chg="add del">
+          <ac:chgData name="Yang Xu" userId="2ef8d03b0d59ea36" providerId="LiveId" clId="{BA46AAE0-4684-4C00-B2C3-B0D15247BA49}" dt="2020-01-01T10:27:25.191" v="187" actId="26606"/>
+          <ac:spMkLst>
+            <pc:docMk/>
+            <pc:sldMk cId="2622958319" sldId="275"/>
+            <ac:spMk id="30" creationId="{37ED269F-93E0-4C45-A745-D08B6F8441E8}"/>
+          </ac:spMkLst>
+        </pc:spChg>
+        <pc:spChg chg="add del">
+          <ac:chgData name="Yang Xu" userId="2ef8d03b0d59ea36" providerId="LiveId" clId="{BA46AAE0-4684-4C00-B2C3-B0D15247BA49}" dt="2020-01-01T10:27:25.191" v="187" actId="26606"/>
+          <ac:spMkLst>
+            <pc:docMk/>
+            <pc:sldMk cId="2622958319" sldId="275"/>
+            <ac:spMk id="34" creationId="{AE8DF4CB-11C0-4C6C-859F-392DFE0FADDF}"/>
+          </ac:spMkLst>
+        </pc:spChg>
+        <pc:spChg chg="add del">
+          <ac:chgData name="Yang Xu" userId="2ef8d03b0d59ea36" providerId="LiveId" clId="{BA46AAE0-4684-4C00-B2C3-B0D15247BA49}" dt="2020-01-01T10:27:25.191" v="187" actId="26606"/>
+          <ac:spMkLst>
+            <pc:docMk/>
+            <pc:sldMk cId="2622958319" sldId="275"/>
+            <ac:spMk id="36" creationId="{6DEEA0FF-8A01-4333-AFF1-5F5BD4F2467A}"/>
+          </ac:spMkLst>
+        </pc:spChg>
+        <pc:spChg chg="add del">
+          <ac:chgData name="Yang Xu" userId="2ef8d03b0d59ea36" providerId="LiveId" clId="{BA46AAE0-4684-4C00-B2C3-B0D15247BA49}" dt="2020-01-01T10:27:25.191" v="187" actId="26606"/>
+          <ac:spMkLst>
+            <pc:docMk/>
+            <pc:sldMk cId="2622958319" sldId="275"/>
+            <ac:spMk id="38" creationId="{FE9FB890-56DB-4B95-85F1-94547CCE9F4B}"/>
+          </ac:spMkLst>
+        </pc:spChg>
+        <pc:spChg chg="add del">
+          <ac:chgData name="Yang Xu" userId="2ef8d03b0d59ea36" providerId="LiveId" clId="{BA46AAE0-4684-4C00-B2C3-B0D15247BA49}" dt="2020-01-01T10:27:27.357" v="189" actId="26606"/>
+          <ac:spMkLst>
+            <pc:docMk/>
+            <pc:sldMk cId="2622958319" sldId="275"/>
+            <ac:spMk id="44" creationId="{20FA4D46-3A36-47B8-9AEE-5EB0B6C5B065}"/>
+          </ac:spMkLst>
+        </pc:spChg>
+        <pc:spChg chg="add del">
+          <ac:chgData name="Yang Xu" userId="2ef8d03b0d59ea36" providerId="LiveId" clId="{BA46AAE0-4684-4C00-B2C3-B0D15247BA49}" dt="2020-01-01T10:27:27.357" v="189" actId="26606"/>
+          <ac:spMkLst>
+            <pc:docMk/>
+            <pc:sldMk cId="2622958319" sldId="275"/>
+            <ac:spMk id="46" creationId="{66FB55FF-BA3E-4F25-8362-D6E7B4E512CC}"/>
+          </ac:spMkLst>
+        </pc:spChg>
+        <pc:spChg chg="add del">
+          <ac:chgData name="Yang Xu" userId="2ef8d03b0d59ea36" providerId="LiveId" clId="{BA46AAE0-4684-4C00-B2C3-B0D15247BA49}" dt="2020-01-01T10:27:27.357" v="189" actId="26606"/>
+          <ac:spMkLst>
+            <pc:docMk/>
+            <pc:sldMk cId="2622958319" sldId="275"/>
+            <ac:spMk id="47" creationId="{C7CAB115-86ED-407E-B0B1-94A133EDDB9C}"/>
+          </ac:spMkLst>
+        </pc:spChg>
+        <pc:spChg chg="add del">
+          <ac:chgData name="Yang Xu" userId="2ef8d03b0d59ea36" providerId="LiveId" clId="{BA46AAE0-4684-4C00-B2C3-B0D15247BA49}" dt="2020-01-01T10:27:27.357" v="189" actId="26606"/>
+          <ac:spMkLst>
+            <pc:docMk/>
+            <pc:sldMk cId="2622958319" sldId="275"/>
+            <ac:spMk id="48" creationId="{E9F23E2C-07B6-4798-B147-6FC480F6C27D}"/>
+          </ac:spMkLst>
+        </pc:spChg>
+        <pc:spChg chg="add del">
+          <ac:chgData name="Yang Xu" userId="2ef8d03b0d59ea36" providerId="LiveId" clId="{BA46AAE0-4684-4C00-B2C3-B0D15247BA49}" dt="2020-01-01T10:27:27.357" v="189" actId="26606"/>
+          <ac:spMkLst>
+            <pc:docMk/>
+            <pc:sldMk cId="2622958319" sldId="275"/>
+            <ac:spMk id="49" creationId="{8D9AD062-264F-4D54-90CE-145B924CF918}"/>
+          </ac:spMkLst>
+        </pc:spChg>
+        <pc:spChg chg="add del">
+          <ac:chgData name="Yang Xu" userId="2ef8d03b0d59ea36" providerId="LiveId" clId="{BA46AAE0-4684-4C00-B2C3-B0D15247BA49}" dt="2020-01-01T10:27:27.357" v="189" actId="26606"/>
+          <ac:spMkLst>
+            <pc:docMk/>
+            <pc:sldMk cId="2622958319" sldId="275"/>
+            <ac:spMk id="50" creationId="{9C7D8F90-84C8-46ED-AECB-01C4D6295768}"/>
+          </ac:spMkLst>
+        </pc:spChg>
+        <pc:graphicFrameChg chg="add del">
+          <ac:chgData name="Yang Xu" userId="2ef8d03b0d59ea36" providerId="LiveId" clId="{BA46AAE0-4684-4C00-B2C3-B0D15247BA49}" dt="2020-01-01T10:25:50.826" v="156" actId="26606"/>
+          <ac:graphicFrameMkLst>
+            <pc:docMk/>
+            <pc:sldMk cId="2622958319" sldId="275"/>
+            <ac:graphicFrameMk id="5" creationId="{7C8072DC-404A-451C-A877-9339C8C8264D}"/>
+          </ac:graphicFrameMkLst>
+        </pc:graphicFrameChg>
+        <pc:graphicFrameChg chg="add mod modGraphic">
+          <ac:chgData name="Yang Xu" userId="2ef8d03b0d59ea36" providerId="LiveId" clId="{BA46AAE0-4684-4C00-B2C3-B0D15247BA49}" dt="2020-01-01T10:27:29.375" v="194" actId="26606"/>
+          <ac:graphicFrameMkLst>
+            <pc:docMk/>
+            <pc:sldMk cId="2622958319" sldId="275"/>
+            <ac:graphicFrameMk id="25" creationId="{30FE4A4F-29D0-4C99-AD4F-D31D9372C72E}"/>
+          </ac:graphicFrameMkLst>
+        </pc:graphicFrameChg>
+        <pc:picChg chg="add del">
+          <ac:chgData name="Yang Xu" userId="2ef8d03b0d59ea36" providerId="LiveId" clId="{BA46AAE0-4684-4C00-B2C3-B0D15247BA49}" dt="2020-01-01T10:25:50.826" v="156" actId="26606"/>
+          <ac:picMkLst>
+            <pc:docMk/>
+            <pc:sldMk cId="2622958319" sldId="275"/>
+            <ac:picMk id="12" creationId="{AED7C419-9BA1-4696-B356-43EFEF183057}"/>
+          </ac:picMkLst>
+        </pc:picChg>
+        <pc:picChg chg="add del">
+          <ac:chgData name="Yang Xu" userId="2ef8d03b0d59ea36" providerId="LiveId" clId="{BA46AAE0-4684-4C00-B2C3-B0D15247BA49}" dt="2020-01-01T10:25:50.826" v="156" actId="26606"/>
+          <ac:picMkLst>
+            <pc:docMk/>
+            <pc:sldMk cId="2622958319" sldId="275"/>
+            <ac:picMk id="16" creationId="{E3E2E76B-5713-416F-9E1F-82EBA41BF4DA}"/>
+          </ac:picMkLst>
+        </pc:picChg>
+        <pc:picChg chg="add del">
+          <ac:chgData name="Yang Xu" userId="2ef8d03b0d59ea36" providerId="LiveId" clId="{BA46AAE0-4684-4C00-B2C3-B0D15247BA49}" dt="2020-01-01T10:27:29.375" v="194" actId="26606"/>
+          <ac:picMkLst>
+            <pc:docMk/>
+            <pc:sldMk cId="2622958319" sldId="275"/>
+            <ac:picMk id="21" creationId="{AED7C419-9BA1-4696-B356-43EFEF183057}"/>
+          </ac:picMkLst>
+        </pc:picChg>
+        <pc:picChg chg="add del">
+          <ac:chgData name="Yang Xu" userId="2ef8d03b0d59ea36" providerId="LiveId" clId="{BA46AAE0-4684-4C00-B2C3-B0D15247BA49}" dt="2020-01-01T10:27:29.375" v="194" actId="26606"/>
+          <ac:picMkLst>
+            <pc:docMk/>
+            <pc:sldMk cId="2622958319" sldId="275"/>
+            <ac:picMk id="23" creationId="{E3E2E76B-5713-416F-9E1F-82EBA41BF4DA}"/>
+          </ac:picMkLst>
+        </pc:picChg>
+        <pc:picChg chg="add del">
+          <ac:chgData name="Yang Xu" userId="2ef8d03b0d59ea36" providerId="LiveId" clId="{BA46AAE0-4684-4C00-B2C3-B0D15247BA49}" dt="2020-01-01T10:27:25.191" v="187" actId="26606"/>
+          <ac:picMkLst>
+            <pc:docMk/>
+            <pc:sldMk cId="2622958319" sldId="275"/>
+            <ac:picMk id="32" creationId="{67DD37E5-BE6E-4E53-8EC2-6DC35A1974F3}"/>
+          </ac:picMkLst>
+        </pc:picChg>
+        <pc:picChg chg="add del">
+          <ac:chgData name="Yang Xu" userId="2ef8d03b0d59ea36" providerId="LiveId" clId="{BA46AAE0-4684-4C00-B2C3-B0D15247BA49}" dt="2020-01-01T10:27:25.191" v="187" actId="26606"/>
+          <ac:picMkLst>
+            <pc:docMk/>
+            <pc:sldMk cId="2622958319" sldId="275"/>
+            <ac:picMk id="40" creationId="{B67A1BC5-D4FF-4701-866E-103276E24880}"/>
+          </ac:picMkLst>
+        </pc:picChg>
+        <pc:picChg chg="add del">
+          <ac:chgData name="Yang Xu" userId="2ef8d03b0d59ea36" providerId="LiveId" clId="{BA46AAE0-4684-4C00-B2C3-B0D15247BA49}" dt="2020-01-01T10:27:25.191" v="187" actId="26606"/>
+          <ac:picMkLst>
+            <pc:docMk/>
+            <pc:sldMk cId="2622958319" sldId="275"/>
+            <ac:picMk id="42" creationId="{A15D7A4F-95FD-4688-8667-0BAC1AF33961}"/>
+          </ac:picMkLst>
+        </pc:picChg>
+        <pc:picChg chg="add del">
+          <ac:chgData name="Yang Xu" userId="2ef8d03b0d59ea36" providerId="LiveId" clId="{BA46AAE0-4684-4C00-B2C3-B0D15247BA49}" dt="2020-01-01T10:27:27.357" v="189" actId="26606"/>
+          <ac:picMkLst>
+            <pc:docMk/>
+            <pc:sldMk cId="2622958319" sldId="275"/>
+            <ac:picMk id="45" creationId="{983C8160-AABE-4F12-997A-C2D69F5B824E}"/>
+          </ac:picMkLst>
+        </pc:picChg>
+      </pc:sldChg>
+      <pc:sldChg chg="addSp delSp modSp add mod setBg">
+        <pc:chgData name="Yang Xu" userId="2ef8d03b0d59ea36" providerId="LiveId" clId="{BA46AAE0-4684-4C00-B2C3-B0D15247BA49}" dt="2020-01-01T10:27:50.441" v="200" actId="26606"/>
+        <pc:sldMkLst>
+          <pc:docMk/>
+          <pc:sldMk cId="2785584962" sldId="276"/>
+        </pc:sldMkLst>
+        <pc:spChg chg="mod">
+          <ac:chgData name="Yang Xu" userId="2ef8d03b0d59ea36" providerId="LiveId" clId="{BA46AAE0-4684-4C00-B2C3-B0D15247BA49}" dt="2020-01-01T10:27:50.441" v="200" actId="26606"/>
+          <ac:spMkLst>
+            <pc:docMk/>
+            <pc:sldMk cId="2785584962" sldId="276"/>
+            <ac:spMk id="2" creationId="{23399DFD-C3CB-4FB0-84A6-9181F0615368}"/>
+          </ac:spMkLst>
+        </pc:spChg>
+        <pc:spChg chg="add del mod">
+          <ac:chgData name="Yang Xu" userId="2ef8d03b0d59ea36" providerId="LiveId" clId="{BA46AAE0-4684-4C00-B2C3-B0D15247BA49}" dt="2020-01-01T10:27:50.441" v="200" actId="26606"/>
+          <ac:spMkLst>
+            <pc:docMk/>
+            <pc:sldMk cId="2785584962" sldId="276"/>
+            <ac:spMk id="3" creationId="{60C45019-F1A7-417B-B91B-8EA006508496}"/>
+          </ac:spMkLst>
+        </pc:spChg>
+        <pc:spChg chg="add del">
+          <ac:chgData name="Yang Xu" userId="2ef8d03b0d59ea36" providerId="LiveId" clId="{BA46AAE0-4684-4C00-B2C3-B0D15247BA49}" dt="2020-01-01T10:27:50.423" v="199" actId="26606"/>
+          <ac:spMkLst>
+            <pc:docMk/>
+            <pc:sldMk cId="2785584962" sldId="276"/>
+            <ac:spMk id="10" creationId="{172FA20E-3EEC-4201-BE1D-0563AE403A5D}"/>
+          </ac:spMkLst>
+        </pc:spChg>
+        <pc:spChg chg="add del">
+          <ac:chgData name="Yang Xu" userId="2ef8d03b0d59ea36" providerId="LiveId" clId="{BA46AAE0-4684-4C00-B2C3-B0D15247BA49}" dt="2020-01-01T10:27:50.423" v="199" actId="26606"/>
+          <ac:spMkLst>
+            <pc:docMk/>
+            <pc:sldMk cId="2785584962" sldId="276"/>
+            <ac:spMk id="14" creationId="{7AD29F78-0630-44F9-A0BE-D82D22910BEF}"/>
+          </ac:spMkLst>
+        </pc:spChg>
+        <pc:spChg chg="add del">
+          <ac:chgData name="Yang Xu" userId="2ef8d03b0d59ea36" providerId="LiveId" clId="{BA46AAE0-4684-4C00-B2C3-B0D15247BA49}" dt="2020-01-01T10:27:50.423" v="199" actId="26606"/>
+          <ac:spMkLst>
+            <pc:docMk/>
+            <pc:sldMk cId="2785584962" sldId="276"/>
+            <ac:spMk id="18" creationId="{2708AD19-3EA5-4EC5-BF8C-37B0A4B1956E}"/>
+          </ac:spMkLst>
+        </pc:spChg>
+        <pc:graphicFrameChg chg="add del">
+          <ac:chgData name="Yang Xu" userId="2ef8d03b0d59ea36" providerId="LiveId" clId="{BA46AAE0-4684-4C00-B2C3-B0D15247BA49}" dt="2020-01-01T10:27:50.423" v="199" actId="26606"/>
+          <ac:graphicFrameMkLst>
+            <pc:docMk/>
+            <pc:sldMk cId="2785584962" sldId="276"/>
+            <ac:graphicFrameMk id="5" creationId="{BF468BCA-5972-4456-BBCC-0F25567743B5}"/>
+          </ac:graphicFrameMkLst>
+        </pc:graphicFrameChg>
+        <pc:graphicFrameChg chg="add">
+          <ac:chgData name="Yang Xu" userId="2ef8d03b0d59ea36" providerId="LiveId" clId="{BA46AAE0-4684-4C00-B2C3-B0D15247BA49}" dt="2020-01-01T10:27:50.441" v="200" actId="26606"/>
+          <ac:graphicFrameMkLst>
+            <pc:docMk/>
+            <pc:sldMk cId="2785584962" sldId="276"/>
+            <ac:graphicFrameMk id="20" creationId="{DD366791-7138-47E8-8BB9-BE4A32C953CD}"/>
+          </ac:graphicFrameMkLst>
+        </pc:graphicFrameChg>
+        <pc:picChg chg="add del">
+          <ac:chgData name="Yang Xu" userId="2ef8d03b0d59ea36" providerId="LiveId" clId="{BA46AAE0-4684-4C00-B2C3-B0D15247BA49}" dt="2020-01-01T10:27:50.423" v="199" actId="26606"/>
+          <ac:picMkLst>
+            <pc:docMk/>
+            <pc:sldMk cId="2785584962" sldId="276"/>
+            <ac:picMk id="12" creationId="{AED7C419-9BA1-4696-B356-43EFEF183057}"/>
+          </ac:picMkLst>
+        </pc:picChg>
+        <pc:picChg chg="add del">
+          <ac:chgData name="Yang Xu" userId="2ef8d03b0d59ea36" providerId="LiveId" clId="{BA46AAE0-4684-4C00-B2C3-B0D15247BA49}" dt="2020-01-01T10:27:50.423" v="199" actId="26606"/>
+          <ac:picMkLst>
+            <pc:docMk/>
+            <pc:sldMk cId="2785584962" sldId="276"/>
+            <ac:picMk id="16" creationId="{E3E2E76B-5713-416F-9E1F-82EBA41BF4DA}"/>
+          </ac:picMkLst>
+        </pc:picChg>
+      </pc:sldChg>
+    </pc:docChg>
+  </pc:docChgLst>
+  <pc:docChgLst>
+    <pc:chgData name="Yang Xu" userId="2ef8d03b0d59ea36" providerId="LiveId" clId="{59A46A65-F8E2-4CB7-8C2F-ECFB84828387}"/>
+    <pc:docChg chg="undo custSel addSld modSld">
+      <pc:chgData name="Yang Xu" userId="2ef8d03b0d59ea36" providerId="LiveId" clId="{59A46A65-F8E2-4CB7-8C2F-ECFB84828387}" dt="2020-01-12T06:05:07.799" v="478" actId="20577"/>
+      <pc:docMkLst>
+        <pc:docMk/>
+      </pc:docMkLst>
+      <pc:sldChg chg="modSp">
+        <pc:chgData name="Yang Xu" userId="2ef8d03b0d59ea36" providerId="LiveId" clId="{59A46A65-F8E2-4CB7-8C2F-ECFB84828387}" dt="2020-01-12T05:21:52.754" v="26" actId="20577"/>
+        <pc:sldMkLst>
+          <pc:docMk/>
+          <pc:sldMk cId="1232935249" sldId="257"/>
+        </pc:sldMkLst>
+        <pc:spChg chg="mod">
+          <ac:chgData name="Yang Xu" userId="2ef8d03b0d59ea36" providerId="LiveId" clId="{59A46A65-F8E2-4CB7-8C2F-ECFB84828387}" dt="2020-01-12T05:21:52.754" v="26" actId="20577"/>
+          <ac:spMkLst>
+            <pc:docMk/>
+            <pc:sldMk cId="1232935249" sldId="257"/>
+            <ac:spMk id="2" creationId="{B4520B70-2A11-4C52-8CC0-6F63A2EF322F}"/>
+          </ac:spMkLst>
+        </pc:spChg>
+      </pc:sldChg>
+      <pc:sldChg chg="modSp add">
+        <pc:chgData name="Yang Xu" userId="2ef8d03b0d59ea36" providerId="LiveId" clId="{59A46A65-F8E2-4CB7-8C2F-ECFB84828387}" dt="2020-01-12T05:44:50.794" v="115"/>
+        <pc:sldMkLst>
+          <pc:docMk/>
+          <pc:sldMk cId="2402576325" sldId="268"/>
+        </pc:sldMkLst>
+        <pc:spChg chg="mod">
+          <ac:chgData name="Yang Xu" userId="2ef8d03b0d59ea36" providerId="LiveId" clId="{59A46A65-F8E2-4CB7-8C2F-ECFB84828387}" dt="2020-01-12T05:44:50.794" v="115"/>
+          <ac:spMkLst>
+            <pc:docMk/>
+            <pc:sldMk cId="2402576325" sldId="268"/>
+            <ac:spMk id="2" creationId="{78A799B8-A526-4081-9684-AA05E700BF3E}"/>
+          </ac:spMkLst>
+        </pc:spChg>
+      </pc:sldChg>
+      <pc:sldChg chg="modSp add">
+        <pc:chgData name="Yang Xu" userId="2ef8d03b0d59ea36" providerId="LiveId" clId="{59A46A65-F8E2-4CB7-8C2F-ECFB84828387}" dt="2020-01-12T05:50:08.973" v="453" actId="20577"/>
+        <pc:sldMkLst>
+          <pc:docMk/>
+          <pc:sldMk cId="2240970012" sldId="269"/>
+        </pc:sldMkLst>
+        <pc:spChg chg="mod">
+          <ac:chgData name="Yang Xu" userId="2ef8d03b0d59ea36" providerId="LiveId" clId="{59A46A65-F8E2-4CB7-8C2F-ECFB84828387}" dt="2020-01-12T05:45:35.109" v="128" actId="20577"/>
+          <ac:spMkLst>
+            <pc:docMk/>
+            <pc:sldMk cId="2240970012" sldId="269"/>
+            <ac:spMk id="2" creationId="{AAB6B0A1-B21D-47BA-BAA1-018D56E76A0A}"/>
+          </ac:spMkLst>
+        </pc:spChg>
+        <pc:spChg chg="mod">
+          <ac:chgData name="Yang Xu" userId="2ef8d03b0d59ea36" providerId="LiveId" clId="{59A46A65-F8E2-4CB7-8C2F-ECFB84828387}" dt="2020-01-12T05:50:08.973" v="453" actId="20577"/>
+          <ac:spMkLst>
+            <pc:docMk/>
+            <pc:sldMk cId="2240970012" sldId="269"/>
+            <ac:spMk id="3" creationId="{4D180504-7814-4FE5-A5C5-EA3A247569C0}"/>
+          </ac:spMkLst>
+        </pc:spChg>
+      </pc:sldChg>
+      <pc:sldChg chg="modSp add">
+        <pc:chgData name="Yang Xu" userId="2ef8d03b0d59ea36" providerId="LiveId" clId="{59A46A65-F8E2-4CB7-8C2F-ECFB84828387}" dt="2020-01-12T06:05:07.799" v="478" actId="20577"/>
+        <pc:sldMkLst>
+          <pc:docMk/>
+          <pc:sldMk cId="4255453007" sldId="270"/>
+        </pc:sldMkLst>
+        <pc:spChg chg="mod">
+          <ac:chgData name="Yang Xu" userId="2ef8d03b0d59ea36" providerId="LiveId" clId="{59A46A65-F8E2-4CB7-8C2F-ECFB84828387}" dt="2020-01-12T06:05:07.799" v="478" actId="20577"/>
+          <ac:spMkLst>
+            <pc:docMk/>
+            <pc:sldMk cId="4255453007" sldId="270"/>
+            <ac:spMk id="2" creationId="{55DF7E47-6EEC-4FC5-8755-7053AE7D8AF0}"/>
+          </ac:spMkLst>
+        </pc:spChg>
+      </pc:sldChg>
+    </pc:docChg>
+  </pc:docChgLst>
+  <pc:docChgLst>
+    <pc:chgData name="Yang Xu" userId="2ef8d03b0d59ea36" providerId="LiveId" clId="{A1F02554-5150-4473-845A-461F7ADDB281}"/>
+    <pc:docChg chg="modSld">
+      <pc:chgData name="Yang Xu" userId="2ef8d03b0d59ea36" providerId="LiveId" clId="{A1F02554-5150-4473-845A-461F7ADDB281}" dt="2019-12-18T12:41:54.423" v="21" actId="20577"/>
+      <pc:docMkLst>
+        <pc:docMk/>
+      </pc:docMkLst>
+      <pc:sldChg chg="modSp">
+        <pc:chgData name="Yang Xu" userId="2ef8d03b0d59ea36" providerId="LiveId" clId="{A1F02554-5150-4473-845A-461F7ADDB281}" dt="2019-12-18T12:41:54.423" v="21" actId="20577"/>
+        <pc:sldMkLst>
+          <pc:docMk/>
+          <pc:sldMk cId="1232935249" sldId="257"/>
+        </pc:sldMkLst>
+        <pc:spChg chg="mod">
+          <ac:chgData name="Yang Xu" userId="2ef8d03b0d59ea36" providerId="LiveId" clId="{A1F02554-5150-4473-845A-461F7ADDB281}" dt="2019-12-18T12:41:54.423" v="21" actId="20577"/>
+          <ac:spMkLst>
+            <pc:docMk/>
+            <pc:sldMk cId="1232935249" sldId="257"/>
+            <ac:spMk id="2" creationId="{B4520B70-2A11-4C52-8CC0-6F63A2EF322F}"/>
+          </ac:spMkLst>
+        </pc:spChg>
+      </pc:sldChg>
+    </pc:docChg>
+  </pc:docChgLst>
+  <pc:docChgLst>
+    <pc:chgData name="Yang Xu" userId="2ef8d03b0d59ea36" providerId="LiveId" clId="{103D143D-49C3-4567-ADE6-EA2F0763870D}"/>
+    <pc:docChg chg="custSel mod addSld modSld">
+      <pc:chgData name="Yang Xu" userId="2ef8d03b0d59ea36" providerId="LiveId" clId="{103D143D-49C3-4567-ADE6-EA2F0763870D}" dt="2019-12-16T12:56:52.167" v="158"/>
+      <pc:docMkLst>
+        <pc:docMk/>
+      </pc:docMkLst>
+      <pc:sldChg chg="modSp">
+        <pc:chgData name="Yang Xu" userId="2ef8d03b0d59ea36" providerId="LiveId" clId="{103D143D-49C3-4567-ADE6-EA2F0763870D}" dt="2019-12-16T12:54:24.259" v="45" actId="6549"/>
+        <pc:sldMkLst>
+          <pc:docMk/>
+          <pc:sldMk cId="1232935249" sldId="257"/>
+        </pc:sldMkLst>
+        <pc:spChg chg="mod">
+          <ac:chgData name="Yang Xu" userId="2ef8d03b0d59ea36" providerId="LiveId" clId="{103D143D-49C3-4567-ADE6-EA2F0763870D}" dt="2019-12-16T12:54:15.637" v="44" actId="20577"/>
+          <ac:spMkLst>
+            <pc:docMk/>
+            <pc:sldMk cId="1232935249" sldId="257"/>
+            <ac:spMk id="2" creationId="{B4520B70-2A11-4C52-8CC0-6F63A2EF322F}"/>
+          </ac:spMkLst>
+        </pc:spChg>
+        <pc:spChg chg="mod">
+          <ac:chgData name="Yang Xu" userId="2ef8d03b0d59ea36" providerId="LiveId" clId="{103D143D-49C3-4567-ADE6-EA2F0763870D}" dt="2019-12-16T12:54:24.259" v="45" actId="6549"/>
+          <ac:spMkLst>
+            <pc:docMk/>
+            <pc:sldMk cId="1232935249" sldId="257"/>
+            <ac:spMk id="3" creationId="{C3BAE5F0-36E7-4AA5-9FD3-F3CB959A2B69}"/>
           </ac:spMkLst>
         </pc:spChg>
       </pc:sldChg>
@@ -4969,7 +4966,7 @@
           <a:p>
             <a:fld id="{AF239A9A-B4B0-4B32-B8CD-2E25E95134C4}" type="datetimeFigureOut">
               <a:rPr lang="en-US" smtClean="0"/>
-              <a:t>2/4/2020</a:t>
+              <a:t>6/9/2021</a:t>
             </a:fld>
             <a:endParaRPr lang="en-US" dirty="0"/>
           </a:p>
@@ -5383,7 +5380,7 @@
           <a:p>
             <a:fld id="{F25518A9-B687-4302-9395-2322403C6656}" type="datetimeFigureOut">
               <a:rPr lang="en-US" smtClean="0"/>
-              <a:t>2/4/2020</a:t>
+              <a:t>6/9/2021</a:t>
             </a:fld>
             <a:endParaRPr lang="en-US" dirty="0"/>
           </a:p>
@@ -5719,7 +5716,7 @@
           <a:p>
             <a:fld id="{1A99A684-0CB7-41E9-A4DF-5D1C2CA5BF6F}" type="datetimeFigureOut">
               <a:rPr lang="en-US" smtClean="0"/>
-              <a:t>2/4/2020</a:t>
+              <a:t>6/9/2021</a:t>
             </a:fld>
             <a:endParaRPr lang="en-US" dirty="0"/>
           </a:p>
@@ -6124,7 +6121,7 @@
           <a:p>
             <a:fld id="{FEDD7C35-9E19-4518-A4B2-3B09CD8CC756}" type="datetimeFigureOut">
               <a:rPr lang="en-US" smtClean="0"/>
-              <a:t>2/4/2020</a:t>
+              <a:t>6/9/2021</a:t>
             </a:fld>
             <a:endParaRPr lang="en-US" dirty="0"/>
           </a:p>
@@ -6692,7 +6689,7 @@
           <a:p>
             <a:fld id="{26196DA8-8897-4DDF-BFB6-5D83863C837A}" type="datetimeFigureOut">
               <a:rPr lang="en-US" smtClean="0"/>
-              <a:t>2/4/2020</a:t>
+              <a:t>6/9/2021</a:t>
             </a:fld>
             <a:endParaRPr lang="en-US" dirty="0"/>
           </a:p>
@@ -7373,7 +7370,7 @@
           <a:p>
             <a:fld id="{DCBBA708-C5F0-412D-90E2-1919F0D196AE}" type="datetimeFigureOut">
               <a:rPr lang="en-US" smtClean="0"/>
-              <a:t>2/4/2020</a:t>
+              <a:t>6/9/2021</a:t>
             </a:fld>
             <a:endParaRPr lang="en-US" dirty="0"/>
           </a:p>
@@ -8286,7 +8283,7 @@
           <a:p>
             <a:fld id="{A9C8F8FA-EF43-4642-9368-3F4E33039BD9}" type="datetimeFigureOut">
               <a:rPr lang="en-US" smtClean="0"/>
-              <a:t>2/4/2020</a:t>
+              <a:t>6/9/2021</a:t>
             </a:fld>
             <a:endParaRPr lang="en-US" dirty="0"/>
           </a:p>
@@ -8599,7 +8596,7 @@
           <a:p>
             <a:fld id="{6B61E721-B01C-4D5D-A3CA-2E5518383F10}" type="datetimeFigureOut">
               <a:rPr lang="en-US" smtClean="0"/>
-              <a:t>2/4/2020</a:t>
+              <a:t>6/9/2021</a:t>
             </a:fld>
             <a:endParaRPr lang="en-US" dirty="0"/>
           </a:p>
@@ -8863,7 +8860,7 @@
           <a:p>
             <a:fld id="{6513FEF9-69D0-4F8C-A336-59491FBEDC47}" type="datetimeFigureOut">
               <a:rPr lang="en-US" smtClean="0"/>
-              <a:t>2/4/2020</a:t>
+              <a:t>6/9/2021</a:t>
             </a:fld>
             <a:endParaRPr lang="en-US" dirty="0"/>
           </a:p>
@@ -9187,7 +9184,7 @@
           <a:p>
             <a:fld id="{A91E21DC-8981-44E6-BC8C-2BA8F673FFBB}" type="datetimeFigureOut">
               <a:rPr lang="en-US" smtClean="0"/>
-              <a:t>2/4/2020</a:t>
+              <a:t>6/9/2021</a:t>
             </a:fld>
             <a:endParaRPr lang="en-US" dirty="0"/>
           </a:p>
@@ -9576,7 +9573,7 @@
           <a:p>
             <a:fld id="{AEB9C5D3-0140-4E75-8D7F-C0623D06DFD7}" type="datetimeFigureOut">
               <a:rPr lang="en-US" smtClean="0"/>
-              <a:t>2/4/2020</a:t>
+              <a:t>6/9/2021</a:t>
             </a:fld>
             <a:endParaRPr lang="en-US" dirty="0"/>
           </a:p>
@@ -9952,7 +9949,7 @@
           <a:p>
             <a:fld id="{3A5666F9-5B40-48E0-8DFD-99EF944CDD22}" type="datetimeFigureOut">
               <a:rPr lang="en-US" smtClean="0"/>
-              <a:t>2/4/2020</a:t>
+              <a:t>6/9/2021</a:t>
             </a:fld>
             <a:endParaRPr lang="en-US" dirty="0"/>
           </a:p>
@@ -10458,7 +10455,7 @@
           <a:p>
             <a:fld id="{2A698D6B-2C72-4E21-9893-A649C6E2A47D}" type="datetimeFigureOut">
               <a:rPr lang="en-US" smtClean="0"/>
-              <a:t>2/4/2020</a:t>
+              <a:t>6/9/2021</a:t>
             </a:fld>
             <a:endParaRPr lang="en-US" dirty="0"/>
           </a:p>
@@ -10715,7 +10712,7 @@
           <a:p>
             <a:fld id="{C86811C9-A66C-49F0-970E-F7B68D9109A0}" type="datetimeFigureOut">
               <a:rPr lang="en-US" smtClean="0"/>
-              <a:t>2/4/2020</a:t>
+              <a:t>6/9/2021</a:t>
             </a:fld>
             <a:endParaRPr lang="en-US" dirty="0"/>
           </a:p>
@@ -10878,7 +10875,7 @@
           <a:p>
             <a:fld id="{6C01AE78-96A2-4A23-B183-3B6DB4374FE7}" type="datetimeFigureOut">
               <a:rPr lang="en-US" smtClean="0"/>
-              <a:t>2/4/2020</a:t>
+              <a:t>6/9/2021</a:t>
             </a:fld>
             <a:endParaRPr lang="en-US" dirty="0"/>
           </a:p>
@@ -11268,7 +11265,7 @@
           <a:p>
             <a:fld id="{73AE0757-B101-4811-9189-10EB2F458E2D}" type="datetimeFigureOut">
               <a:rPr lang="en-US" smtClean="0"/>
-              <a:t>2/4/2020</a:t>
+              <a:t>6/9/2021</a:t>
             </a:fld>
             <a:endParaRPr lang="en-US" dirty="0"/>
           </a:p>
@@ -11677,7 +11674,7 @@
           <a:p>
             <a:fld id="{7EBDC078-589F-40E3-816C-EE21D62B5BBA}" type="datetimeFigureOut">
               <a:rPr lang="en-US" smtClean="0"/>
-              <a:t>2/4/2020</a:t>
+              <a:t>6/9/2021</a:t>
             </a:fld>
             <a:endParaRPr lang="en-US" dirty="0"/>
           </a:p>
@@ -11921,7 +11918,7 @@
           <a:p>
             <a:fld id="{C7004436-CA73-4D53-89B4-2A5C7347BF2F}" type="datetimeFigureOut">
               <a:rPr lang="en-US" smtClean="0"/>
-              <a:t>2/4/2020</a:t>
+              <a:t>6/9/2021</a:t>
             </a:fld>
             <a:endParaRPr lang="en-US" dirty="0"/>
           </a:p>
@@ -12339,263 +12336,6 @@
           <p:cNvPr id="2" name="Title 1">
             <a:extLst>
               <a:ext uri="{FF2B5EF4-FFF2-40B4-BE49-F238E27FC236}">
-                <a16:creationId xmlns:a16="http://schemas.microsoft.com/office/drawing/2014/main" id="{003A01C2-B11E-4CC0-A4C6-16EAB38D7B58}"/>
-              </a:ext>
-            </a:extLst>
-          </p:cNvPr>
-          <p:cNvSpPr>
-            <a:spLocks noGrp="1"/>
-          </p:cNvSpPr>
-          <p:nvPr>
-            <p:ph type="ctrTitle"/>
-          </p:nvPr>
-        </p:nvSpPr>
-        <p:spPr/>
-        <p:txBody>
-          <a:bodyPr/>
-          <a:lstStyle/>
-          <a:p>
-            <a:r>
-              <a:rPr lang="en-US" dirty="0"/>
-              <a:t>ASP.NET Core 3.x </a:t>
-            </a:r>
-            <a:br>
-              <a:rPr lang="en-US" dirty="0"/>
-            </a:br>
-            <a:r>
-              <a:rPr lang="zh-CN" altLang="en-US" dirty="0"/>
-              <a:t>构建</a:t>
-            </a:r>
-            <a:r>
-              <a:rPr lang="en-US" dirty="0"/>
-              <a:t> RESTful API</a:t>
-            </a:r>
-          </a:p>
-        </p:txBody>
-      </p:sp>
-      <p:sp>
-        <p:nvSpPr>
-          <p:cNvPr id="3" name="Subtitle 2">
-            <a:extLst>
-              <a:ext uri="{FF2B5EF4-FFF2-40B4-BE49-F238E27FC236}">
-                <a16:creationId xmlns:a16="http://schemas.microsoft.com/office/drawing/2014/main" id="{40575951-5C1F-4B5C-8FC6-E1403B60445E}"/>
-              </a:ext>
-            </a:extLst>
-          </p:cNvPr>
-          <p:cNvSpPr>
-            <a:spLocks noGrp="1"/>
-          </p:cNvSpPr>
-          <p:nvPr>
-            <p:ph type="subTitle" idx="1"/>
-          </p:nvPr>
-        </p:nvSpPr>
-        <p:spPr/>
-        <p:txBody>
-          <a:bodyPr>
-            <a:normAutofit/>
-          </a:bodyPr>
-          <a:lstStyle/>
-          <a:p>
-            <a:pPr algn="l"/>
-            <a:r>
-              <a:rPr lang="zh-CN" altLang="en-US" sz="3200" dirty="0"/>
-              <a:t>杨旭，微软</a:t>
-            </a:r>
-            <a:r>
-              <a:rPr lang="en-US" altLang="zh-CN" sz="3200" dirty="0"/>
-              <a:t>MVP</a:t>
-            </a:r>
-            <a:endParaRPr lang="en-US" sz="3200" dirty="0"/>
-          </a:p>
-        </p:txBody>
-      </p:sp>
-      <p:pic>
-        <p:nvPicPr>
-          <p:cNvPr id="5" name="Picture 4">
-            <a:extLst>
-              <a:ext uri="{FF2B5EF4-FFF2-40B4-BE49-F238E27FC236}">
-                <a16:creationId xmlns:a16="http://schemas.microsoft.com/office/drawing/2014/main" id="{B7C01389-E2C2-4840-89CA-63909206BD90}"/>
-              </a:ext>
-            </a:extLst>
-          </p:cNvPr>
-          <p:cNvPicPr>
-            <a:picLocks noChangeAspect="1"/>
-          </p:cNvPicPr>
-          <p:nvPr/>
-        </p:nvPicPr>
-        <p:blipFill>
-          <a:blip r:embed="rId2"/>
-          <a:stretch>
-            <a:fillRect/>
-          </a:stretch>
-        </p:blipFill>
-        <p:spPr>
-          <a:xfrm>
-            <a:off x="5079877" y="4394040"/>
-            <a:ext cx="1117688" cy="1117688"/>
-          </a:xfrm>
-          <a:prstGeom prst="rect">
-            <a:avLst/>
-          </a:prstGeom>
-        </p:spPr>
-      </p:pic>
-      <p:pic>
-        <p:nvPicPr>
-          <p:cNvPr id="7" name="Picture 6">
-            <a:extLst>
-              <a:ext uri="{FF2B5EF4-FFF2-40B4-BE49-F238E27FC236}">
-                <a16:creationId xmlns:a16="http://schemas.microsoft.com/office/drawing/2014/main" id="{C9FBF2F0-EF59-408B-95FF-C88CCA1A3F12}"/>
-              </a:ext>
-            </a:extLst>
-          </p:cNvPr>
-          <p:cNvPicPr>
-            <a:picLocks noChangeAspect="1"/>
-          </p:cNvPicPr>
-          <p:nvPr/>
-        </p:nvPicPr>
-        <p:blipFill>
-          <a:blip r:embed="rId3"/>
-          <a:stretch>
-            <a:fillRect/>
-          </a:stretch>
-        </p:blipFill>
-        <p:spPr>
-          <a:xfrm>
-            <a:off x="6197565" y="4394039"/>
-            <a:ext cx="2770241" cy="1117687"/>
-          </a:xfrm>
-          <a:prstGeom prst="rect">
-            <a:avLst/>
-          </a:prstGeom>
-        </p:spPr>
-      </p:pic>
-    </p:spTree>
-    <p:extLst>
-      <p:ext uri="{BB962C8B-B14F-4D97-AF65-F5344CB8AC3E}">
-        <p14:creationId xmlns:p14="http://schemas.microsoft.com/office/powerpoint/2010/main" val="3658131297"/>
-      </p:ext>
-    </p:extLst>
-  </p:cSld>
-  <p:clrMapOvr>
-    <a:masterClrMapping/>
-  </p:clrMapOvr>
-</p:sld>
-</file>
-
-<file path=ppt/slides/slide2.xml><?xml version="1.0" encoding="utf-8"?>
-<p:sld xmlns:a="http://schemas.openxmlformats.org/drawingml/2006/main" xmlns:r="http://schemas.openxmlformats.org/officeDocument/2006/relationships" xmlns:p="http://schemas.openxmlformats.org/presentationml/2006/main">
-  <p:cSld>
-    <p:spTree>
-      <p:nvGrpSpPr>
-        <p:cNvPr id="1" name=""/>
-        <p:cNvGrpSpPr/>
-        <p:nvPr/>
-      </p:nvGrpSpPr>
-      <p:grpSpPr>
-        <a:xfrm>
-          <a:off x="0" y="0"/>
-          <a:ext cx="0" cy="0"/>
-          <a:chOff x="0" y="0"/>
-          <a:chExt cx="0" cy="0"/>
-        </a:xfrm>
-      </p:grpSpPr>
-      <p:sp>
-        <p:nvSpPr>
-          <p:cNvPr id="2" name="Title 1">
-            <a:extLst>
-              <a:ext uri="{FF2B5EF4-FFF2-40B4-BE49-F238E27FC236}">
-                <a16:creationId xmlns:a16="http://schemas.microsoft.com/office/drawing/2014/main" id="{B4520B70-2A11-4C52-8CC0-6F63A2EF322F}"/>
-              </a:ext>
-            </a:extLst>
-          </p:cNvPr>
-          <p:cNvSpPr>
-            <a:spLocks noGrp="1"/>
-          </p:cNvSpPr>
-          <p:nvPr>
-            <p:ph type="ctrTitle"/>
-          </p:nvPr>
-        </p:nvSpPr>
-        <p:spPr/>
-        <p:txBody>
-          <a:bodyPr/>
-          <a:lstStyle/>
-          <a:p>
-            <a:r>
-              <a:rPr lang="en-US" dirty="0"/>
-              <a:t>37. </a:t>
-            </a:r>
-            <a:r>
-              <a:rPr lang="zh-CN" altLang="en-US" dirty="0"/>
-              <a:t>排序</a:t>
-            </a:r>
-            <a:endParaRPr lang="en-US" dirty="0"/>
-          </a:p>
-        </p:txBody>
-      </p:sp>
-      <p:sp>
-        <p:nvSpPr>
-          <p:cNvPr id="3" name="Subtitle 2">
-            <a:extLst>
-              <a:ext uri="{FF2B5EF4-FFF2-40B4-BE49-F238E27FC236}">
-                <a16:creationId xmlns:a16="http://schemas.microsoft.com/office/drawing/2014/main" id="{C3BAE5F0-36E7-4AA5-9FD3-F3CB959A2B69}"/>
-              </a:ext>
-            </a:extLst>
-          </p:cNvPr>
-          <p:cNvSpPr>
-            <a:spLocks noGrp="1"/>
-          </p:cNvSpPr>
-          <p:nvPr>
-            <p:ph type="subTitle" idx="1"/>
-          </p:nvPr>
-        </p:nvSpPr>
-        <p:spPr/>
-        <p:txBody>
-          <a:bodyPr/>
-          <a:lstStyle/>
-          <a:p>
-            <a:r>
-              <a:rPr lang="en-US" altLang="zh-CN" dirty="0"/>
-              <a:t>coding</a:t>
-            </a:r>
-            <a:endParaRPr lang="en-US" dirty="0"/>
-          </a:p>
-        </p:txBody>
-      </p:sp>
-    </p:spTree>
-    <p:extLst>
-      <p:ext uri="{BB962C8B-B14F-4D97-AF65-F5344CB8AC3E}">
-        <p14:creationId xmlns:p14="http://schemas.microsoft.com/office/powerpoint/2010/main" val="1232935249"/>
-      </p:ext>
-    </p:extLst>
-  </p:cSld>
-  <p:clrMapOvr>
-    <a:masterClrMapping/>
-  </p:clrMapOvr>
-</p:sld>
-</file>
-
-<file path=ppt/slides/slide3.xml><?xml version="1.0" encoding="utf-8"?>
-<p:sld xmlns:a="http://schemas.openxmlformats.org/drawingml/2006/main" xmlns:r="http://schemas.openxmlformats.org/officeDocument/2006/relationships" xmlns:p="http://schemas.openxmlformats.org/presentationml/2006/main">
-  <p:cSld>
-    <p:spTree>
-      <p:nvGrpSpPr>
-        <p:cNvPr id="1" name=""/>
-        <p:cNvGrpSpPr/>
-        <p:nvPr/>
-      </p:nvGrpSpPr>
-      <p:grpSpPr>
-        <a:xfrm>
-          <a:off x="0" y="0"/>
-          <a:ext cx="0" cy="0"/>
-          <a:chOff x="0" y="0"/>
-          <a:chExt cx="0" cy="0"/>
-        </a:xfrm>
-      </p:grpSpPr>
-      <p:sp>
-        <p:nvSpPr>
-          <p:cNvPr id="2" name="Title 1">
-            <a:extLst>
-              <a:ext uri="{FF2B5EF4-FFF2-40B4-BE49-F238E27FC236}">
                 <a16:creationId xmlns:a16="http://schemas.microsoft.com/office/drawing/2014/main" id="{E8D580C2-92EC-4A21-933F-FAD5E1F5BC3E}"/>
               </a:ext>
             </a:extLst>
@@ -12853,125 +12593,6 @@
     <p:extLst>
       <p:ext uri="{BB962C8B-B14F-4D97-AF65-F5344CB8AC3E}">
         <p14:creationId xmlns:p14="http://schemas.microsoft.com/office/powerpoint/2010/main" val="4214042525"/>
-      </p:ext>
-    </p:extLst>
-  </p:cSld>
-  <p:clrMapOvr>
-    <a:masterClrMapping/>
-  </p:clrMapOvr>
-</p:sld>
-</file>
-
-<file path=ppt/slides/slide4.xml><?xml version="1.0" encoding="utf-8"?>
-<p:sld xmlns:a="http://schemas.openxmlformats.org/drawingml/2006/main" xmlns:r="http://schemas.openxmlformats.org/officeDocument/2006/relationships" xmlns:p="http://schemas.openxmlformats.org/presentationml/2006/main">
-  <p:cSld>
-    <p:spTree>
-      <p:nvGrpSpPr>
-        <p:cNvPr id="1" name=""/>
-        <p:cNvGrpSpPr/>
-        <p:nvPr/>
-      </p:nvGrpSpPr>
-      <p:grpSpPr>
-        <a:xfrm>
-          <a:off x="0" y="0"/>
-          <a:ext cx="0" cy="0"/>
-          <a:chOff x="0" y="0"/>
-          <a:chExt cx="0" cy="0"/>
-        </a:xfrm>
-      </p:grpSpPr>
-      <p:sp>
-        <p:nvSpPr>
-          <p:cNvPr id="2" name="Title 1">
-            <a:extLst>
-              <a:ext uri="{FF2B5EF4-FFF2-40B4-BE49-F238E27FC236}">
-                <a16:creationId xmlns:a16="http://schemas.microsoft.com/office/drawing/2014/main" id="{EE4558DA-7EC3-4DD4-9045-AB71369A5709}"/>
-              </a:ext>
-            </a:extLst>
-          </p:cNvPr>
-          <p:cNvSpPr>
-            <a:spLocks noGrp="1"/>
-          </p:cNvSpPr>
-          <p:nvPr>
-            <p:ph type="title"/>
-          </p:nvPr>
-        </p:nvSpPr>
-        <p:spPr/>
-        <p:txBody>
-          <a:bodyPr/>
-          <a:lstStyle/>
-          <a:p>
-            <a:r>
-              <a:rPr lang="zh-CN" altLang="en-US" dirty="0"/>
-              <a:t>再见</a:t>
-            </a:r>
-            <a:endParaRPr lang="en-US" dirty="0"/>
-          </a:p>
-        </p:txBody>
-      </p:sp>
-      <p:pic>
-        <p:nvPicPr>
-          <p:cNvPr id="6" name="Content Placeholder 5">
-            <a:extLst>
-              <a:ext uri="{FF2B5EF4-FFF2-40B4-BE49-F238E27FC236}">
-                <a16:creationId xmlns:a16="http://schemas.microsoft.com/office/drawing/2014/main" id="{C009A133-7DD5-4DB2-AB56-9CD2E6AEA5AD}"/>
-              </a:ext>
-            </a:extLst>
-          </p:cNvPr>
-          <p:cNvPicPr>
-            <a:picLocks noGrp="1" noChangeAspect="1"/>
-          </p:cNvPicPr>
-          <p:nvPr>
-            <p:ph idx="1"/>
-          </p:nvPr>
-        </p:nvPicPr>
-        <p:blipFill>
-          <a:blip r:embed="rId2"/>
-          <a:stretch>
-            <a:fillRect/>
-          </a:stretch>
-        </p:blipFill>
-        <p:spPr>
-          <a:xfrm>
-            <a:off x="5852319" y="2497931"/>
-            <a:ext cx="3276600" cy="3276600"/>
-          </a:xfrm>
-        </p:spPr>
-      </p:pic>
-      <p:sp>
-        <p:nvSpPr>
-          <p:cNvPr id="4" name="Text Placeholder 3">
-            <a:extLst>
-              <a:ext uri="{FF2B5EF4-FFF2-40B4-BE49-F238E27FC236}">
-                <a16:creationId xmlns:a16="http://schemas.microsoft.com/office/drawing/2014/main" id="{8E3010BD-2445-4080-A314-D04650863E19}"/>
-              </a:ext>
-            </a:extLst>
-          </p:cNvPr>
-          <p:cNvSpPr>
-            <a:spLocks noGrp="1"/>
-          </p:cNvSpPr>
-          <p:nvPr>
-            <p:ph type="body" sz="half" idx="2"/>
-          </p:nvPr>
-        </p:nvSpPr>
-        <p:spPr/>
-        <p:txBody>
-          <a:bodyPr>
-            <a:normAutofit/>
-          </a:bodyPr>
-          <a:lstStyle/>
-          <a:p>
-            <a:r>
-              <a:rPr lang="zh-CN" altLang="en-US" sz="3200" b="1" dirty="0"/>
-              <a:t>公众号：草根专栏</a:t>
-            </a:r>
-            <a:endParaRPr lang="en-US" sz="3200" b="1" dirty="0"/>
-          </a:p>
-        </p:txBody>
-      </p:sp>
-    </p:spTree>
-    <p:extLst>
-      <p:ext uri="{BB962C8B-B14F-4D97-AF65-F5344CB8AC3E}">
-        <p14:creationId xmlns:p14="http://schemas.microsoft.com/office/powerpoint/2010/main" val="3583624961"/>
       </p:ext>
     </p:extLst>
   </p:cSld>
